--- a/presentation.pptx
+++ b/presentation.pptx
@@ -16,47 +16,48 @@
     <p:sldId id="305" r:id="rId10"/>
     <p:sldId id="263" r:id="rId11"/>
     <p:sldId id="262" r:id="rId12"/>
-    <p:sldId id="261" r:id="rId13"/>
-    <p:sldId id="271" r:id="rId14"/>
-    <p:sldId id="282" r:id="rId15"/>
-    <p:sldId id="265" r:id="rId16"/>
-    <p:sldId id="266" r:id="rId17"/>
-    <p:sldId id="276" r:id="rId18"/>
-    <p:sldId id="277" r:id="rId19"/>
-    <p:sldId id="283" r:id="rId20"/>
-    <p:sldId id="284" r:id="rId21"/>
-    <p:sldId id="288" r:id="rId22"/>
-    <p:sldId id="289" r:id="rId23"/>
-    <p:sldId id="267" r:id="rId24"/>
-    <p:sldId id="290" r:id="rId25"/>
-    <p:sldId id="291" r:id="rId26"/>
-    <p:sldId id="292" r:id="rId27"/>
-    <p:sldId id="293" r:id="rId28"/>
-    <p:sldId id="294" r:id="rId29"/>
-    <p:sldId id="295" r:id="rId30"/>
-    <p:sldId id="268" r:id="rId31"/>
-    <p:sldId id="285" r:id="rId32"/>
-    <p:sldId id="286" r:id="rId33"/>
-    <p:sldId id="270" r:id="rId34"/>
-    <p:sldId id="296" r:id="rId35"/>
-    <p:sldId id="297" r:id="rId36"/>
-    <p:sldId id="298" r:id="rId37"/>
-    <p:sldId id="303" r:id="rId38"/>
-    <p:sldId id="306" r:id="rId39"/>
-    <p:sldId id="307" r:id="rId40"/>
-    <p:sldId id="308" r:id="rId41"/>
-    <p:sldId id="309" r:id="rId42"/>
-    <p:sldId id="287" r:id="rId43"/>
-    <p:sldId id="304" r:id="rId44"/>
-    <p:sldId id="302" r:id="rId45"/>
-    <p:sldId id="299" r:id="rId46"/>
-    <p:sldId id="269" r:id="rId47"/>
-    <p:sldId id="301" r:id="rId48"/>
-    <p:sldId id="300" r:id="rId49"/>
-    <p:sldId id="279" r:id="rId50"/>
-    <p:sldId id="280" r:id="rId51"/>
-    <p:sldId id="281" r:id="rId52"/>
-    <p:sldId id="310" r:id="rId53"/>
+    <p:sldId id="311" r:id="rId13"/>
+    <p:sldId id="261" r:id="rId14"/>
+    <p:sldId id="271" r:id="rId15"/>
+    <p:sldId id="282" r:id="rId16"/>
+    <p:sldId id="265" r:id="rId17"/>
+    <p:sldId id="266" r:id="rId18"/>
+    <p:sldId id="276" r:id="rId19"/>
+    <p:sldId id="277" r:id="rId20"/>
+    <p:sldId id="283" r:id="rId21"/>
+    <p:sldId id="284" r:id="rId22"/>
+    <p:sldId id="288" r:id="rId23"/>
+    <p:sldId id="289" r:id="rId24"/>
+    <p:sldId id="267" r:id="rId25"/>
+    <p:sldId id="290" r:id="rId26"/>
+    <p:sldId id="291" r:id="rId27"/>
+    <p:sldId id="292" r:id="rId28"/>
+    <p:sldId id="293" r:id="rId29"/>
+    <p:sldId id="294" r:id="rId30"/>
+    <p:sldId id="295" r:id="rId31"/>
+    <p:sldId id="268" r:id="rId32"/>
+    <p:sldId id="285" r:id="rId33"/>
+    <p:sldId id="286" r:id="rId34"/>
+    <p:sldId id="270" r:id="rId35"/>
+    <p:sldId id="296" r:id="rId36"/>
+    <p:sldId id="297" r:id="rId37"/>
+    <p:sldId id="298" r:id="rId38"/>
+    <p:sldId id="303" r:id="rId39"/>
+    <p:sldId id="306" r:id="rId40"/>
+    <p:sldId id="307" r:id="rId41"/>
+    <p:sldId id="308" r:id="rId42"/>
+    <p:sldId id="309" r:id="rId43"/>
+    <p:sldId id="287" r:id="rId44"/>
+    <p:sldId id="304" r:id="rId45"/>
+    <p:sldId id="302" r:id="rId46"/>
+    <p:sldId id="299" r:id="rId47"/>
+    <p:sldId id="269" r:id="rId48"/>
+    <p:sldId id="301" r:id="rId49"/>
+    <p:sldId id="300" r:id="rId50"/>
+    <p:sldId id="279" r:id="rId51"/>
+    <p:sldId id="280" r:id="rId52"/>
+    <p:sldId id="281" r:id="rId53"/>
+    <p:sldId id="310" r:id="rId54"/>
   </p:sldIdLst>
   <p:sldSz cx="9144000" cy="6858000" type="screen4x3"/>
   <p:notesSz cx="6858000" cy="9144000"/>
@@ -155,6 +156,11 @@
       </a:defRPr>
     </a:lvl9pPr>
   </p:defaultTextStyle>
+  <p:extLst>
+    <p:ext uri="{EFAFB233-063F-42B5-8137-9DF3F51BA10A}">
+      <p15:sldGuideLst xmlns:p15="http://schemas.microsoft.com/office/powerpoint/2012/main"/>
+    </p:ext>
+  </p:extLst>
 </p:presentation>
 </file>
 
@@ -322,7 +328,7 @@
             <a:fld id="{08B9EBBA-996F-894A-B54A-D6246ED52CEA}" type="datetimeFigureOut">
               <a:rPr lang="en-US" smtClean="0"/>
               <a:pPr/>
-              <a:t>4/15/16</a:t>
+              <a:t>4/19/16</a:t>
             </a:fld>
             <a:endParaRPr lang="en-US" dirty="0"/>
           </a:p>
@@ -499,7 +505,7 @@
             <a:fld id="{C6C52C72-DE31-F449-A4ED-4C594FD91407}" type="datetimeFigureOut">
               <a:rPr lang="en-US" smtClean="0"/>
               <a:pPr/>
-              <a:t>4/15/16</a:t>
+              <a:t>4/19/16</a:t>
             </a:fld>
             <a:endParaRPr lang="en-US" dirty="0"/>
           </a:p>
@@ -681,7 +687,7 @@
             <a:fld id="{ED62726E-379B-B349-9EED-81ED093FA806}" type="datetimeFigureOut">
               <a:rPr lang="en-US" smtClean="0"/>
               <a:pPr/>
-              <a:t>4/15/16</a:t>
+              <a:t>4/19/16</a:t>
             </a:fld>
             <a:endParaRPr lang="en-US" dirty="0"/>
           </a:p>
@@ -858,7 +864,7 @@
             <a:fld id="{9B3A1323-8D79-1946-B0D7-40001CF92E9D}" type="datetimeFigureOut">
               <a:rPr lang="en-US" smtClean="0"/>
               <a:pPr/>
-              <a:t>4/15/16</a:t>
+              <a:t>4/19/16</a:t>
             </a:fld>
             <a:endParaRPr lang="en-US" dirty="0"/>
           </a:p>
@@ -1128,7 +1134,7 @@
             <a:fld id="{8DFA1846-DA80-1C48-A609-854EA85C59AD}" type="datetimeFigureOut">
               <a:rPr lang="en-US" smtClean="0"/>
               <a:pPr/>
-              <a:t>4/15/16</a:t>
+              <a:t>4/19/16</a:t>
             </a:fld>
             <a:endParaRPr lang="en-US" dirty="0"/>
           </a:p>
@@ -1367,7 +1373,7 @@
             <a:fld id="{57302355-E14B-8545-A8F8-0FE83CC9D524}" type="datetimeFigureOut">
               <a:rPr lang="en-US" smtClean="0"/>
               <a:pPr/>
-              <a:t>4/15/16</a:t>
+              <a:t>4/19/16</a:t>
             </a:fld>
             <a:endParaRPr lang="en-US" dirty="0"/>
           </a:p>
@@ -1733,7 +1739,7 @@
             <a:fld id="{02640F58-564D-2B4F-AE67-E407BA4FCF45}" type="datetimeFigureOut">
               <a:rPr lang="en-US" smtClean="0"/>
               <a:pPr/>
-              <a:t>4/15/16</a:t>
+              <a:t>4/19/16</a:t>
             </a:fld>
             <a:endParaRPr lang="en-US" dirty="0"/>
           </a:p>
@@ -1881,7 +1887,7 @@
             <a:fld id="{F13A34C8-038E-2045-AF43-DF7DBB8E0E9E}" type="datetimeFigureOut">
               <a:rPr lang="en-US" smtClean="0"/>
               <a:pPr/>
-              <a:t>4/15/16</a:t>
+              <a:t>4/19/16</a:t>
             </a:fld>
             <a:endParaRPr lang="en-US" dirty="0"/>
           </a:p>
@@ -1978,7 +1984,7 @@
             <a:fld id="{8818C68F-D26B-8F47-958C-23B49CF8A634}" type="datetimeFigureOut">
               <a:rPr lang="en-US" smtClean="0"/>
               <a:pPr/>
-              <a:t>4/15/16</a:t>
+              <a:t>4/19/16</a:t>
             </a:fld>
             <a:endParaRPr lang="en-US" dirty="0"/>
           </a:p>
@@ -2342,7 +2348,7 @@
             <a:fld id="{D0DF5E60-9974-AC48-9591-99C2BB44B7CF}" type="datetimeFigureOut">
               <a:rPr lang="en-US" smtClean="0"/>
               <a:pPr/>
-              <a:t>4/15/16</a:t>
+              <a:t>4/19/16</a:t>
             </a:fld>
             <a:endParaRPr lang="en-US" dirty="0"/>
           </a:p>
@@ -2708,7 +2714,7 @@
             <a:fld id="{18C79C5D-2A6F-F04D-97DA-BEF2467B64E4}" type="datetimeFigureOut">
               <a:rPr lang="en-US" smtClean="0"/>
               <a:pPr/>
-              <a:t>4/15/16</a:t>
+              <a:t>4/19/16</a:t>
             </a:fld>
             <a:endParaRPr lang="en-US" dirty="0"/>
           </a:p>
@@ -2953,7 +2959,7 @@
             <a:fld id="{09B482E8-6E0E-1B4F-B1FD-C69DB9E858D9}" type="datetimeFigureOut">
               <a:rPr lang="en-US" smtClean="0"/>
               <a:pPr/>
-              <a:t>4/15/16</a:t>
+              <a:t>4/19/16</a:t>
             </a:fld>
             <a:endParaRPr lang="en-US" dirty="0"/>
           </a:p>
@@ -3641,8 +3647,8 @@
         </p:nvCxnSpPr>
         <p:spPr>
           <a:xfrm>
-            <a:off x="5897880" y="2350008"/>
-            <a:ext cx="0" cy="2249424"/>
+            <a:off x="5897880" y="2743200"/>
+            <a:ext cx="0" cy="1503336"/>
           </a:xfrm>
           <a:prstGeom prst="line">
             <a:avLst/>
@@ -3671,8 +3677,8 @@
         </p:nvCxnSpPr>
         <p:spPr>
           <a:xfrm>
-            <a:off x="1819656" y="3767328"/>
-            <a:ext cx="5449824" cy="0"/>
+            <a:off x="2169763" y="3767328"/>
+            <a:ext cx="4757979" cy="0"/>
           </a:xfrm>
           <a:prstGeom prst="line">
             <a:avLst/>
@@ -3830,93 +3836,6 @@
                 </a:outerShdw>
               </a:effectLst>
             </a:endParaRPr>
-          </a:p>
-        </p:txBody>
-      </p:sp>
-      <p:sp>
-        <p:nvSpPr>
-          <p:cNvPr id="14" name="Rectangle 13"/>
-          <p:cNvSpPr/>
-          <p:nvPr/>
-        </p:nvSpPr>
-        <p:spPr>
-          <a:xfrm>
-            <a:off x="1819656" y="2350008"/>
-            <a:ext cx="5449824" cy="2249424"/>
-          </a:xfrm>
-          <a:prstGeom prst="rect">
-            <a:avLst/>
-          </a:prstGeom>
-        </p:spPr>
-        <p:style>
-          <a:lnRef idx="2">
-            <a:schemeClr val="accent1">
-              <a:shade val="50000"/>
-            </a:schemeClr>
-          </a:lnRef>
-          <a:fillRef idx="1">
-            <a:schemeClr val="accent1"/>
-          </a:fillRef>
-          <a:effectRef idx="0">
-            <a:schemeClr val="accent1"/>
-          </a:effectRef>
-          <a:fontRef idx="minor">
-            <a:schemeClr val="lt1"/>
-          </a:fontRef>
-        </p:style>
-        <p:txBody>
-          <a:bodyPr rtlCol="0" anchor="ctr"/>
-          <a:lstStyle/>
-          <a:p>
-            <a:pPr algn="ctr"/>
-            <a:endParaRPr lang="en-US"/>
-          </a:p>
-        </p:txBody>
-      </p:sp>
-      <p:sp>
-        <p:nvSpPr>
-          <p:cNvPr id="15" name="TextBox 14"/>
-          <p:cNvSpPr txBox="1"/>
-          <p:nvPr/>
-        </p:nvSpPr>
-        <p:spPr>
-          <a:xfrm>
-            <a:off x="4151376" y="3269980"/>
-            <a:ext cx="1746504" cy="369332"/>
-          </a:xfrm>
-          <a:prstGeom prst="rect">
-            <a:avLst/>
-          </a:prstGeom>
-          <a:noFill/>
-        </p:spPr>
-        <p:txBody>
-          <a:bodyPr wrap="square" rtlCol="0">
-            <a:spAutoFit/>
-          </a:bodyPr>
-          <a:lstStyle/>
-          <a:p>
-            <a:r>
-              <a:rPr lang="en-US" b="1" dirty="0" smtClean="0">
-                <a:ln w="10160">
-                  <a:solidFill>
-                    <a:schemeClr val="accent5"/>
-                  </a:solidFill>
-                  <a:prstDash val="solid"/>
-                </a:ln>
-                <a:solidFill>
-                  <a:srgbClr val="FFFFFF"/>
-                </a:solidFill>
-                <a:effectLst>
-                  <a:outerShdw blurRad="38100" dist="22860" dir="5400000" algn="tl" rotWithShape="0">
-                    <a:srgbClr val="000000">
-                      <a:alpha val="30000"/>
-                    </a:srgbClr>
-                  </a:outerShdw>
-                </a:effectLst>
-              </a:rPr>
-              <a:t>Fill</a:t>
-            </a:r>
-            <a:endParaRPr lang="en-US" dirty="0"/>
           </a:p>
         </p:txBody>
       </p:sp>
@@ -4064,27 +3983,208 @@
                       </p:childTnLst>
                     </p:cTn>
                   </p:par>
+                </p:childTnLst>
+              </p:cTn>
+              <p:prevCondLst>
+                <p:cond evt="onPrev" delay="0">
+                  <p:tgtEl>
+                    <p:sldTgt/>
+                  </p:tgtEl>
+                </p:cond>
+              </p:prevCondLst>
+              <p:nextCondLst>
+                <p:cond evt="onNext" delay="0">
+                  <p:tgtEl>
+                    <p:sldTgt/>
+                  </p:tgtEl>
+                </p:cond>
+              </p:nextCondLst>
+            </p:seq>
+          </p:childTnLst>
+        </p:cTn>
+      </p:par>
+    </p:tnLst>
+    <p:bldLst>
+      <p:bldP spid="10" grpId="0"/>
+      <p:bldP spid="13" grpId="0"/>
+    </p:bldLst>
+  </p:timing>
+</p:sld>
+</file>
+
+<file path=ppt/slides/slide12.xml><?xml version="1.0" encoding="utf-8"?>
+<p:sld xmlns:a="http://schemas.openxmlformats.org/drawingml/2006/main" xmlns:r="http://schemas.openxmlformats.org/officeDocument/2006/relationships" xmlns:p="http://schemas.openxmlformats.org/presentationml/2006/main">
+  <p:cSld>
+    <p:spTree>
+      <p:nvGrpSpPr>
+        <p:cNvPr id="1" name=""/>
+        <p:cNvGrpSpPr/>
+        <p:nvPr/>
+      </p:nvGrpSpPr>
+      <p:grpSpPr>
+        <a:xfrm>
+          <a:off x="0" y="0"/>
+          <a:ext cx="0" cy="0"/>
+          <a:chOff x="0" y="0"/>
+          <a:chExt cx="0" cy="0"/>
+        </a:xfrm>
+      </p:grpSpPr>
+      <p:pic>
+        <p:nvPicPr>
+          <p:cNvPr id="4" name="Picture 3"/>
+          <p:cNvPicPr>
+            <a:picLocks noChangeAspect="1"/>
+          </p:cNvPicPr>
+          <p:nvPr/>
+        </p:nvPicPr>
+        <p:blipFill>
+          <a:blip r:embed="rId2">
+            <a:extLst>
+              <a:ext uri="{28A0092B-C50C-407E-A947-70E740481C1C}">
+                <a14:useLocalDpi xmlns:a14="http://schemas.microsoft.com/office/drawing/2010/main" val="0"/>
+              </a:ext>
+            </a:extLst>
+          </a:blip>
+          <a:stretch>
+            <a:fillRect/>
+          </a:stretch>
+        </p:blipFill>
+        <p:spPr>
+          <a:xfrm>
+            <a:off x="1168400" y="1688084"/>
+            <a:ext cx="6807200" cy="3670300"/>
+          </a:xfrm>
+          <a:prstGeom prst="rect">
+            <a:avLst/>
+          </a:prstGeom>
+        </p:spPr>
+      </p:pic>
+      <p:sp>
+        <p:nvSpPr>
+          <p:cNvPr id="14" name="Rectangle 13"/>
+          <p:cNvSpPr/>
+          <p:nvPr/>
+        </p:nvSpPr>
+        <p:spPr>
+          <a:xfrm>
+            <a:off x="1831590" y="2360930"/>
+            <a:ext cx="5449824" cy="2249424"/>
+          </a:xfrm>
+          <a:prstGeom prst="rect">
+            <a:avLst/>
+          </a:prstGeom>
+        </p:spPr>
+        <p:style>
+          <a:lnRef idx="2">
+            <a:schemeClr val="accent1">
+              <a:shade val="50000"/>
+            </a:schemeClr>
+          </a:lnRef>
+          <a:fillRef idx="1">
+            <a:schemeClr val="accent1"/>
+          </a:fillRef>
+          <a:effectRef idx="0">
+            <a:schemeClr val="accent1"/>
+          </a:effectRef>
+          <a:fontRef idx="minor">
+            <a:schemeClr val="lt1"/>
+          </a:fontRef>
+        </p:style>
+        <p:txBody>
+          <a:bodyPr rtlCol="0" anchor="ctr"/>
+          <a:lstStyle/>
+          <a:p>
+            <a:pPr algn="ctr"/>
+            <a:endParaRPr lang="en-US"/>
+          </a:p>
+        </p:txBody>
+      </p:sp>
+      <p:sp>
+        <p:nvSpPr>
+          <p:cNvPr id="15" name="TextBox 14"/>
+          <p:cNvSpPr txBox="1"/>
+          <p:nvPr/>
+        </p:nvSpPr>
+        <p:spPr>
+          <a:xfrm>
+            <a:off x="4151376" y="3269980"/>
+            <a:ext cx="1746504" cy="369332"/>
+          </a:xfrm>
+          <a:prstGeom prst="rect">
+            <a:avLst/>
+          </a:prstGeom>
+          <a:noFill/>
+        </p:spPr>
+        <p:txBody>
+          <a:bodyPr wrap="square" rtlCol="0">
+            <a:spAutoFit/>
+          </a:bodyPr>
+          <a:lstStyle/>
+          <a:p>
+            <a:r>
+              <a:rPr lang="en-US" b="1" dirty="0" smtClean="0">
+                <a:ln w="10160">
+                  <a:solidFill>
+                    <a:schemeClr val="accent5"/>
+                  </a:solidFill>
+                  <a:prstDash val="solid"/>
+                </a:ln>
+                <a:solidFill>
+                  <a:srgbClr val="FFFFFF"/>
+                </a:solidFill>
+                <a:effectLst>
+                  <a:outerShdw blurRad="38100" dist="22860" dir="5400000" algn="tl" rotWithShape="0">
+                    <a:srgbClr val="000000">
+                      <a:alpha val="30000"/>
+                    </a:srgbClr>
+                  </a:outerShdw>
+                </a:effectLst>
+              </a:rPr>
+              <a:t>Fill</a:t>
+            </a:r>
+            <a:endParaRPr lang="en-US" dirty="0"/>
+          </a:p>
+        </p:txBody>
+      </p:sp>
+    </p:spTree>
+    <p:extLst>
+      <p:ext uri="{BB962C8B-B14F-4D97-AF65-F5344CB8AC3E}">
+        <p14:creationId xmlns:p14="http://schemas.microsoft.com/office/powerpoint/2010/main" val="2097236025"/>
+      </p:ext>
+    </p:extLst>
+  </p:cSld>
+  <p:clrMapOvr>
+    <a:masterClrMapping/>
+  </p:clrMapOvr>
+  <p:timing>
+    <p:tnLst>
+      <p:par>
+        <p:cTn id="1" dur="indefinite" restart="never" nodeType="tmRoot">
+          <p:childTnLst>
+            <p:seq concurrent="1" nextAc="seek">
+              <p:cTn id="2" dur="indefinite" nodeType="mainSeq">
+                <p:childTnLst>
                   <p:par>
-                    <p:cTn id="13" fill="hold">
+                    <p:cTn id="3" fill="hold">
                       <p:stCondLst>
                         <p:cond delay="indefinite"/>
                       </p:stCondLst>
                       <p:childTnLst>
                         <p:par>
-                          <p:cTn id="14" fill="hold">
+                          <p:cTn id="4" fill="hold">
                             <p:stCondLst>
                               <p:cond delay="0"/>
                             </p:stCondLst>
                             <p:childTnLst>
                               <p:par>
-                                <p:cTn id="15" presetID="1" presetClass="entr" presetSubtype="0" fill="hold" grpId="0" nodeType="clickEffect">
+                                <p:cTn id="5" presetID="1" presetClass="entr" presetSubtype="0" fill="hold" grpId="0" nodeType="clickEffect">
                                   <p:stCondLst>
                                     <p:cond delay="0"/>
                                   </p:stCondLst>
                                   <p:childTnLst>
                                     <p:set>
                                       <p:cBhvr>
-                                        <p:cTn id="16" dur="1" fill="hold">
+                                        <p:cTn id="6" dur="1" fill="hold">
                                           <p:stCondLst>
                                             <p:cond delay="0"/>
                                           </p:stCondLst>
@@ -4104,14 +4204,14 @@
                                 </p:cTn>
                               </p:par>
                               <p:par>
-                                <p:cTn id="17" presetID="1" presetClass="entr" presetSubtype="0" fill="hold" grpId="0" nodeType="withEffect">
+                                <p:cTn id="7" presetID="1" presetClass="entr" presetSubtype="0" fill="hold" grpId="0" nodeType="withEffect">
                                   <p:stCondLst>
                                     <p:cond delay="0"/>
                                   </p:stCondLst>
                                   <p:childTnLst>
                                     <p:set>
                                       <p:cBhvr>
-                                        <p:cTn id="18" dur="1" fill="hold">
+                                        <p:cTn id="8" dur="1" fill="hold">
                                           <p:stCondLst>
                                             <p:cond delay="0"/>
                                           </p:stCondLst>
@@ -4158,286 +4258,9 @@
       </p:par>
     </p:tnLst>
     <p:bldLst>
-      <p:bldP spid="10" grpId="0"/>
-      <p:bldP spid="13" grpId="0"/>
       <p:bldP spid="14" grpId="0" animBg="1"/>
       <p:bldP spid="15" grpId="0"/>
     </p:bldLst>
-  </p:timing>
-</p:sld>
-</file>
-
-<file path=ppt/slides/slide12.xml><?xml version="1.0" encoding="utf-8"?>
-<p:sld xmlns:a="http://schemas.openxmlformats.org/drawingml/2006/main" xmlns:r="http://schemas.openxmlformats.org/officeDocument/2006/relationships" xmlns:p="http://schemas.openxmlformats.org/presentationml/2006/main">
-  <p:cSld>
-    <p:spTree>
-      <p:nvGrpSpPr>
-        <p:cNvPr id="1" name=""/>
-        <p:cNvGrpSpPr/>
-        <p:nvPr/>
-      </p:nvGrpSpPr>
-      <p:grpSpPr>
-        <a:xfrm>
-          <a:off x="0" y="0"/>
-          <a:ext cx="0" cy="0"/>
-          <a:chOff x="0" y="0"/>
-          <a:chExt cx="0" cy="0"/>
-        </a:xfrm>
-      </p:grpSpPr>
-      <p:sp>
-        <p:nvSpPr>
-          <p:cNvPr id="4" name="Title 3"/>
-          <p:cNvSpPr>
-            <a:spLocks noGrp="1"/>
-          </p:cNvSpPr>
-          <p:nvPr>
-            <p:ph type="title"/>
-          </p:nvPr>
-        </p:nvSpPr>
-        <p:spPr/>
-        <p:txBody>
-          <a:bodyPr/>
-          <a:lstStyle/>
-          <a:p>
-            <a:r>
-              <a:rPr lang="en-US" dirty="0" smtClean="0"/>
-              <a:t>Notation</a:t>
-            </a:r>
-            <a:endParaRPr lang="en-US" dirty="0"/>
-          </a:p>
-        </p:txBody>
-      </p:sp>
-      <p:pic>
-        <p:nvPicPr>
-          <p:cNvPr id="6" name="Content Placeholder 5"/>
-          <p:cNvPicPr>
-            <a:picLocks noGrp="1" noChangeAspect="1"/>
-          </p:cNvPicPr>
-          <p:nvPr>
-            <p:ph idx="1"/>
-          </p:nvPr>
-        </p:nvPicPr>
-        <p:blipFill>
-          <a:blip r:embed="rId2">
-            <a:extLst>
-              <a:ext uri="{28A0092B-C50C-407E-A947-70E740481C1C}">
-                <a14:useLocalDpi xmlns:a14="http://schemas.microsoft.com/office/drawing/2010/main" val="0"/>
-              </a:ext>
-            </a:extLst>
-          </a:blip>
-          <a:stretch>
-            <a:fillRect/>
-          </a:stretch>
-        </p:blipFill>
-        <p:spPr>
-          <a:xfrm>
-            <a:off x="533037" y="2839593"/>
-            <a:ext cx="3750019" cy="3101975"/>
-          </a:xfrm>
-        </p:spPr>
-      </p:pic>
-      <p:sp>
-        <p:nvSpPr>
-          <p:cNvPr id="7" name="TextBox 6"/>
-          <p:cNvSpPr txBox="1"/>
-          <p:nvPr/>
-        </p:nvSpPr>
-        <p:spPr>
-          <a:xfrm>
-            <a:off x="4572000" y="3479673"/>
-            <a:ext cx="4233672" cy="369332"/>
-          </a:xfrm>
-          <a:prstGeom prst="rect">
-            <a:avLst/>
-          </a:prstGeom>
-          <a:solidFill>
-            <a:schemeClr val="accent1">
-              <a:lumMod val="60000"/>
-              <a:lumOff val="40000"/>
-            </a:schemeClr>
-          </a:solidFill>
-        </p:spPr>
-        <p:txBody>
-          <a:bodyPr wrap="square" rtlCol="0">
-            <a:spAutoFit/>
-          </a:bodyPr>
-          <a:lstStyle/>
-          <a:p>
-            <a:r>
-              <a:rPr lang="en-US" dirty="0">
-                <a:latin typeface="Andale Mono" charset="0"/>
-                <a:ea typeface="Andale Mono" charset="0"/>
-                <a:cs typeface="Andale Mono" charset="0"/>
-              </a:rPr>
-              <a:t>padding: 80px 30px 35px </a:t>
-            </a:r>
-            <a:r>
-              <a:rPr lang="en-US" dirty="0">
-                <a:latin typeface="Andale Mono" charset="0"/>
-                <a:ea typeface="Andale Mono" charset="0"/>
-                <a:cs typeface="Andale Mono" charset="0"/>
-              </a:rPr>
-              <a:t>1</a:t>
-            </a:r>
-            <a:r>
-              <a:rPr lang="en-US" dirty="0" smtClean="0">
-                <a:latin typeface="Andale Mono" charset="0"/>
-                <a:ea typeface="Andale Mono" charset="0"/>
-                <a:cs typeface="Andale Mono" charset="0"/>
-              </a:rPr>
-              <a:t>0px</a:t>
-            </a:r>
-            <a:r>
-              <a:rPr lang="en-US" dirty="0">
-                <a:latin typeface="Andale Mono" charset="0"/>
-                <a:ea typeface="Andale Mono" charset="0"/>
-                <a:cs typeface="Andale Mono" charset="0"/>
-              </a:rPr>
-              <a:t>;</a:t>
-            </a:r>
-          </a:p>
-        </p:txBody>
-      </p:sp>
-      <p:sp>
-        <p:nvSpPr>
-          <p:cNvPr id="8" name="TextBox 7"/>
-          <p:cNvSpPr txBox="1"/>
-          <p:nvPr/>
-        </p:nvSpPr>
-        <p:spPr>
-          <a:xfrm>
-            <a:off x="4572000" y="4390580"/>
-            <a:ext cx="4233672" cy="1200329"/>
-          </a:xfrm>
-          <a:prstGeom prst="rect">
-            <a:avLst/>
-          </a:prstGeom>
-          <a:solidFill>
-            <a:schemeClr val="accent1">
-              <a:lumMod val="60000"/>
-              <a:lumOff val="40000"/>
-            </a:schemeClr>
-          </a:solidFill>
-        </p:spPr>
-        <p:txBody>
-          <a:bodyPr wrap="square" rtlCol="0">
-            <a:spAutoFit/>
-          </a:bodyPr>
-          <a:lstStyle/>
-          <a:p>
-            <a:r>
-              <a:rPr lang="en-US" dirty="0">
-                <a:latin typeface="Andale Mono" charset="0"/>
-                <a:ea typeface="Andale Mono" charset="0"/>
-                <a:cs typeface="Andale Mono" charset="0"/>
-              </a:rPr>
-              <a:t>p</a:t>
-            </a:r>
-            <a:r>
-              <a:rPr lang="en-US" dirty="0" smtClean="0">
-                <a:latin typeface="Andale Mono" charset="0"/>
-                <a:ea typeface="Andale Mono" charset="0"/>
-                <a:cs typeface="Andale Mono" charset="0"/>
-              </a:rPr>
-              <a:t>adding-top:</a:t>
-            </a:r>
-            <a:r>
-              <a:rPr lang="en-US" dirty="0">
-                <a:latin typeface="Andale Mono" charset="0"/>
-                <a:ea typeface="Andale Mono" charset="0"/>
-                <a:cs typeface="Andale Mono" charset="0"/>
-              </a:rPr>
-              <a:t> </a:t>
-            </a:r>
-            <a:r>
-              <a:rPr lang="en-US" dirty="0" smtClean="0">
-                <a:latin typeface="Andale Mono" charset="0"/>
-                <a:ea typeface="Andale Mono" charset="0"/>
-                <a:cs typeface="Andale Mono" charset="0"/>
-              </a:rPr>
-              <a:t>80px; </a:t>
-            </a:r>
-          </a:p>
-          <a:p>
-            <a:r>
-              <a:rPr lang="en-US" dirty="0">
-                <a:latin typeface="Andale Mono" charset="0"/>
-                <a:ea typeface="Andale Mono" charset="0"/>
-                <a:cs typeface="Andale Mono" charset="0"/>
-              </a:rPr>
-              <a:t>p</a:t>
-            </a:r>
-            <a:r>
-              <a:rPr lang="en-US" dirty="0" smtClean="0">
-                <a:latin typeface="Andale Mono" charset="0"/>
-                <a:ea typeface="Andale Mono" charset="0"/>
-                <a:cs typeface="Andale Mono" charset="0"/>
-              </a:rPr>
-              <a:t>adding-right:30px;</a:t>
-            </a:r>
-          </a:p>
-          <a:p>
-            <a:r>
-              <a:rPr lang="en-US" dirty="0">
-                <a:latin typeface="Andale Mono" charset="0"/>
-                <a:ea typeface="Andale Mono" charset="0"/>
-                <a:cs typeface="Andale Mono" charset="0"/>
-              </a:rPr>
-              <a:t>p</a:t>
-            </a:r>
-            <a:r>
-              <a:rPr lang="nl-BE" dirty="0" smtClean="0">
-                <a:latin typeface="Andale Mono" charset="0"/>
-                <a:ea typeface="Andale Mono" charset="0"/>
-                <a:cs typeface="Andale Mono" charset="0"/>
-              </a:rPr>
-              <a:t>adding-bottom:</a:t>
-            </a:r>
-            <a:r>
-              <a:rPr lang="en-US" dirty="0" smtClean="0">
-                <a:latin typeface="Andale Mono" charset="0"/>
-                <a:ea typeface="Andale Mono" charset="0"/>
-                <a:cs typeface="Andale Mono" charset="0"/>
-              </a:rPr>
-              <a:t>35px; </a:t>
-            </a:r>
-          </a:p>
-          <a:p>
-            <a:r>
-              <a:rPr lang="en-US" dirty="0" smtClean="0">
-                <a:latin typeface="Andale Mono" charset="0"/>
-                <a:ea typeface="Andale Mono" charset="0"/>
-                <a:cs typeface="Andale Mono" charset="0"/>
-              </a:rPr>
-              <a:t>Padding-left: 10px</a:t>
-            </a:r>
-            <a:r>
-              <a:rPr lang="en-US" dirty="0">
-                <a:latin typeface="Andale Mono" charset="0"/>
-                <a:ea typeface="Andale Mono" charset="0"/>
-                <a:cs typeface="Andale Mono" charset="0"/>
-              </a:rPr>
-              <a:t>;</a:t>
-            </a:r>
-          </a:p>
-        </p:txBody>
-      </p:sp>
-    </p:spTree>
-    <p:extLst>
-      <p:ext uri="{BB962C8B-B14F-4D97-AF65-F5344CB8AC3E}">
-        <p14:creationId xmlns:p14="http://schemas.microsoft.com/office/powerpoint/2010/main" val="1228729958"/>
-      </p:ext>
-    </p:extLst>
-  </p:cSld>
-  <p:clrMapOvr>
-    <a:masterClrMapping/>
-  </p:clrMapOvr>
-  <p:timing>
-    <p:tnLst>
-      <p:par>
-        <p:cTn id="1" dur="indefinite" restart="never" nodeType="tmRoot"/>
-      </p:par>
-    </p:tnLst>
   </p:timing>
 </p:sld>
 </file>
@@ -4476,12 +4299,41 @@
           <a:p>
             <a:r>
               <a:rPr lang="en-US" dirty="0" smtClean="0"/>
-              <a:t>Border</a:t>
+              <a:t>Notation</a:t>
             </a:r>
             <a:endParaRPr lang="en-US" dirty="0"/>
           </a:p>
         </p:txBody>
       </p:sp>
+      <p:pic>
+        <p:nvPicPr>
+          <p:cNvPr id="6" name="Content Placeholder 5"/>
+          <p:cNvPicPr>
+            <a:picLocks noGrp="1" noChangeAspect="1"/>
+          </p:cNvPicPr>
+          <p:nvPr>
+            <p:ph idx="1"/>
+          </p:nvPr>
+        </p:nvPicPr>
+        <p:blipFill>
+          <a:blip r:embed="rId2">
+            <a:extLst>
+              <a:ext uri="{28A0092B-C50C-407E-A947-70E740481C1C}">
+                <a14:useLocalDpi xmlns:a14="http://schemas.microsoft.com/office/drawing/2010/main" val="0"/>
+              </a:ext>
+            </a:extLst>
+          </a:blip>
+          <a:stretch>
+            <a:fillRect/>
+          </a:stretch>
+        </p:blipFill>
+        <p:spPr>
+          <a:xfrm>
+            <a:off x="533037" y="2839593"/>
+            <a:ext cx="3750019" cy="3101975"/>
+          </a:xfrm>
+        </p:spPr>
+      </p:pic>
       <p:sp>
         <p:nvSpPr>
           <p:cNvPr id="7" name="TextBox 6"/>
@@ -4490,8 +4342,8 @@
         </p:nvSpPr>
         <p:spPr>
           <a:xfrm>
-            <a:off x="805911" y="3427476"/>
-            <a:ext cx="7873140" cy="369332"/>
+            <a:off x="4572000" y="3479673"/>
+            <a:ext cx="4233672" cy="369332"/>
           </a:xfrm>
           <a:prstGeom prst="rect">
             <a:avLst/>
@@ -4515,7 +4367,7 @@
                 <a:ea typeface="Andale Mono" charset="0"/>
                 <a:cs typeface="Andale Mono" charset="0"/>
               </a:rPr>
-              <a:t>b</a:t>
+              <a:t>padding: 80px 30px 35px 1</a:t>
             </a:r>
             <a:r>
               <a:rPr lang="en-US" dirty="0" smtClean="0">
@@ -4523,7 +4375,7 @@
                 <a:ea typeface="Andale Mono" charset="0"/>
                 <a:cs typeface="Andale Mono" charset="0"/>
               </a:rPr>
-              <a:t>order-bottom:</a:t>
+              <a:t>0px</a:t>
             </a:r>
             <a:r>
               <a:rPr lang="en-US" dirty="0">
@@ -4531,58 +4383,21 @@
                 <a:ea typeface="Andale Mono" charset="0"/>
                 <a:cs typeface="Andale Mono" charset="0"/>
               </a:rPr>
-              <a:t> </a:t>
-            </a:r>
-            <a:r>
-              <a:rPr lang="en-US" dirty="0">
-                <a:latin typeface="Andale Mono" charset="0"/>
-                <a:ea typeface="Andale Mono" charset="0"/>
-                <a:cs typeface="Andale Mono" charset="0"/>
-              </a:rPr>
-              <a:t>2</a:t>
-            </a:r>
-            <a:r>
-              <a:rPr lang="en-US" dirty="0" smtClean="0">
-                <a:latin typeface="Andale Mono" charset="0"/>
-                <a:ea typeface="Andale Mono" charset="0"/>
-                <a:cs typeface="Andale Mono" charset="0"/>
-              </a:rPr>
-              <a:t>px solid #</a:t>
-            </a:r>
-            <a:r>
-              <a:rPr lang="is-IS" dirty="0" smtClean="0">
-                <a:latin typeface="Andale Mono" charset="0"/>
-                <a:ea typeface="Andale Mono" charset="0"/>
-                <a:cs typeface="Andale Mono" charset="0"/>
-              </a:rPr>
-              <a:t>bd238b</a:t>
-            </a:r>
-            <a:r>
-              <a:rPr lang="en-US" dirty="0" smtClean="0">
-                <a:latin typeface="Andale Mono" charset="0"/>
-                <a:ea typeface="Andale Mono" charset="0"/>
-                <a:cs typeface="Andale Mono" charset="0"/>
-              </a:rPr>
               <a:t>;</a:t>
             </a:r>
-            <a:endParaRPr lang="en-US" dirty="0">
-              <a:latin typeface="Andale Mono" charset="0"/>
-              <a:ea typeface="Andale Mono" charset="0"/>
-              <a:cs typeface="Andale Mono" charset="0"/>
-            </a:endParaRPr>
-          </a:p>
-        </p:txBody>
-      </p:sp>
-      <p:sp>
-        <p:nvSpPr>
-          <p:cNvPr id="6" name="TextBox 5"/>
+          </a:p>
+        </p:txBody>
+      </p:sp>
+      <p:sp>
+        <p:nvSpPr>
+          <p:cNvPr id="8" name="TextBox 7"/>
           <p:cNvSpPr txBox="1"/>
           <p:nvPr/>
         </p:nvSpPr>
         <p:spPr>
           <a:xfrm>
-            <a:off x="805911" y="2605778"/>
-            <a:ext cx="7873140" cy="369332"/>
+            <a:off x="4572000" y="4390580"/>
+            <a:ext cx="4233672" cy="1200329"/>
           </a:xfrm>
           <a:prstGeom prst="rect">
             <a:avLst/>
@@ -4601,12 +4416,20 @@
           <a:lstStyle/>
           <a:p>
             <a:r>
+              <a:rPr lang="en-US" dirty="0">
+                <a:latin typeface="Andale Mono" charset="0"/>
+                <a:ea typeface="Andale Mono" charset="0"/>
+                <a:cs typeface="Andale Mono" charset="0"/>
+              </a:rPr>
+              <a:t>p</a:t>
+            </a:r>
+            <a:r>
               <a:rPr lang="en-US" dirty="0" smtClean="0">
                 <a:latin typeface="Andale Mono" charset="0"/>
                 <a:ea typeface="Andale Mono" charset="0"/>
                 <a:cs typeface="Andale Mono" charset="0"/>
               </a:rPr>
-              <a:t>border:</a:t>
+              <a:t>adding-top:</a:t>
             </a:r>
             <a:r>
               <a:rPr lang="en-US" dirty="0">
@@ -4617,12 +4440,22 @@
               <a:t> </a:t>
             </a:r>
             <a:r>
+              <a:rPr lang="en-US" dirty="0" smtClean="0">
+                <a:latin typeface="Andale Mono" charset="0"/>
+                <a:ea typeface="Andale Mono" charset="0"/>
+                <a:cs typeface="Andale Mono" charset="0"/>
+              </a:rPr>
+              <a:t>80px; </a:t>
+            </a:r>
+          </a:p>
+          <a:p>
+            <a:r>
               <a:rPr lang="en-US" dirty="0">
                 <a:latin typeface="Andale Mono" charset="0"/>
                 <a:ea typeface="Andale Mono" charset="0"/>
                 <a:cs typeface="Andale Mono" charset="0"/>
               </a:rPr>
-              <a:t>2</a:t>
+              <a:t>p</a:t>
             </a:r>
             <a:r>
               <a:rPr lang="en-US" dirty="0" smtClean="0">
@@ -4630,15 +4463,25 @@
                 <a:ea typeface="Andale Mono" charset="0"/>
                 <a:cs typeface="Andale Mono" charset="0"/>
               </a:rPr>
-              <a:t>px solid #</a:t>
-            </a:r>
-            <a:r>
-              <a:rPr lang="is-IS" dirty="0" smtClean="0">
-                <a:latin typeface="Andale Mono" charset="0"/>
-                <a:ea typeface="Andale Mono" charset="0"/>
-                <a:cs typeface="Andale Mono" charset="0"/>
-              </a:rPr>
-              <a:t>bd238b</a:t>
+              <a:t>adding-right:30px;</a:t>
+            </a:r>
+          </a:p>
+          <a:p>
+            <a:r>
+              <a:rPr lang="en-US" dirty="0">
+                <a:latin typeface="Andale Mono" charset="0"/>
+                <a:ea typeface="Andale Mono" charset="0"/>
+                <a:cs typeface="Andale Mono" charset="0"/>
+              </a:rPr>
+              <a:t>p</a:t>
+            </a:r>
+            <a:r>
+              <a:rPr lang="nl-BE" dirty="0" smtClean="0">
+                <a:latin typeface="Andale Mono" charset="0"/>
+                <a:ea typeface="Andale Mono" charset="0"/>
+                <a:cs typeface="Andale Mono" charset="0"/>
+              </a:rPr>
+              <a:t>adding-bottom:</a:t>
             </a:r>
             <a:r>
               <a:rPr lang="en-US" dirty="0" smtClean="0">
@@ -4646,20 +4489,33 @@
                 <a:ea typeface="Andale Mono" charset="0"/>
                 <a:cs typeface="Andale Mono" charset="0"/>
               </a:rPr>
+              <a:t>35px; </a:t>
+            </a:r>
+          </a:p>
+          <a:p>
+            <a:r>
+              <a:rPr lang="en-US" dirty="0" smtClean="0">
+                <a:latin typeface="Andale Mono" charset="0"/>
+                <a:ea typeface="Andale Mono" charset="0"/>
+                <a:cs typeface="Andale Mono" charset="0"/>
+              </a:rPr>
+              <a:t>Padding-left: 10px</a:t>
+            </a:r>
+            <a:r>
+              <a:rPr lang="en-US" dirty="0">
+                <a:latin typeface="Andale Mono" charset="0"/>
+                <a:ea typeface="Andale Mono" charset="0"/>
+                <a:cs typeface="Andale Mono" charset="0"/>
+              </a:rPr>
               <a:t>;</a:t>
             </a:r>
-            <a:endParaRPr lang="en-US" dirty="0">
-              <a:latin typeface="Andale Mono" charset="0"/>
-              <a:ea typeface="Andale Mono" charset="0"/>
-              <a:cs typeface="Andale Mono" charset="0"/>
-            </a:endParaRPr>
           </a:p>
         </p:txBody>
       </p:sp>
     </p:spTree>
     <p:extLst>
       <p:ext uri="{BB962C8B-B14F-4D97-AF65-F5344CB8AC3E}">
-        <p14:creationId xmlns:p14="http://schemas.microsoft.com/office/powerpoint/2010/main" val="1632996848"/>
+        <p14:creationId xmlns:p14="http://schemas.microsoft.com/office/powerpoint/2010/main" val="1228729958"/>
       </p:ext>
     </p:extLst>
   </p:cSld>
@@ -4695,7 +4551,7 @@
       </p:grpSpPr>
       <p:sp>
         <p:nvSpPr>
-          <p:cNvPr id="2" name="Title 1"/>
+          <p:cNvPr id="4" name="Title 3"/>
           <p:cNvSpPr>
             <a:spLocks noGrp="1"/>
           </p:cNvSpPr>
@@ -4709,36 +4565,175 @@
           <a:lstStyle/>
           <a:p>
             <a:r>
-              <a:rPr lang="en-US" b="1" dirty="0" smtClean="0"/>
-              <a:t>Animations</a:t>
-            </a:r>
-            <a:endParaRPr lang="en-US" b="1" dirty="0"/>
-          </a:p>
-        </p:txBody>
-      </p:sp>
-      <p:sp>
-        <p:nvSpPr>
-          <p:cNvPr id="3" name="Text Placeholder 2"/>
-          <p:cNvSpPr>
-            <a:spLocks noGrp="1"/>
-          </p:cNvSpPr>
-          <p:nvPr>
-            <p:ph type="body" idx="1"/>
-          </p:nvPr>
-        </p:nvSpPr>
-        <p:spPr/>
-        <p:txBody>
-          <a:bodyPr/>
-          <a:lstStyle/>
-          <a:p>
-            <a:endParaRPr lang="en-US"/>
+              <a:rPr lang="en-US" dirty="0" smtClean="0"/>
+              <a:t>Border</a:t>
+            </a:r>
+            <a:endParaRPr lang="en-US" dirty="0"/>
+          </a:p>
+        </p:txBody>
+      </p:sp>
+      <p:sp>
+        <p:nvSpPr>
+          <p:cNvPr id="7" name="TextBox 6"/>
+          <p:cNvSpPr txBox="1"/>
+          <p:nvPr/>
+        </p:nvSpPr>
+        <p:spPr>
+          <a:xfrm>
+            <a:off x="805911" y="3427476"/>
+            <a:ext cx="7873140" cy="369332"/>
+          </a:xfrm>
+          <a:prstGeom prst="rect">
+            <a:avLst/>
+          </a:prstGeom>
+          <a:solidFill>
+            <a:schemeClr val="accent1">
+              <a:lumMod val="60000"/>
+              <a:lumOff val="40000"/>
+            </a:schemeClr>
+          </a:solidFill>
+        </p:spPr>
+        <p:txBody>
+          <a:bodyPr wrap="square" rtlCol="0">
+            <a:spAutoFit/>
+          </a:bodyPr>
+          <a:lstStyle/>
+          <a:p>
+            <a:r>
+              <a:rPr lang="en-US" dirty="0">
+                <a:latin typeface="Andale Mono" charset="0"/>
+                <a:ea typeface="Andale Mono" charset="0"/>
+                <a:cs typeface="Andale Mono" charset="0"/>
+              </a:rPr>
+              <a:t>b</a:t>
+            </a:r>
+            <a:r>
+              <a:rPr lang="en-US" dirty="0" smtClean="0">
+                <a:latin typeface="Andale Mono" charset="0"/>
+                <a:ea typeface="Andale Mono" charset="0"/>
+                <a:cs typeface="Andale Mono" charset="0"/>
+              </a:rPr>
+              <a:t>order-bottom:</a:t>
+            </a:r>
+            <a:r>
+              <a:rPr lang="en-US" dirty="0">
+                <a:latin typeface="Andale Mono" charset="0"/>
+                <a:ea typeface="Andale Mono" charset="0"/>
+                <a:cs typeface="Andale Mono" charset="0"/>
+              </a:rPr>
+              <a:t> 2</a:t>
+            </a:r>
+            <a:r>
+              <a:rPr lang="en-US" dirty="0" smtClean="0">
+                <a:latin typeface="Andale Mono" charset="0"/>
+                <a:ea typeface="Andale Mono" charset="0"/>
+                <a:cs typeface="Andale Mono" charset="0"/>
+              </a:rPr>
+              <a:t>px solid #</a:t>
+            </a:r>
+            <a:r>
+              <a:rPr lang="is-IS" dirty="0" smtClean="0">
+                <a:latin typeface="Andale Mono" charset="0"/>
+                <a:ea typeface="Andale Mono" charset="0"/>
+                <a:cs typeface="Andale Mono" charset="0"/>
+              </a:rPr>
+              <a:t>bd238b</a:t>
+            </a:r>
+            <a:r>
+              <a:rPr lang="en-US" dirty="0" smtClean="0">
+                <a:latin typeface="Andale Mono" charset="0"/>
+                <a:ea typeface="Andale Mono" charset="0"/>
+                <a:cs typeface="Andale Mono" charset="0"/>
+              </a:rPr>
+              <a:t>;</a:t>
+            </a:r>
+            <a:endParaRPr lang="en-US" dirty="0">
+              <a:latin typeface="Andale Mono" charset="0"/>
+              <a:ea typeface="Andale Mono" charset="0"/>
+              <a:cs typeface="Andale Mono" charset="0"/>
+            </a:endParaRPr>
+          </a:p>
+        </p:txBody>
+      </p:sp>
+      <p:sp>
+        <p:nvSpPr>
+          <p:cNvPr id="6" name="TextBox 5"/>
+          <p:cNvSpPr txBox="1"/>
+          <p:nvPr/>
+        </p:nvSpPr>
+        <p:spPr>
+          <a:xfrm>
+            <a:off x="805911" y="2605778"/>
+            <a:ext cx="7873140" cy="369332"/>
+          </a:xfrm>
+          <a:prstGeom prst="rect">
+            <a:avLst/>
+          </a:prstGeom>
+          <a:solidFill>
+            <a:schemeClr val="accent1">
+              <a:lumMod val="60000"/>
+              <a:lumOff val="40000"/>
+            </a:schemeClr>
+          </a:solidFill>
+        </p:spPr>
+        <p:txBody>
+          <a:bodyPr wrap="square" rtlCol="0">
+            <a:spAutoFit/>
+          </a:bodyPr>
+          <a:lstStyle/>
+          <a:p>
+            <a:r>
+              <a:rPr lang="en-US" dirty="0" smtClean="0">
+                <a:latin typeface="Andale Mono" charset="0"/>
+                <a:ea typeface="Andale Mono" charset="0"/>
+                <a:cs typeface="Andale Mono" charset="0"/>
+              </a:rPr>
+              <a:t>border:</a:t>
+            </a:r>
+            <a:r>
+              <a:rPr lang="en-US" dirty="0">
+                <a:latin typeface="Andale Mono" charset="0"/>
+                <a:ea typeface="Andale Mono" charset="0"/>
+                <a:cs typeface="Andale Mono" charset="0"/>
+              </a:rPr>
+              <a:t> 2</a:t>
+            </a:r>
+            <a:r>
+              <a:rPr lang="en-US" dirty="0" smtClean="0">
+                <a:latin typeface="Andale Mono" charset="0"/>
+                <a:ea typeface="Andale Mono" charset="0"/>
+                <a:cs typeface="Andale Mono" charset="0"/>
+              </a:rPr>
+              <a:t>px solid #</a:t>
+            </a:r>
+            <a:r>
+              <a:rPr lang="is-IS" dirty="0" smtClean="0">
+                <a:latin typeface="Andale Mono" charset="0"/>
+                <a:ea typeface="Andale Mono" charset="0"/>
+                <a:cs typeface="Andale Mono" charset="0"/>
+              </a:rPr>
+              <a:t>bd238b</a:t>
+            </a:r>
+            <a:r>
+              <a:rPr lang="en-US" dirty="0" smtClean="0">
+                <a:latin typeface="Andale Mono" charset="0"/>
+                <a:ea typeface="Andale Mono" charset="0"/>
+                <a:cs typeface="Andale Mono" charset="0"/>
+              </a:rPr>
+              <a:t>;</a:t>
+            </a:r>
+            <a:endParaRPr lang="en-US" dirty="0">
+              <a:latin typeface="Andale Mono" charset="0"/>
+              <a:ea typeface="Andale Mono" charset="0"/>
+              <a:cs typeface="Andale Mono" charset="0"/>
+            </a:endParaRPr>
           </a:p>
         </p:txBody>
       </p:sp>
     </p:spTree>
     <p:extLst>
       <p:ext uri="{BB962C8B-B14F-4D97-AF65-F5344CB8AC3E}">
-        <p14:creationId xmlns:p14="http://schemas.microsoft.com/office/powerpoint/2010/main" val="1429176333"/>
+        <p14:creationId xmlns:p14="http://schemas.microsoft.com/office/powerpoint/2010/main" val="1632996848"/>
       </p:ext>
     </p:extLst>
   </p:cSld>
@@ -4774,7 +4769,7 @@
       </p:grpSpPr>
       <p:sp>
         <p:nvSpPr>
-          <p:cNvPr id="4" name="Title 3"/>
+          <p:cNvPr id="2" name="Title 1"/>
           <p:cNvSpPr>
             <a:spLocks noGrp="1"/>
           </p:cNvSpPr>
@@ -4788,231 +4783,36 @@
           <a:lstStyle/>
           <a:p>
             <a:r>
-              <a:rPr lang="en-US" dirty="0" smtClean="0"/>
-              <a:t>Media-queries</a:t>
-            </a:r>
-            <a:endParaRPr lang="en-US" dirty="0"/>
-          </a:p>
-        </p:txBody>
-      </p:sp>
-      <p:sp>
-        <p:nvSpPr>
-          <p:cNvPr id="7" name="TextBox 6"/>
-          <p:cNvSpPr txBox="1"/>
-          <p:nvPr/>
-        </p:nvSpPr>
-        <p:spPr>
-          <a:xfrm>
-            <a:off x="681925" y="2394791"/>
-            <a:ext cx="7780149" cy="1200329"/>
-          </a:xfrm>
-          <a:prstGeom prst="rect">
-            <a:avLst/>
-          </a:prstGeom>
-          <a:solidFill>
-            <a:schemeClr val="accent1">
-              <a:lumMod val="60000"/>
-              <a:lumOff val="40000"/>
-            </a:schemeClr>
-          </a:solidFill>
-        </p:spPr>
-        <p:txBody>
-          <a:bodyPr wrap="square" rtlCol="0">
-            <a:spAutoFit/>
-          </a:bodyPr>
-          <a:lstStyle/>
-          <a:p>
-            <a:r>
-              <a:rPr lang="nl-BE" dirty="0">
-                <a:latin typeface="Andale Mono" charset="0"/>
-                <a:ea typeface="Andale Mono" charset="0"/>
-                <a:cs typeface="Andale Mono" charset="0"/>
-              </a:rPr>
-              <a:t>.item{</a:t>
-            </a:r>
-          </a:p>
-          <a:p>
-            <a:r>
-              <a:rPr lang="nl-BE" dirty="0">
-                <a:latin typeface="Andale Mono" charset="0"/>
-                <a:ea typeface="Andale Mono" charset="0"/>
-                <a:cs typeface="Andale Mono" charset="0"/>
-              </a:rPr>
-              <a:t>	background-color: #FFFFFF;</a:t>
-            </a:r>
-          </a:p>
-          <a:p>
-            <a:r>
-              <a:rPr lang="nl-BE" dirty="0">
-                <a:latin typeface="Andale Mono" charset="0"/>
-                <a:ea typeface="Andale Mono" charset="0"/>
-                <a:cs typeface="Andale Mono" charset="0"/>
-              </a:rPr>
-              <a:t>	color: #000000;</a:t>
-            </a:r>
-          </a:p>
-          <a:p>
-            <a:r>
-              <a:rPr lang="nl-BE" dirty="0">
-                <a:latin typeface="Andale Mono" charset="0"/>
-                <a:ea typeface="Andale Mono" charset="0"/>
-                <a:cs typeface="Andale Mono" charset="0"/>
-              </a:rPr>
-              <a:t>}</a:t>
-            </a:r>
-            <a:endParaRPr lang="en-US" dirty="0">
-              <a:latin typeface="Andale Mono" charset="0"/>
-              <a:ea typeface="Andale Mono" charset="0"/>
-              <a:cs typeface="Andale Mono" charset="0"/>
-            </a:endParaRPr>
-          </a:p>
-        </p:txBody>
-      </p:sp>
-      <p:sp>
-        <p:nvSpPr>
-          <p:cNvPr id="8" name="TextBox 7"/>
-          <p:cNvSpPr txBox="1"/>
-          <p:nvPr/>
-        </p:nvSpPr>
-        <p:spPr>
-          <a:xfrm>
-            <a:off x="681924" y="3836499"/>
-            <a:ext cx="7780149" cy="1477328"/>
-          </a:xfrm>
-          <a:prstGeom prst="rect">
-            <a:avLst/>
-          </a:prstGeom>
-          <a:solidFill>
-            <a:schemeClr val="accent1">
-              <a:lumMod val="60000"/>
-              <a:lumOff val="40000"/>
-            </a:schemeClr>
-          </a:solidFill>
-        </p:spPr>
-        <p:txBody>
-          <a:bodyPr wrap="square" rtlCol="0">
-            <a:spAutoFit/>
-          </a:bodyPr>
-          <a:lstStyle/>
-          <a:p>
-            <a:r>
-              <a:rPr lang="en-US" dirty="0">
-                <a:latin typeface="Andale Mono" charset="0"/>
-                <a:ea typeface="Andale Mono" charset="0"/>
-                <a:cs typeface="Andale Mono" charset="0"/>
-              </a:rPr>
-              <a:t>@media (min-width: 768px) </a:t>
-            </a:r>
-            <a:r>
-              <a:rPr lang="en-US" dirty="0" smtClean="0">
-                <a:latin typeface="Andale Mono" charset="0"/>
-                <a:ea typeface="Andale Mono" charset="0"/>
-                <a:cs typeface="Andale Mono" charset="0"/>
-              </a:rPr>
-              <a:t>{</a:t>
-            </a:r>
-          </a:p>
-          <a:p>
-            <a:r>
-              <a:rPr lang="en-US" dirty="0">
-                <a:latin typeface="Andale Mono" charset="0"/>
-                <a:ea typeface="Andale Mono" charset="0"/>
-                <a:cs typeface="Andale Mono" charset="0"/>
-              </a:rPr>
-              <a:t>	</a:t>
-            </a:r>
-            <a:r>
-              <a:rPr lang="nl-BE" dirty="0" smtClean="0">
-                <a:latin typeface="Andale Mono" charset="0"/>
-                <a:ea typeface="Andale Mono" charset="0"/>
-                <a:cs typeface="Andale Mono" charset="0"/>
-              </a:rPr>
-              <a:t>.</a:t>
-            </a:r>
-            <a:r>
-              <a:rPr lang="nl-BE" dirty="0">
-                <a:latin typeface="Andale Mono" charset="0"/>
-                <a:ea typeface="Andale Mono" charset="0"/>
-                <a:cs typeface="Andale Mono" charset="0"/>
-              </a:rPr>
-              <a:t>item{</a:t>
-            </a:r>
-          </a:p>
-          <a:p>
-            <a:pPr lvl="1"/>
-            <a:r>
-              <a:rPr lang="nl-BE" dirty="0">
-                <a:latin typeface="Andale Mono" charset="0"/>
-                <a:ea typeface="Andale Mono" charset="0"/>
-                <a:cs typeface="Andale Mono" charset="0"/>
-              </a:rPr>
-              <a:t>	background-color: </a:t>
-            </a:r>
-            <a:r>
-              <a:rPr lang="nl-BE" dirty="0" smtClean="0">
-                <a:latin typeface="Andale Mono" charset="0"/>
-                <a:ea typeface="Andale Mono" charset="0"/>
-                <a:cs typeface="Andale Mono" charset="0"/>
-              </a:rPr>
-              <a:t>#</a:t>
-            </a:r>
-            <a:r>
-              <a:rPr lang="nl-BE" dirty="0">
-                <a:latin typeface="Andale Mono" charset="0"/>
-                <a:ea typeface="Andale Mono" charset="0"/>
-                <a:cs typeface="Andale Mono" charset="0"/>
-              </a:rPr>
-              <a:t>3</a:t>
-            </a:r>
-            <a:r>
-              <a:rPr lang="nl-BE" dirty="0" smtClean="0">
-                <a:latin typeface="Andale Mono" charset="0"/>
-                <a:ea typeface="Andale Mono" charset="0"/>
-                <a:cs typeface="Andale Mono" charset="0"/>
-              </a:rPr>
-              <a:t>FDFDF</a:t>
-            </a:r>
-            <a:r>
-              <a:rPr lang="nl-BE" dirty="0">
-                <a:latin typeface="Andale Mono" charset="0"/>
-                <a:ea typeface="Andale Mono" charset="0"/>
-                <a:cs typeface="Andale Mono" charset="0"/>
-              </a:rPr>
-              <a:t>;</a:t>
-            </a:r>
-          </a:p>
-          <a:p>
-            <a:pPr lvl="1"/>
-            <a:r>
-              <a:rPr lang="nl-BE" dirty="0" smtClean="0">
-                <a:latin typeface="Andale Mono" charset="0"/>
-                <a:ea typeface="Andale Mono" charset="0"/>
-                <a:cs typeface="Andale Mono" charset="0"/>
-              </a:rPr>
-              <a:t>}</a:t>
-            </a:r>
-          </a:p>
-          <a:p>
-            <a:r>
-              <a:rPr lang="nl-BE" dirty="0" smtClean="0">
-                <a:latin typeface="Andale Mono" charset="0"/>
-                <a:ea typeface="Andale Mono" charset="0"/>
-                <a:cs typeface="Andale Mono" charset="0"/>
-              </a:rPr>
-              <a:t>}	</a:t>
-            </a:r>
-            <a:endParaRPr lang="en-US" dirty="0">
-              <a:latin typeface="Andale Mono" charset="0"/>
-              <a:ea typeface="Andale Mono" charset="0"/>
-              <a:cs typeface="Andale Mono" charset="0"/>
-            </a:endParaRPr>
+              <a:rPr lang="en-US" b="1" dirty="0" smtClean="0"/>
+              <a:t>Animations</a:t>
+            </a:r>
+            <a:endParaRPr lang="en-US" b="1" dirty="0"/>
+          </a:p>
+        </p:txBody>
+      </p:sp>
+      <p:sp>
+        <p:nvSpPr>
+          <p:cNvPr id="3" name="Text Placeholder 2"/>
+          <p:cNvSpPr>
+            <a:spLocks noGrp="1"/>
+          </p:cNvSpPr>
+          <p:nvPr>
+            <p:ph type="body" idx="1"/>
+          </p:nvPr>
+        </p:nvSpPr>
+        <p:spPr/>
+        <p:txBody>
+          <a:bodyPr/>
+          <a:lstStyle/>
+          <a:p>
+            <a:endParaRPr lang="en-US"/>
           </a:p>
         </p:txBody>
       </p:sp>
     </p:spTree>
     <p:extLst>
       <p:ext uri="{BB962C8B-B14F-4D97-AF65-F5344CB8AC3E}">
-        <p14:creationId xmlns:p14="http://schemas.microsoft.com/office/powerpoint/2010/main" val="97503413"/>
+        <p14:creationId xmlns:p14="http://schemas.microsoft.com/office/powerpoint/2010/main" val="1429176333"/>
       </p:ext>
     </p:extLst>
   </p:cSld>
@@ -5063,7 +4863,7 @@
           <a:p>
             <a:r>
               <a:rPr lang="en-US" dirty="0" smtClean="0"/>
-              <a:t>transitions</a:t>
+              <a:t>Media-queries</a:t>
             </a:r>
             <a:endParaRPr lang="en-US" dirty="0"/>
           </a:p>
@@ -5071,33 +4871,14 @@
       </p:sp>
       <p:sp>
         <p:nvSpPr>
-          <p:cNvPr id="2" name="Content Placeholder 1"/>
-          <p:cNvSpPr>
-            <a:spLocks noGrp="1"/>
-          </p:cNvSpPr>
-          <p:nvPr>
-            <p:ph idx="1"/>
-          </p:nvPr>
-        </p:nvSpPr>
-        <p:spPr/>
-        <p:txBody>
-          <a:bodyPr/>
-          <a:lstStyle/>
-          <a:p>
-            <a:endParaRPr lang="en-US" dirty="0"/>
-          </a:p>
-        </p:txBody>
-      </p:sp>
-      <p:sp>
-        <p:nvSpPr>
-          <p:cNvPr id="6" name="TextBox 5"/>
+          <p:cNvPr id="7" name="TextBox 6"/>
           <p:cNvSpPr txBox="1"/>
           <p:nvPr/>
         </p:nvSpPr>
         <p:spPr>
           <a:xfrm>
-            <a:off x="612184" y="2517172"/>
-            <a:ext cx="8043620" cy="1200329"/>
+            <a:off x="681925" y="2394791"/>
+            <a:ext cx="7780149" cy="1200329"/>
           </a:xfrm>
           <a:prstGeom prst="rect">
             <a:avLst/>
@@ -5163,14 +4944,14 @@
       </p:sp>
       <p:sp>
         <p:nvSpPr>
-          <p:cNvPr id="9" name="TextBox 8"/>
+          <p:cNvPr id="8" name="TextBox 7"/>
           <p:cNvSpPr txBox="1"/>
           <p:nvPr/>
         </p:nvSpPr>
         <p:spPr>
           <a:xfrm>
-            <a:off x="612184" y="3690664"/>
-            <a:ext cx="8043620" cy="923330"/>
+            <a:off x="681924" y="3836499"/>
+            <a:ext cx="7780149" cy="1477328"/>
           </a:xfrm>
           <a:prstGeom prst="rect">
             <a:avLst/>
@@ -5189,32 +4970,110 @@
           <a:lstStyle/>
           <a:p>
             <a:r>
+              <a:rPr lang="en-US" dirty="0">
+                <a:latin typeface="Andale Mono" charset="0"/>
+                <a:ea typeface="Andale Mono" charset="0"/>
+                <a:cs typeface="Andale Mono" charset="0"/>
+              </a:rPr>
+              <a:t>@media (min-width: 768px) </a:t>
+            </a:r>
+            <a:r>
+              <a:rPr lang="en-US" dirty="0" smtClean="0">
+                <a:latin typeface="Andale Mono" charset="0"/>
+                <a:ea typeface="Andale Mono" charset="0"/>
+                <a:cs typeface="Andale Mono" charset="0"/>
+              </a:rPr>
+              <a:t>{</a:t>
+            </a:r>
+          </a:p>
+          <a:p>
+            <a:r>
+              <a:rPr lang="en-US" dirty="0">
+                <a:latin typeface="Andale Mono" charset="0"/>
+                <a:ea typeface="Andale Mono" charset="0"/>
+                <a:cs typeface="Andale Mono" charset="0"/>
+              </a:rPr>
+              <a:t>	</a:t>
+            </a:r>
+            <a:r>
               <a:rPr lang="nl-BE" dirty="0" smtClean="0">
                 <a:latin typeface="Andale Mono" charset="0"/>
                 <a:ea typeface="Andale Mono" charset="0"/>
                 <a:cs typeface="Andale Mono" charset="0"/>
               </a:rPr>
-              <a:t>.item.active{</a:t>
-            </a:r>
-          </a:p>
-          <a:p>
+              <a:t>.</a:t>
+            </a:r>
+            <a:r>
+              <a:rPr lang="nl-BE" dirty="0">
+                <a:latin typeface="Andale Mono" charset="0"/>
+                <a:ea typeface="Andale Mono" charset="0"/>
+                <a:cs typeface="Andale Mono" charset="0"/>
+              </a:rPr>
+              <a:t>item{</a:t>
+            </a:r>
+          </a:p>
+          <a:p>
+            <a:pPr lvl="1"/>
+            <a:r>
+              <a:rPr lang="nl-BE" dirty="0">
+                <a:latin typeface="Andale Mono" charset="0"/>
+                <a:ea typeface="Andale Mono" charset="0"/>
+                <a:cs typeface="Andale Mono" charset="0"/>
+              </a:rPr>
+              <a:t>	background-color: </a:t>
+            </a:r>
             <a:r>
               <a:rPr lang="nl-BE" dirty="0" smtClean="0">
                 <a:latin typeface="Andale Mono" charset="0"/>
                 <a:ea typeface="Andale Mono" charset="0"/>
                 <a:cs typeface="Andale Mono" charset="0"/>
               </a:rPr>
-              <a:t>	color: #F4D82A;</a:t>
-            </a:r>
-          </a:p>
-          <a:p>
+              <a:t>#</a:t>
+            </a:r>
+            <a:r>
+              <a:rPr lang="nl-BE" dirty="0">
+                <a:latin typeface="Andale Mono" charset="0"/>
+                <a:ea typeface="Andale Mono" charset="0"/>
+                <a:cs typeface="Andale Mono" charset="0"/>
+              </a:rPr>
+              <a:t>3</a:t>
+            </a:r>
             <a:r>
               <a:rPr lang="nl-BE" dirty="0" smtClean="0">
                 <a:latin typeface="Andale Mono" charset="0"/>
                 <a:ea typeface="Andale Mono" charset="0"/>
                 <a:cs typeface="Andale Mono" charset="0"/>
               </a:rPr>
+              <a:t>FDFDF</a:t>
+            </a:r>
+            <a:r>
+              <a:rPr lang="nl-BE" dirty="0">
+                <a:latin typeface="Andale Mono" charset="0"/>
+                <a:ea typeface="Andale Mono" charset="0"/>
+                <a:cs typeface="Andale Mono" charset="0"/>
+              </a:rPr>
+              <a:t>;</a:t>
+            </a:r>
+          </a:p>
+          <a:p>
+            <a:pPr lvl="1"/>
+            <a:r>
+              <a:rPr lang="nl-BE" dirty="0" smtClean="0">
+                <a:latin typeface="Andale Mono" charset="0"/>
+                <a:ea typeface="Andale Mono" charset="0"/>
+                <a:cs typeface="Andale Mono" charset="0"/>
+              </a:rPr>
               <a:t>}</a:t>
+            </a:r>
+          </a:p>
+          <a:p>
+            <a:r>
+              <a:rPr lang="nl-BE" dirty="0" smtClean="0">
+                <a:latin typeface="Andale Mono" charset="0"/>
+                <a:ea typeface="Andale Mono" charset="0"/>
+                <a:cs typeface="Andale Mono" charset="0"/>
+              </a:rPr>
+              <a:t>}	</a:t>
             </a:r>
             <a:endParaRPr lang="en-US" dirty="0">
               <a:latin typeface="Andale Mono" charset="0"/>
@@ -5227,7 +5086,7 @@
     </p:spTree>
     <p:extLst>
       <p:ext uri="{BB962C8B-B14F-4D97-AF65-F5344CB8AC3E}">
-        <p14:creationId xmlns:p14="http://schemas.microsoft.com/office/powerpoint/2010/main" val="624093894"/>
+        <p14:creationId xmlns:p14="http://schemas.microsoft.com/office/powerpoint/2010/main" val="97503413"/>
       </p:ext>
     </p:extLst>
   </p:cSld>
@@ -5312,7 +5171,7 @@
         <p:spPr>
           <a:xfrm>
             <a:off x="612184" y="2517172"/>
-            <a:ext cx="8043620" cy="1477328"/>
+            <a:ext cx="8043620" cy="1200329"/>
           </a:xfrm>
           <a:prstGeom prst="rect">
             <a:avLst/>
@@ -5356,65 +5215,10 @@
                 <a:ea typeface="Andale Mono" charset="0"/>
                 <a:cs typeface="Andale Mono" charset="0"/>
               </a:rPr>
-              <a:t>	color: #000000</a:t>
-            </a:r>
-            <a:r>
-              <a:rPr lang="nl-BE" dirty="0" smtClean="0">
-                <a:latin typeface="Andale Mono" charset="0"/>
-                <a:ea typeface="Andale Mono" charset="0"/>
-                <a:cs typeface="Andale Mono" charset="0"/>
-              </a:rPr>
-              <a:t>;</a:t>
-            </a:r>
-          </a:p>
-          <a:p>
-            <a:r>
-              <a:rPr lang="nl-BE" dirty="0">
-                <a:latin typeface="Andale Mono" charset="0"/>
-                <a:ea typeface="Andale Mono" charset="0"/>
-                <a:cs typeface="Andale Mono" charset="0"/>
-              </a:rPr>
-              <a:t>	</a:t>
-            </a:r>
-            <a:r>
-              <a:rPr lang="nl-BE" b="1" dirty="0">
-                <a:latin typeface="Andale Mono" charset="0"/>
-                <a:ea typeface="Andale Mono" charset="0"/>
-                <a:cs typeface="Andale Mono" charset="0"/>
-              </a:rPr>
-              <a:t>transition: color </a:t>
-            </a:r>
-            <a:r>
-              <a:rPr lang="nl-BE" b="1" dirty="0" smtClean="0">
-                <a:latin typeface="Andale Mono" charset="0"/>
-                <a:ea typeface="Andale Mono" charset="0"/>
-                <a:cs typeface="Andale Mono" charset="0"/>
-              </a:rPr>
-              <a:t>0.7s</a:t>
-            </a:r>
-            <a:r>
-              <a:rPr lang="nl-BE" b="1" dirty="0">
-                <a:latin typeface="Andale Mono" charset="0"/>
-                <a:ea typeface="Andale Mono" charset="0"/>
-                <a:cs typeface="Andale Mono" charset="0"/>
-              </a:rPr>
-              <a:t>;</a:t>
-            </a:r>
-            <a:r>
-              <a:rPr lang="nl-BE" dirty="0">
-                <a:latin typeface="Andale Mono" charset="0"/>
-                <a:ea typeface="Andale Mono" charset="0"/>
-                <a:cs typeface="Andale Mono" charset="0"/>
-              </a:rPr>
-              <a:t/>
-            </a:r>
-            <a:br>
-              <a:rPr lang="nl-BE" dirty="0">
-                <a:latin typeface="Andale Mono" charset="0"/>
-                <a:ea typeface="Andale Mono" charset="0"/>
-                <a:cs typeface="Andale Mono" charset="0"/>
-              </a:rPr>
-            </a:br>
+              <a:t>	color: #000000;</a:t>
+            </a:r>
+          </a:p>
+          <a:p>
             <a:r>
               <a:rPr lang="nl-BE" dirty="0">
                 <a:latin typeface="Andale Mono" charset="0"/>
@@ -5439,7 +5243,7 @@
         </p:nvSpPr>
         <p:spPr>
           <a:xfrm>
-            <a:off x="612184" y="3994500"/>
+            <a:off x="612184" y="3690664"/>
             <a:ext cx="8043620" cy="923330"/>
           </a:xfrm>
           <a:prstGeom prst="rect">
@@ -5497,7 +5301,7 @@
     </p:spTree>
     <p:extLst>
       <p:ext uri="{BB962C8B-B14F-4D97-AF65-F5344CB8AC3E}">
-        <p14:creationId xmlns:p14="http://schemas.microsoft.com/office/powerpoint/2010/main" val="2071560219"/>
+        <p14:creationId xmlns:p14="http://schemas.microsoft.com/office/powerpoint/2010/main" val="624093894"/>
       </p:ext>
     </p:extLst>
   </p:cSld>
@@ -5644,7 +5448,15 @@
                 <a:ea typeface="Andale Mono" charset="0"/>
                 <a:cs typeface="Andale Mono" charset="0"/>
               </a:rPr>
-              <a:t>	transition: </a:t>
+              <a:t>	</a:t>
+            </a:r>
+            <a:r>
+              <a:rPr lang="nl-BE" b="1" dirty="0">
+                <a:latin typeface="Andale Mono" charset="0"/>
+                <a:ea typeface="Andale Mono" charset="0"/>
+                <a:cs typeface="Andale Mono" charset="0"/>
+              </a:rPr>
+              <a:t>transition: color </a:t>
             </a:r>
             <a:r>
               <a:rPr lang="nl-BE" b="1" dirty="0" smtClean="0">
@@ -5652,15 +5464,15 @@
                 <a:ea typeface="Andale Mono" charset="0"/>
                 <a:cs typeface="Andale Mono" charset="0"/>
               </a:rPr>
-              <a:t>all</a:t>
-            </a:r>
-            <a:r>
-              <a:rPr lang="nl-BE" dirty="0" smtClean="0">
-                <a:latin typeface="Andale Mono" charset="0"/>
-                <a:ea typeface="Andale Mono" charset="0"/>
-                <a:cs typeface="Andale Mono" charset="0"/>
-              </a:rPr>
-              <a:t> 0.7s</a:t>
+              <a:t>0.7s</a:t>
+            </a:r>
+            <a:r>
+              <a:rPr lang="nl-BE" b="1" dirty="0">
+                <a:latin typeface="Andale Mono" charset="0"/>
+                <a:ea typeface="Andale Mono" charset="0"/>
+                <a:cs typeface="Andale Mono" charset="0"/>
+              </a:rPr>
+              <a:t>;</a:t>
             </a:r>
             <a:r>
               <a:rPr lang="nl-BE" dirty="0">
@@ -5668,7 +5480,7 @@
                 <a:ea typeface="Andale Mono" charset="0"/>
                 <a:cs typeface="Andale Mono" charset="0"/>
               </a:rPr>
-              <a:t>;</a:t>
+              <a:t/>
             </a:r>
             <a:br>
               <a:rPr lang="nl-BE" dirty="0">
@@ -5759,7 +5571,7 @@
     </p:spTree>
     <p:extLst>
       <p:ext uri="{BB962C8B-B14F-4D97-AF65-F5344CB8AC3E}">
-        <p14:creationId xmlns:p14="http://schemas.microsoft.com/office/powerpoint/2010/main" val="673166019"/>
+        <p14:creationId xmlns:p14="http://schemas.microsoft.com/office/powerpoint/2010/main" val="2071560219"/>
       </p:ext>
     </p:extLst>
   </p:cSld>
@@ -5810,7 +5622,7 @@
           <a:p>
             <a:r>
               <a:rPr lang="en-US" dirty="0" smtClean="0"/>
-              <a:t>Animations</a:t>
+              <a:t>transitions</a:t>
             </a:r>
             <a:endParaRPr lang="en-US" dirty="0"/>
           </a:p>
@@ -5837,14 +5649,14 @@
       </p:sp>
       <p:sp>
         <p:nvSpPr>
-          <p:cNvPr id="9" name="TextBox 8"/>
+          <p:cNvPr id="6" name="TextBox 5"/>
           <p:cNvSpPr txBox="1"/>
           <p:nvPr/>
         </p:nvSpPr>
         <p:spPr>
           <a:xfrm>
-            <a:off x="553112" y="2638045"/>
-            <a:ext cx="8043620" cy="2308324"/>
+            <a:off x="612184" y="2517172"/>
+            <a:ext cx="8043620" cy="1477328"/>
           </a:xfrm>
           <a:prstGeom prst="rect">
             <a:avLst/>
@@ -5868,7 +5680,69 @@
                 <a:ea typeface="Andale Mono" charset="0"/>
                 <a:cs typeface="Andale Mono" charset="0"/>
               </a:rPr>
-              <a:t>.cirkel-holder #doughnut1{</a:t>
+              <a:t>.item{</a:t>
+            </a:r>
+          </a:p>
+          <a:p>
+            <a:r>
+              <a:rPr lang="nl-BE" dirty="0">
+                <a:latin typeface="Andale Mono" charset="0"/>
+                <a:ea typeface="Andale Mono" charset="0"/>
+                <a:cs typeface="Andale Mono" charset="0"/>
+              </a:rPr>
+              <a:t>	background-color: #FFFFFF;</a:t>
+            </a:r>
+          </a:p>
+          <a:p>
+            <a:r>
+              <a:rPr lang="nl-BE" dirty="0">
+                <a:latin typeface="Andale Mono" charset="0"/>
+                <a:ea typeface="Andale Mono" charset="0"/>
+                <a:cs typeface="Andale Mono" charset="0"/>
+              </a:rPr>
+              <a:t>	color: #000000</a:t>
+            </a:r>
+            <a:r>
+              <a:rPr lang="nl-BE" dirty="0" smtClean="0">
+                <a:latin typeface="Andale Mono" charset="0"/>
+                <a:ea typeface="Andale Mono" charset="0"/>
+                <a:cs typeface="Andale Mono" charset="0"/>
+              </a:rPr>
+              <a:t>;</a:t>
+            </a:r>
+          </a:p>
+          <a:p>
+            <a:r>
+              <a:rPr lang="nl-BE" dirty="0">
+                <a:latin typeface="Andale Mono" charset="0"/>
+                <a:ea typeface="Andale Mono" charset="0"/>
+                <a:cs typeface="Andale Mono" charset="0"/>
+              </a:rPr>
+              <a:t>	transition: </a:t>
+            </a:r>
+            <a:r>
+              <a:rPr lang="nl-BE" b="1" dirty="0" smtClean="0">
+                <a:latin typeface="Andale Mono" charset="0"/>
+                <a:ea typeface="Andale Mono" charset="0"/>
+                <a:cs typeface="Andale Mono" charset="0"/>
+              </a:rPr>
+              <a:t>all</a:t>
+            </a:r>
+            <a:r>
+              <a:rPr lang="nl-BE" dirty="0" smtClean="0">
+                <a:latin typeface="Andale Mono" charset="0"/>
+                <a:ea typeface="Andale Mono" charset="0"/>
+                <a:cs typeface="Andale Mono" charset="0"/>
+              </a:rPr>
+              <a:t> 0.7s</a:t>
+            </a:r>
+            <a:r>
+              <a:rPr lang="nl-BE" dirty="0">
+                <a:latin typeface="Andale Mono" charset="0"/>
+                <a:ea typeface="Andale Mono" charset="0"/>
+                <a:cs typeface="Andale Mono" charset="0"/>
+              </a:rPr>
+              <a:t>;</a:t>
             </a:r>
             <a:br>
               <a:rPr lang="nl-BE" dirty="0">
@@ -5883,106 +5757,8 @@
                 <a:ea typeface="Andale Mono" charset="0"/>
                 <a:cs typeface="Andale Mono" charset="0"/>
               </a:rPr>
-              <a:t>    -webkit-animation: spin 12s infinite linear</a:t>
-            </a:r>
-            <a:r>
-              <a:rPr lang="nl-BE" dirty="0" smtClean="0">
-                <a:latin typeface="Andale Mono" charset="0"/>
-                <a:ea typeface="Andale Mono" charset="0"/>
-                <a:cs typeface="Andale Mono" charset="0"/>
-              </a:rPr>
-              <a:t>;</a:t>
-            </a:r>
-            <a:r>
-              <a:rPr lang="nl-BE" dirty="0">
-                <a:latin typeface="Andale Mono" charset="0"/>
-                <a:ea typeface="Andale Mono" charset="0"/>
-                <a:cs typeface="Andale Mono" charset="0"/>
-              </a:rPr>
-              <a:t/>
-            </a:r>
-            <a:br>
-              <a:rPr lang="nl-BE" dirty="0">
-                <a:latin typeface="Andale Mono" charset="0"/>
-                <a:ea typeface="Andale Mono" charset="0"/>
-                <a:cs typeface="Andale Mono" charset="0"/>
-              </a:rPr>
-            </a:br>
-            <a:r>
-              <a:rPr lang="nl-BE" dirty="0">
-                <a:latin typeface="Andale Mono" charset="0"/>
-                <a:ea typeface="Andale Mono" charset="0"/>
-                <a:cs typeface="Andale Mono" charset="0"/>
-              </a:rPr>
               <a:t>}</a:t>
             </a:r>
-            <a:br>
-              <a:rPr lang="nl-BE" dirty="0">
-                <a:latin typeface="Andale Mono" charset="0"/>
-                <a:ea typeface="Andale Mono" charset="0"/>
-                <a:cs typeface="Andale Mono" charset="0"/>
-              </a:rPr>
-            </a:br>
-            <a:r>
-              <a:rPr lang="nl-BE" dirty="0">
-                <a:latin typeface="Andale Mono" charset="0"/>
-                <a:ea typeface="Andale Mono" charset="0"/>
-                <a:cs typeface="Andale Mono" charset="0"/>
-              </a:rPr>
-              <a:t>@-webkit-keyframes spin {</a:t>
-            </a:r>
-            <a:br>
-              <a:rPr lang="nl-BE" dirty="0">
-                <a:latin typeface="Andale Mono" charset="0"/>
-                <a:ea typeface="Andale Mono" charset="0"/>
-                <a:cs typeface="Andale Mono" charset="0"/>
-              </a:rPr>
-            </a:br>
-            <a:r>
-              <a:rPr lang="nl-BE" dirty="0">
-                <a:latin typeface="Andale Mono" charset="0"/>
-                <a:ea typeface="Andale Mono" charset="0"/>
-                <a:cs typeface="Andale Mono" charset="0"/>
-              </a:rPr>
-              <a:t>    0% { -webkit-transform: rotate(0deg);}</a:t>
-            </a:r>
-            <a:br>
-              <a:rPr lang="nl-BE" dirty="0">
-                <a:latin typeface="Andale Mono" charset="0"/>
-                <a:ea typeface="Andale Mono" charset="0"/>
-                <a:cs typeface="Andale Mono" charset="0"/>
-              </a:rPr>
-            </a:br>
-            <a:r>
-              <a:rPr lang="nl-BE" dirty="0">
-                <a:latin typeface="Andale Mono" charset="0"/>
-                <a:ea typeface="Andale Mono" charset="0"/>
-                <a:cs typeface="Andale Mono" charset="0"/>
-              </a:rPr>
-              <a:t>    100% { -webkit-transform: rotate(360deg);}</a:t>
-            </a:r>
-            <a:br>
-              <a:rPr lang="nl-BE" dirty="0">
-                <a:latin typeface="Andale Mono" charset="0"/>
-                <a:ea typeface="Andale Mono" charset="0"/>
-                <a:cs typeface="Andale Mono" charset="0"/>
-              </a:rPr>
-            </a:br>
-            <a:r>
-              <a:rPr lang="nl-BE" dirty="0">
-                <a:latin typeface="Andale Mono" charset="0"/>
-                <a:ea typeface="Andale Mono" charset="0"/>
-                <a:cs typeface="Andale Mono" charset="0"/>
-              </a:rPr>
-              <a:t>}</a:t>
-            </a:r>
-            <a:br>
-              <a:rPr lang="nl-BE" dirty="0">
-                <a:latin typeface="Andale Mono" charset="0"/>
-                <a:ea typeface="Andale Mono" charset="0"/>
-                <a:cs typeface="Andale Mono" charset="0"/>
-              </a:rPr>
-            </a:br>
             <a:endParaRPr lang="en-US" dirty="0">
               <a:latin typeface="Andale Mono" charset="0"/>
               <a:ea typeface="Andale Mono" charset="0"/>
@@ -5991,10 +5767,73 @@
           </a:p>
         </p:txBody>
       </p:sp>
+      <p:sp>
+        <p:nvSpPr>
+          <p:cNvPr id="9" name="TextBox 8"/>
+          <p:cNvSpPr txBox="1"/>
+          <p:nvPr/>
+        </p:nvSpPr>
+        <p:spPr>
+          <a:xfrm>
+            <a:off x="612184" y="3994500"/>
+            <a:ext cx="8043620" cy="923330"/>
+          </a:xfrm>
+          <a:prstGeom prst="rect">
+            <a:avLst/>
+          </a:prstGeom>
+          <a:solidFill>
+            <a:schemeClr val="accent1">
+              <a:lumMod val="60000"/>
+              <a:lumOff val="40000"/>
+            </a:schemeClr>
+          </a:solidFill>
+        </p:spPr>
+        <p:txBody>
+          <a:bodyPr wrap="square" rtlCol="0">
+            <a:spAutoFit/>
+          </a:bodyPr>
+          <a:lstStyle/>
+          <a:p>
+            <a:r>
+              <a:rPr lang="nl-BE" dirty="0" smtClean="0">
+                <a:latin typeface="Andale Mono" charset="0"/>
+                <a:ea typeface="Andale Mono" charset="0"/>
+                <a:cs typeface="Andale Mono" charset="0"/>
+              </a:rPr>
+              <a:t>.item.active{</a:t>
+            </a:r>
+          </a:p>
+          <a:p>
+            <a:r>
+              <a:rPr lang="nl-BE" dirty="0" smtClean="0">
+                <a:latin typeface="Andale Mono" charset="0"/>
+                <a:ea typeface="Andale Mono" charset="0"/>
+                <a:cs typeface="Andale Mono" charset="0"/>
+              </a:rPr>
+              <a:t>	color: #F4D82A;</a:t>
+            </a:r>
+          </a:p>
+          <a:p>
+            <a:r>
+              <a:rPr lang="nl-BE" dirty="0" smtClean="0">
+                <a:latin typeface="Andale Mono" charset="0"/>
+                <a:ea typeface="Andale Mono" charset="0"/>
+                <a:cs typeface="Andale Mono" charset="0"/>
+              </a:rPr>
+              <a:t>}</a:t>
+            </a:r>
+            <a:endParaRPr lang="en-US" dirty="0">
+              <a:latin typeface="Andale Mono" charset="0"/>
+              <a:ea typeface="Andale Mono" charset="0"/>
+              <a:cs typeface="Andale Mono" charset="0"/>
+            </a:endParaRPr>
+          </a:p>
+        </p:txBody>
+      </p:sp>
     </p:spTree>
     <p:extLst>
       <p:ext uri="{BB962C8B-B14F-4D97-AF65-F5344CB8AC3E}">
-        <p14:creationId xmlns:p14="http://schemas.microsoft.com/office/powerpoint/2010/main" val="1946247875"/>
+        <p14:creationId xmlns:p14="http://schemas.microsoft.com/office/powerpoint/2010/main" val="673166019"/>
       </p:ext>
     </p:extLst>
   </p:cSld>
@@ -6147,7 +5986,7 @@
       </p:grpSpPr>
       <p:sp>
         <p:nvSpPr>
-          <p:cNvPr id="2" name="Title 1"/>
+          <p:cNvPr id="4" name="Title 3"/>
           <p:cNvSpPr>
             <a:spLocks noGrp="1"/>
           </p:cNvSpPr>
@@ -6161,21 +6000,21 @@
           <a:lstStyle/>
           <a:p>
             <a:r>
-              <a:rPr lang="en-US" b="1" dirty="0" smtClean="0"/>
-              <a:t>Positioning</a:t>
-            </a:r>
-            <a:endParaRPr lang="en-US" b="1" dirty="0"/>
-          </a:p>
-        </p:txBody>
-      </p:sp>
-      <p:sp>
-        <p:nvSpPr>
-          <p:cNvPr id="3" name="Text Placeholder 2"/>
+              <a:rPr lang="en-US" dirty="0" smtClean="0"/>
+              <a:t>Animations</a:t>
+            </a:r>
+            <a:endParaRPr lang="en-US" dirty="0"/>
+          </a:p>
+        </p:txBody>
+      </p:sp>
+      <p:sp>
+        <p:nvSpPr>
+          <p:cNvPr id="2" name="Content Placeholder 1"/>
           <p:cNvSpPr>
             <a:spLocks noGrp="1"/>
           </p:cNvSpPr>
           <p:nvPr>
-            <p:ph type="body" idx="1"/>
+            <p:ph idx="1"/>
           </p:nvPr>
         </p:nvSpPr>
         <p:spPr/>
@@ -6183,14 +6022,170 @@
           <a:bodyPr/>
           <a:lstStyle/>
           <a:p>
-            <a:endParaRPr lang="en-US"/>
+            <a:endParaRPr lang="en-US" dirty="0"/>
+          </a:p>
+        </p:txBody>
+      </p:sp>
+      <p:sp>
+        <p:nvSpPr>
+          <p:cNvPr id="9" name="TextBox 8"/>
+          <p:cNvSpPr txBox="1"/>
+          <p:nvPr/>
+        </p:nvSpPr>
+        <p:spPr>
+          <a:xfrm>
+            <a:off x="553112" y="2638045"/>
+            <a:ext cx="8043620" cy="2308324"/>
+          </a:xfrm>
+          <a:prstGeom prst="rect">
+            <a:avLst/>
+          </a:prstGeom>
+          <a:solidFill>
+            <a:schemeClr val="accent1">
+              <a:lumMod val="60000"/>
+              <a:lumOff val="40000"/>
+            </a:schemeClr>
+          </a:solidFill>
+        </p:spPr>
+        <p:txBody>
+          <a:bodyPr wrap="square" rtlCol="0">
+            <a:spAutoFit/>
+          </a:bodyPr>
+          <a:lstStyle/>
+          <a:p>
+            <a:r>
+              <a:rPr lang="nl-BE" dirty="0">
+                <a:latin typeface="Andale Mono" charset="0"/>
+                <a:ea typeface="Andale Mono" charset="0"/>
+                <a:cs typeface="Andale Mono" charset="0"/>
+              </a:rPr>
+              <a:t>.cirkel-holder #doughnut1{</a:t>
+            </a:r>
+            <a:br>
+              <a:rPr lang="nl-BE" dirty="0">
+                <a:latin typeface="Andale Mono" charset="0"/>
+                <a:ea typeface="Andale Mono" charset="0"/>
+                <a:cs typeface="Andale Mono" charset="0"/>
+              </a:rPr>
+            </a:br>
+            <a:r>
+              <a:rPr lang="nl-BE" dirty="0">
+                <a:latin typeface="Andale Mono" charset="0"/>
+                <a:ea typeface="Andale Mono" charset="0"/>
+                <a:cs typeface="Andale Mono" charset="0"/>
+              </a:rPr>
+              <a:t>    -webkit-animation: spin 12s infinite linear</a:t>
+            </a:r>
+            <a:r>
+              <a:rPr lang="nl-BE" dirty="0" smtClean="0">
+                <a:latin typeface="Andale Mono" charset="0"/>
+                <a:ea typeface="Andale Mono" charset="0"/>
+                <a:cs typeface="Andale Mono" charset="0"/>
+              </a:rPr>
+              <a:t>;</a:t>
+            </a:r>
+            <a:r>
+              <a:rPr lang="nl-BE" dirty="0">
+                <a:latin typeface="Andale Mono" charset="0"/>
+                <a:ea typeface="Andale Mono" charset="0"/>
+                <a:cs typeface="Andale Mono" charset="0"/>
+              </a:rPr>
+              <a:t/>
+            </a:r>
+            <a:br>
+              <a:rPr lang="nl-BE" dirty="0">
+                <a:latin typeface="Andale Mono" charset="0"/>
+                <a:ea typeface="Andale Mono" charset="0"/>
+                <a:cs typeface="Andale Mono" charset="0"/>
+              </a:rPr>
+            </a:br>
+            <a:r>
+              <a:rPr lang="nl-BE" dirty="0">
+                <a:latin typeface="Andale Mono" charset="0"/>
+                <a:ea typeface="Andale Mono" charset="0"/>
+                <a:cs typeface="Andale Mono" charset="0"/>
+              </a:rPr>
+              <a:t>}</a:t>
+            </a:r>
+            <a:br>
+              <a:rPr lang="nl-BE" dirty="0">
+                <a:latin typeface="Andale Mono" charset="0"/>
+                <a:ea typeface="Andale Mono" charset="0"/>
+                <a:cs typeface="Andale Mono" charset="0"/>
+              </a:rPr>
+            </a:br>
+            <a:r>
+              <a:rPr lang="nl-BE" dirty="0">
+                <a:latin typeface="Andale Mono" charset="0"/>
+                <a:ea typeface="Andale Mono" charset="0"/>
+                <a:cs typeface="Andale Mono" charset="0"/>
+              </a:rPr>
+              <a:t>@-webkit-keyframes spin {</a:t>
+            </a:r>
+            <a:br>
+              <a:rPr lang="nl-BE" dirty="0">
+                <a:latin typeface="Andale Mono" charset="0"/>
+                <a:ea typeface="Andale Mono" charset="0"/>
+                <a:cs typeface="Andale Mono" charset="0"/>
+              </a:rPr>
+            </a:br>
+            <a:r>
+              <a:rPr lang="nl-BE" dirty="0">
+                <a:latin typeface="Andale Mono" charset="0"/>
+                <a:ea typeface="Andale Mono" charset="0"/>
+                <a:cs typeface="Andale Mono" charset="0"/>
+              </a:rPr>
+              <a:t>    0% { -webkit-transform: rotate(0deg);}</a:t>
+            </a:r>
+            <a:br>
+              <a:rPr lang="nl-BE" dirty="0">
+                <a:latin typeface="Andale Mono" charset="0"/>
+                <a:ea typeface="Andale Mono" charset="0"/>
+                <a:cs typeface="Andale Mono" charset="0"/>
+              </a:rPr>
+            </a:br>
+            <a:r>
+              <a:rPr lang="nl-BE" dirty="0">
+                <a:latin typeface="Andale Mono" charset="0"/>
+                <a:ea typeface="Andale Mono" charset="0"/>
+                <a:cs typeface="Andale Mono" charset="0"/>
+              </a:rPr>
+              <a:t>    100% { -webkit-transform: rotate(360deg);}</a:t>
+            </a:r>
+            <a:br>
+              <a:rPr lang="nl-BE" dirty="0">
+                <a:latin typeface="Andale Mono" charset="0"/>
+                <a:ea typeface="Andale Mono" charset="0"/>
+                <a:cs typeface="Andale Mono" charset="0"/>
+              </a:rPr>
+            </a:br>
+            <a:r>
+              <a:rPr lang="nl-BE" dirty="0">
+                <a:latin typeface="Andale Mono" charset="0"/>
+                <a:ea typeface="Andale Mono" charset="0"/>
+                <a:cs typeface="Andale Mono" charset="0"/>
+              </a:rPr>
+              <a:t>}</a:t>
+            </a:r>
+            <a:br>
+              <a:rPr lang="nl-BE" dirty="0">
+                <a:latin typeface="Andale Mono" charset="0"/>
+                <a:ea typeface="Andale Mono" charset="0"/>
+                <a:cs typeface="Andale Mono" charset="0"/>
+              </a:rPr>
+            </a:br>
+            <a:endParaRPr lang="en-US" dirty="0">
+              <a:latin typeface="Andale Mono" charset="0"/>
+              <a:ea typeface="Andale Mono" charset="0"/>
+              <a:cs typeface="Andale Mono" charset="0"/>
+            </a:endParaRPr>
           </a:p>
         </p:txBody>
       </p:sp>
     </p:spTree>
     <p:extLst>
       <p:ext uri="{BB962C8B-B14F-4D97-AF65-F5344CB8AC3E}">
-        <p14:creationId xmlns:p14="http://schemas.microsoft.com/office/powerpoint/2010/main" val="875745637"/>
+        <p14:creationId xmlns:p14="http://schemas.microsoft.com/office/powerpoint/2010/main" val="1946247875"/>
       </p:ext>
     </p:extLst>
   </p:cSld>
@@ -6240,21 +6235,21 @@
           <a:lstStyle/>
           <a:p>
             <a:r>
-              <a:rPr lang="en-US" dirty="0" err="1" smtClean="0"/>
-              <a:t>Postition</a:t>
-            </a:r>
-            <a:endParaRPr lang="en-US" dirty="0"/>
-          </a:p>
-        </p:txBody>
-      </p:sp>
-      <p:sp>
-        <p:nvSpPr>
-          <p:cNvPr id="6" name="Content Placeholder 5"/>
+              <a:rPr lang="en-US" b="1" dirty="0" smtClean="0"/>
+              <a:t>Positioning</a:t>
+            </a:r>
+            <a:endParaRPr lang="en-US" b="1" dirty="0"/>
+          </a:p>
+        </p:txBody>
+      </p:sp>
+      <p:sp>
+        <p:nvSpPr>
+          <p:cNvPr id="3" name="Text Placeholder 2"/>
           <p:cNvSpPr>
             <a:spLocks noGrp="1"/>
           </p:cNvSpPr>
           <p:nvPr>
-            <p:ph idx="1"/>
+            <p:ph type="body" idx="1"/>
           </p:nvPr>
         </p:nvSpPr>
         <p:spPr/>
@@ -6262,43 +6257,14 @@
           <a:bodyPr/>
           <a:lstStyle/>
           <a:p>
-            <a:r>
-              <a:rPr lang="en-US" dirty="0"/>
-              <a:t>static</a:t>
-            </a:r>
-          </a:p>
-          <a:p>
-            <a:r>
-              <a:rPr lang="en-US" dirty="0"/>
-              <a:t>relative</a:t>
-            </a:r>
-          </a:p>
-          <a:p>
-            <a:r>
-              <a:rPr lang="en-US" dirty="0"/>
-              <a:t>fixed</a:t>
-            </a:r>
-          </a:p>
-          <a:p>
-            <a:r>
-              <a:rPr lang="en-US" dirty="0" smtClean="0"/>
-              <a:t>absolute</a:t>
-            </a:r>
-            <a:r>
-              <a:rPr lang="en-US" dirty="0"/>
-              <a:t/>
-            </a:r>
-            <a:br>
-              <a:rPr lang="en-US" dirty="0"/>
-            </a:br>
-            <a:endParaRPr lang="en-US" dirty="0"/>
+            <a:endParaRPr lang="en-US"/>
           </a:p>
         </p:txBody>
       </p:sp>
     </p:spTree>
     <p:extLst>
       <p:ext uri="{BB962C8B-B14F-4D97-AF65-F5344CB8AC3E}">
-        <p14:creationId xmlns:p14="http://schemas.microsoft.com/office/powerpoint/2010/main" val="1240854226"/>
+        <p14:creationId xmlns:p14="http://schemas.microsoft.com/office/powerpoint/2010/main" val="875745637"/>
       </p:ext>
     </p:extLst>
   </p:cSld>
@@ -6334,7 +6300,7 @@
       </p:grpSpPr>
       <p:sp>
         <p:nvSpPr>
-          <p:cNvPr id="4" name="Title 3"/>
+          <p:cNvPr id="2" name="Title 1"/>
           <p:cNvSpPr>
             <a:spLocks noGrp="1"/>
           </p:cNvSpPr>
@@ -6348,97 +6314,57 @@
           <a:lstStyle/>
           <a:p>
             <a:r>
-              <a:rPr lang="en-US" dirty="0" smtClean="0"/>
-              <a:t>Position: </a:t>
-            </a:r>
+              <a:rPr lang="en-US" dirty="0" err="1" smtClean="0"/>
+              <a:t>Postition</a:t>
+            </a:r>
+            <a:endParaRPr lang="en-US" dirty="0"/>
+          </a:p>
+        </p:txBody>
+      </p:sp>
+      <p:sp>
+        <p:nvSpPr>
+          <p:cNvPr id="6" name="Content Placeholder 5"/>
+          <p:cNvSpPr>
+            <a:spLocks noGrp="1"/>
+          </p:cNvSpPr>
+          <p:nvPr>
+            <p:ph idx="1"/>
+          </p:nvPr>
+        </p:nvSpPr>
+        <p:spPr/>
+        <p:txBody>
+          <a:bodyPr/>
+          <a:lstStyle/>
+          <a:p>
             <a:r>
               <a:rPr lang="en-US" dirty="0"/>
               <a:t>static</a:t>
             </a:r>
           </a:p>
-        </p:txBody>
-      </p:sp>
-      <p:sp>
-        <p:nvSpPr>
-          <p:cNvPr id="2" name="Content Placeholder 1"/>
-          <p:cNvSpPr>
-            <a:spLocks noGrp="1"/>
-          </p:cNvSpPr>
-          <p:nvPr>
-            <p:ph idx="1"/>
-          </p:nvPr>
-        </p:nvSpPr>
-        <p:spPr/>
-        <p:txBody>
-          <a:bodyPr/>
-          <a:lstStyle/>
-          <a:p>
-            <a:endParaRPr lang="en-US" dirty="0"/>
-          </a:p>
-        </p:txBody>
-      </p:sp>
-      <p:sp>
-        <p:nvSpPr>
-          <p:cNvPr id="3" name="TextBox 2"/>
-          <p:cNvSpPr txBox="1"/>
-          <p:nvPr/>
-        </p:nvSpPr>
-        <p:spPr>
-          <a:xfrm>
-            <a:off x="1606045" y="2638045"/>
-            <a:ext cx="5937755" cy="3101983"/>
-          </a:xfrm>
-          <a:prstGeom prst="rect">
-            <a:avLst/>
-          </a:prstGeom>
-          <a:solidFill>
-            <a:schemeClr val="accent5">
-              <a:lumMod val="60000"/>
-              <a:lumOff val="40000"/>
-            </a:schemeClr>
-          </a:solidFill>
-        </p:spPr>
-        <p:txBody>
-          <a:bodyPr wrap="square" rtlCol="0">
-            <a:spAutoFit/>
-          </a:bodyPr>
-          <a:lstStyle/>
-          <a:p>
-            <a:endParaRPr lang="en-US" dirty="0"/>
-          </a:p>
-        </p:txBody>
-      </p:sp>
-      <p:sp>
-        <p:nvSpPr>
-          <p:cNvPr id="9" name="TextBox 8"/>
-          <p:cNvSpPr txBox="1"/>
-          <p:nvPr/>
-        </p:nvSpPr>
-        <p:spPr>
-          <a:xfrm>
-            <a:off x="1606046" y="2638044"/>
-            <a:ext cx="2795474" cy="1484505"/>
-          </a:xfrm>
-          <a:prstGeom prst="rect">
-            <a:avLst/>
-          </a:prstGeom>
-          <a:solidFill>
-            <a:schemeClr val="bg1">
-              <a:lumMod val="65000"/>
-            </a:schemeClr>
-          </a:solidFill>
-          <a:ln>
-            <a:solidFill>
-              <a:schemeClr val="tx1"/>
-            </a:solidFill>
-          </a:ln>
-        </p:spPr>
-        <p:txBody>
-          <a:bodyPr wrap="square" rtlCol="0">
-            <a:spAutoFit/>
-          </a:bodyPr>
-          <a:lstStyle/>
-          <a:p>
+          <a:p>
+            <a:r>
+              <a:rPr lang="en-US" dirty="0"/>
+              <a:t>relative</a:t>
+            </a:r>
+          </a:p>
+          <a:p>
+            <a:r>
+              <a:rPr lang="en-US" dirty="0"/>
+              <a:t>fixed</a:t>
+            </a:r>
+          </a:p>
+          <a:p>
+            <a:r>
+              <a:rPr lang="en-US" dirty="0" smtClean="0"/>
+              <a:t>absolute</a:t>
+            </a:r>
+            <a:r>
+              <a:rPr lang="en-US" dirty="0"/>
+              <a:t/>
+            </a:r>
+            <a:br>
+              <a:rPr lang="en-US" dirty="0"/>
+            </a:br>
             <a:endParaRPr lang="en-US" dirty="0"/>
           </a:p>
         </p:txBody>
@@ -6446,7 +6372,7 @@
     </p:spTree>
     <p:extLst>
       <p:ext uri="{BB962C8B-B14F-4D97-AF65-F5344CB8AC3E}">
-        <p14:creationId xmlns:p14="http://schemas.microsoft.com/office/powerpoint/2010/main" val="675462530"/>
+        <p14:creationId xmlns:p14="http://schemas.microsoft.com/office/powerpoint/2010/main" val="1240854226"/>
       </p:ext>
     </p:extLst>
   </p:cSld>
@@ -6591,61 +6517,10 @@
           </a:p>
         </p:txBody>
       </p:sp>
-      <p:sp>
-        <p:nvSpPr>
-          <p:cNvPr id="10" name="TextBox 9"/>
-          <p:cNvSpPr txBox="1"/>
-          <p:nvPr/>
-        </p:nvSpPr>
-        <p:spPr>
-          <a:xfrm>
-            <a:off x="774914" y="5994768"/>
-            <a:ext cx="7873140" cy="369332"/>
-          </a:xfrm>
-          <a:prstGeom prst="rect">
-            <a:avLst/>
-          </a:prstGeom>
-          <a:solidFill>
-            <a:schemeClr val="accent1">
-              <a:lumMod val="60000"/>
-              <a:lumOff val="40000"/>
-            </a:schemeClr>
-          </a:solidFill>
-        </p:spPr>
-        <p:txBody>
-          <a:bodyPr wrap="square" rtlCol="0">
-            <a:spAutoFit/>
-          </a:bodyPr>
-          <a:lstStyle/>
-          <a:p>
-            <a:r>
-              <a:rPr lang="nl-BE" dirty="0">
-                <a:latin typeface="Andale Mono" charset="0"/>
-                <a:ea typeface="Andale Mono" charset="0"/>
-                <a:cs typeface="Andale Mono" charset="0"/>
-              </a:rPr>
-              <a:t>l</a:t>
-            </a:r>
-            <a:r>
-              <a:rPr lang="nl-BE" dirty="0" smtClean="0">
-                <a:latin typeface="Andale Mono" charset="0"/>
-                <a:ea typeface="Andale Mono" charset="0"/>
-                <a:cs typeface="Andale Mono" charset="0"/>
-              </a:rPr>
-              <a:t>eft:30px;</a:t>
-            </a:r>
-            <a:endParaRPr lang="en-US" dirty="0">
-              <a:latin typeface="Andale Mono" charset="0"/>
-              <a:ea typeface="Andale Mono" charset="0"/>
-              <a:cs typeface="Andale Mono" charset="0"/>
-            </a:endParaRPr>
-          </a:p>
-        </p:txBody>
-      </p:sp>
     </p:spTree>
     <p:extLst>
       <p:ext uri="{BB962C8B-B14F-4D97-AF65-F5344CB8AC3E}">
-        <p14:creationId xmlns:p14="http://schemas.microsoft.com/office/powerpoint/2010/main" val="1426815398"/>
+        <p14:creationId xmlns:p14="http://schemas.microsoft.com/office/powerpoint/2010/main" val="675462530"/>
       </p:ext>
     </p:extLst>
   </p:cSld>
@@ -6696,9 +6571,12 @@
           <a:p>
             <a:r>
               <a:rPr lang="en-US" dirty="0" smtClean="0"/>
-              <a:t>Position: relative</a:t>
-            </a:r>
-            <a:endParaRPr lang="en-US" dirty="0"/>
+              <a:t>Position: </a:t>
+            </a:r>
+            <a:r>
+              <a:rPr lang="en-US" dirty="0"/>
+              <a:t>static</a:t>
+            </a:r>
           </a:p>
         </p:txBody>
       </p:sp>
@@ -6787,10 +6665,61 @@
           </a:p>
         </p:txBody>
       </p:sp>
+      <p:sp>
+        <p:nvSpPr>
+          <p:cNvPr id="10" name="TextBox 9"/>
+          <p:cNvSpPr txBox="1"/>
+          <p:nvPr/>
+        </p:nvSpPr>
+        <p:spPr>
+          <a:xfrm>
+            <a:off x="774914" y="5994768"/>
+            <a:ext cx="7873140" cy="369332"/>
+          </a:xfrm>
+          <a:prstGeom prst="rect">
+            <a:avLst/>
+          </a:prstGeom>
+          <a:solidFill>
+            <a:schemeClr val="accent1">
+              <a:lumMod val="60000"/>
+              <a:lumOff val="40000"/>
+            </a:schemeClr>
+          </a:solidFill>
+        </p:spPr>
+        <p:txBody>
+          <a:bodyPr wrap="square" rtlCol="0">
+            <a:spAutoFit/>
+          </a:bodyPr>
+          <a:lstStyle/>
+          <a:p>
+            <a:r>
+              <a:rPr lang="nl-BE" dirty="0">
+                <a:latin typeface="Andale Mono" charset="0"/>
+                <a:ea typeface="Andale Mono" charset="0"/>
+                <a:cs typeface="Andale Mono" charset="0"/>
+              </a:rPr>
+              <a:t>l</a:t>
+            </a:r>
+            <a:r>
+              <a:rPr lang="nl-BE" dirty="0" smtClean="0">
+                <a:latin typeface="Andale Mono" charset="0"/>
+                <a:ea typeface="Andale Mono" charset="0"/>
+                <a:cs typeface="Andale Mono" charset="0"/>
+              </a:rPr>
+              <a:t>eft:30px;</a:t>
+            </a:r>
+            <a:endParaRPr lang="en-US" dirty="0">
+              <a:latin typeface="Andale Mono" charset="0"/>
+              <a:ea typeface="Andale Mono" charset="0"/>
+              <a:cs typeface="Andale Mono" charset="0"/>
+            </a:endParaRPr>
+          </a:p>
+        </p:txBody>
+      </p:sp>
     </p:spTree>
     <p:extLst>
       <p:ext uri="{BB962C8B-B14F-4D97-AF65-F5344CB8AC3E}">
-        <p14:creationId xmlns:p14="http://schemas.microsoft.com/office/powerpoint/2010/main" val="1574505974"/>
+        <p14:creationId xmlns:p14="http://schemas.microsoft.com/office/powerpoint/2010/main" val="1426815398"/>
       </p:ext>
     </p:extLst>
   </p:cSld>
@@ -6905,7 +6834,7 @@
         </p:nvSpPr>
         <p:spPr>
           <a:xfrm>
-            <a:off x="1916010" y="2638045"/>
+            <a:off x="1606046" y="2638044"/>
             <a:ext cx="2795474" cy="1484505"/>
           </a:xfrm>
           <a:prstGeom prst="rect">
@@ -6932,61 +6861,10 @@
           </a:p>
         </p:txBody>
       </p:sp>
-      <p:sp>
-        <p:nvSpPr>
-          <p:cNvPr id="10" name="TextBox 9"/>
-          <p:cNvSpPr txBox="1"/>
-          <p:nvPr/>
-        </p:nvSpPr>
-        <p:spPr>
-          <a:xfrm>
-            <a:off x="774914" y="5994768"/>
-            <a:ext cx="7873140" cy="369332"/>
-          </a:xfrm>
-          <a:prstGeom prst="rect">
-            <a:avLst/>
-          </a:prstGeom>
-          <a:solidFill>
-            <a:schemeClr val="accent1">
-              <a:lumMod val="60000"/>
-              <a:lumOff val="40000"/>
-            </a:schemeClr>
-          </a:solidFill>
-        </p:spPr>
-        <p:txBody>
-          <a:bodyPr wrap="square" rtlCol="0">
-            <a:spAutoFit/>
-          </a:bodyPr>
-          <a:lstStyle/>
-          <a:p>
-            <a:r>
-              <a:rPr lang="nl-BE" dirty="0">
-                <a:latin typeface="Andale Mono" charset="0"/>
-                <a:ea typeface="Andale Mono" charset="0"/>
-                <a:cs typeface="Andale Mono" charset="0"/>
-              </a:rPr>
-              <a:t>l</a:t>
-            </a:r>
-            <a:r>
-              <a:rPr lang="nl-BE" dirty="0" smtClean="0">
-                <a:latin typeface="Andale Mono" charset="0"/>
-                <a:ea typeface="Andale Mono" charset="0"/>
-                <a:cs typeface="Andale Mono" charset="0"/>
-              </a:rPr>
-              <a:t>eft:30px;</a:t>
-            </a:r>
-            <a:endParaRPr lang="en-US" dirty="0">
-              <a:latin typeface="Andale Mono" charset="0"/>
-              <a:ea typeface="Andale Mono" charset="0"/>
-              <a:cs typeface="Andale Mono" charset="0"/>
-            </a:endParaRPr>
-          </a:p>
-        </p:txBody>
-      </p:sp>
     </p:spTree>
     <p:extLst>
       <p:ext uri="{BB962C8B-B14F-4D97-AF65-F5344CB8AC3E}">
-        <p14:creationId xmlns:p14="http://schemas.microsoft.com/office/powerpoint/2010/main" val="1679921931"/>
+        <p14:creationId xmlns:p14="http://schemas.microsoft.com/office/powerpoint/2010/main" val="1574505974"/>
       </p:ext>
     </p:extLst>
   </p:cSld>
@@ -7037,7 +6915,7 @@
           <a:p>
             <a:r>
               <a:rPr lang="en-US" dirty="0" smtClean="0"/>
-              <a:t>Position: fixed</a:t>
+              <a:t>Position: relative</a:t>
             </a:r>
             <a:endParaRPr lang="en-US" dirty="0"/>
           </a:p>
@@ -7101,7 +6979,7 @@
         </p:nvSpPr>
         <p:spPr>
           <a:xfrm>
-            <a:off x="0" y="0"/>
+            <a:off x="1916010" y="2638045"/>
             <a:ext cx="2795474" cy="1484505"/>
           </a:xfrm>
           <a:prstGeom prst="rect">
@@ -7128,10 +7006,61 @@
           </a:p>
         </p:txBody>
       </p:sp>
+      <p:sp>
+        <p:nvSpPr>
+          <p:cNvPr id="10" name="TextBox 9"/>
+          <p:cNvSpPr txBox="1"/>
+          <p:nvPr/>
+        </p:nvSpPr>
+        <p:spPr>
+          <a:xfrm>
+            <a:off x="774914" y="5994768"/>
+            <a:ext cx="7873140" cy="369332"/>
+          </a:xfrm>
+          <a:prstGeom prst="rect">
+            <a:avLst/>
+          </a:prstGeom>
+          <a:solidFill>
+            <a:schemeClr val="accent1">
+              <a:lumMod val="60000"/>
+              <a:lumOff val="40000"/>
+            </a:schemeClr>
+          </a:solidFill>
+        </p:spPr>
+        <p:txBody>
+          <a:bodyPr wrap="square" rtlCol="0">
+            <a:spAutoFit/>
+          </a:bodyPr>
+          <a:lstStyle/>
+          <a:p>
+            <a:r>
+              <a:rPr lang="nl-BE" dirty="0">
+                <a:latin typeface="Andale Mono" charset="0"/>
+                <a:ea typeface="Andale Mono" charset="0"/>
+                <a:cs typeface="Andale Mono" charset="0"/>
+              </a:rPr>
+              <a:t>l</a:t>
+            </a:r>
+            <a:r>
+              <a:rPr lang="nl-BE" dirty="0" smtClean="0">
+                <a:latin typeface="Andale Mono" charset="0"/>
+                <a:ea typeface="Andale Mono" charset="0"/>
+                <a:cs typeface="Andale Mono" charset="0"/>
+              </a:rPr>
+              <a:t>eft:30px;</a:t>
+            </a:r>
+            <a:endParaRPr lang="en-US" dirty="0">
+              <a:latin typeface="Andale Mono" charset="0"/>
+              <a:ea typeface="Andale Mono" charset="0"/>
+              <a:cs typeface="Andale Mono" charset="0"/>
+            </a:endParaRPr>
+          </a:p>
+        </p:txBody>
+      </p:sp>
     </p:spTree>
     <p:extLst>
       <p:ext uri="{BB962C8B-B14F-4D97-AF65-F5344CB8AC3E}">
-        <p14:creationId xmlns:p14="http://schemas.microsoft.com/office/powerpoint/2010/main" val="1555941992"/>
+        <p14:creationId xmlns:p14="http://schemas.microsoft.com/office/powerpoint/2010/main" val="1679921931"/>
       </p:ext>
     </p:extLst>
   </p:cSld>
@@ -7182,7 +7111,7 @@
           <a:p>
             <a:r>
               <a:rPr lang="en-US" dirty="0" smtClean="0"/>
-              <a:t>Position: absolute</a:t>
+              <a:t>Position: fixed</a:t>
             </a:r>
             <a:endParaRPr lang="en-US" dirty="0"/>
           </a:p>
@@ -7246,7 +7175,7 @@
         </p:nvSpPr>
         <p:spPr>
           <a:xfrm>
-            <a:off x="1606045" y="2638045"/>
+            <a:off x="0" y="0"/>
             <a:ext cx="2795474" cy="1484505"/>
           </a:xfrm>
           <a:prstGeom prst="rect">
@@ -7276,7 +7205,7 @@
     </p:spTree>
     <p:extLst>
       <p:ext uri="{BB962C8B-B14F-4D97-AF65-F5344CB8AC3E}">
-        <p14:creationId xmlns:p14="http://schemas.microsoft.com/office/powerpoint/2010/main" val="417400436"/>
+        <p14:creationId xmlns:p14="http://schemas.microsoft.com/office/powerpoint/2010/main" val="1555941992"/>
       </p:ext>
     </p:extLst>
   </p:cSld>
@@ -7391,7 +7320,7 @@
         </p:nvSpPr>
         <p:spPr>
           <a:xfrm>
-            <a:off x="1916010" y="2638045"/>
+            <a:off x="1606045" y="2638045"/>
             <a:ext cx="2795474" cy="1484505"/>
           </a:xfrm>
           <a:prstGeom prst="rect">
@@ -7418,61 +7347,10 @@
           </a:p>
         </p:txBody>
       </p:sp>
-      <p:sp>
-        <p:nvSpPr>
-          <p:cNvPr id="10" name="TextBox 9"/>
-          <p:cNvSpPr txBox="1"/>
-          <p:nvPr/>
-        </p:nvSpPr>
-        <p:spPr>
-          <a:xfrm>
-            <a:off x="774914" y="5994768"/>
-            <a:ext cx="7873140" cy="369332"/>
-          </a:xfrm>
-          <a:prstGeom prst="rect">
-            <a:avLst/>
-          </a:prstGeom>
-          <a:solidFill>
-            <a:schemeClr val="accent1">
-              <a:lumMod val="60000"/>
-              <a:lumOff val="40000"/>
-            </a:schemeClr>
-          </a:solidFill>
-        </p:spPr>
-        <p:txBody>
-          <a:bodyPr wrap="square" rtlCol="0">
-            <a:spAutoFit/>
-          </a:bodyPr>
-          <a:lstStyle/>
-          <a:p>
-            <a:r>
-              <a:rPr lang="nl-BE" dirty="0">
-                <a:latin typeface="Andale Mono" charset="0"/>
-                <a:ea typeface="Andale Mono" charset="0"/>
-                <a:cs typeface="Andale Mono" charset="0"/>
-              </a:rPr>
-              <a:t>l</a:t>
-            </a:r>
-            <a:r>
-              <a:rPr lang="nl-BE" dirty="0" smtClean="0">
-                <a:latin typeface="Andale Mono" charset="0"/>
-                <a:ea typeface="Andale Mono" charset="0"/>
-                <a:cs typeface="Andale Mono" charset="0"/>
-              </a:rPr>
-              <a:t>eft:30px;</a:t>
-            </a:r>
-            <a:endParaRPr lang="en-US" dirty="0">
-              <a:latin typeface="Andale Mono" charset="0"/>
-              <a:ea typeface="Andale Mono" charset="0"/>
-              <a:cs typeface="Andale Mono" charset="0"/>
-            </a:endParaRPr>
-          </a:p>
-        </p:txBody>
-      </p:sp>
     </p:spTree>
     <p:extLst>
       <p:ext uri="{BB962C8B-B14F-4D97-AF65-F5344CB8AC3E}">
-        <p14:creationId xmlns:p14="http://schemas.microsoft.com/office/powerpoint/2010/main" val="685861563"/>
+        <p14:creationId xmlns:p14="http://schemas.microsoft.com/office/powerpoint/2010/main" val="417400436"/>
       </p:ext>
     </p:extLst>
   </p:cSld>
@@ -7508,7 +7386,7 @@
       </p:grpSpPr>
       <p:sp>
         <p:nvSpPr>
-          <p:cNvPr id="2" name="Title 1"/>
+          <p:cNvPr id="4" name="Title 3"/>
           <p:cNvSpPr>
             <a:spLocks noGrp="1"/>
           </p:cNvSpPr>
@@ -7531,38 +7409,133 @@
       </p:sp>
       <p:sp>
         <p:nvSpPr>
-          <p:cNvPr id="3" name="Content Placeholder 2"/>
+          <p:cNvPr id="2" name="Content Placeholder 1"/>
           <p:cNvSpPr>
             <a:spLocks noGrp="1"/>
           </p:cNvSpPr>
           <p:nvPr>
             <p:ph idx="1"/>
           </p:nvPr>
+        </p:nvSpPr>
+        <p:spPr/>
+        <p:txBody>
+          <a:bodyPr/>
+          <a:lstStyle/>
+          <a:p>
+            <a:endParaRPr lang="en-US" dirty="0"/>
+          </a:p>
+        </p:txBody>
+      </p:sp>
+      <p:sp>
+        <p:nvSpPr>
+          <p:cNvPr id="3" name="TextBox 2"/>
+          <p:cNvSpPr txBox="1"/>
+          <p:nvPr/>
         </p:nvSpPr>
         <p:spPr>
           <a:xfrm>
-            <a:off x="1606045" y="3226980"/>
+            <a:off x="1606045" y="2638045"/>
             <a:ext cx="5937755" cy="3101983"/>
           </a:xfrm>
+          <a:prstGeom prst="rect">
+            <a:avLst/>
+          </a:prstGeom>
+          <a:solidFill>
+            <a:schemeClr val="accent5">
+              <a:lumMod val="60000"/>
+              <a:lumOff val="40000"/>
+            </a:schemeClr>
+          </a:solidFill>
         </p:spPr>
         <p:txBody>
-          <a:bodyPr>
-            <a:normAutofit/>
+          <a:bodyPr wrap="square" rtlCol="0">
+            <a:spAutoFit/>
           </a:bodyPr>
           <a:lstStyle/>
           <a:p>
-            <a:pPr marL="0" indent="0" algn="ctr">
-              <a:buNone/>
-            </a:pPr>
-            <a:r>
-              <a:rPr lang="en-US" sz="3200" dirty="0">
-                <a:latin typeface="Andale Mono" charset="0"/>
-                <a:ea typeface="Andale Mono" charset="0"/>
-                <a:cs typeface="Andale Mono" charset="0"/>
-              </a:rPr>
-              <a:t>is positioned relative to the nearest positioned ancestor</a:t>
-            </a:r>
-            <a:endParaRPr lang="en-US" sz="3200" dirty="0">
+            <a:endParaRPr lang="en-US" dirty="0"/>
+          </a:p>
+        </p:txBody>
+      </p:sp>
+      <p:sp>
+        <p:nvSpPr>
+          <p:cNvPr id="9" name="TextBox 8"/>
+          <p:cNvSpPr txBox="1"/>
+          <p:nvPr/>
+        </p:nvSpPr>
+        <p:spPr>
+          <a:xfrm>
+            <a:off x="1916010" y="2638045"/>
+            <a:ext cx="2795474" cy="1484505"/>
+          </a:xfrm>
+          <a:prstGeom prst="rect">
+            <a:avLst/>
+          </a:prstGeom>
+          <a:solidFill>
+            <a:schemeClr val="bg1">
+              <a:lumMod val="65000"/>
+            </a:schemeClr>
+          </a:solidFill>
+          <a:ln>
+            <a:solidFill>
+              <a:schemeClr val="tx1"/>
+            </a:solidFill>
+          </a:ln>
+        </p:spPr>
+        <p:txBody>
+          <a:bodyPr wrap="square" rtlCol="0">
+            <a:spAutoFit/>
+          </a:bodyPr>
+          <a:lstStyle/>
+          <a:p>
+            <a:endParaRPr lang="en-US" dirty="0"/>
+          </a:p>
+        </p:txBody>
+      </p:sp>
+      <p:sp>
+        <p:nvSpPr>
+          <p:cNvPr id="10" name="TextBox 9"/>
+          <p:cNvSpPr txBox="1"/>
+          <p:nvPr/>
+        </p:nvSpPr>
+        <p:spPr>
+          <a:xfrm>
+            <a:off x="774914" y="5994768"/>
+            <a:ext cx="7873140" cy="369332"/>
+          </a:xfrm>
+          <a:prstGeom prst="rect">
+            <a:avLst/>
+          </a:prstGeom>
+          <a:solidFill>
+            <a:schemeClr val="accent1">
+              <a:lumMod val="60000"/>
+              <a:lumOff val="40000"/>
+            </a:schemeClr>
+          </a:solidFill>
+        </p:spPr>
+        <p:txBody>
+          <a:bodyPr wrap="square" rtlCol="0">
+            <a:spAutoFit/>
+          </a:bodyPr>
+          <a:lstStyle/>
+          <a:p>
+            <a:r>
+              <a:rPr lang="nl-BE" dirty="0">
+                <a:latin typeface="Andale Mono" charset="0"/>
+                <a:ea typeface="Andale Mono" charset="0"/>
+                <a:cs typeface="Andale Mono" charset="0"/>
+              </a:rPr>
+              <a:t>l</a:t>
+            </a:r>
+            <a:r>
+              <a:rPr lang="nl-BE" dirty="0" smtClean="0">
+                <a:latin typeface="Andale Mono" charset="0"/>
+                <a:ea typeface="Andale Mono" charset="0"/>
+                <a:cs typeface="Andale Mono" charset="0"/>
+              </a:rPr>
+              <a:t>eft:30px;</a:t>
+            </a:r>
+            <a:endParaRPr lang="en-US" dirty="0">
               <a:latin typeface="Andale Mono" charset="0"/>
               <a:ea typeface="Andale Mono" charset="0"/>
               <a:cs typeface="Andale Mono" charset="0"/>
@@ -7573,7 +7546,7 @@
     </p:spTree>
     <p:extLst>
       <p:ext uri="{BB962C8B-B14F-4D97-AF65-F5344CB8AC3E}">
-        <p14:creationId xmlns:p14="http://schemas.microsoft.com/office/powerpoint/2010/main" val="1121537895"/>
+        <p14:creationId xmlns:p14="http://schemas.microsoft.com/office/powerpoint/2010/main" val="685861563"/>
       </p:ext>
     </p:extLst>
   </p:cSld>
@@ -7688,7 +7661,7 @@
       </p:grpSpPr>
       <p:sp>
         <p:nvSpPr>
-          <p:cNvPr id="4" name="Title 3"/>
+          <p:cNvPr id="2" name="Title 1"/>
           <p:cNvSpPr>
             <a:spLocks noGrp="1"/>
           </p:cNvSpPr>
@@ -7703,7 +7676,7 @@
           <a:p>
             <a:r>
               <a:rPr lang="en-US" dirty="0" smtClean="0"/>
-              <a:t>float</a:t>
+              <a:t>Position: absolute</a:t>
             </a:r>
             <a:endParaRPr lang="en-US" dirty="0"/>
           </a:p>
@@ -7711,128 +7684,44 @@
       </p:sp>
       <p:sp>
         <p:nvSpPr>
-          <p:cNvPr id="2" name="Content Placeholder 1"/>
+          <p:cNvPr id="3" name="Content Placeholder 2"/>
           <p:cNvSpPr>
             <a:spLocks noGrp="1"/>
           </p:cNvSpPr>
           <p:nvPr>
             <p:ph idx="1"/>
           </p:nvPr>
-        </p:nvSpPr>
-        <p:spPr/>
-        <p:txBody>
-          <a:bodyPr/>
-          <a:lstStyle/>
-          <a:p>
-            <a:endParaRPr lang="en-US" dirty="0"/>
-          </a:p>
-        </p:txBody>
-      </p:sp>
-      <p:sp>
-        <p:nvSpPr>
-          <p:cNvPr id="6" name="TextBox 5"/>
-          <p:cNvSpPr txBox="1"/>
-          <p:nvPr/>
         </p:nvSpPr>
         <p:spPr>
           <a:xfrm>
-            <a:off x="1606045" y="2638044"/>
+            <a:off x="1606045" y="3226980"/>
             <a:ext cx="5937755" cy="3101983"/>
           </a:xfrm>
-          <a:prstGeom prst="rect">
-            <a:avLst/>
-          </a:prstGeom>
-          <a:solidFill>
-            <a:schemeClr val="accent5">
-              <a:lumMod val="60000"/>
-              <a:lumOff val="40000"/>
-            </a:schemeClr>
-          </a:solidFill>
         </p:spPr>
         <p:txBody>
-          <a:bodyPr wrap="square" rtlCol="0">
-            <a:spAutoFit/>
+          <a:bodyPr>
+            <a:normAutofit/>
           </a:bodyPr>
           <a:lstStyle/>
           <a:p>
-            <a:endParaRPr lang="en-US" dirty="0"/>
-          </a:p>
-        </p:txBody>
-      </p:sp>
-      <p:sp>
-        <p:nvSpPr>
-          <p:cNvPr id="10" name="TextBox 9"/>
-          <p:cNvSpPr txBox="1"/>
-          <p:nvPr/>
-        </p:nvSpPr>
-        <p:spPr>
-          <a:xfrm>
-            <a:off x="1606046" y="2638044"/>
-            <a:ext cx="2795474" cy="1484505"/>
-          </a:xfrm>
-          <a:prstGeom prst="rect">
-            <a:avLst/>
-          </a:prstGeom>
-          <a:solidFill>
-            <a:schemeClr val="bg1">
-              <a:lumMod val="65000"/>
-            </a:schemeClr>
-          </a:solidFill>
-          <a:ln>
-            <a:solidFill>
-              <a:schemeClr val="tx1"/>
-            </a:solidFill>
-          </a:ln>
-        </p:spPr>
-        <p:txBody>
-          <a:bodyPr wrap="square" rtlCol="0">
-            <a:spAutoFit/>
-          </a:bodyPr>
-          <a:lstStyle/>
-          <a:p>
-            <a:endParaRPr lang="en-US" dirty="0"/>
-          </a:p>
-        </p:txBody>
-      </p:sp>
-      <p:sp>
-        <p:nvSpPr>
-          <p:cNvPr id="11" name="TextBox 10"/>
-          <p:cNvSpPr txBox="1"/>
-          <p:nvPr/>
-        </p:nvSpPr>
-        <p:spPr>
-          <a:xfrm>
-            <a:off x="1606046" y="4122549"/>
-            <a:ext cx="2795474" cy="1484505"/>
-          </a:xfrm>
-          <a:prstGeom prst="rect">
-            <a:avLst/>
-          </a:prstGeom>
-          <a:solidFill>
-            <a:schemeClr val="bg1">
-              <a:lumMod val="65000"/>
-            </a:schemeClr>
-          </a:solidFill>
-          <a:ln>
-            <a:solidFill>
-              <a:schemeClr val="tx1"/>
-            </a:solidFill>
-          </a:ln>
-        </p:spPr>
-        <p:txBody>
-          <a:bodyPr wrap="square" rtlCol="0">
-            <a:spAutoFit/>
-          </a:bodyPr>
-          <a:lstStyle/>
-          <a:p>
-            <a:endParaRPr lang="en-US" dirty="0"/>
+            <a:pPr marL="0" indent="0" algn="ctr">
+              <a:buNone/>
+            </a:pPr>
+            <a:r>
+              <a:rPr lang="en-US" sz="3200" dirty="0">
+                <a:latin typeface="Andale Mono" charset="0"/>
+                <a:ea typeface="Andale Mono" charset="0"/>
+                <a:cs typeface="Andale Mono" charset="0"/>
+              </a:rPr>
+              <a:t>is positioned relative to the nearest positioned ancestor</a:t>
+            </a:r>
           </a:p>
         </p:txBody>
       </p:sp>
     </p:spTree>
     <p:extLst>
       <p:ext uri="{BB962C8B-B14F-4D97-AF65-F5344CB8AC3E}">
-        <p14:creationId xmlns:p14="http://schemas.microsoft.com/office/powerpoint/2010/main" val="1201786221"/>
+        <p14:creationId xmlns:p14="http://schemas.microsoft.com/office/powerpoint/2010/main" val="1121537895"/>
       </p:ext>
     </p:extLst>
   </p:cSld>
@@ -7883,7 +7772,7 @@
           <a:p>
             <a:r>
               <a:rPr lang="en-US" dirty="0" smtClean="0"/>
-              <a:t>Float</a:t>
+              <a:t>float</a:t>
             </a:r>
             <a:endParaRPr lang="en-US" dirty="0"/>
           </a:p>
@@ -7982,7 +7871,7 @@
         </p:nvSpPr>
         <p:spPr>
           <a:xfrm>
-            <a:off x="4401520" y="2638043"/>
+            <a:off x="1606046" y="4122549"/>
             <a:ext cx="2795474" cy="1484505"/>
           </a:xfrm>
           <a:prstGeom prst="rect">
@@ -8009,61 +7898,10 @@
           </a:p>
         </p:txBody>
       </p:sp>
-      <p:sp>
-        <p:nvSpPr>
-          <p:cNvPr id="7" name="TextBox 6"/>
-          <p:cNvSpPr txBox="1"/>
-          <p:nvPr/>
-        </p:nvSpPr>
-        <p:spPr>
-          <a:xfrm>
-            <a:off x="774914" y="5994768"/>
-            <a:ext cx="7873140" cy="369332"/>
-          </a:xfrm>
-          <a:prstGeom prst="rect">
-            <a:avLst/>
-          </a:prstGeom>
-          <a:solidFill>
-            <a:schemeClr val="accent1">
-              <a:lumMod val="60000"/>
-              <a:lumOff val="40000"/>
-            </a:schemeClr>
-          </a:solidFill>
-        </p:spPr>
-        <p:txBody>
-          <a:bodyPr wrap="square" rtlCol="0">
-            <a:spAutoFit/>
-          </a:bodyPr>
-          <a:lstStyle/>
-          <a:p>
-            <a:r>
-              <a:rPr lang="nl-BE" dirty="0">
-                <a:latin typeface="Andale Mono" charset="0"/>
-                <a:ea typeface="Andale Mono" charset="0"/>
-                <a:cs typeface="Andale Mono" charset="0"/>
-              </a:rPr>
-              <a:t>f</a:t>
-            </a:r>
-            <a:r>
-              <a:rPr lang="nl-BE" dirty="0" smtClean="0">
-                <a:latin typeface="Andale Mono" charset="0"/>
-                <a:ea typeface="Andale Mono" charset="0"/>
-                <a:cs typeface="Andale Mono" charset="0"/>
-              </a:rPr>
-              <a:t>loat: left;</a:t>
-            </a:r>
-            <a:endParaRPr lang="en-US" dirty="0">
-              <a:latin typeface="Andale Mono" charset="0"/>
-              <a:ea typeface="Andale Mono" charset="0"/>
-              <a:cs typeface="Andale Mono" charset="0"/>
-            </a:endParaRPr>
-          </a:p>
-        </p:txBody>
-      </p:sp>
     </p:spTree>
     <p:extLst>
       <p:ext uri="{BB962C8B-B14F-4D97-AF65-F5344CB8AC3E}">
-        <p14:creationId xmlns:p14="http://schemas.microsoft.com/office/powerpoint/2010/main" val="1854953997"/>
+        <p14:creationId xmlns:p14="http://schemas.microsoft.com/office/powerpoint/2010/main" val="1201786221"/>
       </p:ext>
     </p:extLst>
   </p:cSld>
@@ -8178,7 +8016,7 @@
         </p:nvSpPr>
         <p:spPr>
           <a:xfrm>
-            <a:off x="1952852" y="2638044"/>
+            <a:off x="1606046" y="2638044"/>
             <a:ext cx="2795474" cy="1484505"/>
           </a:xfrm>
           <a:prstGeom prst="rect">
@@ -8213,7 +8051,7 @@
         </p:nvSpPr>
         <p:spPr>
           <a:xfrm>
-            <a:off x="4748326" y="2638043"/>
+            <a:off x="4401520" y="2638043"/>
             <a:ext cx="2795474" cy="1484505"/>
           </a:xfrm>
           <a:prstGeom prst="rect">
@@ -8281,7 +8119,7 @@
                 <a:ea typeface="Andale Mono" charset="0"/>
                 <a:cs typeface="Andale Mono" charset="0"/>
               </a:rPr>
-              <a:t>loat: right;</a:t>
+              <a:t>loat: left;</a:t>
             </a:r>
             <a:endParaRPr lang="en-US" dirty="0">
               <a:latin typeface="Andale Mono" charset="0"/>
@@ -8294,7 +8132,7 @@
     </p:spTree>
     <p:extLst>
       <p:ext uri="{BB962C8B-B14F-4D97-AF65-F5344CB8AC3E}">
-        <p14:creationId xmlns:p14="http://schemas.microsoft.com/office/powerpoint/2010/main" val="619121415"/>
+        <p14:creationId xmlns:p14="http://schemas.microsoft.com/office/powerpoint/2010/main" val="1854953997"/>
       </p:ext>
     </p:extLst>
   </p:cSld>
@@ -8345,7 +8183,7 @@
           <a:p>
             <a:r>
               <a:rPr lang="en-US" dirty="0" smtClean="0"/>
-              <a:t>Overflow</a:t>
+              <a:t>Float</a:t>
             </a:r>
             <a:endParaRPr lang="en-US" dirty="0"/>
           </a:p>
@@ -8366,7 +8204,7 @@
           <a:bodyPr/>
           <a:lstStyle/>
           <a:p>
-            <a:endParaRPr lang="en-US"/>
+            <a:endParaRPr lang="en-US" dirty="0"/>
           </a:p>
         </p:txBody>
       </p:sp>
@@ -8403,14 +8241,14 @@
       </p:sp>
       <p:sp>
         <p:nvSpPr>
-          <p:cNvPr id="9" name="TextBox 8"/>
+          <p:cNvPr id="10" name="TextBox 9"/>
           <p:cNvSpPr txBox="1"/>
           <p:nvPr/>
         </p:nvSpPr>
         <p:spPr>
           <a:xfrm>
-            <a:off x="1606045" y="2638043"/>
-            <a:ext cx="2795474" cy="3416320"/>
+            <a:off x="1952852" y="2638044"/>
+            <a:ext cx="2795474" cy="1484505"/>
           </a:xfrm>
           <a:prstGeom prst="rect">
             <a:avLst/>
@@ -8432,88 +8270,48 @@
           </a:bodyPr>
           <a:lstStyle/>
           <a:p>
-            <a:r>
-              <a:rPr lang="en-US" dirty="0"/>
-              <a:t> </a:t>
-            </a:r>
-            <a:endParaRPr lang="en-US" dirty="0" smtClean="0"/>
-          </a:p>
-          <a:p>
-            <a:r>
-              <a:rPr lang="en-US" dirty="0"/>
-              <a:t> </a:t>
-            </a:r>
-            <a:endParaRPr lang="en-US" dirty="0" smtClean="0"/>
-          </a:p>
-          <a:p>
-            <a:r>
-              <a:rPr lang="en-US" dirty="0"/>
-              <a:t> </a:t>
-            </a:r>
-            <a:endParaRPr lang="en-US" dirty="0" smtClean="0"/>
-          </a:p>
-          <a:p>
-            <a:r>
-              <a:rPr lang="en-US" dirty="0"/>
-              <a:t> </a:t>
-            </a:r>
-            <a:endParaRPr lang="en-US" dirty="0" smtClean="0"/>
-          </a:p>
-          <a:p>
-            <a:r>
-              <a:rPr lang="en-US" dirty="0"/>
-              <a:t> </a:t>
-            </a:r>
-            <a:endParaRPr lang="en-US" dirty="0" smtClean="0"/>
-          </a:p>
-          <a:p>
-            <a:r>
-              <a:rPr lang="en-US" dirty="0"/>
-              <a:t> </a:t>
-            </a:r>
-            <a:endParaRPr lang="en-US" dirty="0" smtClean="0"/>
-          </a:p>
-          <a:p>
-            <a:r>
-              <a:rPr lang="en-US" dirty="0"/>
-              <a:t> </a:t>
-            </a:r>
-            <a:endParaRPr lang="en-US" dirty="0" smtClean="0"/>
-          </a:p>
-          <a:p>
             <a:endParaRPr lang="en-US" dirty="0"/>
           </a:p>
-          <a:p>
-            <a:r>
-              <a:rPr lang="en-US" dirty="0" smtClean="0"/>
-              <a:t> </a:t>
-            </a:r>
-          </a:p>
-          <a:p>
-            <a:r>
-              <a:rPr lang="en-US" dirty="0"/>
-              <a:t> </a:t>
-            </a:r>
-            <a:endParaRPr lang="en-US" dirty="0" smtClean="0"/>
-          </a:p>
-          <a:p>
-            <a:r>
-              <a:rPr lang="en-US" dirty="0"/>
-              <a:t> </a:t>
-            </a:r>
-            <a:endParaRPr lang="en-US" dirty="0" smtClean="0"/>
-          </a:p>
-          <a:p>
-            <a:r>
-              <a:rPr lang="en-US" dirty="0"/>
-              <a:t> </a:t>
-            </a:r>
-          </a:p>
-        </p:txBody>
-      </p:sp>
-      <p:sp>
-        <p:nvSpPr>
-          <p:cNvPr id="10" name="TextBox 9"/>
+        </p:txBody>
+      </p:sp>
+      <p:sp>
+        <p:nvSpPr>
+          <p:cNvPr id="11" name="TextBox 10"/>
+          <p:cNvSpPr txBox="1"/>
+          <p:nvPr/>
+        </p:nvSpPr>
+        <p:spPr>
+          <a:xfrm>
+            <a:off x="4748326" y="2638043"/>
+            <a:ext cx="2795474" cy="1484505"/>
+          </a:xfrm>
+          <a:prstGeom prst="rect">
+            <a:avLst/>
+          </a:prstGeom>
+          <a:solidFill>
+            <a:schemeClr val="bg1">
+              <a:lumMod val="65000"/>
+            </a:schemeClr>
+          </a:solidFill>
+          <a:ln>
+            <a:solidFill>
+              <a:schemeClr val="tx1"/>
+            </a:solidFill>
+          </a:ln>
+        </p:spPr>
+        <p:txBody>
+          <a:bodyPr wrap="square" rtlCol="0">
+            <a:spAutoFit/>
+          </a:bodyPr>
+          <a:lstStyle/>
+          <a:p>
+            <a:endParaRPr lang="en-US" dirty="0"/>
+          </a:p>
+        </p:txBody>
+      </p:sp>
+      <p:sp>
+        <p:nvSpPr>
+          <p:cNvPr id="7" name="TextBox 6"/>
           <p:cNvSpPr txBox="1"/>
           <p:nvPr/>
         </p:nvSpPr>
@@ -8544,7 +8342,15 @@
                 <a:ea typeface="Andale Mono" charset="0"/>
                 <a:cs typeface="Andale Mono" charset="0"/>
               </a:rPr>
-              <a:t>overflow: visible;</a:t>
+              <a:t>f</a:t>
+            </a:r>
+            <a:r>
+              <a:rPr lang="nl-BE" dirty="0" smtClean="0">
+                <a:latin typeface="Andale Mono" charset="0"/>
+                <a:ea typeface="Andale Mono" charset="0"/>
+                <a:cs typeface="Andale Mono" charset="0"/>
+              </a:rPr>
+              <a:t>loat: right;</a:t>
             </a:r>
             <a:endParaRPr lang="en-US" dirty="0">
               <a:latin typeface="Andale Mono" charset="0"/>
@@ -8557,7 +8363,7 @@
     </p:spTree>
     <p:extLst>
       <p:ext uri="{BB962C8B-B14F-4D97-AF65-F5344CB8AC3E}">
-        <p14:creationId xmlns:p14="http://schemas.microsoft.com/office/powerpoint/2010/main" val="957348175"/>
+        <p14:creationId xmlns:p14="http://schemas.microsoft.com/office/powerpoint/2010/main" val="619121415"/>
       </p:ext>
     </p:extLst>
   </p:cSld>
@@ -8673,7 +8479,7 @@
         <p:spPr>
           <a:xfrm>
             <a:off x="1606045" y="2638043"/>
-            <a:ext cx="2795474" cy="3139321"/>
+            <a:ext cx="2795474" cy="3416320"/>
           </a:xfrm>
           <a:prstGeom prst="rect">
             <a:avLst/>
@@ -8760,7 +8566,17 @@
             <a:endParaRPr lang="en-US" dirty="0" smtClean="0"/>
           </a:p>
           <a:p>
+            <a:r>
+              <a:rPr lang="en-US" dirty="0"/>
+              <a:t> </a:t>
+            </a:r>
             <a:endParaRPr lang="en-US" dirty="0" smtClean="0"/>
+          </a:p>
+          <a:p>
+            <a:r>
+              <a:rPr lang="en-US" dirty="0"/>
+              <a:t> </a:t>
+            </a:r>
           </a:p>
         </p:txBody>
       </p:sp>
@@ -8797,15 +8613,7 @@
                 <a:ea typeface="Andale Mono" charset="0"/>
                 <a:cs typeface="Andale Mono" charset="0"/>
               </a:rPr>
-              <a:t>overflow: </a:t>
-            </a:r>
-            <a:r>
-              <a:rPr lang="nl-BE" dirty="0" smtClean="0">
-                <a:latin typeface="Andale Mono" charset="0"/>
-                <a:ea typeface="Andale Mono" charset="0"/>
-                <a:cs typeface="Andale Mono" charset="0"/>
-              </a:rPr>
-              <a:t>hidden;</a:t>
+              <a:t>overflow: visible;</a:t>
             </a:r>
             <a:endParaRPr lang="en-US" dirty="0">
               <a:latin typeface="Andale Mono" charset="0"/>
@@ -8815,56 +8623,10 @@
           </a:p>
         </p:txBody>
       </p:sp>
-      <p:sp>
-        <p:nvSpPr>
-          <p:cNvPr id="3" name="Rectangle 2"/>
-          <p:cNvSpPr/>
-          <p:nvPr/>
-        </p:nvSpPr>
-        <p:spPr>
-          <a:xfrm>
-            <a:off x="1472339" y="5746368"/>
-            <a:ext cx="6071461" cy="217404"/>
-          </a:xfrm>
-          <a:prstGeom prst="rect">
-            <a:avLst/>
-          </a:prstGeom>
-          <a:solidFill>
-            <a:srgbClr val="F3F3F3"/>
-          </a:solidFill>
-          <a:ln>
-            <a:noFill/>
-          </a:ln>
-        </p:spPr>
-        <p:style>
-          <a:lnRef idx="2">
-            <a:schemeClr val="accent1">
-              <a:shade val="50000"/>
-            </a:schemeClr>
-          </a:lnRef>
-          <a:fillRef idx="1">
-            <a:schemeClr val="accent1"/>
-          </a:fillRef>
-          <a:effectRef idx="0">
-            <a:schemeClr val="accent1"/>
-          </a:effectRef>
-          <a:fontRef idx="minor">
-            <a:schemeClr val="lt1"/>
-          </a:fontRef>
-        </p:style>
-        <p:txBody>
-          <a:bodyPr rtlCol="0" anchor="ctr"/>
-          <a:lstStyle/>
-          <a:p>
-            <a:pPr algn="ctr"/>
-            <a:endParaRPr lang="en-US"/>
-          </a:p>
-        </p:txBody>
-      </p:sp>
     </p:spTree>
     <p:extLst>
       <p:ext uri="{BB962C8B-B14F-4D97-AF65-F5344CB8AC3E}">
-        <p14:creationId xmlns:p14="http://schemas.microsoft.com/office/powerpoint/2010/main" val="1376806058"/>
+        <p14:creationId xmlns:p14="http://schemas.microsoft.com/office/powerpoint/2010/main" val="957348175"/>
       </p:ext>
     </p:extLst>
   </p:cSld>
@@ -9104,23 +8866,15 @@
                 <a:ea typeface="Andale Mono" charset="0"/>
                 <a:cs typeface="Andale Mono" charset="0"/>
               </a:rPr>
-              <a:t>overflow</a:t>
-            </a:r>
-            <a:r>
-              <a:rPr lang="nl-BE">
-                <a:latin typeface="Andale Mono" charset="0"/>
-                <a:ea typeface="Andale Mono" charset="0"/>
-                <a:cs typeface="Andale Mono" charset="0"/>
-              </a:rPr>
-              <a:t>: </a:t>
-            </a:r>
-            <a:r>
-              <a:rPr lang="nl-BE">
-                <a:latin typeface="Andale Mono" charset="0"/>
-                <a:ea typeface="Andale Mono" charset="0"/>
-                <a:cs typeface="Andale Mono" charset="0"/>
-              </a:rPr>
-              <a:t>scroll;</a:t>
+              <a:t>overflow: </a:t>
+            </a:r>
+            <a:r>
+              <a:rPr lang="nl-BE" dirty="0" smtClean="0">
+                <a:latin typeface="Andale Mono" charset="0"/>
+                <a:ea typeface="Andale Mono" charset="0"/>
+                <a:cs typeface="Andale Mono" charset="0"/>
+              </a:rPr>
+              <a:t>hidden;</a:t>
             </a:r>
             <a:endParaRPr lang="en-US" dirty="0">
               <a:latin typeface="Andale Mono" charset="0"/>
@@ -9176,6 +8930,313 @@
           </a:p>
         </p:txBody>
       </p:sp>
+    </p:spTree>
+    <p:extLst>
+      <p:ext uri="{BB962C8B-B14F-4D97-AF65-F5344CB8AC3E}">
+        <p14:creationId xmlns:p14="http://schemas.microsoft.com/office/powerpoint/2010/main" val="1376806058"/>
+      </p:ext>
+    </p:extLst>
+  </p:cSld>
+  <p:clrMapOvr>
+    <a:masterClrMapping/>
+  </p:clrMapOvr>
+  <p:timing>
+    <p:tnLst>
+      <p:par>
+        <p:cTn id="1" dur="indefinite" restart="never" nodeType="tmRoot"/>
+      </p:par>
+    </p:tnLst>
+  </p:timing>
+</p:sld>
+</file>
+
+<file path=ppt/slides/slide36.xml><?xml version="1.0" encoding="utf-8"?>
+<p:sld xmlns:a="http://schemas.openxmlformats.org/drawingml/2006/main" xmlns:r="http://schemas.openxmlformats.org/officeDocument/2006/relationships" xmlns:p="http://schemas.openxmlformats.org/presentationml/2006/main">
+  <p:cSld>
+    <p:spTree>
+      <p:nvGrpSpPr>
+        <p:cNvPr id="1" name=""/>
+        <p:cNvGrpSpPr/>
+        <p:nvPr/>
+      </p:nvGrpSpPr>
+      <p:grpSpPr>
+        <a:xfrm>
+          <a:off x="0" y="0"/>
+          <a:ext cx="0" cy="0"/>
+          <a:chOff x="0" y="0"/>
+          <a:chExt cx="0" cy="0"/>
+        </a:xfrm>
+      </p:grpSpPr>
+      <p:sp>
+        <p:nvSpPr>
+          <p:cNvPr id="4" name="Title 3"/>
+          <p:cNvSpPr>
+            <a:spLocks noGrp="1"/>
+          </p:cNvSpPr>
+          <p:nvPr>
+            <p:ph type="title"/>
+          </p:nvPr>
+        </p:nvSpPr>
+        <p:spPr/>
+        <p:txBody>
+          <a:bodyPr/>
+          <a:lstStyle/>
+          <a:p>
+            <a:r>
+              <a:rPr lang="en-US" dirty="0" smtClean="0"/>
+              <a:t>Overflow</a:t>
+            </a:r>
+            <a:endParaRPr lang="en-US" dirty="0"/>
+          </a:p>
+        </p:txBody>
+      </p:sp>
+      <p:sp>
+        <p:nvSpPr>
+          <p:cNvPr id="2" name="Content Placeholder 1"/>
+          <p:cNvSpPr>
+            <a:spLocks noGrp="1"/>
+          </p:cNvSpPr>
+          <p:nvPr>
+            <p:ph idx="1"/>
+          </p:nvPr>
+        </p:nvSpPr>
+        <p:spPr/>
+        <p:txBody>
+          <a:bodyPr/>
+          <a:lstStyle/>
+          <a:p>
+            <a:endParaRPr lang="en-US"/>
+          </a:p>
+        </p:txBody>
+      </p:sp>
+      <p:sp>
+        <p:nvSpPr>
+          <p:cNvPr id="6" name="TextBox 5"/>
+          <p:cNvSpPr txBox="1"/>
+          <p:nvPr/>
+        </p:nvSpPr>
+        <p:spPr>
+          <a:xfrm>
+            <a:off x="1606045" y="2638044"/>
+            <a:ext cx="5937755" cy="3101983"/>
+          </a:xfrm>
+          <a:prstGeom prst="rect">
+            <a:avLst/>
+          </a:prstGeom>
+          <a:solidFill>
+            <a:schemeClr val="accent5">
+              <a:lumMod val="60000"/>
+              <a:lumOff val="40000"/>
+            </a:schemeClr>
+          </a:solidFill>
+        </p:spPr>
+        <p:txBody>
+          <a:bodyPr wrap="square" rtlCol="0">
+            <a:spAutoFit/>
+          </a:bodyPr>
+          <a:lstStyle/>
+          <a:p>
+            <a:endParaRPr lang="en-US" dirty="0"/>
+          </a:p>
+        </p:txBody>
+      </p:sp>
+      <p:sp>
+        <p:nvSpPr>
+          <p:cNvPr id="9" name="TextBox 8"/>
+          <p:cNvSpPr txBox="1"/>
+          <p:nvPr/>
+        </p:nvSpPr>
+        <p:spPr>
+          <a:xfrm>
+            <a:off x="1606045" y="2638043"/>
+            <a:ext cx="2795474" cy="3139321"/>
+          </a:xfrm>
+          <a:prstGeom prst="rect">
+            <a:avLst/>
+          </a:prstGeom>
+          <a:solidFill>
+            <a:schemeClr val="bg1">
+              <a:lumMod val="65000"/>
+            </a:schemeClr>
+          </a:solidFill>
+          <a:ln>
+            <a:solidFill>
+              <a:schemeClr val="tx1"/>
+            </a:solidFill>
+          </a:ln>
+        </p:spPr>
+        <p:txBody>
+          <a:bodyPr wrap="square" rtlCol="0">
+            <a:spAutoFit/>
+          </a:bodyPr>
+          <a:lstStyle/>
+          <a:p>
+            <a:r>
+              <a:rPr lang="en-US" dirty="0"/>
+              <a:t> </a:t>
+            </a:r>
+            <a:endParaRPr lang="en-US" dirty="0" smtClean="0"/>
+          </a:p>
+          <a:p>
+            <a:r>
+              <a:rPr lang="en-US" dirty="0"/>
+              <a:t> </a:t>
+            </a:r>
+            <a:endParaRPr lang="en-US" dirty="0" smtClean="0"/>
+          </a:p>
+          <a:p>
+            <a:r>
+              <a:rPr lang="en-US" dirty="0"/>
+              <a:t> </a:t>
+            </a:r>
+            <a:endParaRPr lang="en-US" dirty="0" smtClean="0"/>
+          </a:p>
+          <a:p>
+            <a:r>
+              <a:rPr lang="en-US" dirty="0"/>
+              <a:t> </a:t>
+            </a:r>
+            <a:endParaRPr lang="en-US" dirty="0" smtClean="0"/>
+          </a:p>
+          <a:p>
+            <a:r>
+              <a:rPr lang="en-US" dirty="0"/>
+              <a:t> </a:t>
+            </a:r>
+            <a:endParaRPr lang="en-US" dirty="0" smtClean="0"/>
+          </a:p>
+          <a:p>
+            <a:r>
+              <a:rPr lang="en-US" dirty="0"/>
+              <a:t> </a:t>
+            </a:r>
+            <a:endParaRPr lang="en-US" dirty="0" smtClean="0"/>
+          </a:p>
+          <a:p>
+            <a:r>
+              <a:rPr lang="en-US" dirty="0"/>
+              <a:t> </a:t>
+            </a:r>
+            <a:endParaRPr lang="en-US" dirty="0" smtClean="0"/>
+          </a:p>
+          <a:p>
+            <a:endParaRPr lang="en-US" dirty="0"/>
+          </a:p>
+          <a:p>
+            <a:r>
+              <a:rPr lang="en-US" dirty="0" smtClean="0"/>
+              <a:t> </a:t>
+            </a:r>
+          </a:p>
+          <a:p>
+            <a:r>
+              <a:rPr lang="en-US" dirty="0"/>
+              <a:t> </a:t>
+            </a:r>
+            <a:endParaRPr lang="en-US" dirty="0" smtClean="0"/>
+          </a:p>
+          <a:p>
+            <a:endParaRPr lang="en-US" dirty="0" smtClean="0"/>
+          </a:p>
+        </p:txBody>
+      </p:sp>
+      <p:sp>
+        <p:nvSpPr>
+          <p:cNvPr id="10" name="TextBox 9"/>
+          <p:cNvSpPr txBox="1"/>
+          <p:nvPr/>
+        </p:nvSpPr>
+        <p:spPr>
+          <a:xfrm>
+            <a:off x="774914" y="5994768"/>
+            <a:ext cx="7873140" cy="369332"/>
+          </a:xfrm>
+          <a:prstGeom prst="rect">
+            <a:avLst/>
+          </a:prstGeom>
+          <a:solidFill>
+            <a:schemeClr val="accent1">
+              <a:lumMod val="60000"/>
+              <a:lumOff val="40000"/>
+            </a:schemeClr>
+          </a:solidFill>
+        </p:spPr>
+        <p:txBody>
+          <a:bodyPr wrap="square" rtlCol="0">
+            <a:spAutoFit/>
+          </a:bodyPr>
+          <a:lstStyle/>
+          <a:p>
+            <a:r>
+              <a:rPr lang="nl-BE" dirty="0">
+                <a:latin typeface="Andale Mono" charset="0"/>
+                <a:ea typeface="Andale Mono" charset="0"/>
+                <a:cs typeface="Andale Mono" charset="0"/>
+              </a:rPr>
+              <a:t>overflow</a:t>
+            </a:r>
+            <a:r>
+              <a:rPr lang="nl-BE">
+                <a:latin typeface="Andale Mono" charset="0"/>
+                <a:ea typeface="Andale Mono" charset="0"/>
+                <a:cs typeface="Andale Mono" charset="0"/>
+              </a:rPr>
+              <a:t>: scroll;</a:t>
+            </a:r>
+            <a:endParaRPr lang="en-US" dirty="0">
+              <a:latin typeface="Andale Mono" charset="0"/>
+              <a:ea typeface="Andale Mono" charset="0"/>
+              <a:cs typeface="Andale Mono" charset="0"/>
+            </a:endParaRPr>
+          </a:p>
+        </p:txBody>
+      </p:sp>
+      <p:sp>
+        <p:nvSpPr>
+          <p:cNvPr id="3" name="Rectangle 2"/>
+          <p:cNvSpPr/>
+          <p:nvPr/>
+        </p:nvSpPr>
+        <p:spPr>
+          <a:xfrm>
+            <a:off x="1472339" y="5746368"/>
+            <a:ext cx="6071461" cy="217404"/>
+          </a:xfrm>
+          <a:prstGeom prst="rect">
+            <a:avLst/>
+          </a:prstGeom>
+          <a:solidFill>
+            <a:srgbClr val="F3F3F3"/>
+          </a:solidFill>
+          <a:ln>
+            <a:noFill/>
+          </a:ln>
+        </p:spPr>
+        <p:style>
+          <a:lnRef idx="2">
+            <a:schemeClr val="accent1">
+              <a:shade val="50000"/>
+            </a:schemeClr>
+          </a:lnRef>
+          <a:fillRef idx="1">
+            <a:schemeClr val="accent1"/>
+          </a:fillRef>
+          <a:effectRef idx="0">
+            <a:schemeClr val="accent1"/>
+          </a:effectRef>
+          <a:fontRef idx="minor">
+            <a:schemeClr val="lt1"/>
+          </a:fontRef>
+        </p:style>
+        <p:txBody>
+          <a:bodyPr rtlCol="0" anchor="ctr"/>
+          <a:lstStyle/>
+          <a:p>
+            <a:pPr algn="ctr"/>
+            <a:endParaRPr lang="en-US"/>
+          </a:p>
+        </p:txBody>
+      </p:sp>
       <p:sp>
         <p:nvSpPr>
           <p:cNvPr id="5" name="Rectangle 4"/>
@@ -9282,7 +9343,7 @@
 </p:sld>
 </file>
 
-<file path=ppt/slides/slide36.xml><?xml version="1.0" encoding="utf-8"?>
+<file path=ppt/slides/slide37.xml><?xml version="1.0" encoding="utf-8"?>
 <p:sld xmlns:a="http://schemas.openxmlformats.org/drawingml/2006/main" xmlns:r="http://schemas.openxmlformats.org/officeDocument/2006/relationships" xmlns:p="http://schemas.openxmlformats.org/presentationml/2006/main">
   <p:cSld>
     <p:spTree>
@@ -9677,91 +9738,6 @@
 </p:sld>
 </file>
 
-<file path=ppt/slides/slide37.xml><?xml version="1.0" encoding="utf-8"?>
-<p:sld xmlns:a="http://schemas.openxmlformats.org/drawingml/2006/main" xmlns:r="http://schemas.openxmlformats.org/officeDocument/2006/relationships" xmlns:p="http://schemas.openxmlformats.org/presentationml/2006/main">
-  <p:cSld>
-    <p:spTree>
-      <p:nvGrpSpPr>
-        <p:cNvPr id="1" name=""/>
-        <p:cNvGrpSpPr/>
-        <p:nvPr/>
-      </p:nvGrpSpPr>
-      <p:grpSpPr>
-        <a:xfrm>
-          <a:off x="0" y="0"/>
-          <a:ext cx="0" cy="0"/>
-          <a:chOff x="0" y="0"/>
-          <a:chExt cx="0" cy="0"/>
-        </a:xfrm>
-      </p:grpSpPr>
-      <p:sp>
-        <p:nvSpPr>
-          <p:cNvPr id="2" name="Title 1"/>
-          <p:cNvSpPr>
-            <a:spLocks noGrp="1"/>
-          </p:cNvSpPr>
-          <p:nvPr>
-            <p:ph type="title"/>
-          </p:nvPr>
-        </p:nvSpPr>
-        <p:spPr/>
-        <p:txBody>
-          <a:bodyPr/>
-          <a:lstStyle/>
-          <a:p>
-            <a:r>
-              <a:rPr lang="en-US" b="1" dirty="0" smtClean="0"/>
-              <a:t>Selections</a:t>
-            </a:r>
-            <a:endParaRPr lang="en-US" b="1" dirty="0"/>
-          </a:p>
-        </p:txBody>
-      </p:sp>
-      <p:sp>
-        <p:nvSpPr>
-          <p:cNvPr id="3" name="Text Placeholder 2"/>
-          <p:cNvSpPr>
-            <a:spLocks noGrp="1"/>
-          </p:cNvSpPr>
-          <p:nvPr>
-            <p:ph type="body" idx="1"/>
-          </p:nvPr>
-        </p:nvSpPr>
-        <p:spPr/>
-        <p:txBody>
-          <a:bodyPr>
-            <a:normAutofit/>
-          </a:bodyPr>
-          <a:lstStyle/>
-          <a:p>
-            <a:r>
-              <a:rPr lang="en-US" sz="2400" dirty="0" smtClean="0"/>
-              <a:t>But more complex</a:t>
-            </a:r>
-            <a:endParaRPr lang="en-US" sz="2400" dirty="0"/>
-          </a:p>
-        </p:txBody>
-      </p:sp>
-    </p:spTree>
-    <p:extLst>
-      <p:ext uri="{BB962C8B-B14F-4D97-AF65-F5344CB8AC3E}">
-        <p14:creationId xmlns:p14="http://schemas.microsoft.com/office/powerpoint/2010/main" val="580634421"/>
-      </p:ext>
-    </p:extLst>
-  </p:cSld>
-  <p:clrMapOvr>
-    <a:masterClrMapping/>
-  </p:clrMapOvr>
-  <p:timing>
-    <p:tnLst>
-      <p:par>
-        <p:cTn id="1" dur="indefinite" restart="never" nodeType="tmRoot"/>
-      </p:par>
-    </p:tnLst>
-  </p:timing>
-</p:sld>
-</file>
-
 <file path=ppt/slides/slide38.xml><?xml version="1.0" encoding="utf-8"?>
 <p:sld xmlns:a="http://schemas.openxmlformats.org/drawingml/2006/main" xmlns:r="http://schemas.openxmlformats.org/officeDocument/2006/relationships" xmlns:p="http://schemas.openxmlformats.org/presentationml/2006/main">
   <p:cSld>
@@ -9781,7 +9757,7 @@
       </p:grpSpPr>
       <p:sp>
         <p:nvSpPr>
-          <p:cNvPr id="4" name="Title 3"/>
+          <p:cNvPr id="2" name="Title 1"/>
           <p:cNvSpPr>
             <a:spLocks noGrp="1"/>
           </p:cNvSpPr>
@@ -9795,159 +9771,42 @@
           <a:lstStyle/>
           <a:p>
             <a:r>
-              <a:rPr lang="en-US" dirty="0" smtClean="0"/>
-              <a:t>SELECTIONS</a:t>
-            </a:r>
-            <a:endParaRPr lang="en-US" dirty="0"/>
-          </a:p>
-        </p:txBody>
-      </p:sp>
-      <p:sp>
-        <p:nvSpPr>
-          <p:cNvPr id="2" name="Content Placeholder 1"/>
+              <a:rPr lang="en-US" b="1" dirty="0" smtClean="0"/>
+              <a:t>Selections</a:t>
+            </a:r>
+            <a:endParaRPr lang="en-US" b="1" dirty="0"/>
+          </a:p>
+        </p:txBody>
+      </p:sp>
+      <p:sp>
+        <p:nvSpPr>
+          <p:cNvPr id="3" name="Text Placeholder 2"/>
           <p:cNvSpPr>
             <a:spLocks noGrp="1"/>
           </p:cNvSpPr>
           <p:nvPr>
-            <p:ph idx="1"/>
-          </p:nvPr>
-        </p:nvSpPr>
-        <p:spPr>
-          <a:xfrm>
-            <a:off x="553112" y="3843580"/>
-            <a:ext cx="8043619" cy="1896448"/>
-          </a:xfrm>
-        </p:spPr>
-        <p:txBody>
-          <a:bodyPr/>
-          <a:lstStyle/>
-          <a:p>
-            <a:pPr marL="0" indent="0" algn="ctr">
-              <a:buNone/>
-            </a:pPr>
-            <a:r>
-              <a:rPr lang="en-US" dirty="0">
-                <a:latin typeface="Andale Mono" charset="0"/>
-                <a:ea typeface="Andale Mono" charset="0"/>
-                <a:cs typeface="Andale Mono" charset="0"/>
-              </a:rPr>
-              <a:t>Selects all &lt;div&gt; elements and all &lt;p&gt; elements</a:t>
-            </a:r>
-          </a:p>
-        </p:txBody>
-      </p:sp>
-      <p:sp>
-        <p:nvSpPr>
-          <p:cNvPr id="7" name="TextBox 6"/>
-          <p:cNvSpPr txBox="1"/>
-          <p:nvPr/>
-        </p:nvSpPr>
-        <p:spPr>
-          <a:xfrm>
-            <a:off x="553112" y="2638045"/>
-            <a:ext cx="8043620" cy="923330"/>
-          </a:xfrm>
-          <a:prstGeom prst="rect">
-            <a:avLst/>
-          </a:prstGeom>
-          <a:solidFill>
-            <a:schemeClr val="accent1">
-              <a:lumMod val="60000"/>
-              <a:lumOff val="40000"/>
-            </a:schemeClr>
-          </a:solidFill>
-        </p:spPr>
-        <p:txBody>
-          <a:bodyPr wrap="square" rtlCol="0">
-            <a:spAutoFit/>
+            <p:ph type="body" idx="1"/>
+          </p:nvPr>
+        </p:nvSpPr>
+        <p:spPr/>
+        <p:txBody>
+          <a:bodyPr>
+            <a:normAutofit/>
           </a:bodyPr>
           <a:lstStyle/>
           <a:p>
             <a:r>
-              <a:rPr lang="nl-BE" dirty="0">
-                <a:latin typeface="Andale Mono" charset="0"/>
-                <a:ea typeface="Andale Mono" charset="0"/>
-                <a:cs typeface="Andale Mono" charset="0"/>
-              </a:rPr>
-              <a:t>div</a:t>
-            </a:r>
-            <a:r>
-              <a:rPr lang="nl-BE" b="1" dirty="0">
-                <a:latin typeface="Andale Mono" charset="0"/>
-                <a:ea typeface="Andale Mono" charset="0"/>
-                <a:cs typeface="Andale Mono" charset="0"/>
-              </a:rPr>
-              <a:t>,</a:t>
-            </a:r>
-            <a:r>
-              <a:rPr lang="nl-BE" dirty="0">
-                <a:latin typeface="Andale Mono" charset="0"/>
-                <a:ea typeface="Andale Mono" charset="0"/>
-                <a:cs typeface="Andale Mono" charset="0"/>
-              </a:rPr>
-              <a:t> </a:t>
-            </a:r>
-            <a:r>
-              <a:rPr lang="nl-BE" dirty="0" smtClean="0">
-                <a:latin typeface="Andale Mono" charset="0"/>
-                <a:ea typeface="Andale Mono" charset="0"/>
-                <a:cs typeface="Andale Mono" charset="0"/>
-              </a:rPr>
-              <a:t>p{</a:t>
-            </a:r>
-          </a:p>
-          <a:p>
-            <a:r>
-              <a:rPr lang="nl-BE" dirty="0">
-                <a:latin typeface="Andale Mono" charset="0"/>
-                <a:ea typeface="Andale Mono" charset="0"/>
-                <a:cs typeface="Andale Mono" charset="0"/>
-              </a:rPr>
-              <a:t>	</a:t>
-            </a:r>
-            <a:r>
-              <a:rPr lang="is-IS" dirty="0" smtClean="0">
-                <a:latin typeface="Andale Mono" charset="0"/>
-                <a:ea typeface="Andale Mono" charset="0"/>
-                <a:cs typeface="Andale Mono" charset="0"/>
-              </a:rPr>
-              <a:t>…</a:t>
-            </a:r>
-            <a:r>
-              <a:rPr lang="nl-BE" dirty="0">
-                <a:latin typeface="Andale Mono" charset="0"/>
-                <a:ea typeface="Andale Mono" charset="0"/>
-                <a:cs typeface="Andale Mono" charset="0"/>
-              </a:rPr>
-              <a:t/>
-            </a:r>
-            <a:br>
-              <a:rPr lang="nl-BE" dirty="0">
-                <a:latin typeface="Andale Mono" charset="0"/>
-                <a:ea typeface="Andale Mono" charset="0"/>
-                <a:cs typeface="Andale Mono" charset="0"/>
-              </a:rPr>
-            </a:br>
-            <a:r>
-              <a:rPr lang="nl-BE" dirty="0">
-                <a:latin typeface="Andale Mono" charset="0"/>
-                <a:ea typeface="Andale Mono" charset="0"/>
-                <a:cs typeface="Andale Mono" charset="0"/>
-              </a:rPr>
-              <a:t>}</a:t>
-            </a:r>
-            <a:endParaRPr lang="en-US" dirty="0">
-              <a:latin typeface="Andale Mono" charset="0"/>
-              <a:ea typeface="Andale Mono" charset="0"/>
-              <a:cs typeface="Andale Mono" charset="0"/>
-            </a:endParaRPr>
+              <a:rPr lang="en-US" sz="2400" dirty="0" smtClean="0"/>
+              <a:t>But more complex</a:t>
+            </a:r>
+            <a:endParaRPr lang="en-US" sz="2400" dirty="0"/>
           </a:p>
         </p:txBody>
       </p:sp>
     </p:spTree>
     <p:extLst>
       <p:ext uri="{BB962C8B-B14F-4D97-AF65-F5344CB8AC3E}">
-        <p14:creationId xmlns:p14="http://schemas.microsoft.com/office/powerpoint/2010/main" val="1314389597"/>
+        <p14:creationId xmlns:p14="http://schemas.microsoft.com/office/powerpoint/2010/main" val="580634421"/>
       </p:ext>
     </p:extLst>
   </p:cSld>
@@ -10033,7 +9892,7 @@
                 <a:ea typeface="Andale Mono" charset="0"/>
                 <a:cs typeface="Andale Mono" charset="0"/>
               </a:rPr>
-              <a:t>Selects all &lt;p&gt; elements inside &lt;div&gt; elements</a:t>
+              <a:t>Selects all &lt;div&gt; elements and all &lt;p&gt; elements</a:t>
             </a:r>
           </a:p>
         </p:txBody>
@@ -10066,12 +9925,36 @@
           <a:lstStyle/>
           <a:p>
             <a:r>
+              <a:rPr lang="nl-BE" dirty="0">
+                <a:latin typeface="Andale Mono" charset="0"/>
+                <a:ea typeface="Andale Mono" charset="0"/>
+                <a:cs typeface="Andale Mono" charset="0"/>
+              </a:rPr>
+              <a:t>div</a:t>
+            </a:r>
+            <a:r>
+              <a:rPr lang="nl-BE" b="1" dirty="0">
+                <a:latin typeface="Andale Mono" charset="0"/>
+                <a:ea typeface="Andale Mono" charset="0"/>
+                <a:cs typeface="Andale Mono" charset="0"/>
+              </a:rPr>
+              <a:t>,</a:t>
+            </a:r>
+            <a:r>
+              <a:rPr lang="nl-BE" dirty="0">
+                <a:latin typeface="Andale Mono" charset="0"/>
+                <a:ea typeface="Andale Mono" charset="0"/>
+                <a:cs typeface="Andale Mono" charset="0"/>
+              </a:rPr>
+              <a:t> </a:t>
+            </a:r>
+            <a:r>
               <a:rPr lang="nl-BE" dirty="0" smtClean="0">
                 <a:latin typeface="Andale Mono" charset="0"/>
                 <a:ea typeface="Andale Mono" charset="0"/>
                 <a:cs typeface="Andale Mono" charset="0"/>
               </a:rPr>
-              <a:t>div p{</a:t>
+              <a:t>p{</a:t>
             </a:r>
           </a:p>
           <a:p>
@@ -10125,7 +10008,7 @@
     </p:spTree>
     <p:extLst>
       <p:ext uri="{BB962C8B-B14F-4D97-AF65-F5344CB8AC3E}">
-        <p14:creationId xmlns:p14="http://schemas.microsoft.com/office/powerpoint/2010/main" val="1950635853"/>
+        <p14:creationId xmlns:p14="http://schemas.microsoft.com/office/powerpoint/2010/main" val="1314389597"/>
       </p:ext>
     </p:extLst>
   </p:cSld>
@@ -10524,7 +10407,7 @@
                 <a:ea typeface="Andale Mono" charset="0"/>
                 <a:cs typeface="Andale Mono" charset="0"/>
               </a:rPr>
-              <a:t>Selects all &lt;p&gt; elements where the parent is a &lt;div&gt; element</a:t>
+              <a:t>Selects all &lt;p&gt; elements inside &lt;div&gt; elements</a:t>
             </a:r>
           </a:p>
         </p:txBody>
@@ -10557,36 +10440,12 @@
           <a:lstStyle/>
           <a:p>
             <a:r>
-              <a:rPr lang="nl-BE" dirty="0">
-                <a:latin typeface="Andale Mono" charset="0"/>
-                <a:ea typeface="Andale Mono" charset="0"/>
-                <a:cs typeface="Andale Mono" charset="0"/>
-              </a:rPr>
-              <a:t>d</a:t>
-            </a:r>
-            <a:r>
               <a:rPr lang="nl-BE" dirty="0" smtClean="0">
                 <a:latin typeface="Andale Mono" charset="0"/>
                 <a:ea typeface="Andale Mono" charset="0"/>
                 <a:cs typeface="Andale Mono" charset="0"/>
               </a:rPr>
-              <a:t>iv </a:t>
-            </a:r>
-            <a:r>
-              <a:rPr lang="nl-BE" b="1" dirty="0" smtClean="0">
-                <a:latin typeface="Andale Mono" charset="0"/>
-                <a:ea typeface="Andale Mono" charset="0"/>
-                <a:cs typeface="Andale Mono" charset="0"/>
-              </a:rPr>
-              <a:t>&gt;</a:t>
-            </a:r>
-            <a:r>
-              <a:rPr lang="nl-BE" dirty="0" smtClean="0">
-                <a:latin typeface="Andale Mono" charset="0"/>
-                <a:ea typeface="Andale Mono" charset="0"/>
-                <a:cs typeface="Andale Mono" charset="0"/>
-              </a:rPr>
-              <a:t> p{</a:t>
+              <a:t>div p{</a:t>
             </a:r>
           </a:p>
           <a:p>
@@ -10640,7 +10499,7 @@
     </p:spTree>
     <p:extLst>
       <p:ext uri="{BB962C8B-B14F-4D97-AF65-F5344CB8AC3E}">
-        <p14:creationId xmlns:p14="http://schemas.microsoft.com/office/powerpoint/2010/main" val="168796027"/>
+        <p14:creationId xmlns:p14="http://schemas.microsoft.com/office/powerpoint/2010/main" val="1950635853"/>
       </p:ext>
     </p:extLst>
   </p:cSld>
@@ -10726,7 +10585,7 @@
                 <a:ea typeface="Andale Mono" charset="0"/>
                 <a:cs typeface="Andale Mono" charset="0"/>
               </a:rPr>
-              <a:t>Selects all &lt;p&gt; elements that are placed immediately after &lt;div&gt; elements</a:t>
+              <a:t>Selects all &lt;p&gt; elements where the parent is a &lt;div&gt; element</a:t>
             </a:r>
           </a:p>
         </p:txBody>
@@ -10775,12 +10634,12 @@
               <a:t>iv </a:t>
             </a:r>
             <a:r>
-              <a:rPr lang="nl-BE" b="1" dirty="0">
-                <a:latin typeface="Andale Mono" charset="0"/>
-                <a:ea typeface="Andale Mono" charset="0"/>
-                <a:cs typeface="Andale Mono" charset="0"/>
-              </a:rPr>
-              <a:t>+</a:t>
+              <a:rPr lang="nl-BE" b="1" dirty="0" smtClean="0">
+                <a:latin typeface="Andale Mono" charset="0"/>
+                <a:ea typeface="Andale Mono" charset="0"/>
+                <a:cs typeface="Andale Mono" charset="0"/>
+              </a:rPr>
+              <a:t>&gt;</a:t>
             </a:r>
             <a:r>
               <a:rPr lang="nl-BE" dirty="0" smtClean="0">
@@ -10842,7 +10701,7 @@
     </p:spTree>
     <p:extLst>
       <p:ext uri="{BB962C8B-B14F-4D97-AF65-F5344CB8AC3E}">
-        <p14:creationId xmlns:p14="http://schemas.microsoft.com/office/powerpoint/2010/main" val="2144149028"/>
+        <p14:creationId xmlns:p14="http://schemas.microsoft.com/office/powerpoint/2010/main" val="168796027"/>
       </p:ext>
     </p:extLst>
   </p:cSld>
@@ -10893,7 +10752,7 @@
           <a:p>
             <a:r>
               <a:rPr lang="en-US" dirty="0" smtClean="0"/>
-              <a:t>hover</a:t>
+              <a:t>SELECTIONS</a:t>
             </a:r>
             <a:endParaRPr lang="en-US" dirty="0"/>
           </a:p>
@@ -10909,12 +10768,27 @@
             <p:ph idx="1"/>
           </p:nvPr>
         </p:nvSpPr>
-        <p:spPr/>
+        <p:spPr>
+          <a:xfrm>
+            <a:off x="553112" y="3843580"/>
+            <a:ext cx="8043619" cy="1896448"/>
+          </a:xfrm>
+        </p:spPr>
         <p:txBody>
           <a:bodyPr/>
           <a:lstStyle/>
           <a:p>
-            <a:endParaRPr lang="en-US"/>
+            <a:pPr marL="0" indent="0" algn="ctr">
+              <a:buNone/>
+            </a:pPr>
+            <a:r>
+              <a:rPr lang="en-US" dirty="0">
+                <a:latin typeface="Andale Mono" charset="0"/>
+                <a:ea typeface="Andale Mono" charset="0"/>
+                <a:cs typeface="Andale Mono" charset="0"/>
+              </a:rPr>
+              <a:t>Selects all &lt;p&gt; elements that are placed immediately after &lt;div&gt; elements</a:t>
+            </a:r>
           </a:p>
         </p:txBody>
       </p:sp>
@@ -10946,12 +10820,36 @@
           <a:lstStyle/>
           <a:p>
             <a:r>
+              <a:rPr lang="nl-BE" dirty="0">
+                <a:latin typeface="Andale Mono" charset="0"/>
+                <a:ea typeface="Andale Mono" charset="0"/>
+                <a:cs typeface="Andale Mono" charset="0"/>
+              </a:rPr>
+              <a:t>d</a:t>
+            </a:r>
+            <a:r>
               <a:rPr lang="nl-BE" dirty="0" smtClean="0">
                 <a:latin typeface="Andale Mono" charset="0"/>
                 <a:ea typeface="Andale Mono" charset="0"/>
                 <a:cs typeface="Andale Mono" charset="0"/>
               </a:rPr>
-              <a:t>a:hover{</a:t>
+              <a:t>iv </a:t>
+            </a:r>
+            <a:r>
+              <a:rPr lang="nl-BE" b="1" dirty="0">
+                <a:latin typeface="Andale Mono" charset="0"/>
+                <a:ea typeface="Andale Mono" charset="0"/>
+                <a:cs typeface="Andale Mono" charset="0"/>
+              </a:rPr>
+              <a:t>+</a:t>
+            </a:r>
+            <a:r>
+              <a:rPr lang="nl-BE" dirty="0" smtClean="0">
+                <a:latin typeface="Andale Mono" charset="0"/>
+                <a:ea typeface="Andale Mono" charset="0"/>
+                <a:cs typeface="Andale Mono" charset="0"/>
+              </a:rPr>
+              <a:t> p{</a:t>
             </a:r>
           </a:p>
           <a:p>
@@ -10964,12 +10862,12 @@
               <a:t>	</a:t>
             </a:r>
             <a:r>
-              <a:rPr lang="nl-BE" dirty="0" smtClean="0">
-                <a:latin typeface="Andale Mono" charset="0"/>
-                <a:ea typeface="Andale Mono" charset="0"/>
-                <a:cs typeface="Andale Mono" charset="0"/>
-              </a:rPr>
-              <a:t>color: #F4E3AA</a:t>
+              <a:rPr lang="is-IS" dirty="0" smtClean="0">
+                <a:latin typeface="Andale Mono" charset="0"/>
+                <a:ea typeface="Andale Mono" charset="0"/>
+                <a:cs typeface="Andale Mono" charset="0"/>
+              </a:rPr>
+              <a:t>…</a:t>
             </a:r>
             <a:r>
               <a:rPr lang="nl-BE" dirty="0">
@@ -11005,7 +10903,7 @@
     </p:spTree>
     <p:extLst>
       <p:ext uri="{BB962C8B-B14F-4D97-AF65-F5344CB8AC3E}">
-        <p14:creationId xmlns:p14="http://schemas.microsoft.com/office/powerpoint/2010/main" val="1870375444"/>
+        <p14:creationId xmlns:p14="http://schemas.microsoft.com/office/powerpoint/2010/main" val="2144149028"/>
       </p:ext>
     </p:extLst>
   </p:cSld>
@@ -11055,8 +10953,8 @@
           <a:lstStyle/>
           <a:p>
             <a:r>
-              <a:rPr lang="en-US" dirty="0" err="1" smtClean="0"/>
-              <a:t>atributes</a:t>
+              <a:rPr lang="en-US" dirty="0" smtClean="0"/>
+              <a:t>hover</a:t>
             </a:r>
             <a:endParaRPr lang="en-US" dirty="0"/>
           </a:p>
@@ -11114,7 +11012,7 @@
                 <a:ea typeface="Andale Mono" charset="0"/>
                 <a:cs typeface="Andale Mono" charset="0"/>
               </a:rPr>
-              <a:t>[ng-click]{</a:t>
+              <a:t>a:hover{</a:t>
             </a:r>
           </a:p>
           <a:p>
@@ -11132,7 +11030,7 @@
                 <a:ea typeface="Andale Mono" charset="0"/>
                 <a:cs typeface="Andale Mono" charset="0"/>
               </a:rPr>
-              <a:t>text-decoration</a:t>
+              <a:t>color: #F4E3AA</a:t>
             </a:r>
             <a:r>
               <a:rPr lang="nl-BE" dirty="0">
@@ -11140,7 +11038,7 @@
                 <a:ea typeface="Andale Mono" charset="0"/>
                 <a:cs typeface="Andale Mono" charset="0"/>
               </a:rPr>
-              <a:t>: underline;</a:t>
+              <a:t/>
             </a:r>
             <a:br>
               <a:rPr lang="nl-BE" dirty="0">
@@ -11165,178 +11063,10 @@
           </a:p>
         </p:txBody>
       </p:sp>
-      <p:sp>
-        <p:nvSpPr>
-          <p:cNvPr id="8" name="TextBox 7"/>
-          <p:cNvSpPr txBox="1"/>
-          <p:nvPr/>
-        </p:nvSpPr>
-        <p:spPr>
-          <a:xfrm>
-            <a:off x="553112" y="3768870"/>
-            <a:ext cx="8043620" cy="923330"/>
-          </a:xfrm>
-          <a:prstGeom prst="rect">
-            <a:avLst/>
-          </a:prstGeom>
-          <a:solidFill>
-            <a:schemeClr val="accent1">
-              <a:lumMod val="60000"/>
-              <a:lumOff val="40000"/>
-            </a:schemeClr>
-          </a:solidFill>
-        </p:spPr>
-        <p:txBody>
-          <a:bodyPr wrap="square" rtlCol="0">
-            <a:spAutoFit/>
-          </a:bodyPr>
-          <a:lstStyle/>
-          <a:p>
-            <a:r>
-              <a:rPr lang="nl-BE" dirty="0" smtClean="0">
-                <a:latin typeface="Andale Mono" charset="0"/>
-                <a:ea typeface="Andale Mono" charset="0"/>
-                <a:cs typeface="Andale Mono" charset="0"/>
-              </a:rPr>
-              <a:t>#menu .item[ng-click]{</a:t>
-            </a:r>
-          </a:p>
-          <a:p>
-            <a:r>
-              <a:rPr lang="nl-BE" dirty="0">
-                <a:latin typeface="Andale Mono" charset="0"/>
-                <a:ea typeface="Andale Mono" charset="0"/>
-                <a:cs typeface="Andale Mono" charset="0"/>
-              </a:rPr>
-              <a:t>	</a:t>
-            </a:r>
-            <a:r>
-              <a:rPr lang="nl-BE" dirty="0" smtClean="0">
-                <a:latin typeface="Andale Mono" charset="0"/>
-                <a:ea typeface="Andale Mono" charset="0"/>
-                <a:cs typeface="Andale Mono" charset="0"/>
-              </a:rPr>
-              <a:t>text-decoration</a:t>
-            </a:r>
-            <a:r>
-              <a:rPr lang="nl-BE" dirty="0">
-                <a:latin typeface="Andale Mono" charset="0"/>
-                <a:ea typeface="Andale Mono" charset="0"/>
-                <a:cs typeface="Andale Mono" charset="0"/>
-              </a:rPr>
-              <a:t>: underline;</a:t>
-            </a:r>
-            <a:br>
-              <a:rPr lang="nl-BE" dirty="0">
-                <a:latin typeface="Andale Mono" charset="0"/>
-                <a:ea typeface="Andale Mono" charset="0"/>
-                <a:cs typeface="Andale Mono" charset="0"/>
-              </a:rPr>
-            </a:br>
-            <a:r>
-              <a:rPr lang="nl-BE" dirty="0">
-                <a:latin typeface="Andale Mono" charset="0"/>
-                <a:ea typeface="Andale Mono" charset="0"/>
-                <a:cs typeface="Andale Mono" charset="0"/>
-              </a:rPr>
-              <a:t>}</a:t>
-            </a:r>
-            <a:endParaRPr lang="en-US" dirty="0">
-              <a:latin typeface="Andale Mono" charset="0"/>
-              <a:ea typeface="Andale Mono" charset="0"/>
-              <a:cs typeface="Andale Mono" charset="0"/>
-            </a:endParaRPr>
-          </a:p>
-        </p:txBody>
-      </p:sp>
-      <p:sp>
-        <p:nvSpPr>
-          <p:cNvPr id="6" name="TextBox 5"/>
-          <p:cNvSpPr txBox="1"/>
-          <p:nvPr/>
-        </p:nvSpPr>
-        <p:spPr>
-          <a:xfrm>
-            <a:off x="553112" y="4899696"/>
-            <a:ext cx="8043620" cy="923330"/>
-          </a:xfrm>
-          <a:prstGeom prst="rect">
-            <a:avLst/>
-          </a:prstGeom>
-          <a:solidFill>
-            <a:schemeClr val="accent1">
-              <a:lumMod val="60000"/>
-              <a:lumOff val="40000"/>
-            </a:schemeClr>
-          </a:solidFill>
-        </p:spPr>
-        <p:txBody>
-          <a:bodyPr wrap="square" rtlCol="0">
-            <a:spAutoFit/>
-          </a:bodyPr>
-          <a:lstStyle/>
-          <a:p>
-            <a:r>
-              <a:rPr lang="nl-BE" dirty="0" smtClean="0">
-                <a:latin typeface="Andale Mono" charset="0"/>
-                <a:ea typeface="Andale Mono" charset="0"/>
-                <a:cs typeface="Andale Mono" charset="0"/>
-              </a:rPr>
-              <a:t>[attribute=”value”]{</a:t>
-            </a:r>
-          </a:p>
-          <a:p>
-            <a:r>
-              <a:rPr lang="nl-BE" dirty="0">
-                <a:latin typeface="Andale Mono" charset="0"/>
-                <a:ea typeface="Andale Mono" charset="0"/>
-                <a:cs typeface="Andale Mono" charset="0"/>
-              </a:rPr>
-              <a:t>	</a:t>
-            </a:r>
-            <a:r>
-              <a:rPr lang="nl-BE" dirty="0" smtClean="0">
-                <a:latin typeface="Andale Mono" charset="0"/>
-                <a:ea typeface="Andale Mono" charset="0"/>
-                <a:cs typeface="Andale Mono" charset="0"/>
-              </a:rPr>
-              <a:t>text-decoration</a:t>
-            </a:r>
-            <a:r>
-              <a:rPr lang="nl-BE" dirty="0">
-                <a:latin typeface="Andale Mono" charset="0"/>
-                <a:ea typeface="Andale Mono" charset="0"/>
-                <a:cs typeface="Andale Mono" charset="0"/>
-              </a:rPr>
-              <a:t>: underline;</a:t>
-            </a:r>
-            <a:br>
-              <a:rPr lang="nl-BE" dirty="0">
-                <a:latin typeface="Andale Mono" charset="0"/>
-                <a:ea typeface="Andale Mono" charset="0"/>
-                <a:cs typeface="Andale Mono" charset="0"/>
-              </a:rPr>
-            </a:br>
-            <a:r>
-              <a:rPr lang="nl-BE" dirty="0">
-                <a:latin typeface="Andale Mono" charset="0"/>
-                <a:ea typeface="Andale Mono" charset="0"/>
-                <a:cs typeface="Andale Mono" charset="0"/>
-              </a:rPr>
-              <a:t>}</a:t>
-            </a:r>
-            <a:endParaRPr lang="en-US" dirty="0">
-              <a:latin typeface="Andale Mono" charset="0"/>
-              <a:ea typeface="Andale Mono" charset="0"/>
-              <a:cs typeface="Andale Mono" charset="0"/>
-            </a:endParaRPr>
-          </a:p>
-        </p:txBody>
-      </p:sp>
     </p:spTree>
     <p:extLst>
       <p:ext uri="{BB962C8B-B14F-4D97-AF65-F5344CB8AC3E}">
-        <p14:creationId xmlns:p14="http://schemas.microsoft.com/office/powerpoint/2010/main" val="683380392"/>
+        <p14:creationId xmlns:p14="http://schemas.microsoft.com/office/powerpoint/2010/main" val="1870375444"/>
       </p:ext>
     </p:extLst>
   </p:cSld>
@@ -11386,9 +11116,10 @@
           <a:lstStyle/>
           <a:p>
             <a:r>
-              <a:rPr lang="en-US" dirty="0"/>
-              <a:t>Pseudo-elements</a:t>
-            </a:r>
+              <a:rPr lang="en-US" dirty="0" err="1" smtClean="0"/>
+              <a:t>atributes</a:t>
+            </a:r>
+            <a:endParaRPr lang="en-US" dirty="0"/>
           </a:p>
         </p:txBody>
       </p:sp>
@@ -11413,14 +11144,14 @@
       </p:sp>
       <p:sp>
         <p:nvSpPr>
-          <p:cNvPr id="5" name="TextBox 4"/>
+          <p:cNvPr id="7" name="TextBox 6"/>
           <p:cNvSpPr txBox="1"/>
           <p:nvPr/>
         </p:nvSpPr>
         <p:spPr>
           <a:xfrm>
             <a:off x="553112" y="2638045"/>
-            <a:ext cx="8043620" cy="1200329"/>
+            <a:ext cx="8043620" cy="923330"/>
           </a:xfrm>
           <a:prstGeom prst="rect">
             <a:avLst/>
@@ -11444,7 +11175,7 @@
                 <a:ea typeface="Andale Mono" charset="0"/>
                 <a:cs typeface="Andale Mono" charset="0"/>
               </a:rPr>
-              <a:t>.item:first-child{</a:t>
+              <a:t>[ng-click]{</a:t>
             </a:r>
           </a:p>
           <a:p>
@@ -11462,38 +11193,25 @@
                 <a:ea typeface="Andale Mono" charset="0"/>
                 <a:cs typeface="Andale Mono" charset="0"/>
               </a:rPr>
-              <a:t>border-top-left-radius: 4px;</a:t>
-            </a:r>
-          </a:p>
-          <a:p>
+              <a:t>text-decoration</a:t>
+            </a:r>
             <a:r>
               <a:rPr lang="nl-BE" dirty="0">
                 <a:latin typeface="Andale Mono" charset="0"/>
                 <a:ea typeface="Andale Mono" charset="0"/>
                 <a:cs typeface="Andale Mono" charset="0"/>
               </a:rPr>
-              <a:t>	</a:t>
-            </a:r>
-            <a:r>
-              <a:rPr lang="nl-BE" dirty="0" smtClean="0">
-                <a:latin typeface="Andale Mono" charset="0"/>
-                <a:ea typeface="Andale Mono" charset="0"/>
-                <a:cs typeface="Andale Mono" charset="0"/>
-              </a:rPr>
-              <a:t>border-top-right-radius</a:t>
-            </a:r>
-            <a:r>
+              <a:t>: underline;</a:t>
+            </a:r>
+            <a:br>
               <a:rPr lang="nl-BE" dirty="0">
                 <a:latin typeface="Andale Mono" charset="0"/>
                 <a:ea typeface="Andale Mono" charset="0"/>
                 <a:cs typeface="Andale Mono" charset="0"/>
               </a:rPr>
-              <a:t>: 4px;</a:t>
-            </a:r>
-          </a:p>
-          <a:p>
-            <a:r>
-              <a:rPr lang="nl-BE" dirty="0" smtClean="0">
+            </a:br>
+            <a:r>
+              <a:rPr lang="nl-BE" dirty="0">
                 <a:latin typeface="Andale Mono" charset="0"/>
                 <a:ea typeface="Andale Mono" charset="0"/>
                 <a:cs typeface="Andale Mono" charset="0"/>
@@ -11510,14 +11228,14 @@
       </p:sp>
       <p:sp>
         <p:nvSpPr>
-          <p:cNvPr id="6" name="TextBox 5"/>
+          <p:cNvPr id="8" name="TextBox 7"/>
           <p:cNvSpPr txBox="1"/>
           <p:nvPr/>
         </p:nvSpPr>
         <p:spPr>
           <a:xfrm>
-            <a:off x="553112" y="4030310"/>
-            <a:ext cx="8043620" cy="1200329"/>
+            <a:off x="553112" y="3768870"/>
+            <a:ext cx="8043620" cy="923330"/>
           </a:xfrm>
           <a:prstGeom prst="rect">
             <a:avLst/>
@@ -11541,7 +11259,7 @@
                 <a:ea typeface="Andale Mono" charset="0"/>
                 <a:cs typeface="Andale Mono" charset="0"/>
               </a:rPr>
-              <a:t>.item:last-child{</a:t>
+              <a:t>#menu .item[ng-click]{</a:t>
             </a:r>
           </a:p>
           <a:p>
@@ -11559,38 +11277,25 @@
                 <a:ea typeface="Andale Mono" charset="0"/>
                 <a:cs typeface="Andale Mono" charset="0"/>
               </a:rPr>
-              <a:t>border-bottom-left-radius: 4px;</a:t>
-            </a:r>
-          </a:p>
-          <a:p>
+              <a:t>text-decoration</a:t>
+            </a:r>
             <a:r>
               <a:rPr lang="nl-BE" dirty="0">
                 <a:latin typeface="Andale Mono" charset="0"/>
                 <a:ea typeface="Andale Mono" charset="0"/>
                 <a:cs typeface="Andale Mono" charset="0"/>
               </a:rPr>
-              <a:t>	</a:t>
-            </a:r>
-            <a:r>
-              <a:rPr lang="nl-BE" dirty="0" smtClean="0">
-                <a:latin typeface="Andale Mono" charset="0"/>
-                <a:ea typeface="Andale Mono" charset="0"/>
-                <a:cs typeface="Andale Mono" charset="0"/>
-              </a:rPr>
-              <a:t>border-bottom-right-radius</a:t>
-            </a:r>
-            <a:r>
+              <a:t>: underline;</a:t>
+            </a:r>
+            <a:br>
               <a:rPr lang="nl-BE" dirty="0">
                 <a:latin typeface="Andale Mono" charset="0"/>
                 <a:ea typeface="Andale Mono" charset="0"/>
                 <a:cs typeface="Andale Mono" charset="0"/>
               </a:rPr>
-              <a:t>: 4px;</a:t>
-            </a:r>
-          </a:p>
-          <a:p>
-            <a:r>
-              <a:rPr lang="nl-BE" dirty="0" smtClean="0">
+            </a:br>
+            <a:r>
+              <a:rPr lang="nl-BE" dirty="0">
                 <a:latin typeface="Andale Mono" charset="0"/>
                 <a:ea typeface="Andale Mono" charset="0"/>
                 <a:cs typeface="Andale Mono" charset="0"/>
@@ -11605,10 +11310,94 @@
           </a:p>
         </p:txBody>
       </p:sp>
+      <p:sp>
+        <p:nvSpPr>
+          <p:cNvPr id="6" name="TextBox 5"/>
+          <p:cNvSpPr txBox="1"/>
+          <p:nvPr/>
+        </p:nvSpPr>
+        <p:spPr>
+          <a:xfrm>
+            <a:off x="553112" y="4899696"/>
+            <a:ext cx="8043620" cy="923330"/>
+          </a:xfrm>
+          <a:prstGeom prst="rect">
+            <a:avLst/>
+          </a:prstGeom>
+          <a:solidFill>
+            <a:schemeClr val="accent1">
+              <a:lumMod val="60000"/>
+              <a:lumOff val="40000"/>
+            </a:schemeClr>
+          </a:solidFill>
+        </p:spPr>
+        <p:txBody>
+          <a:bodyPr wrap="square" rtlCol="0">
+            <a:spAutoFit/>
+          </a:bodyPr>
+          <a:lstStyle/>
+          <a:p>
+            <a:r>
+              <a:rPr lang="nl-BE" dirty="0" smtClean="0">
+                <a:latin typeface="Andale Mono" charset="0"/>
+                <a:ea typeface="Andale Mono" charset="0"/>
+                <a:cs typeface="Andale Mono" charset="0"/>
+              </a:rPr>
+              <a:t>[attribute=”value”]{</a:t>
+            </a:r>
+          </a:p>
+          <a:p>
+            <a:r>
+              <a:rPr lang="nl-BE" dirty="0">
+                <a:latin typeface="Andale Mono" charset="0"/>
+                <a:ea typeface="Andale Mono" charset="0"/>
+                <a:cs typeface="Andale Mono" charset="0"/>
+              </a:rPr>
+              <a:t>	</a:t>
+            </a:r>
+            <a:r>
+              <a:rPr lang="nl-BE" dirty="0" smtClean="0">
+                <a:latin typeface="Andale Mono" charset="0"/>
+                <a:ea typeface="Andale Mono" charset="0"/>
+                <a:cs typeface="Andale Mono" charset="0"/>
+              </a:rPr>
+              <a:t>text-decoration</a:t>
+            </a:r>
+            <a:r>
+              <a:rPr lang="nl-BE" dirty="0">
+                <a:latin typeface="Andale Mono" charset="0"/>
+                <a:ea typeface="Andale Mono" charset="0"/>
+                <a:cs typeface="Andale Mono" charset="0"/>
+              </a:rPr>
+              <a:t>: underline;</a:t>
+            </a:r>
+            <a:br>
+              <a:rPr lang="nl-BE" dirty="0">
+                <a:latin typeface="Andale Mono" charset="0"/>
+                <a:ea typeface="Andale Mono" charset="0"/>
+                <a:cs typeface="Andale Mono" charset="0"/>
+              </a:rPr>
+            </a:br>
+            <a:r>
+              <a:rPr lang="nl-BE" dirty="0">
+                <a:latin typeface="Andale Mono" charset="0"/>
+                <a:ea typeface="Andale Mono" charset="0"/>
+                <a:cs typeface="Andale Mono" charset="0"/>
+              </a:rPr>
+              <a:t>}</a:t>
+            </a:r>
+            <a:endParaRPr lang="en-US" dirty="0">
+              <a:latin typeface="Andale Mono" charset="0"/>
+              <a:ea typeface="Andale Mono" charset="0"/>
+              <a:cs typeface="Andale Mono" charset="0"/>
+            </a:endParaRPr>
+          </a:p>
+        </p:txBody>
+      </p:sp>
     </p:spTree>
     <p:extLst>
       <p:ext uri="{BB962C8B-B14F-4D97-AF65-F5344CB8AC3E}">
-        <p14:creationId xmlns:p14="http://schemas.microsoft.com/office/powerpoint/2010/main" val="13094969"/>
+        <p14:creationId xmlns:p14="http://schemas.microsoft.com/office/powerpoint/2010/main" val="683380392"/>
       </p:ext>
     </p:extLst>
   </p:cSld>
@@ -11644,7 +11433,7 @@
       </p:grpSpPr>
       <p:sp>
         <p:nvSpPr>
-          <p:cNvPr id="2" name="Title 1"/>
+          <p:cNvPr id="4" name="Title 3"/>
           <p:cNvSpPr>
             <a:spLocks noGrp="1"/>
           </p:cNvSpPr>
@@ -11658,21 +11447,20 @@
           <a:lstStyle/>
           <a:p>
             <a:r>
-              <a:rPr lang="en-US" b="1" dirty="0" smtClean="0"/>
-              <a:t>FUTURE</a:t>
-            </a:r>
-            <a:endParaRPr lang="en-US" b="1" dirty="0"/>
-          </a:p>
-        </p:txBody>
-      </p:sp>
-      <p:sp>
-        <p:nvSpPr>
-          <p:cNvPr id="3" name="Text Placeholder 2"/>
+              <a:rPr lang="en-US" dirty="0"/>
+              <a:t>Pseudo-elements</a:t>
+            </a:r>
+          </a:p>
+        </p:txBody>
+      </p:sp>
+      <p:sp>
+        <p:nvSpPr>
+          <p:cNvPr id="2" name="Content Placeholder 1"/>
           <p:cNvSpPr>
             <a:spLocks noGrp="1"/>
           </p:cNvSpPr>
           <p:nvPr>
-            <p:ph type="body" idx="1"/>
+            <p:ph idx="1"/>
           </p:nvPr>
         </p:nvSpPr>
         <p:spPr/>
@@ -11680,18 +11468,208 @@
           <a:bodyPr/>
           <a:lstStyle/>
           <a:p>
-            <a:r>
-              <a:rPr lang="en-US" dirty="0" smtClean="0"/>
-              <a:t>Already reality</a:t>
-            </a:r>
-            <a:endParaRPr lang="en-US" dirty="0"/>
+            <a:endParaRPr lang="en-US"/>
+          </a:p>
+        </p:txBody>
+      </p:sp>
+      <p:sp>
+        <p:nvSpPr>
+          <p:cNvPr id="5" name="TextBox 4"/>
+          <p:cNvSpPr txBox="1"/>
+          <p:nvPr/>
+        </p:nvSpPr>
+        <p:spPr>
+          <a:xfrm>
+            <a:off x="553112" y="2638045"/>
+            <a:ext cx="8043620" cy="1200329"/>
+          </a:xfrm>
+          <a:prstGeom prst="rect">
+            <a:avLst/>
+          </a:prstGeom>
+          <a:solidFill>
+            <a:schemeClr val="accent1">
+              <a:lumMod val="60000"/>
+              <a:lumOff val="40000"/>
+            </a:schemeClr>
+          </a:solidFill>
+        </p:spPr>
+        <p:txBody>
+          <a:bodyPr wrap="square" rtlCol="0">
+            <a:spAutoFit/>
+          </a:bodyPr>
+          <a:lstStyle/>
+          <a:p>
+            <a:r>
+              <a:rPr lang="nl-BE" dirty="0" smtClean="0">
+                <a:latin typeface="Andale Mono" charset="0"/>
+                <a:ea typeface="Andale Mono" charset="0"/>
+                <a:cs typeface="Andale Mono" charset="0"/>
+              </a:rPr>
+              <a:t>.item:first-child{</a:t>
+            </a:r>
+          </a:p>
+          <a:p>
+            <a:r>
+              <a:rPr lang="nl-BE" dirty="0">
+                <a:latin typeface="Andale Mono" charset="0"/>
+                <a:ea typeface="Andale Mono" charset="0"/>
+                <a:cs typeface="Andale Mono" charset="0"/>
+              </a:rPr>
+              <a:t>	</a:t>
+            </a:r>
+            <a:r>
+              <a:rPr lang="nl-BE" dirty="0" smtClean="0">
+                <a:latin typeface="Andale Mono" charset="0"/>
+                <a:ea typeface="Andale Mono" charset="0"/>
+                <a:cs typeface="Andale Mono" charset="0"/>
+              </a:rPr>
+              <a:t>border-top-left-radius: 4px;</a:t>
+            </a:r>
+          </a:p>
+          <a:p>
+            <a:r>
+              <a:rPr lang="nl-BE" dirty="0">
+                <a:latin typeface="Andale Mono" charset="0"/>
+                <a:ea typeface="Andale Mono" charset="0"/>
+                <a:cs typeface="Andale Mono" charset="0"/>
+              </a:rPr>
+              <a:t>	</a:t>
+            </a:r>
+            <a:r>
+              <a:rPr lang="nl-BE" dirty="0" smtClean="0">
+                <a:latin typeface="Andale Mono" charset="0"/>
+                <a:ea typeface="Andale Mono" charset="0"/>
+                <a:cs typeface="Andale Mono" charset="0"/>
+              </a:rPr>
+              <a:t>border-top-right-radius</a:t>
+            </a:r>
+            <a:r>
+              <a:rPr lang="nl-BE" dirty="0">
+                <a:latin typeface="Andale Mono" charset="0"/>
+                <a:ea typeface="Andale Mono" charset="0"/>
+                <a:cs typeface="Andale Mono" charset="0"/>
+              </a:rPr>
+              <a:t>: 4px;</a:t>
+            </a:r>
+          </a:p>
+          <a:p>
+            <a:r>
+              <a:rPr lang="nl-BE" dirty="0" smtClean="0">
+                <a:latin typeface="Andale Mono" charset="0"/>
+                <a:ea typeface="Andale Mono" charset="0"/>
+                <a:cs typeface="Andale Mono" charset="0"/>
+              </a:rPr>
+              <a:t>}</a:t>
+            </a:r>
+            <a:endParaRPr lang="en-US" dirty="0">
+              <a:latin typeface="Andale Mono" charset="0"/>
+              <a:ea typeface="Andale Mono" charset="0"/>
+              <a:cs typeface="Andale Mono" charset="0"/>
+            </a:endParaRPr>
+          </a:p>
+        </p:txBody>
+      </p:sp>
+      <p:sp>
+        <p:nvSpPr>
+          <p:cNvPr id="6" name="TextBox 5"/>
+          <p:cNvSpPr txBox="1"/>
+          <p:nvPr/>
+        </p:nvSpPr>
+        <p:spPr>
+          <a:xfrm>
+            <a:off x="553112" y="4030310"/>
+            <a:ext cx="8043620" cy="1200329"/>
+          </a:xfrm>
+          <a:prstGeom prst="rect">
+            <a:avLst/>
+          </a:prstGeom>
+          <a:solidFill>
+            <a:schemeClr val="accent1">
+              <a:lumMod val="60000"/>
+              <a:lumOff val="40000"/>
+            </a:schemeClr>
+          </a:solidFill>
+        </p:spPr>
+        <p:txBody>
+          <a:bodyPr wrap="square" rtlCol="0">
+            <a:spAutoFit/>
+          </a:bodyPr>
+          <a:lstStyle/>
+          <a:p>
+            <a:r>
+              <a:rPr lang="nl-BE" dirty="0" smtClean="0">
+                <a:latin typeface="Andale Mono" charset="0"/>
+                <a:ea typeface="Andale Mono" charset="0"/>
+                <a:cs typeface="Andale Mono" charset="0"/>
+              </a:rPr>
+              <a:t>.item:last-child{</a:t>
+            </a:r>
+          </a:p>
+          <a:p>
+            <a:r>
+              <a:rPr lang="nl-BE" dirty="0">
+                <a:latin typeface="Andale Mono" charset="0"/>
+                <a:ea typeface="Andale Mono" charset="0"/>
+                <a:cs typeface="Andale Mono" charset="0"/>
+              </a:rPr>
+              <a:t>	</a:t>
+            </a:r>
+            <a:r>
+              <a:rPr lang="nl-BE" dirty="0" smtClean="0">
+                <a:latin typeface="Andale Mono" charset="0"/>
+                <a:ea typeface="Andale Mono" charset="0"/>
+                <a:cs typeface="Andale Mono" charset="0"/>
+              </a:rPr>
+              <a:t>border-bottom-left-radius: 4px;</a:t>
+            </a:r>
+          </a:p>
+          <a:p>
+            <a:r>
+              <a:rPr lang="nl-BE" dirty="0">
+                <a:latin typeface="Andale Mono" charset="0"/>
+                <a:ea typeface="Andale Mono" charset="0"/>
+                <a:cs typeface="Andale Mono" charset="0"/>
+              </a:rPr>
+              <a:t>	</a:t>
+            </a:r>
+            <a:r>
+              <a:rPr lang="nl-BE" dirty="0" smtClean="0">
+                <a:latin typeface="Andale Mono" charset="0"/>
+                <a:ea typeface="Andale Mono" charset="0"/>
+                <a:cs typeface="Andale Mono" charset="0"/>
+              </a:rPr>
+              <a:t>border-bottom-right-radius</a:t>
+            </a:r>
+            <a:r>
+              <a:rPr lang="nl-BE" dirty="0">
+                <a:latin typeface="Andale Mono" charset="0"/>
+                <a:ea typeface="Andale Mono" charset="0"/>
+                <a:cs typeface="Andale Mono" charset="0"/>
+              </a:rPr>
+              <a:t>: 4px;</a:t>
+            </a:r>
+          </a:p>
+          <a:p>
+            <a:r>
+              <a:rPr lang="nl-BE" dirty="0" smtClean="0">
+                <a:latin typeface="Andale Mono" charset="0"/>
+                <a:ea typeface="Andale Mono" charset="0"/>
+                <a:cs typeface="Andale Mono" charset="0"/>
+              </a:rPr>
+              <a:t>}</a:t>
+            </a:r>
+            <a:endParaRPr lang="en-US" dirty="0">
+              <a:latin typeface="Andale Mono" charset="0"/>
+              <a:ea typeface="Andale Mono" charset="0"/>
+              <a:cs typeface="Andale Mono" charset="0"/>
+            </a:endParaRPr>
           </a:p>
         </p:txBody>
       </p:sp>
     </p:spTree>
     <p:extLst>
       <p:ext uri="{BB962C8B-B14F-4D97-AF65-F5344CB8AC3E}">
-        <p14:creationId xmlns:p14="http://schemas.microsoft.com/office/powerpoint/2010/main" val="587824010"/>
+        <p14:creationId xmlns:p14="http://schemas.microsoft.com/office/powerpoint/2010/main" val="13094969"/>
       </p:ext>
     </p:extLst>
   </p:cSld>
@@ -11727,7 +11705,7 @@
       </p:grpSpPr>
       <p:sp>
         <p:nvSpPr>
-          <p:cNvPr id="4" name="Title 3"/>
+          <p:cNvPr id="2" name="Title 1"/>
           <p:cNvSpPr>
             <a:spLocks noGrp="1"/>
           </p:cNvSpPr>
@@ -11741,206 +11719,32 @@
           <a:lstStyle/>
           <a:p>
             <a:r>
-              <a:rPr lang="nl-BE" dirty="0" smtClean="0"/>
-              <a:t>Engine prefix</a:t>
-            </a:r>
-            <a:endParaRPr lang="en-US" dirty="0"/>
-          </a:p>
-        </p:txBody>
-      </p:sp>
-      <p:sp>
-        <p:nvSpPr>
-          <p:cNvPr id="8" name="TextBox 7"/>
-          <p:cNvSpPr txBox="1"/>
-          <p:nvPr/>
-        </p:nvSpPr>
-        <p:spPr>
-          <a:xfrm>
-            <a:off x="790413" y="2530783"/>
-            <a:ext cx="7718155" cy="1477328"/>
-          </a:xfrm>
-          <a:prstGeom prst="rect">
-            <a:avLst/>
-          </a:prstGeom>
-          <a:solidFill>
-            <a:schemeClr val="accent1">
-              <a:lumMod val="60000"/>
-              <a:lumOff val="40000"/>
-            </a:schemeClr>
-          </a:solidFill>
-        </p:spPr>
-        <p:txBody>
-          <a:bodyPr wrap="square" rtlCol="0">
-            <a:spAutoFit/>
-          </a:bodyPr>
-          <a:lstStyle/>
-          <a:p>
-            <a:r>
-              <a:rPr lang="nl-BE" dirty="0">
-                <a:latin typeface="Andale Mono" charset="0"/>
-                <a:ea typeface="Andale Mono" charset="0"/>
-                <a:cs typeface="Andale Mono" charset="0"/>
-              </a:rPr>
-              <a:t>-webkit-animation: spin 12s infinite linear;</a:t>
-            </a:r>
-            <a:br>
-              <a:rPr lang="nl-BE" dirty="0">
-                <a:latin typeface="Andale Mono" charset="0"/>
-                <a:ea typeface="Andale Mono" charset="0"/>
-                <a:cs typeface="Andale Mono" charset="0"/>
-              </a:rPr>
-            </a:br>
-            <a:r>
-              <a:rPr lang="nl-BE" dirty="0">
-                <a:latin typeface="Andale Mono" charset="0"/>
-                <a:ea typeface="Andale Mono" charset="0"/>
-                <a:cs typeface="Andale Mono" charset="0"/>
-              </a:rPr>
-              <a:t>-moz-animation: spin 12s infinite linear;</a:t>
-            </a:r>
-            <a:br>
-              <a:rPr lang="nl-BE" dirty="0">
-                <a:latin typeface="Andale Mono" charset="0"/>
-                <a:ea typeface="Andale Mono" charset="0"/>
-                <a:cs typeface="Andale Mono" charset="0"/>
-              </a:rPr>
-            </a:br>
-            <a:r>
-              <a:rPr lang="nl-BE" dirty="0">
-                <a:latin typeface="Andale Mono" charset="0"/>
-                <a:ea typeface="Andale Mono" charset="0"/>
-                <a:cs typeface="Andale Mono" charset="0"/>
-              </a:rPr>
-              <a:t>-o-animation: spin 12s infinite linear;</a:t>
-            </a:r>
-            <a:br>
-              <a:rPr lang="nl-BE" dirty="0">
-                <a:latin typeface="Andale Mono" charset="0"/>
-                <a:ea typeface="Andale Mono" charset="0"/>
-                <a:cs typeface="Andale Mono" charset="0"/>
-              </a:rPr>
-            </a:br>
-            <a:r>
-              <a:rPr lang="nl-BE" dirty="0">
-                <a:latin typeface="Andale Mono" charset="0"/>
-                <a:ea typeface="Andale Mono" charset="0"/>
-                <a:cs typeface="Andale Mono" charset="0"/>
-              </a:rPr>
-              <a:t>-ms-animation: spin 12s infinite linear</a:t>
-            </a:r>
-            <a:r>
-              <a:rPr lang="nl-BE" dirty="0" smtClean="0">
-                <a:latin typeface="Andale Mono" charset="0"/>
-                <a:ea typeface="Andale Mono" charset="0"/>
-                <a:cs typeface="Andale Mono" charset="0"/>
-              </a:rPr>
-              <a:t>;</a:t>
-            </a:r>
-          </a:p>
-          <a:p>
-            <a:r>
-              <a:rPr lang="nl-BE" dirty="0" smtClean="0">
-                <a:latin typeface="Andale Mono" charset="0"/>
-                <a:ea typeface="Andale Mono" charset="0"/>
-                <a:cs typeface="Andale Mono" charset="0"/>
-              </a:rPr>
-              <a:t>animation</a:t>
-            </a:r>
-            <a:r>
-              <a:rPr lang="nl-BE" dirty="0">
-                <a:latin typeface="Andale Mono" charset="0"/>
-                <a:ea typeface="Andale Mono" charset="0"/>
-                <a:cs typeface="Andale Mono" charset="0"/>
-              </a:rPr>
-              <a:t>: spin 12s infinite linear</a:t>
-            </a:r>
-            <a:r>
-              <a:rPr lang="nl-BE" dirty="0" smtClean="0">
-                <a:latin typeface="Andale Mono" charset="0"/>
-                <a:ea typeface="Andale Mono" charset="0"/>
-                <a:cs typeface="Andale Mono" charset="0"/>
-              </a:rPr>
-              <a:t>;</a:t>
-            </a:r>
-            <a:endParaRPr lang="en-US" dirty="0">
-              <a:latin typeface="Andale Mono" charset="0"/>
-              <a:ea typeface="Andale Mono" charset="0"/>
-              <a:cs typeface="Andale Mono" charset="0"/>
-            </a:endParaRPr>
-          </a:p>
-        </p:txBody>
-      </p:sp>
-      <p:sp>
-        <p:nvSpPr>
-          <p:cNvPr id="3" name="TextBox 2"/>
-          <p:cNvSpPr txBox="1"/>
-          <p:nvPr/>
-        </p:nvSpPr>
-        <p:spPr>
-          <a:xfrm>
-            <a:off x="790413" y="4387447"/>
-            <a:ext cx="7718155" cy="2308324"/>
-          </a:xfrm>
-          <a:prstGeom prst="rect">
-            <a:avLst/>
-          </a:prstGeom>
-          <a:noFill/>
-        </p:spPr>
-        <p:txBody>
-          <a:bodyPr wrap="square" rtlCol="0">
-            <a:spAutoFit/>
-          </a:bodyPr>
-          <a:lstStyle/>
-          <a:p>
-            <a:r>
-              <a:rPr lang="en-US" dirty="0">
-                <a:latin typeface="Andale Mono" charset="0"/>
-                <a:ea typeface="Andale Mono" charset="0"/>
-                <a:cs typeface="Andale Mono" charset="0"/>
-              </a:rPr>
-              <a:t>These browser prefixes are needed as the browsers experiment and test out their implementations of the newer CSS3 properties. Sometimes all the prefixes are not always needed, but it usually does not hurt to include them, </a:t>
-            </a:r>
-            <a:r>
-              <a:rPr lang="en-US" i="1" dirty="0">
-                <a:latin typeface="Andale Mono" charset="0"/>
-                <a:ea typeface="Andale Mono" charset="0"/>
-                <a:cs typeface="Andale Mono" charset="0"/>
-              </a:rPr>
-              <a:t>as long as you make sure to put the </a:t>
-            </a:r>
-            <a:r>
-              <a:rPr lang="en-US" b="1" i="1" dirty="0">
-                <a:latin typeface="Andale Mono" charset="0"/>
-                <a:ea typeface="Andale Mono" charset="0"/>
-                <a:cs typeface="Andale Mono" charset="0"/>
-              </a:rPr>
-              <a:t>non-prefixed</a:t>
-            </a:r>
-            <a:r>
-              <a:rPr lang="en-US" i="1" dirty="0">
-                <a:latin typeface="Andale Mono" charset="0"/>
-                <a:ea typeface="Andale Mono" charset="0"/>
-                <a:cs typeface="Andale Mono" charset="0"/>
-              </a:rPr>
-              <a:t> version last</a:t>
-            </a:r>
-            <a:r>
-              <a:rPr lang="en-US" dirty="0">
-                <a:latin typeface="Andale Mono" charset="0"/>
-                <a:ea typeface="Andale Mono" charset="0"/>
-                <a:cs typeface="Andale Mono" charset="0"/>
-              </a:rPr>
-              <a:t>.</a:t>
-            </a:r>
-          </a:p>
-          <a:p>
-            <a:r>
-              <a:rPr lang="en-US" dirty="0"/>
-              <a:t/>
-            </a:r>
-            <a:br>
-              <a:rPr lang="en-US" dirty="0"/>
-            </a:br>
+              <a:rPr lang="en-US" b="1" dirty="0" smtClean="0"/>
+              <a:t>FUTURE</a:t>
+            </a:r>
+            <a:endParaRPr lang="en-US" b="1" dirty="0"/>
+          </a:p>
+        </p:txBody>
+      </p:sp>
+      <p:sp>
+        <p:nvSpPr>
+          <p:cNvPr id="3" name="Text Placeholder 2"/>
+          <p:cNvSpPr>
+            <a:spLocks noGrp="1"/>
+          </p:cNvSpPr>
+          <p:nvPr>
+            <p:ph type="body" idx="1"/>
+          </p:nvPr>
+        </p:nvSpPr>
+        <p:spPr/>
+        <p:txBody>
+          <a:bodyPr/>
+          <a:lstStyle/>
+          <a:p>
+            <a:r>
+              <a:rPr lang="en-US" dirty="0" smtClean="0"/>
+              <a:t>Already reality</a:t>
+            </a:r>
             <a:endParaRPr lang="en-US" dirty="0"/>
           </a:p>
         </p:txBody>
@@ -11948,7 +11752,7 @@
     </p:spTree>
     <p:extLst>
       <p:ext uri="{BB962C8B-B14F-4D97-AF65-F5344CB8AC3E}">
-        <p14:creationId xmlns:p14="http://schemas.microsoft.com/office/powerpoint/2010/main" val="1407486524"/>
+        <p14:creationId xmlns:p14="http://schemas.microsoft.com/office/powerpoint/2010/main" val="587824010"/>
       </p:ext>
     </p:extLst>
   </p:cSld>
@@ -11998,12 +11802,8 @@
           <a:lstStyle/>
           <a:p>
             <a:r>
-              <a:rPr lang="en-US" dirty="0" smtClean="0"/>
-              <a:t>Sass &amp; less &amp; </a:t>
-            </a:r>
-            <a:r>
-              <a:rPr lang="is-IS" dirty="0" smtClean="0"/>
-              <a:t>…</a:t>
+              <a:rPr lang="nl-BE" dirty="0" smtClean="0"/>
+              <a:t>Engine prefix</a:t>
             </a:r>
             <a:endParaRPr lang="en-US" dirty="0"/>
           </a:p>
@@ -12018,7 +11818,7 @@
         <p:spPr>
           <a:xfrm>
             <a:off x="790413" y="2530783"/>
-            <a:ext cx="7718155" cy="3139321"/>
+            <a:ext cx="7718155" cy="1477328"/>
           </a:xfrm>
           <a:prstGeom prst="rect">
             <a:avLst/>
@@ -12037,29 +11837,83 @@
           <a:lstStyle/>
           <a:p>
             <a:r>
+              <a:rPr lang="nl-BE" dirty="0">
+                <a:latin typeface="Andale Mono" charset="0"/>
+                <a:ea typeface="Andale Mono" charset="0"/>
+                <a:cs typeface="Andale Mono" charset="0"/>
+              </a:rPr>
+              <a:t>-webkit-animation: spin 12s infinite linear;</a:t>
+            </a:r>
+            <a:br>
+              <a:rPr lang="nl-BE" dirty="0">
+                <a:latin typeface="Andale Mono" charset="0"/>
+                <a:ea typeface="Andale Mono" charset="0"/>
+                <a:cs typeface="Andale Mono" charset="0"/>
+              </a:rPr>
+            </a:br>
+            <a:r>
+              <a:rPr lang="nl-BE" dirty="0">
+                <a:latin typeface="Andale Mono" charset="0"/>
+                <a:ea typeface="Andale Mono" charset="0"/>
+                <a:cs typeface="Andale Mono" charset="0"/>
+              </a:rPr>
+              <a:t>-moz-animation: spin 12s infinite linear;</a:t>
+            </a:r>
+            <a:br>
+              <a:rPr lang="nl-BE" dirty="0">
+                <a:latin typeface="Andale Mono" charset="0"/>
+                <a:ea typeface="Andale Mono" charset="0"/>
+                <a:cs typeface="Andale Mono" charset="0"/>
+              </a:rPr>
+            </a:br>
+            <a:r>
+              <a:rPr lang="nl-BE" dirty="0">
+                <a:latin typeface="Andale Mono" charset="0"/>
+                <a:ea typeface="Andale Mono" charset="0"/>
+                <a:cs typeface="Andale Mono" charset="0"/>
+              </a:rPr>
+              <a:t>-o-animation: spin 12s infinite linear;</a:t>
+            </a:r>
+            <a:br>
+              <a:rPr lang="nl-BE" dirty="0">
+                <a:latin typeface="Andale Mono" charset="0"/>
+                <a:ea typeface="Andale Mono" charset="0"/>
+                <a:cs typeface="Andale Mono" charset="0"/>
+              </a:rPr>
+            </a:br>
+            <a:r>
+              <a:rPr lang="nl-BE" dirty="0">
+                <a:latin typeface="Andale Mono" charset="0"/>
+                <a:ea typeface="Andale Mono" charset="0"/>
+                <a:cs typeface="Andale Mono" charset="0"/>
+              </a:rPr>
+              <a:t>-ms-animation: spin 12s infinite linear</a:t>
+            </a:r>
+            <a:r>
               <a:rPr lang="nl-BE" dirty="0" smtClean="0">
                 <a:latin typeface="Andale Mono" charset="0"/>
                 <a:ea typeface="Andale Mono" charset="0"/>
                 <a:cs typeface="Andale Mono" charset="0"/>
               </a:rPr>
-              <a:t>#container{</a:t>
-            </a:r>
-          </a:p>
-          <a:p>
-            <a:endParaRPr lang="nl-BE" dirty="0" smtClean="0">
-              <a:latin typeface="Andale Mono" charset="0"/>
-              <a:ea typeface="Andale Mono" charset="0"/>
-              <a:cs typeface="Andale Mono" charset="0"/>
-            </a:endParaRPr>
-          </a:p>
-          <a:p>
+              <a:t>;</a:t>
+            </a:r>
+          </a:p>
+          <a:p>
+            <a:r>
+              <a:rPr lang="nl-BE" dirty="0" smtClean="0">
+                <a:latin typeface="Andale Mono" charset="0"/>
+                <a:ea typeface="Andale Mono" charset="0"/>
+                <a:cs typeface="Andale Mono" charset="0"/>
+              </a:rPr>
+              <a:t>animation</a:t>
+            </a:r>
             <a:r>
               <a:rPr lang="nl-BE" dirty="0">
                 <a:latin typeface="Andale Mono" charset="0"/>
                 <a:ea typeface="Andale Mono" charset="0"/>
                 <a:cs typeface="Andale Mono" charset="0"/>
               </a:rPr>
-              <a:t>	background-color: #F4D82A</a:t>
+              <a:t>: spin 12s infinite linear</a:t>
             </a:r>
             <a:r>
               <a:rPr lang="nl-BE" dirty="0" smtClean="0">
@@ -12068,164 +11922,6 @@
                 <a:cs typeface="Andale Mono" charset="0"/>
               </a:rPr>
               <a:t>;</a:t>
-            </a:r>
-          </a:p>
-          <a:p>
-            <a:endParaRPr lang="nl-BE" dirty="0" smtClean="0">
-              <a:latin typeface="Andale Mono" charset="0"/>
-              <a:ea typeface="Andale Mono" charset="0"/>
-              <a:cs typeface="Andale Mono" charset="0"/>
-            </a:endParaRPr>
-          </a:p>
-          <a:p>
-            <a:r>
-              <a:rPr lang="nl-BE" dirty="0">
-                <a:latin typeface="Andale Mono" charset="0"/>
-                <a:ea typeface="Andale Mono" charset="0"/>
-                <a:cs typeface="Andale Mono" charset="0"/>
-              </a:rPr>
-              <a:t>	</a:t>
-            </a:r>
-            <a:r>
-              <a:rPr lang="nl-BE" dirty="0" smtClean="0">
-                <a:latin typeface="Andale Mono" charset="0"/>
-                <a:ea typeface="Andale Mono" charset="0"/>
-                <a:cs typeface="Andale Mono" charset="0"/>
-              </a:rPr>
-              <a:t>.item{</a:t>
-            </a:r>
-          </a:p>
-          <a:p>
-            <a:r>
-              <a:rPr lang="en-US" dirty="0" smtClean="0">
-                <a:latin typeface="Andale Mono" charset="0"/>
-                <a:ea typeface="Andale Mono" charset="0"/>
-                <a:cs typeface="Andale Mono" charset="0"/>
-              </a:rPr>
-              <a:t>		</a:t>
-            </a:r>
-            <a:r>
-              <a:rPr lang="nl-BE" dirty="0" smtClean="0">
-                <a:latin typeface="Andale Mono" charset="0"/>
-                <a:ea typeface="Andale Mono" charset="0"/>
-                <a:cs typeface="Andale Mono" charset="0"/>
-              </a:rPr>
-              <a:t>background-color</a:t>
-            </a:r>
-            <a:r>
-              <a:rPr lang="nl-BE" dirty="0">
-                <a:latin typeface="Andale Mono" charset="0"/>
-                <a:ea typeface="Andale Mono" charset="0"/>
-                <a:cs typeface="Andale Mono" charset="0"/>
-              </a:rPr>
-              <a:t>: #FFFFFF;</a:t>
-            </a:r>
-          </a:p>
-          <a:p>
-            <a:pPr lvl="1"/>
-            <a:r>
-              <a:rPr lang="nl-BE" dirty="0">
-                <a:latin typeface="Andale Mono" charset="0"/>
-                <a:ea typeface="Andale Mono" charset="0"/>
-                <a:cs typeface="Andale Mono" charset="0"/>
-              </a:rPr>
-              <a:t>	</a:t>
-            </a:r>
-            <a:r>
-              <a:rPr lang="nl-BE" dirty="0" smtClean="0">
-                <a:latin typeface="Andale Mono" charset="0"/>
-                <a:ea typeface="Andale Mono" charset="0"/>
-                <a:cs typeface="Andale Mono" charset="0"/>
-              </a:rPr>
-              <a:t>color</a:t>
-            </a:r>
-            <a:r>
-              <a:rPr lang="nl-BE" dirty="0">
-                <a:latin typeface="Andale Mono" charset="0"/>
-                <a:ea typeface="Andale Mono" charset="0"/>
-                <a:cs typeface="Andale Mono" charset="0"/>
-              </a:rPr>
-              <a:t>: #000000;</a:t>
-            </a:r>
-          </a:p>
-          <a:p>
-            <a:pPr lvl="1"/>
-            <a:r>
-              <a:rPr lang="nl-BE" dirty="0">
-                <a:latin typeface="Andale Mono" charset="0"/>
-                <a:ea typeface="Andale Mono" charset="0"/>
-                <a:cs typeface="Andale Mono" charset="0"/>
-              </a:rPr>
-              <a:t>	</a:t>
-            </a:r>
-            <a:r>
-              <a:rPr lang="nl-BE" dirty="0" smtClean="0">
-                <a:latin typeface="Andale Mono" charset="0"/>
-                <a:ea typeface="Andale Mono" charset="0"/>
-                <a:cs typeface="Andale Mono" charset="0"/>
-              </a:rPr>
-              <a:t>transition</a:t>
-            </a:r>
-            <a:r>
-              <a:rPr lang="nl-BE" dirty="0">
-                <a:latin typeface="Andale Mono" charset="0"/>
-                <a:ea typeface="Andale Mono" charset="0"/>
-                <a:cs typeface="Andale Mono" charset="0"/>
-              </a:rPr>
-              <a:t>: </a:t>
-            </a:r>
-            <a:r>
-              <a:rPr lang="nl-BE" b="1" dirty="0">
-                <a:latin typeface="Andale Mono" charset="0"/>
-                <a:ea typeface="Andale Mono" charset="0"/>
-                <a:cs typeface="Andale Mono" charset="0"/>
-              </a:rPr>
-              <a:t>all</a:t>
-            </a:r>
-            <a:r>
-              <a:rPr lang="nl-BE" dirty="0">
-                <a:latin typeface="Andale Mono" charset="0"/>
-                <a:ea typeface="Andale Mono" charset="0"/>
-                <a:cs typeface="Andale Mono" charset="0"/>
-              </a:rPr>
-              <a:t> 0.7s</a:t>
-            </a:r>
-            <a:r>
-              <a:rPr lang="nl-BE" dirty="0" smtClean="0">
-                <a:latin typeface="Andale Mono" charset="0"/>
-                <a:ea typeface="Andale Mono" charset="0"/>
-                <a:cs typeface="Andale Mono" charset="0"/>
-              </a:rPr>
-              <a:t>;</a:t>
-            </a:r>
-          </a:p>
-          <a:p>
-            <a:pPr lvl="1"/>
-            <a:r>
-              <a:rPr lang="nl-BE" dirty="0" smtClean="0">
-                <a:latin typeface="Andale Mono" charset="0"/>
-                <a:ea typeface="Andale Mono" charset="0"/>
-                <a:cs typeface="Andale Mono" charset="0"/>
-              </a:rPr>
-              <a:t>}</a:t>
-            </a:r>
-          </a:p>
-          <a:p>
-            <a:pPr lvl="1"/>
-            <a:endParaRPr lang="nl-BE" dirty="0" smtClean="0">
-              <a:latin typeface="Andale Mono" charset="0"/>
-              <a:ea typeface="Andale Mono" charset="0"/>
-              <a:cs typeface="Andale Mono" charset="0"/>
-            </a:endParaRPr>
-          </a:p>
-          <a:p>
-            <a:r>
-              <a:rPr lang="nl-BE" dirty="0" smtClean="0">
-                <a:latin typeface="Andale Mono" charset="0"/>
-                <a:ea typeface="Andale Mono" charset="0"/>
-                <a:cs typeface="Andale Mono" charset="0"/>
-              </a:rPr>
-              <a:t>}	</a:t>
             </a:r>
             <a:endParaRPr lang="en-US" dirty="0">
               <a:latin typeface="Andale Mono" charset="0"/>
@@ -12235,10 +11931,85 @@
           </a:p>
         </p:txBody>
       </p:sp>
+      <p:sp>
+        <p:nvSpPr>
+          <p:cNvPr id="3" name="TextBox 2"/>
+          <p:cNvSpPr txBox="1"/>
+          <p:nvPr/>
+        </p:nvSpPr>
+        <p:spPr>
+          <a:xfrm>
+            <a:off x="790413" y="4387447"/>
+            <a:ext cx="7718155" cy="2308324"/>
+          </a:xfrm>
+          <a:prstGeom prst="rect">
+            <a:avLst/>
+          </a:prstGeom>
+          <a:noFill/>
+        </p:spPr>
+        <p:txBody>
+          <a:bodyPr wrap="square" rtlCol="0">
+            <a:spAutoFit/>
+          </a:bodyPr>
+          <a:lstStyle/>
+          <a:p>
+            <a:r>
+              <a:rPr lang="en-US" dirty="0">
+                <a:latin typeface="Andale Mono" charset="0"/>
+                <a:ea typeface="Andale Mono" charset="0"/>
+                <a:cs typeface="Andale Mono" charset="0"/>
+              </a:rPr>
+              <a:t>These browser prefixes are needed as the browsers experiment and test out their implementations of the newer CSS3 properties. Sometimes all the prefixes are not always needed, but it usually does not hurt to include them, </a:t>
+            </a:r>
+            <a:r>
+              <a:rPr lang="en-US" i="1" dirty="0">
+                <a:latin typeface="Andale Mono" charset="0"/>
+                <a:ea typeface="Andale Mono" charset="0"/>
+                <a:cs typeface="Andale Mono" charset="0"/>
+              </a:rPr>
+              <a:t>as long as you make sure to put the </a:t>
+            </a:r>
+            <a:r>
+              <a:rPr lang="en-US" b="1" i="1" dirty="0">
+                <a:latin typeface="Andale Mono" charset="0"/>
+                <a:ea typeface="Andale Mono" charset="0"/>
+                <a:cs typeface="Andale Mono" charset="0"/>
+              </a:rPr>
+              <a:t>non-prefixed</a:t>
+            </a:r>
+            <a:r>
+              <a:rPr lang="en-US" i="1" dirty="0">
+                <a:latin typeface="Andale Mono" charset="0"/>
+                <a:ea typeface="Andale Mono" charset="0"/>
+                <a:cs typeface="Andale Mono" charset="0"/>
+              </a:rPr>
+              <a:t> version last</a:t>
+            </a:r>
+            <a:r>
+              <a:rPr lang="en-US" dirty="0">
+                <a:latin typeface="Andale Mono" charset="0"/>
+                <a:ea typeface="Andale Mono" charset="0"/>
+                <a:cs typeface="Andale Mono" charset="0"/>
+              </a:rPr>
+              <a:t>.</a:t>
+            </a:r>
+          </a:p>
+          <a:p>
+            <a:r>
+              <a:rPr lang="en-US" dirty="0"/>
+              <a:t/>
+            </a:r>
+            <a:br>
+              <a:rPr lang="en-US" dirty="0"/>
+            </a:br>
+            <a:endParaRPr lang="en-US" dirty="0"/>
+          </a:p>
+        </p:txBody>
+      </p:sp>
     </p:spTree>
     <p:extLst>
       <p:ext uri="{BB962C8B-B14F-4D97-AF65-F5344CB8AC3E}">
-        <p14:creationId xmlns:p14="http://schemas.microsoft.com/office/powerpoint/2010/main" val="1824344636"/>
+        <p14:creationId xmlns:p14="http://schemas.microsoft.com/office/powerpoint/2010/main" val="1407486524"/>
       </p:ext>
     </p:extLst>
   </p:cSld>
@@ -12289,7 +12060,11 @@
           <a:p>
             <a:r>
               <a:rPr lang="en-US" dirty="0" smtClean="0"/>
-              <a:t>Sass</a:t>
+              <a:t>Sass &amp; less &amp; </a:t>
+            </a:r>
+            <a:r>
+              <a:rPr lang="is-IS" dirty="0" smtClean="0"/>
+              <a:t>…</a:t>
             </a:r>
             <a:endParaRPr lang="en-US" dirty="0"/>
           </a:p>
@@ -12304,7 +12079,7 @@
         <p:spPr>
           <a:xfrm>
             <a:off x="790413" y="2530783"/>
-            <a:ext cx="7718155" cy="3693319"/>
+            <a:ext cx="7718155" cy="3139321"/>
           </a:xfrm>
           <a:prstGeom prst="rect">
             <a:avLst/>
@@ -12323,60 +12098,6 @@
           <a:lstStyle/>
           <a:p>
             <a:r>
-              <a:rPr lang="nl-BE" b="1" dirty="0">
-                <a:latin typeface="Andale Mono" charset="0"/>
-                <a:ea typeface="Andale Mono" charset="0"/>
-                <a:cs typeface="Andale Mono" charset="0"/>
-              </a:rPr>
-              <a:t>$primary-color: </a:t>
-            </a:r>
-            <a:r>
-              <a:rPr lang="nl-BE" b="1" dirty="0" smtClean="0">
-                <a:latin typeface="Andale Mono" charset="0"/>
-                <a:ea typeface="Andale Mono" charset="0"/>
-                <a:cs typeface="Andale Mono" charset="0"/>
-              </a:rPr>
-              <a:t>#</a:t>
-            </a:r>
-            <a:r>
-              <a:rPr lang="nl-BE" b="1" dirty="0">
-                <a:latin typeface="Andale Mono" charset="0"/>
-                <a:ea typeface="Andale Mono" charset="0"/>
-                <a:cs typeface="Andale Mono" charset="0"/>
-              </a:rPr>
-              <a:t> F4D82A</a:t>
-            </a:r>
-            <a:r>
-              <a:rPr lang="nl-BE" b="1" dirty="0" smtClean="0">
-                <a:latin typeface="Andale Mono" charset="0"/>
-                <a:ea typeface="Andale Mono" charset="0"/>
-                <a:cs typeface="Andale Mono" charset="0"/>
-              </a:rPr>
-              <a:t>; </a:t>
-            </a:r>
-            <a:r>
-              <a:rPr lang="nl-BE" b="1" dirty="0">
-                <a:latin typeface="Andale Mono" charset="0"/>
-                <a:ea typeface="Andale Mono" charset="0"/>
-                <a:cs typeface="Andale Mono" charset="0"/>
-              </a:rPr>
-              <a:t/>
-            </a:r>
-            <a:br>
-              <a:rPr lang="nl-BE" b="1" dirty="0">
-                <a:latin typeface="Andale Mono" charset="0"/>
-                <a:ea typeface="Andale Mono" charset="0"/>
-                <a:cs typeface="Andale Mono" charset="0"/>
-              </a:rPr>
-            </a:br>
-            <a:endParaRPr lang="nl-BE" b="1" dirty="0">
-              <a:latin typeface="Andale Mono" charset="0"/>
-              <a:ea typeface="Andale Mono" charset="0"/>
-              <a:cs typeface="Andale Mono" charset="0"/>
-            </a:endParaRPr>
-          </a:p>
-          <a:p>
-            <a:r>
               <a:rPr lang="nl-BE" dirty="0" smtClean="0">
                 <a:latin typeface="Andale Mono" charset="0"/>
                 <a:ea typeface="Andale Mono" charset="0"/>
@@ -12399,15 +12120,7 @@
                 <a:ea typeface="Andale Mono" charset="0"/>
                 <a:cs typeface="Andale Mono" charset="0"/>
               </a:rPr>
-              <a:t>	background-color: </a:t>
-            </a:r>
-            <a:r>
-              <a:rPr lang="nl-BE" b="1" dirty="0">
-                <a:latin typeface="Andale Mono" charset="0"/>
-                <a:ea typeface="Andale Mono" charset="0"/>
-                <a:cs typeface="Andale Mono" charset="0"/>
-              </a:rPr>
-              <a:t>$primary-color</a:t>
+              <a:t>	background-color: #F4D82A</a:t>
             </a:r>
             <a:r>
               <a:rPr lang="nl-BE" dirty="0" smtClean="0">
@@ -12586,7 +12299,7 @@
     </p:spTree>
     <p:extLst>
       <p:ext uri="{BB962C8B-B14F-4D97-AF65-F5344CB8AC3E}">
-        <p14:creationId xmlns:p14="http://schemas.microsoft.com/office/powerpoint/2010/main" val="1528801"/>
+        <p14:creationId xmlns:p14="http://schemas.microsoft.com/office/powerpoint/2010/main" val="1824344636"/>
       </p:ext>
     </p:extLst>
   </p:cSld>
@@ -12622,7 +12335,7 @@
       </p:grpSpPr>
       <p:sp>
         <p:nvSpPr>
-          <p:cNvPr id="2" name="Title 1"/>
+          <p:cNvPr id="4" name="Title 3"/>
           <p:cNvSpPr>
             <a:spLocks noGrp="1"/>
           </p:cNvSpPr>
@@ -12636,36 +12349,305 @@
           <a:lstStyle/>
           <a:p>
             <a:r>
-              <a:rPr lang="en-US" b="1" dirty="0" smtClean="0"/>
-              <a:t>Playtime</a:t>
-            </a:r>
-            <a:endParaRPr lang="en-US" b="1" dirty="0"/>
-          </a:p>
-        </p:txBody>
-      </p:sp>
-      <p:sp>
-        <p:nvSpPr>
-          <p:cNvPr id="3" name="Text Placeholder 2"/>
-          <p:cNvSpPr>
-            <a:spLocks noGrp="1"/>
-          </p:cNvSpPr>
-          <p:nvPr>
-            <p:ph type="body" idx="1"/>
-          </p:nvPr>
-        </p:nvSpPr>
-        <p:spPr/>
-        <p:txBody>
-          <a:bodyPr/>
-          <a:lstStyle/>
-          <a:p>
-            <a:endParaRPr lang="en-US"/>
+              <a:rPr lang="en-US" dirty="0" smtClean="0"/>
+              <a:t>Sass</a:t>
+            </a:r>
+            <a:endParaRPr lang="en-US" dirty="0"/>
+          </a:p>
+        </p:txBody>
+      </p:sp>
+      <p:sp>
+        <p:nvSpPr>
+          <p:cNvPr id="8" name="TextBox 7"/>
+          <p:cNvSpPr txBox="1"/>
+          <p:nvPr/>
+        </p:nvSpPr>
+        <p:spPr>
+          <a:xfrm>
+            <a:off x="790413" y="2530783"/>
+            <a:ext cx="7718155" cy="3693319"/>
+          </a:xfrm>
+          <a:prstGeom prst="rect">
+            <a:avLst/>
+          </a:prstGeom>
+          <a:solidFill>
+            <a:schemeClr val="accent1">
+              <a:lumMod val="60000"/>
+              <a:lumOff val="40000"/>
+            </a:schemeClr>
+          </a:solidFill>
+        </p:spPr>
+        <p:txBody>
+          <a:bodyPr wrap="square" rtlCol="0">
+            <a:spAutoFit/>
+          </a:bodyPr>
+          <a:lstStyle/>
+          <a:p>
+            <a:r>
+              <a:rPr lang="nl-BE" b="1" dirty="0">
+                <a:latin typeface="Andale Mono" charset="0"/>
+                <a:ea typeface="Andale Mono" charset="0"/>
+                <a:cs typeface="Andale Mono" charset="0"/>
+              </a:rPr>
+              <a:t>$primary-color: </a:t>
+            </a:r>
+            <a:r>
+              <a:rPr lang="nl-BE" b="1" dirty="0" smtClean="0">
+                <a:latin typeface="Andale Mono" charset="0"/>
+                <a:ea typeface="Andale Mono" charset="0"/>
+                <a:cs typeface="Andale Mono" charset="0"/>
+              </a:rPr>
+              <a:t>#</a:t>
+            </a:r>
+            <a:r>
+              <a:rPr lang="nl-BE" b="1" dirty="0">
+                <a:latin typeface="Andale Mono" charset="0"/>
+                <a:ea typeface="Andale Mono" charset="0"/>
+                <a:cs typeface="Andale Mono" charset="0"/>
+              </a:rPr>
+              <a:t> F4D82A</a:t>
+            </a:r>
+            <a:r>
+              <a:rPr lang="nl-BE" b="1" dirty="0" smtClean="0">
+                <a:latin typeface="Andale Mono" charset="0"/>
+                <a:ea typeface="Andale Mono" charset="0"/>
+                <a:cs typeface="Andale Mono" charset="0"/>
+              </a:rPr>
+              <a:t>; </a:t>
+            </a:r>
+            <a:r>
+              <a:rPr lang="nl-BE" b="1" dirty="0">
+                <a:latin typeface="Andale Mono" charset="0"/>
+                <a:ea typeface="Andale Mono" charset="0"/>
+                <a:cs typeface="Andale Mono" charset="0"/>
+              </a:rPr>
+              <a:t/>
+            </a:r>
+            <a:br>
+              <a:rPr lang="nl-BE" b="1" dirty="0">
+                <a:latin typeface="Andale Mono" charset="0"/>
+                <a:ea typeface="Andale Mono" charset="0"/>
+                <a:cs typeface="Andale Mono" charset="0"/>
+              </a:rPr>
+            </a:br>
+            <a:endParaRPr lang="nl-BE" b="1" dirty="0">
+              <a:latin typeface="Andale Mono" charset="0"/>
+              <a:ea typeface="Andale Mono" charset="0"/>
+              <a:cs typeface="Andale Mono" charset="0"/>
+            </a:endParaRPr>
+          </a:p>
+          <a:p>
+            <a:r>
+              <a:rPr lang="nl-BE" dirty="0" smtClean="0">
+                <a:latin typeface="Andale Mono" charset="0"/>
+                <a:ea typeface="Andale Mono" charset="0"/>
+                <a:cs typeface="Andale Mono" charset="0"/>
+              </a:rPr>
+              <a:t>#container{</a:t>
+            </a:r>
+          </a:p>
+          <a:p>
+            <a:endParaRPr lang="nl-BE" dirty="0" smtClean="0">
+              <a:latin typeface="Andale Mono" charset="0"/>
+              <a:ea typeface="Andale Mono" charset="0"/>
+              <a:cs typeface="Andale Mono" charset="0"/>
+            </a:endParaRPr>
+          </a:p>
+          <a:p>
+            <a:r>
+              <a:rPr lang="nl-BE" dirty="0">
+                <a:latin typeface="Andale Mono" charset="0"/>
+                <a:ea typeface="Andale Mono" charset="0"/>
+                <a:cs typeface="Andale Mono" charset="0"/>
+              </a:rPr>
+              <a:t>	background-color: </a:t>
+            </a:r>
+            <a:r>
+              <a:rPr lang="nl-BE" b="1" dirty="0">
+                <a:latin typeface="Andale Mono" charset="0"/>
+                <a:ea typeface="Andale Mono" charset="0"/>
+                <a:cs typeface="Andale Mono" charset="0"/>
+              </a:rPr>
+              <a:t>$primary-color</a:t>
+            </a:r>
+            <a:r>
+              <a:rPr lang="nl-BE" dirty="0" smtClean="0">
+                <a:latin typeface="Andale Mono" charset="0"/>
+                <a:ea typeface="Andale Mono" charset="0"/>
+                <a:cs typeface="Andale Mono" charset="0"/>
+              </a:rPr>
+              <a:t>;</a:t>
+            </a:r>
+          </a:p>
+          <a:p>
+            <a:endParaRPr lang="nl-BE" dirty="0" smtClean="0">
+              <a:latin typeface="Andale Mono" charset="0"/>
+              <a:ea typeface="Andale Mono" charset="0"/>
+              <a:cs typeface="Andale Mono" charset="0"/>
+            </a:endParaRPr>
+          </a:p>
+          <a:p>
+            <a:r>
+              <a:rPr lang="nl-BE" dirty="0">
+                <a:latin typeface="Andale Mono" charset="0"/>
+                <a:ea typeface="Andale Mono" charset="0"/>
+                <a:cs typeface="Andale Mono" charset="0"/>
+              </a:rPr>
+              <a:t>	</a:t>
+            </a:r>
+            <a:r>
+              <a:rPr lang="nl-BE" dirty="0" smtClean="0">
+                <a:latin typeface="Andale Mono" charset="0"/>
+                <a:ea typeface="Andale Mono" charset="0"/>
+                <a:cs typeface="Andale Mono" charset="0"/>
+              </a:rPr>
+              <a:t>.item{</a:t>
+            </a:r>
+          </a:p>
+          <a:p>
+            <a:r>
+              <a:rPr lang="en-US" dirty="0" smtClean="0">
+                <a:latin typeface="Andale Mono" charset="0"/>
+                <a:ea typeface="Andale Mono" charset="0"/>
+                <a:cs typeface="Andale Mono" charset="0"/>
+              </a:rPr>
+              <a:t>		</a:t>
+            </a:r>
+            <a:r>
+              <a:rPr lang="nl-BE" dirty="0" smtClean="0">
+                <a:latin typeface="Andale Mono" charset="0"/>
+                <a:ea typeface="Andale Mono" charset="0"/>
+                <a:cs typeface="Andale Mono" charset="0"/>
+              </a:rPr>
+              <a:t>background-color</a:t>
+            </a:r>
+            <a:r>
+              <a:rPr lang="nl-BE" dirty="0">
+                <a:latin typeface="Andale Mono" charset="0"/>
+                <a:ea typeface="Andale Mono" charset="0"/>
+                <a:cs typeface="Andale Mono" charset="0"/>
+              </a:rPr>
+              <a:t>: #FFFFFF;</a:t>
+            </a:r>
+          </a:p>
+          <a:p>
+            <a:pPr lvl="1"/>
+            <a:r>
+              <a:rPr lang="nl-BE" dirty="0">
+                <a:latin typeface="Andale Mono" charset="0"/>
+                <a:ea typeface="Andale Mono" charset="0"/>
+                <a:cs typeface="Andale Mono" charset="0"/>
+              </a:rPr>
+              <a:t>	</a:t>
+            </a:r>
+            <a:r>
+              <a:rPr lang="nl-BE" dirty="0" smtClean="0">
+                <a:latin typeface="Andale Mono" charset="0"/>
+                <a:ea typeface="Andale Mono" charset="0"/>
+                <a:cs typeface="Andale Mono" charset="0"/>
+              </a:rPr>
+              <a:t>color</a:t>
+            </a:r>
+            <a:r>
+              <a:rPr lang="nl-BE" dirty="0">
+                <a:latin typeface="Andale Mono" charset="0"/>
+                <a:ea typeface="Andale Mono" charset="0"/>
+                <a:cs typeface="Andale Mono" charset="0"/>
+              </a:rPr>
+              <a:t>: #000000;</a:t>
+            </a:r>
+          </a:p>
+          <a:p>
+            <a:pPr lvl="1"/>
+            <a:r>
+              <a:rPr lang="nl-BE" dirty="0">
+                <a:latin typeface="Andale Mono" charset="0"/>
+                <a:ea typeface="Andale Mono" charset="0"/>
+                <a:cs typeface="Andale Mono" charset="0"/>
+              </a:rPr>
+              <a:t>	</a:t>
+            </a:r>
+            <a:r>
+              <a:rPr lang="nl-BE" dirty="0" smtClean="0">
+                <a:latin typeface="Andale Mono" charset="0"/>
+                <a:ea typeface="Andale Mono" charset="0"/>
+                <a:cs typeface="Andale Mono" charset="0"/>
+              </a:rPr>
+              <a:t>transition</a:t>
+            </a:r>
+            <a:r>
+              <a:rPr lang="nl-BE" dirty="0">
+                <a:latin typeface="Andale Mono" charset="0"/>
+                <a:ea typeface="Andale Mono" charset="0"/>
+                <a:cs typeface="Andale Mono" charset="0"/>
+              </a:rPr>
+              <a:t>: </a:t>
+            </a:r>
+            <a:r>
+              <a:rPr lang="nl-BE" b="1" dirty="0">
+                <a:latin typeface="Andale Mono" charset="0"/>
+                <a:ea typeface="Andale Mono" charset="0"/>
+                <a:cs typeface="Andale Mono" charset="0"/>
+              </a:rPr>
+              <a:t>all</a:t>
+            </a:r>
+            <a:r>
+              <a:rPr lang="nl-BE" dirty="0">
+                <a:latin typeface="Andale Mono" charset="0"/>
+                <a:ea typeface="Andale Mono" charset="0"/>
+                <a:cs typeface="Andale Mono" charset="0"/>
+              </a:rPr>
+              <a:t> 0.7s</a:t>
+            </a:r>
+            <a:r>
+              <a:rPr lang="nl-BE" dirty="0" smtClean="0">
+                <a:latin typeface="Andale Mono" charset="0"/>
+                <a:ea typeface="Andale Mono" charset="0"/>
+                <a:cs typeface="Andale Mono" charset="0"/>
+              </a:rPr>
+              <a:t>;</a:t>
+            </a:r>
+          </a:p>
+          <a:p>
+            <a:pPr lvl="1"/>
+            <a:r>
+              <a:rPr lang="nl-BE" dirty="0" smtClean="0">
+                <a:latin typeface="Andale Mono" charset="0"/>
+                <a:ea typeface="Andale Mono" charset="0"/>
+                <a:cs typeface="Andale Mono" charset="0"/>
+              </a:rPr>
+              <a:t>}</a:t>
+            </a:r>
+          </a:p>
+          <a:p>
+            <a:pPr lvl="1"/>
+            <a:endParaRPr lang="nl-BE" dirty="0" smtClean="0">
+              <a:latin typeface="Andale Mono" charset="0"/>
+              <a:ea typeface="Andale Mono" charset="0"/>
+              <a:cs typeface="Andale Mono" charset="0"/>
+            </a:endParaRPr>
+          </a:p>
+          <a:p>
+            <a:r>
+              <a:rPr lang="nl-BE" dirty="0" smtClean="0">
+                <a:latin typeface="Andale Mono" charset="0"/>
+                <a:ea typeface="Andale Mono" charset="0"/>
+                <a:cs typeface="Andale Mono" charset="0"/>
+              </a:rPr>
+              <a:t>}	</a:t>
+            </a:r>
+            <a:endParaRPr lang="en-US" dirty="0">
+              <a:latin typeface="Andale Mono" charset="0"/>
+              <a:ea typeface="Andale Mono" charset="0"/>
+              <a:cs typeface="Andale Mono" charset="0"/>
+            </a:endParaRPr>
           </a:p>
         </p:txBody>
       </p:sp>
     </p:spTree>
     <p:extLst>
       <p:ext uri="{BB962C8B-B14F-4D97-AF65-F5344CB8AC3E}">
-        <p14:creationId xmlns:p14="http://schemas.microsoft.com/office/powerpoint/2010/main" val="1549358633"/>
+        <p14:creationId xmlns:p14="http://schemas.microsoft.com/office/powerpoint/2010/main" val="1528801"/>
       </p:ext>
     </p:extLst>
   </p:cSld>
@@ -13006,7 +12988,7 @@
       </p:grpSpPr>
       <p:sp>
         <p:nvSpPr>
-          <p:cNvPr id="4" name="Title 3"/>
+          <p:cNvPr id="2" name="Title 1"/>
           <p:cNvSpPr>
             <a:spLocks noGrp="1"/>
           </p:cNvSpPr>
@@ -13020,119 +13002,36 @@
           <a:lstStyle/>
           <a:p>
             <a:r>
-              <a:rPr lang="nl-BE" dirty="0" smtClean="0"/>
-              <a:t>ZILL navbar</a:t>
-            </a:r>
-            <a:endParaRPr lang="en-US" dirty="0"/>
-          </a:p>
-        </p:txBody>
-      </p:sp>
-      <p:pic>
-        <p:nvPicPr>
-          <p:cNvPr id="2" name="Picture 1"/>
-          <p:cNvPicPr>
-            <a:picLocks noChangeAspect="1"/>
-          </p:cNvPicPr>
-          <p:nvPr/>
-        </p:nvPicPr>
-        <p:blipFill>
-          <a:blip r:embed="rId2">
-            <a:extLst>
-              <a:ext uri="{28A0092B-C50C-407E-A947-70E740481C1C}">
-                <a14:useLocalDpi xmlns:a14="http://schemas.microsoft.com/office/drawing/2010/main" val="0"/>
-              </a:ext>
-            </a:extLst>
-          </a:blip>
-          <a:stretch>
-            <a:fillRect/>
-          </a:stretch>
-        </p:blipFill>
-        <p:spPr>
-          <a:xfrm>
-            <a:off x="2922" y="5640924"/>
-            <a:ext cx="9144000" cy="1217076"/>
-          </a:xfrm>
-          <a:prstGeom prst="rect">
-            <a:avLst/>
-          </a:prstGeom>
-        </p:spPr>
-      </p:pic>
-      <p:sp>
-        <p:nvSpPr>
-          <p:cNvPr id="3" name="TextBox 2"/>
-          <p:cNvSpPr txBox="1"/>
-          <p:nvPr/>
-        </p:nvSpPr>
-        <p:spPr>
-          <a:xfrm>
-            <a:off x="1606045" y="2309247"/>
-            <a:ext cx="5937755" cy="1569660"/>
-          </a:xfrm>
-          <a:prstGeom prst="rect">
-            <a:avLst/>
-          </a:prstGeom>
-          <a:noFill/>
-        </p:spPr>
-        <p:txBody>
-          <a:bodyPr wrap="square" rtlCol="0">
-            <a:spAutoFit/>
-          </a:bodyPr>
-          <a:lstStyle/>
-          <a:p>
-            <a:pPr marL="285750" indent="-285750">
-              <a:buFontTx/>
-              <a:buChar char="-"/>
-            </a:pPr>
-            <a:r>
-              <a:rPr lang="en-US" sz="2400" dirty="0" smtClean="0"/>
-              <a:t>Stays on top, even on scroll</a:t>
-            </a:r>
-          </a:p>
-          <a:p>
-            <a:pPr marL="285750" indent="-285750">
-              <a:buFontTx/>
-              <a:buChar char="-"/>
-            </a:pPr>
-            <a:r>
-              <a:rPr lang="en-US" sz="2400" dirty="0" smtClean="0"/>
-              <a:t>Menu </a:t>
-            </a:r>
-            <a:r>
-              <a:rPr lang="en-US" sz="2400" dirty="0" err="1" smtClean="0"/>
-              <a:t>disapears</a:t>
-            </a:r>
-            <a:r>
-              <a:rPr lang="en-US" sz="2400" dirty="0" smtClean="0"/>
-              <a:t> on small screen</a:t>
-            </a:r>
-          </a:p>
-          <a:p>
-            <a:pPr marL="285750" indent="-285750">
-              <a:buFontTx/>
-              <a:buChar char="-"/>
-            </a:pPr>
-            <a:r>
-              <a:rPr lang="en-US" sz="2400" dirty="0" smtClean="0"/>
-              <a:t>“support” is hovered</a:t>
-            </a:r>
-          </a:p>
-          <a:p>
-            <a:pPr marL="285750" indent="-285750">
-              <a:buFontTx/>
-              <a:buChar char="-"/>
-            </a:pPr>
-            <a:r>
-              <a:rPr lang="en-US" sz="2400" dirty="0" smtClean="0"/>
-              <a:t>“bib” is active</a:t>
-            </a:r>
-            <a:endParaRPr lang="en-US" sz="2400" dirty="0"/>
+              <a:rPr lang="en-US" b="1" dirty="0" smtClean="0"/>
+              <a:t>Playtime</a:t>
+            </a:r>
+            <a:endParaRPr lang="en-US" b="1" dirty="0"/>
+          </a:p>
+        </p:txBody>
+      </p:sp>
+      <p:sp>
+        <p:nvSpPr>
+          <p:cNvPr id="3" name="Text Placeholder 2"/>
+          <p:cNvSpPr>
+            <a:spLocks noGrp="1"/>
+          </p:cNvSpPr>
+          <p:nvPr>
+            <p:ph type="body" idx="1"/>
+          </p:nvPr>
+        </p:nvSpPr>
+        <p:spPr/>
+        <p:txBody>
+          <a:bodyPr/>
+          <a:lstStyle/>
+          <a:p>
+            <a:endParaRPr lang="en-US"/>
           </a:p>
         </p:txBody>
       </p:sp>
     </p:spTree>
     <p:extLst>
       <p:ext uri="{BB962C8B-B14F-4D97-AF65-F5344CB8AC3E}">
-        <p14:creationId xmlns:p14="http://schemas.microsoft.com/office/powerpoint/2010/main" val="1608093009"/>
+        <p14:creationId xmlns:p14="http://schemas.microsoft.com/office/powerpoint/2010/main" val="1549358633"/>
       </p:ext>
     </p:extLst>
   </p:cSld>
@@ -13183,7 +13082,7 @@
           <a:p>
             <a:r>
               <a:rPr lang="nl-BE" dirty="0" smtClean="0"/>
-              <a:t>GITHUB</a:t>
+              <a:t>ZILL navbar</a:t>
             </a:r>
             <a:endParaRPr lang="en-US" dirty="0"/>
           </a:p>
@@ -13227,6 +13126,351 @@
         </p:nvSpPr>
         <p:spPr>
           <a:xfrm>
+            <a:off x="1606045" y="2927672"/>
+            <a:ext cx="6856030" cy="1938992"/>
+          </a:xfrm>
+          <a:prstGeom prst="rect">
+            <a:avLst/>
+          </a:prstGeom>
+          <a:noFill/>
+        </p:spPr>
+        <p:txBody>
+          <a:bodyPr wrap="square" rtlCol="0">
+            <a:spAutoFit/>
+          </a:bodyPr>
+          <a:lstStyle/>
+          <a:p>
+            <a:pPr marL="285750" indent="-285750">
+              <a:buFontTx/>
+              <a:buChar char="-"/>
+            </a:pPr>
+            <a:r>
+              <a:rPr lang="en-US" sz="2400" dirty="0" smtClean="0">
+                <a:latin typeface="Andale Mono" charset="0"/>
+                <a:ea typeface="Andale Mono" charset="0"/>
+                <a:cs typeface="Andale Mono" charset="0"/>
+              </a:rPr>
+              <a:t>Stays on top, even on scroll</a:t>
+            </a:r>
+          </a:p>
+          <a:p>
+            <a:pPr marL="285750" indent="-285750">
+              <a:buFontTx/>
+              <a:buChar char="-"/>
+            </a:pPr>
+            <a:r>
+              <a:rPr lang="en-US" sz="2400" dirty="0" smtClean="0">
+                <a:latin typeface="Andale Mono" charset="0"/>
+                <a:ea typeface="Andale Mono" charset="0"/>
+                <a:cs typeface="Andale Mono" charset="0"/>
+              </a:rPr>
+              <a:t>Menu </a:t>
+            </a:r>
+            <a:r>
+              <a:rPr lang="en-US" sz="2400" dirty="0" smtClean="0">
+                <a:latin typeface="Andale Mono" charset="0"/>
+                <a:ea typeface="Andale Mono" charset="0"/>
+                <a:cs typeface="Andale Mono" charset="0"/>
+              </a:rPr>
+              <a:t>disappears </a:t>
+            </a:r>
+            <a:r>
+              <a:rPr lang="en-US" sz="2400" dirty="0" smtClean="0">
+                <a:latin typeface="Andale Mono" charset="0"/>
+                <a:ea typeface="Andale Mono" charset="0"/>
+                <a:cs typeface="Andale Mono" charset="0"/>
+              </a:rPr>
+              <a:t>on small screen</a:t>
+            </a:r>
+          </a:p>
+          <a:p>
+            <a:pPr marL="285750" indent="-285750">
+              <a:buFontTx/>
+              <a:buChar char="-"/>
+            </a:pPr>
+            <a:r>
+              <a:rPr lang="en-US" sz="2400" dirty="0" smtClean="0">
+                <a:latin typeface="Andale Mono" charset="0"/>
+                <a:ea typeface="Andale Mono" charset="0"/>
+                <a:cs typeface="Andale Mono" charset="0"/>
+              </a:rPr>
+              <a:t>“support” is hovered</a:t>
+            </a:r>
+          </a:p>
+          <a:p>
+            <a:pPr marL="285750" indent="-285750">
+              <a:buFontTx/>
+              <a:buChar char="-"/>
+            </a:pPr>
+            <a:r>
+              <a:rPr lang="en-US" sz="2400" dirty="0" smtClean="0">
+                <a:latin typeface="Andale Mono" charset="0"/>
+                <a:ea typeface="Andale Mono" charset="0"/>
+                <a:cs typeface="Andale Mono" charset="0"/>
+              </a:rPr>
+              <a:t>“bib” is </a:t>
+            </a:r>
+            <a:r>
+              <a:rPr lang="en-US" sz="2400" dirty="0" smtClean="0">
+                <a:latin typeface="Andale Mono" charset="0"/>
+                <a:ea typeface="Andale Mono" charset="0"/>
+                <a:cs typeface="Andale Mono" charset="0"/>
+              </a:rPr>
+              <a:t>active</a:t>
+            </a:r>
+          </a:p>
+          <a:p>
+            <a:pPr marL="285750" indent="-285750">
+              <a:buFontTx/>
+              <a:buChar char="-"/>
+            </a:pPr>
+            <a:r>
+              <a:rPr lang="en-US" sz="2400" dirty="0">
+                <a:latin typeface="Andale Mono" charset="0"/>
+                <a:ea typeface="Andale Mono" charset="0"/>
+                <a:cs typeface="Andale Mono" charset="0"/>
+              </a:rPr>
+              <a:t>o</a:t>
+            </a:r>
+            <a:r>
+              <a:rPr lang="en-US" sz="2400" dirty="0" smtClean="0">
+                <a:latin typeface="Andale Mono" charset="0"/>
+                <a:ea typeface="Andale Mono" charset="0"/>
+                <a:cs typeface="Andale Mono" charset="0"/>
+              </a:rPr>
+              <a:t>n hover gray fades in</a:t>
+            </a:r>
+            <a:endParaRPr lang="en-US" sz="2400" dirty="0">
+              <a:latin typeface="Andale Mono" charset="0"/>
+              <a:ea typeface="Andale Mono" charset="0"/>
+              <a:cs typeface="Andale Mono" charset="0"/>
+            </a:endParaRPr>
+          </a:p>
+        </p:txBody>
+      </p:sp>
+    </p:spTree>
+    <p:extLst>
+      <p:ext uri="{BB962C8B-B14F-4D97-AF65-F5344CB8AC3E}">
+        <p14:creationId xmlns:p14="http://schemas.microsoft.com/office/powerpoint/2010/main" val="1608093009"/>
+      </p:ext>
+    </p:extLst>
+  </p:cSld>
+  <p:clrMapOvr>
+    <a:masterClrMapping/>
+  </p:clrMapOvr>
+  <p:timing>
+    <p:tnLst>
+      <p:par>
+        <p:cTn id="1" dur="indefinite" restart="never" nodeType="tmRoot">
+          <p:childTnLst>
+            <p:seq concurrent="1" nextAc="seek">
+              <p:cTn id="2" dur="indefinite" nodeType="mainSeq">
+                <p:childTnLst>
+                  <p:par>
+                    <p:cTn id="3" fill="hold">
+                      <p:stCondLst>
+                        <p:cond delay="indefinite"/>
+                        <p:cond evt="onBegin" delay="0">
+                          <p:tn val="2"/>
+                        </p:cond>
+                      </p:stCondLst>
+                      <p:childTnLst>
+                        <p:par>
+                          <p:cTn id="4" fill="hold">
+                            <p:stCondLst>
+                              <p:cond delay="0"/>
+                            </p:stCondLst>
+                            <p:childTnLst>
+                              <p:par>
+                                <p:cTn id="5" presetID="42" presetClass="entr" presetSubtype="0" fill="hold" nodeType="withEffect">
+                                  <p:stCondLst>
+                                    <p:cond delay="0"/>
+                                  </p:stCondLst>
+                                  <p:childTnLst>
+                                    <p:set>
+                                      <p:cBhvr>
+                                        <p:cTn id="6" dur="1" fill="hold">
+                                          <p:stCondLst>
+                                            <p:cond delay="0"/>
+                                          </p:stCondLst>
+                                        </p:cTn>
+                                        <p:tgtEl>
+                                          <p:spTgt spid="2"/>
+                                        </p:tgtEl>
+                                        <p:attrNameLst>
+                                          <p:attrName>style.visibility</p:attrName>
+                                        </p:attrNameLst>
+                                      </p:cBhvr>
+                                      <p:to>
+                                        <p:strVal val="visible"/>
+                                      </p:to>
+                                    </p:set>
+                                    <p:animEffect transition="in" filter="fade">
+                                      <p:cBhvr>
+                                        <p:cTn id="7" dur="1000"/>
+                                        <p:tgtEl>
+                                          <p:spTgt spid="2"/>
+                                        </p:tgtEl>
+                                      </p:cBhvr>
+                                    </p:animEffect>
+                                    <p:anim calcmode="lin" valueType="num">
+                                      <p:cBhvr>
+                                        <p:cTn id="8" dur="1000" fill="hold"/>
+                                        <p:tgtEl>
+                                          <p:spTgt spid="2"/>
+                                        </p:tgtEl>
+                                        <p:attrNameLst>
+                                          <p:attrName>ppt_x</p:attrName>
+                                        </p:attrNameLst>
+                                      </p:cBhvr>
+                                      <p:tavLst>
+                                        <p:tav tm="0">
+                                          <p:val>
+                                            <p:strVal val="#ppt_x"/>
+                                          </p:val>
+                                        </p:tav>
+                                        <p:tav tm="100000">
+                                          <p:val>
+                                            <p:strVal val="#ppt_x"/>
+                                          </p:val>
+                                        </p:tav>
+                                      </p:tavLst>
+                                    </p:anim>
+                                    <p:anim calcmode="lin" valueType="num">
+                                      <p:cBhvr>
+                                        <p:cTn id="9" dur="1000" fill="hold"/>
+                                        <p:tgtEl>
+                                          <p:spTgt spid="2"/>
+                                        </p:tgtEl>
+                                        <p:attrNameLst>
+                                          <p:attrName>ppt_y</p:attrName>
+                                        </p:attrNameLst>
+                                      </p:cBhvr>
+                                      <p:tavLst>
+                                        <p:tav tm="0">
+                                          <p:val>
+                                            <p:strVal val="#ppt_y+.1"/>
+                                          </p:val>
+                                        </p:tav>
+                                        <p:tav tm="100000">
+                                          <p:val>
+                                            <p:strVal val="#ppt_y"/>
+                                          </p:val>
+                                        </p:tav>
+                                      </p:tavLst>
+                                    </p:anim>
+                                  </p:childTnLst>
+                                </p:cTn>
+                              </p:par>
+                            </p:childTnLst>
+                          </p:cTn>
+                        </p:par>
+                      </p:childTnLst>
+                    </p:cTn>
+                  </p:par>
+                </p:childTnLst>
+              </p:cTn>
+              <p:prevCondLst>
+                <p:cond evt="onPrev" delay="0">
+                  <p:tgtEl>
+                    <p:sldTgt/>
+                  </p:tgtEl>
+                </p:cond>
+              </p:prevCondLst>
+              <p:nextCondLst>
+                <p:cond evt="onNext" delay="0">
+                  <p:tgtEl>
+                    <p:sldTgt/>
+                  </p:tgtEl>
+                </p:cond>
+              </p:nextCondLst>
+            </p:seq>
+          </p:childTnLst>
+        </p:cTn>
+      </p:par>
+    </p:tnLst>
+  </p:timing>
+</p:sld>
+</file>
+
+<file path=ppt/slides/slide52.xml><?xml version="1.0" encoding="utf-8"?>
+<p:sld xmlns:a="http://schemas.openxmlformats.org/drawingml/2006/main" xmlns:r="http://schemas.openxmlformats.org/officeDocument/2006/relationships" xmlns:p="http://schemas.openxmlformats.org/presentationml/2006/main">
+  <p:cSld>
+    <p:spTree>
+      <p:nvGrpSpPr>
+        <p:cNvPr id="1" name=""/>
+        <p:cNvGrpSpPr/>
+        <p:nvPr/>
+      </p:nvGrpSpPr>
+      <p:grpSpPr>
+        <a:xfrm>
+          <a:off x="0" y="0"/>
+          <a:ext cx="0" cy="0"/>
+          <a:chOff x="0" y="0"/>
+          <a:chExt cx="0" cy="0"/>
+        </a:xfrm>
+      </p:grpSpPr>
+      <p:sp>
+        <p:nvSpPr>
+          <p:cNvPr id="4" name="Title 3"/>
+          <p:cNvSpPr>
+            <a:spLocks noGrp="1"/>
+          </p:cNvSpPr>
+          <p:nvPr>
+            <p:ph type="title"/>
+          </p:nvPr>
+        </p:nvSpPr>
+        <p:spPr/>
+        <p:txBody>
+          <a:bodyPr/>
+          <a:lstStyle/>
+          <a:p>
+            <a:r>
+              <a:rPr lang="nl-BE" dirty="0" smtClean="0"/>
+              <a:t>GITHUB</a:t>
+            </a:r>
+            <a:endParaRPr lang="en-US" dirty="0"/>
+          </a:p>
+        </p:txBody>
+      </p:sp>
+      <p:pic>
+        <p:nvPicPr>
+          <p:cNvPr id="2" name="Picture 1"/>
+          <p:cNvPicPr>
+            <a:picLocks noChangeAspect="1"/>
+          </p:cNvPicPr>
+          <p:nvPr/>
+        </p:nvPicPr>
+        <p:blipFill>
+          <a:blip r:embed="rId2">
+            <a:extLst>
+              <a:ext uri="{28A0092B-C50C-407E-A947-70E740481C1C}">
+                <a14:useLocalDpi xmlns:a14="http://schemas.microsoft.com/office/drawing/2010/main" val="0"/>
+              </a:ext>
+            </a:extLst>
+          </a:blip>
+          <a:stretch>
+            <a:fillRect/>
+          </a:stretch>
+        </p:blipFill>
+        <p:spPr>
+          <a:xfrm>
+            <a:off x="2922" y="5640924"/>
+            <a:ext cx="9144000" cy="1217076"/>
+          </a:xfrm>
+          <a:prstGeom prst="rect">
+            <a:avLst/>
+          </a:prstGeom>
+        </p:spPr>
+      </p:pic>
+      <p:sp>
+        <p:nvSpPr>
+          <p:cNvPr id="3" name="TextBox 2"/>
+          <p:cNvSpPr txBox="1"/>
+          <p:nvPr/>
+        </p:nvSpPr>
+        <p:spPr>
+          <a:xfrm>
             <a:off x="0" y="3316636"/>
             <a:ext cx="9143999" cy="738664"/>
           </a:xfrm>
@@ -13330,7 +13574,7 @@
 </p:sld>
 </file>
 
-<file path=ppt/slides/slide52.xml><?xml version="1.0" encoding="utf-8"?>
+<file path=ppt/slides/slide53.xml><?xml version="1.0" encoding="utf-8"?>
 <p:sld xmlns:a="http://schemas.openxmlformats.org/drawingml/2006/main" xmlns:r="http://schemas.openxmlformats.org/officeDocument/2006/relationships" xmlns:p="http://schemas.openxmlformats.org/presentationml/2006/main">
   <p:cSld>
     <p:spTree>

--- a/presentation.pptx
+++ b/presentation.pptx
@@ -21,43 +21,47 @@
     <p:sldId id="271" r:id="rId15"/>
     <p:sldId id="282" r:id="rId16"/>
     <p:sldId id="265" r:id="rId17"/>
-    <p:sldId id="266" r:id="rId18"/>
-    <p:sldId id="276" r:id="rId19"/>
-    <p:sldId id="277" r:id="rId20"/>
-    <p:sldId id="283" r:id="rId21"/>
-    <p:sldId id="284" r:id="rId22"/>
-    <p:sldId id="288" r:id="rId23"/>
-    <p:sldId id="289" r:id="rId24"/>
-    <p:sldId id="267" r:id="rId25"/>
-    <p:sldId id="290" r:id="rId26"/>
-    <p:sldId id="291" r:id="rId27"/>
-    <p:sldId id="292" r:id="rId28"/>
-    <p:sldId id="293" r:id="rId29"/>
-    <p:sldId id="294" r:id="rId30"/>
-    <p:sldId id="295" r:id="rId31"/>
-    <p:sldId id="268" r:id="rId32"/>
-    <p:sldId id="285" r:id="rId33"/>
-    <p:sldId id="286" r:id="rId34"/>
-    <p:sldId id="270" r:id="rId35"/>
-    <p:sldId id="296" r:id="rId36"/>
-    <p:sldId id="297" r:id="rId37"/>
-    <p:sldId id="298" r:id="rId38"/>
-    <p:sldId id="303" r:id="rId39"/>
-    <p:sldId id="306" r:id="rId40"/>
-    <p:sldId id="307" r:id="rId41"/>
-    <p:sldId id="308" r:id="rId42"/>
-    <p:sldId id="309" r:id="rId43"/>
-    <p:sldId id="287" r:id="rId44"/>
-    <p:sldId id="304" r:id="rId45"/>
-    <p:sldId id="302" r:id="rId46"/>
-    <p:sldId id="299" r:id="rId47"/>
-    <p:sldId id="269" r:id="rId48"/>
-    <p:sldId id="301" r:id="rId49"/>
-    <p:sldId id="300" r:id="rId50"/>
-    <p:sldId id="279" r:id="rId51"/>
-    <p:sldId id="280" r:id="rId52"/>
-    <p:sldId id="281" r:id="rId53"/>
-    <p:sldId id="310" r:id="rId54"/>
+    <p:sldId id="315" r:id="rId18"/>
+    <p:sldId id="314" r:id="rId19"/>
+    <p:sldId id="313" r:id="rId20"/>
+    <p:sldId id="312" r:id="rId21"/>
+    <p:sldId id="266" r:id="rId22"/>
+    <p:sldId id="276" r:id="rId23"/>
+    <p:sldId id="277" r:id="rId24"/>
+    <p:sldId id="283" r:id="rId25"/>
+    <p:sldId id="284" r:id="rId26"/>
+    <p:sldId id="288" r:id="rId27"/>
+    <p:sldId id="289" r:id="rId28"/>
+    <p:sldId id="267" r:id="rId29"/>
+    <p:sldId id="290" r:id="rId30"/>
+    <p:sldId id="291" r:id="rId31"/>
+    <p:sldId id="292" r:id="rId32"/>
+    <p:sldId id="293" r:id="rId33"/>
+    <p:sldId id="294" r:id="rId34"/>
+    <p:sldId id="295" r:id="rId35"/>
+    <p:sldId id="268" r:id="rId36"/>
+    <p:sldId id="285" r:id="rId37"/>
+    <p:sldId id="286" r:id="rId38"/>
+    <p:sldId id="270" r:id="rId39"/>
+    <p:sldId id="296" r:id="rId40"/>
+    <p:sldId id="297" r:id="rId41"/>
+    <p:sldId id="298" r:id="rId42"/>
+    <p:sldId id="303" r:id="rId43"/>
+    <p:sldId id="306" r:id="rId44"/>
+    <p:sldId id="307" r:id="rId45"/>
+    <p:sldId id="308" r:id="rId46"/>
+    <p:sldId id="309" r:id="rId47"/>
+    <p:sldId id="287" r:id="rId48"/>
+    <p:sldId id="304" r:id="rId49"/>
+    <p:sldId id="302" r:id="rId50"/>
+    <p:sldId id="299" r:id="rId51"/>
+    <p:sldId id="269" r:id="rId52"/>
+    <p:sldId id="301" r:id="rId53"/>
+    <p:sldId id="300" r:id="rId54"/>
+    <p:sldId id="279" r:id="rId55"/>
+    <p:sldId id="280" r:id="rId56"/>
+    <p:sldId id="281" r:id="rId57"/>
+    <p:sldId id="310" r:id="rId58"/>
   </p:sldIdLst>
   <p:sldSz cx="9144000" cy="6858000" type="screen4x3"/>
   <p:notesSz cx="6858000" cy="9144000"/>
@@ -3463,9 +3467,9 @@
           <a:p>
             <a:r>
               <a:rPr lang="en-US" sz="2800" dirty="0" err="1" smtClean="0">
-                <a:latin typeface="HGMaruGothicMPRO" charset="-128"/>
-                <a:ea typeface="HGMaruGothicMPRO" charset="-128"/>
-                <a:cs typeface="HGMaruGothicMPRO" charset="-128"/>
+                <a:latin typeface="Copperplate Gothic Light" charset="0"/>
+                <a:ea typeface="Copperplate Gothic Light" charset="0"/>
+                <a:cs typeface="Copperplate Gothic Light" charset="0"/>
               </a:rPr>
               <a:t>Usefull</a:t>
             </a:r>
@@ -4784,7 +4788,7 @@
           <a:p>
             <a:r>
               <a:rPr lang="en-US" b="1" dirty="0" smtClean="0"/>
-              <a:t>Animations</a:t>
+              <a:t>Responsive</a:t>
             </a:r>
             <a:endParaRPr lang="en-US" b="1" dirty="0"/>
           </a:p>
@@ -4805,7 +4809,19 @@
           <a:bodyPr/>
           <a:lstStyle/>
           <a:p>
-            <a:endParaRPr lang="en-US"/>
+            <a:r>
+              <a:rPr lang="en-US" dirty="0" smtClean="0">
+                <a:latin typeface="Copperplate Gothic Light" charset="0"/>
+                <a:ea typeface="Copperplate Gothic Light" charset="0"/>
+                <a:cs typeface="Copperplate Gothic Light" charset="0"/>
+              </a:rPr>
+              <a:t>“this is so difficult”</a:t>
+            </a:r>
+            <a:endParaRPr lang="en-US" dirty="0">
+              <a:latin typeface="Copperplate Gothic Light" charset="0"/>
+              <a:ea typeface="Copperplate Gothic Light" charset="0"/>
+              <a:cs typeface="Copperplate Gothic Light" charset="0"/>
+            </a:endParaRPr>
           </a:p>
         </p:txBody>
       </p:sp>
@@ -4846,243 +4862,46 @@
           <a:chExt cx="0" cy="0"/>
         </a:xfrm>
       </p:grpSpPr>
-      <p:sp>
-        <p:nvSpPr>
-          <p:cNvPr id="4" name="Title 3"/>
-          <p:cNvSpPr>
-            <a:spLocks noGrp="1"/>
-          </p:cNvSpPr>
-          <p:nvPr>
-            <p:ph type="title"/>
-          </p:nvPr>
-        </p:nvSpPr>
-        <p:spPr/>
-        <p:txBody>
-          <a:bodyPr/>
-          <a:lstStyle/>
-          <a:p>
-            <a:r>
-              <a:rPr lang="en-US" dirty="0" smtClean="0"/>
-              <a:t>Media-queries</a:t>
-            </a:r>
-            <a:endParaRPr lang="en-US" dirty="0"/>
-          </a:p>
-        </p:txBody>
-      </p:sp>
-      <p:sp>
-        <p:nvSpPr>
-          <p:cNvPr id="7" name="TextBox 6"/>
-          <p:cNvSpPr txBox="1"/>
+      <p:pic>
+        <p:nvPicPr>
+          <p:cNvPr id="3" name="Picture 2"/>
+          <p:cNvPicPr>
+            <a:picLocks noChangeAspect="1"/>
+          </p:cNvPicPr>
           <p:nvPr/>
-        </p:nvSpPr>
+        </p:nvPicPr>
+        <p:blipFill>
+          <a:blip r:embed="rId2">
+            <a:clrChange>
+              <a:clrFrom>
+                <a:srgbClr val="FFFFFF"/>
+              </a:clrFrom>
+              <a:clrTo>
+                <a:srgbClr val="FFFFFF">
+                  <a:alpha val="0"/>
+                </a:srgbClr>
+              </a:clrTo>
+            </a:clrChange>
+            <a:extLst>
+              <a:ext uri="{28A0092B-C50C-407E-A947-70E740481C1C}">
+                <a14:useLocalDpi xmlns:a14="http://schemas.microsoft.com/office/drawing/2010/main" val="0"/>
+              </a:ext>
+            </a:extLst>
+          </a:blip>
+          <a:stretch>
+            <a:fillRect/>
+          </a:stretch>
+        </p:blipFill>
         <p:spPr>
           <a:xfrm>
-            <a:off x="681925" y="2394791"/>
-            <a:ext cx="7780149" cy="1200329"/>
+            <a:off x="1452967" y="449451"/>
+            <a:ext cx="6032715" cy="6032715"/>
           </a:xfrm>
           <a:prstGeom prst="rect">
             <a:avLst/>
           </a:prstGeom>
-          <a:solidFill>
-            <a:schemeClr val="accent1">
-              <a:lumMod val="60000"/>
-              <a:lumOff val="40000"/>
-            </a:schemeClr>
-          </a:solidFill>
         </p:spPr>
-        <p:txBody>
-          <a:bodyPr wrap="square" rtlCol="0">
-            <a:spAutoFit/>
-          </a:bodyPr>
-          <a:lstStyle/>
-          <a:p>
-            <a:r>
-              <a:rPr lang="nl-BE" dirty="0">
-                <a:latin typeface="Andale Mono" charset="0"/>
-                <a:ea typeface="Andale Mono" charset="0"/>
-                <a:cs typeface="Andale Mono" charset="0"/>
-              </a:rPr>
-              <a:t>.item{</a:t>
-            </a:r>
-          </a:p>
-          <a:p>
-            <a:r>
-              <a:rPr lang="nl-BE" dirty="0">
-                <a:latin typeface="Andale Mono" charset="0"/>
-                <a:ea typeface="Andale Mono" charset="0"/>
-                <a:cs typeface="Andale Mono" charset="0"/>
-              </a:rPr>
-              <a:t>	background-color: #FFFFFF;</a:t>
-            </a:r>
-          </a:p>
-          <a:p>
-            <a:r>
-              <a:rPr lang="nl-BE" dirty="0">
-                <a:latin typeface="Andale Mono" charset="0"/>
-                <a:ea typeface="Andale Mono" charset="0"/>
-                <a:cs typeface="Andale Mono" charset="0"/>
-              </a:rPr>
-              <a:t>	color: #000000;</a:t>
-            </a:r>
-          </a:p>
-          <a:p>
-            <a:r>
-              <a:rPr lang="nl-BE" dirty="0">
-                <a:latin typeface="Andale Mono" charset="0"/>
-                <a:ea typeface="Andale Mono" charset="0"/>
-                <a:cs typeface="Andale Mono" charset="0"/>
-              </a:rPr>
-              <a:t>}</a:t>
-            </a:r>
-            <a:endParaRPr lang="en-US" dirty="0">
-              <a:latin typeface="Andale Mono" charset="0"/>
-              <a:ea typeface="Andale Mono" charset="0"/>
-              <a:cs typeface="Andale Mono" charset="0"/>
-            </a:endParaRPr>
-          </a:p>
-        </p:txBody>
-      </p:sp>
-      <p:sp>
-        <p:nvSpPr>
-          <p:cNvPr id="8" name="TextBox 7"/>
-          <p:cNvSpPr txBox="1"/>
-          <p:nvPr/>
-        </p:nvSpPr>
-        <p:spPr>
-          <a:xfrm>
-            <a:off x="681924" y="3836499"/>
-            <a:ext cx="7780149" cy="1477328"/>
-          </a:xfrm>
-          <a:prstGeom prst="rect">
-            <a:avLst/>
-          </a:prstGeom>
-          <a:solidFill>
-            <a:schemeClr val="accent1">
-              <a:lumMod val="60000"/>
-              <a:lumOff val="40000"/>
-            </a:schemeClr>
-          </a:solidFill>
-        </p:spPr>
-        <p:txBody>
-          <a:bodyPr wrap="square" rtlCol="0">
-            <a:spAutoFit/>
-          </a:bodyPr>
-          <a:lstStyle/>
-          <a:p>
-            <a:r>
-              <a:rPr lang="en-US" dirty="0">
-                <a:latin typeface="Andale Mono" charset="0"/>
-                <a:ea typeface="Andale Mono" charset="0"/>
-                <a:cs typeface="Andale Mono" charset="0"/>
-              </a:rPr>
-              <a:t>@media (min-width: 768px) </a:t>
-            </a:r>
-            <a:r>
-              <a:rPr lang="en-US" dirty="0" smtClean="0">
-                <a:latin typeface="Andale Mono" charset="0"/>
-                <a:ea typeface="Andale Mono" charset="0"/>
-                <a:cs typeface="Andale Mono" charset="0"/>
-              </a:rPr>
-              <a:t>{</a:t>
-            </a:r>
-          </a:p>
-          <a:p>
-            <a:r>
-              <a:rPr lang="en-US" dirty="0">
-                <a:latin typeface="Andale Mono" charset="0"/>
-                <a:ea typeface="Andale Mono" charset="0"/>
-                <a:cs typeface="Andale Mono" charset="0"/>
-              </a:rPr>
-              <a:t>	</a:t>
-            </a:r>
-            <a:r>
-              <a:rPr lang="nl-BE" dirty="0" smtClean="0">
-                <a:latin typeface="Andale Mono" charset="0"/>
-                <a:ea typeface="Andale Mono" charset="0"/>
-                <a:cs typeface="Andale Mono" charset="0"/>
-              </a:rPr>
-              <a:t>.</a:t>
-            </a:r>
-            <a:r>
-              <a:rPr lang="nl-BE" dirty="0">
-                <a:latin typeface="Andale Mono" charset="0"/>
-                <a:ea typeface="Andale Mono" charset="0"/>
-                <a:cs typeface="Andale Mono" charset="0"/>
-              </a:rPr>
-              <a:t>item{</a:t>
-            </a:r>
-          </a:p>
-          <a:p>
-            <a:pPr lvl="1"/>
-            <a:r>
-              <a:rPr lang="nl-BE" dirty="0">
-                <a:latin typeface="Andale Mono" charset="0"/>
-                <a:ea typeface="Andale Mono" charset="0"/>
-                <a:cs typeface="Andale Mono" charset="0"/>
-              </a:rPr>
-              <a:t>	background-color: </a:t>
-            </a:r>
-            <a:r>
-              <a:rPr lang="nl-BE" dirty="0" smtClean="0">
-                <a:latin typeface="Andale Mono" charset="0"/>
-                <a:ea typeface="Andale Mono" charset="0"/>
-                <a:cs typeface="Andale Mono" charset="0"/>
-              </a:rPr>
-              <a:t>#</a:t>
-            </a:r>
-            <a:r>
-              <a:rPr lang="nl-BE" dirty="0">
-                <a:latin typeface="Andale Mono" charset="0"/>
-                <a:ea typeface="Andale Mono" charset="0"/>
-                <a:cs typeface="Andale Mono" charset="0"/>
-              </a:rPr>
-              <a:t>3</a:t>
-            </a:r>
-            <a:r>
-              <a:rPr lang="nl-BE" dirty="0" smtClean="0">
-                <a:latin typeface="Andale Mono" charset="0"/>
-                <a:ea typeface="Andale Mono" charset="0"/>
-                <a:cs typeface="Andale Mono" charset="0"/>
-              </a:rPr>
-              <a:t>FDFDF</a:t>
-            </a:r>
-            <a:r>
-              <a:rPr lang="nl-BE" dirty="0">
-                <a:latin typeface="Andale Mono" charset="0"/>
-                <a:ea typeface="Andale Mono" charset="0"/>
-                <a:cs typeface="Andale Mono" charset="0"/>
-              </a:rPr>
-              <a:t>;</a:t>
-            </a:r>
-          </a:p>
-          <a:p>
-            <a:pPr lvl="1"/>
-            <a:r>
-              <a:rPr lang="nl-BE" dirty="0" smtClean="0">
-                <a:latin typeface="Andale Mono" charset="0"/>
-                <a:ea typeface="Andale Mono" charset="0"/>
-                <a:cs typeface="Andale Mono" charset="0"/>
-              </a:rPr>
-              <a:t>}</a:t>
-            </a:r>
-          </a:p>
-          <a:p>
-            <a:r>
-              <a:rPr lang="nl-BE" dirty="0" smtClean="0">
-                <a:latin typeface="Andale Mono" charset="0"/>
-                <a:ea typeface="Andale Mono" charset="0"/>
-                <a:cs typeface="Andale Mono" charset="0"/>
-              </a:rPr>
-              <a:t>}	</a:t>
-            </a:r>
-            <a:endParaRPr lang="en-US" dirty="0">
-              <a:latin typeface="Andale Mono" charset="0"/>
-              <a:ea typeface="Andale Mono" charset="0"/>
-              <a:cs typeface="Andale Mono" charset="0"/>
-            </a:endParaRPr>
-          </a:p>
-        </p:txBody>
-      </p:sp>
+      </p:pic>
     </p:spTree>
     <p:extLst>
       <p:ext uri="{BB962C8B-B14F-4D97-AF65-F5344CB8AC3E}">
@@ -5136,52 +4955,36 @@
           <a:lstStyle/>
           <a:p>
             <a:r>
+              <a:rPr lang="en-US" b="1" dirty="0" err="1" smtClean="0"/>
+              <a:t>Px</a:t>
+            </a:r>
+            <a:r>
               <a:rPr lang="en-US" dirty="0" smtClean="0"/>
-              <a:t>transitions</a:t>
-            </a:r>
-            <a:endParaRPr lang="en-US" dirty="0"/>
-          </a:p>
-        </p:txBody>
-      </p:sp>
-      <p:sp>
-        <p:nvSpPr>
-          <p:cNvPr id="2" name="Content Placeholder 1"/>
-          <p:cNvSpPr>
-            <a:spLocks noGrp="1"/>
-          </p:cNvSpPr>
-          <p:nvPr>
-            <p:ph idx="1"/>
-          </p:nvPr>
-        </p:nvSpPr>
-        <p:spPr/>
-        <p:txBody>
-          <a:bodyPr/>
-          <a:lstStyle/>
-          <a:p>
-            <a:endParaRPr lang="en-US" dirty="0"/>
-          </a:p>
-        </p:txBody>
-      </p:sp>
-      <p:sp>
-        <p:nvSpPr>
-          <p:cNvPr id="6" name="TextBox 5"/>
+              <a:t> vs </a:t>
+            </a:r>
+            <a:r>
+              <a:rPr lang="en-US" b="1" dirty="0" err="1" smtClean="0"/>
+              <a:t>em</a:t>
+            </a:r>
+            <a:endParaRPr lang="en-US" b="1" dirty="0"/>
+          </a:p>
+        </p:txBody>
+      </p:sp>
+      <p:sp>
+        <p:nvSpPr>
+          <p:cNvPr id="2" name="TextBox 1"/>
           <p:cNvSpPr txBox="1"/>
           <p:nvPr/>
         </p:nvSpPr>
         <p:spPr>
           <a:xfrm>
-            <a:off x="612184" y="2517172"/>
-            <a:ext cx="8043620" cy="1200329"/>
+            <a:off x="739091" y="3239145"/>
+            <a:ext cx="7671661" cy="1754326"/>
           </a:xfrm>
           <a:prstGeom prst="rect">
             <a:avLst/>
           </a:prstGeom>
-          <a:solidFill>
-            <a:schemeClr val="accent1">
-              <a:lumMod val="60000"/>
-              <a:lumOff val="40000"/>
-            </a:schemeClr>
-          </a:solidFill>
+          <a:noFill/>
         </p:spPr>
         <p:txBody>
           <a:bodyPr wrap="square" rtlCol="0">
@@ -5189,43 +4992,89 @@
           </a:bodyPr>
           <a:lstStyle/>
           <a:p>
-            <a:r>
-              <a:rPr lang="nl-BE" dirty="0">
-                <a:latin typeface="Andale Mono" charset="0"/>
-                <a:ea typeface="Andale Mono" charset="0"/>
-                <a:cs typeface="Andale Mono" charset="0"/>
-              </a:rPr>
-              <a:t>.item{</a:t>
-            </a:r>
-          </a:p>
-          <a:p>
-            <a:r>
-              <a:rPr lang="nl-BE" dirty="0">
-                <a:latin typeface="Andale Mono" charset="0"/>
-                <a:ea typeface="Andale Mono" charset="0"/>
-                <a:cs typeface="Andale Mono" charset="0"/>
-              </a:rPr>
-              <a:t>	background-color: #FFFFFF;</a:t>
-            </a:r>
-          </a:p>
-          <a:p>
-            <a:r>
-              <a:rPr lang="nl-BE" dirty="0">
-                <a:latin typeface="Andale Mono" charset="0"/>
-                <a:ea typeface="Andale Mono" charset="0"/>
-                <a:cs typeface="Andale Mono" charset="0"/>
-              </a:rPr>
-              <a:t>	color: #000000;</a:t>
-            </a:r>
-          </a:p>
-          <a:p>
-            <a:r>
-              <a:rPr lang="nl-BE" dirty="0">
-                <a:latin typeface="Andale Mono" charset="0"/>
-                <a:ea typeface="Andale Mono" charset="0"/>
-                <a:cs typeface="Andale Mono" charset="0"/>
-              </a:rPr>
-              <a:t>}</a:t>
+            <a:pPr algn="ctr"/>
+            <a:r>
+              <a:rPr lang="en-US" dirty="0">
+                <a:latin typeface="Andale Mono" charset="0"/>
+                <a:ea typeface="Andale Mono" charset="0"/>
+                <a:cs typeface="Andale Mono" charset="0"/>
+              </a:rPr>
+              <a:t>An </a:t>
+            </a:r>
+            <a:r>
+              <a:rPr lang="en-US" b="1" dirty="0" err="1">
+                <a:latin typeface="Andale Mono" charset="0"/>
+                <a:ea typeface="Andale Mono" charset="0"/>
+                <a:cs typeface="Andale Mono" charset="0"/>
+              </a:rPr>
+              <a:t>em</a:t>
+            </a:r>
+            <a:r>
+              <a:rPr lang="en-US" dirty="0">
+                <a:latin typeface="Andale Mono" charset="0"/>
+                <a:ea typeface="Andale Mono" charset="0"/>
+                <a:cs typeface="Andale Mono" charset="0"/>
+              </a:rPr>
+              <a:t> unit is a relative unit of measurement based on the parent element</a:t>
+            </a:r>
+            <a:r>
+              <a:rPr lang="en-US" dirty="0" smtClean="0">
+                <a:latin typeface="Andale Mono" charset="0"/>
+                <a:ea typeface="Andale Mono" charset="0"/>
+                <a:cs typeface="Andale Mono" charset="0"/>
+              </a:rPr>
+              <a:t>.</a:t>
+            </a:r>
+          </a:p>
+          <a:p>
+            <a:pPr algn="ctr"/>
+            <a:endParaRPr lang="en-US" dirty="0" smtClean="0">
+              <a:latin typeface="Andale Mono" charset="0"/>
+              <a:ea typeface="Andale Mono" charset="0"/>
+              <a:cs typeface="Andale Mono" charset="0"/>
+            </a:endParaRPr>
+          </a:p>
+          <a:p>
+            <a:pPr algn="ctr"/>
+            <a:r>
+              <a:rPr lang="en-US" dirty="0" smtClean="0">
+                <a:latin typeface="Andale Mono" charset="0"/>
+                <a:ea typeface="Andale Mono" charset="0"/>
+                <a:cs typeface="Andale Mono" charset="0"/>
+              </a:rPr>
+              <a:t>1em = </a:t>
+            </a:r>
+            <a:r>
+              <a:rPr lang="en-US" dirty="0" err="1" smtClean="0">
+                <a:latin typeface="Andale Mono" charset="0"/>
+                <a:ea typeface="Andale Mono" charset="0"/>
+                <a:cs typeface="Andale Mono" charset="0"/>
+              </a:rPr>
+              <a:t>fontsize</a:t>
+            </a:r>
+            <a:endParaRPr lang="en-US" dirty="0" smtClean="0">
+              <a:latin typeface="Andale Mono" charset="0"/>
+              <a:ea typeface="Andale Mono" charset="0"/>
+              <a:cs typeface="Andale Mono" charset="0"/>
+            </a:endParaRPr>
+          </a:p>
+          <a:p>
+            <a:pPr algn="ctr"/>
+            <a:r>
+              <a:rPr lang="en-US" dirty="0" smtClean="0">
+                <a:latin typeface="Andale Mono" charset="0"/>
+                <a:ea typeface="Andale Mono" charset="0"/>
+                <a:cs typeface="Andale Mono" charset="0"/>
+              </a:rPr>
+              <a:t>2em = 2 x </a:t>
+            </a:r>
+            <a:r>
+              <a:rPr lang="en-US" dirty="0" err="1" smtClean="0">
+                <a:latin typeface="Andale Mono" charset="0"/>
+                <a:ea typeface="Andale Mono" charset="0"/>
+                <a:cs typeface="Andale Mono" charset="0"/>
+              </a:rPr>
+              <a:t>fontzize</a:t>
             </a:r>
             <a:endParaRPr lang="en-US" dirty="0">
               <a:latin typeface="Andale Mono" charset="0"/>
@@ -5233,75 +5082,15 @@
               <a:cs typeface="Andale Mono" charset="0"/>
             </a:endParaRPr>
           </a:p>
-        </p:txBody>
-      </p:sp>
-      <p:sp>
-        <p:nvSpPr>
-          <p:cNvPr id="9" name="TextBox 8"/>
-          <p:cNvSpPr txBox="1"/>
-          <p:nvPr/>
-        </p:nvSpPr>
-        <p:spPr>
-          <a:xfrm>
-            <a:off x="612184" y="3690664"/>
-            <a:ext cx="8043620" cy="923330"/>
-          </a:xfrm>
-          <a:prstGeom prst="rect">
-            <a:avLst/>
-          </a:prstGeom>
-          <a:solidFill>
-            <a:schemeClr val="accent1">
-              <a:lumMod val="60000"/>
-              <a:lumOff val="40000"/>
-            </a:schemeClr>
-          </a:solidFill>
-        </p:spPr>
-        <p:txBody>
-          <a:bodyPr wrap="square" rtlCol="0">
-            <a:spAutoFit/>
-          </a:bodyPr>
-          <a:lstStyle/>
-          <a:p>
-            <a:r>
-              <a:rPr lang="nl-BE" dirty="0" smtClean="0">
-                <a:latin typeface="Andale Mono" charset="0"/>
-                <a:ea typeface="Andale Mono" charset="0"/>
-                <a:cs typeface="Andale Mono" charset="0"/>
-              </a:rPr>
-              <a:t>.item.active{</a:t>
-            </a:r>
-          </a:p>
-          <a:p>
-            <a:r>
-              <a:rPr lang="nl-BE" dirty="0" smtClean="0">
-                <a:latin typeface="Andale Mono" charset="0"/>
-                <a:ea typeface="Andale Mono" charset="0"/>
-                <a:cs typeface="Andale Mono" charset="0"/>
-              </a:rPr>
-              <a:t>	color: #F4D82A;</a:t>
-            </a:r>
-          </a:p>
-          <a:p>
-            <a:r>
-              <a:rPr lang="nl-BE" dirty="0" smtClean="0">
-                <a:latin typeface="Andale Mono" charset="0"/>
-                <a:ea typeface="Andale Mono" charset="0"/>
-                <a:cs typeface="Andale Mono" charset="0"/>
-              </a:rPr>
-              <a:t>}</a:t>
-            </a:r>
-            <a:endParaRPr lang="en-US" dirty="0">
-              <a:latin typeface="Andale Mono" charset="0"/>
-              <a:ea typeface="Andale Mono" charset="0"/>
-              <a:cs typeface="Andale Mono" charset="0"/>
-            </a:endParaRPr>
+          <a:p>
+            <a:endParaRPr lang="en-US" dirty="0"/>
           </a:p>
         </p:txBody>
       </p:sp>
     </p:spTree>
     <p:extLst>
       <p:ext uri="{BB962C8B-B14F-4D97-AF65-F5344CB8AC3E}">
-        <p14:creationId xmlns:p14="http://schemas.microsoft.com/office/powerpoint/2010/main" val="624093894"/>
+        <p14:creationId xmlns:p14="http://schemas.microsoft.com/office/powerpoint/2010/main" val="1021633680"/>
       </p:ext>
     </p:extLst>
   </p:cSld>
@@ -5351,42 +5140,31 @@
           <a:lstStyle/>
           <a:p>
             <a:r>
+              <a:rPr lang="en-US" b="1" dirty="0" err="1" smtClean="0"/>
+              <a:t>Px</a:t>
+            </a:r>
+            <a:r>
               <a:rPr lang="en-US" dirty="0" smtClean="0"/>
-              <a:t>transitions</a:t>
-            </a:r>
-            <a:endParaRPr lang="en-US" dirty="0"/>
-          </a:p>
-        </p:txBody>
-      </p:sp>
-      <p:sp>
-        <p:nvSpPr>
-          <p:cNvPr id="2" name="Content Placeholder 1"/>
-          <p:cNvSpPr>
-            <a:spLocks noGrp="1"/>
-          </p:cNvSpPr>
-          <p:nvPr>
-            <p:ph idx="1"/>
-          </p:nvPr>
-        </p:nvSpPr>
-        <p:spPr/>
-        <p:txBody>
-          <a:bodyPr/>
-          <a:lstStyle/>
-          <a:p>
-            <a:endParaRPr lang="en-US" dirty="0"/>
-          </a:p>
-        </p:txBody>
-      </p:sp>
-      <p:sp>
-        <p:nvSpPr>
-          <p:cNvPr id="6" name="TextBox 5"/>
+              <a:t> vs </a:t>
+            </a:r>
+            <a:r>
+              <a:rPr lang="en-US" b="1" dirty="0" err="1" smtClean="0"/>
+              <a:t>em</a:t>
+            </a:r>
+            <a:endParaRPr lang="en-US" b="1" dirty="0"/>
+          </a:p>
+        </p:txBody>
+      </p:sp>
+      <p:sp>
+        <p:nvSpPr>
+          <p:cNvPr id="7" name="TextBox 6"/>
           <p:cNvSpPr txBox="1"/>
           <p:nvPr/>
         </p:nvSpPr>
         <p:spPr>
           <a:xfrm>
-            <a:off x="612184" y="2517172"/>
-            <a:ext cx="8043620" cy="1477328"/>
+            <a:off x="681925" y="2394791"/>
+            <a:ext cx="7780149" cy="4185761"/>
           </a:xfrm>
           <a:prstGeom prst="rect">
             <a:avLst/>
@@ -5405,45 +5183,68 @@
           <a:lstStyle/>
           <a:p>
             <a:r>
-              <a:rPr lang="nl-BE" dirty="0">
-                <a:latin typeface="Andale Mono" charset="0"/>
-                <a:ea typeface="Andale Mono" charset="0"/>
-                <a:cs typeface="Andale Mono" charset="0"/>
-              </a:rPr>
-              <a:t>.item{</a:t>
-            </a:r>
-          </a:p>
-          <a:p>
-            <a:r>
-              <a:rPr lang="nl-BE" dirty="0">
-                <a:latin typeface="Andale Mono" charset="0"/>
-                <a:ea typeface="Andale Mono" charset="0"/>
-                <a:cs typeface="Andale Mono" charset="0"/>
-              </a:rPr>
-              <a:t>	background-color: #FFFFFF;</a:t>
-            </a:r>
-          </a:p>
-          <a:p>
-            <a:r>
-              <a:rPr lang="nl-BE" dirty="0">
-                <a:latin typeface="Andale Mono" charset="0"/>
-                <a:ea typeface="Andale Mono" charset="0"/>
-                <a:cs typeface="Andale Mono" charset="0"/>
-              </a:rPr>
-              <a:t>	color: #000000</a:t>
-            </a:r>
-            <a:r>
-              <a:rPr lang="nl-BE" dirty="0" smtClean="0">
-                <a:latin typeface="Andale Mono" charset="0"/>
-                <a:ea typeface="Andale Mono" charset="0"/>
-                <a:cs typeface="Andale Mono" charset="0"/>
-              </a:rPr>
-              <a:t>;</a:t>
-            </a:r>
-          </a:p>
-          <a:p>
-            <a:r>
-              <a:rPr lang="nl-BE" dirty="0">
+              <a:rPr lang="en-US" dirty="0" smtClean="0">
+                <a:latin typeface="Andale Mono" charset="0"/>
+                <a:ea typeface="Andale Mono" charset="0"/>
+                <a:cs typeface="Andale Mono" charset="0"/>
+              </a:rPr>
+              <a:t>body{ </a:t>
+            </a:r>
+          </a:p>
+          <a:p>
+            <a:r>
+              <a:rPr lang="en-US" dirty="0" smtClean="0">
+                <a:latin typeface="Andale Mono" charset="0"/>
+                <a:ea typeface="Andale Mono" charset="0"/>
+                <a:cs typeface="Andale Mono" charset="0"/>
+              </a:rPr>
+              <a:t>	font: 100%/1.5 serif; </a:t>
+            </a:r>
+            <a:r>
+              <a:rPr lang="en-US" sz="1400" dirty="0" smtClean="0">
+                <a:latin typeface="Andale Mono" charset="0"/>
+                <a:ea typeface="Andale Mono" charset="0"/>
+                <a:cs typeface="Andale Mono" charset="0"/>
+              </a:rPr>
+              <a:t>/* 16px */</a:t>
+            </a:r>
+            <a:r>
+              <a:rPr lang="en-US" dirty="0" smtClean="0">
+                <a:latin typeface="Andale Mono" charset="0"/>
+                <a:ea typeface="Andale Mono" charset="0"/>
+                <a:cs typeface="Andale Mono" charset="0"/>
+              </a:rPr>
+              <a:t>  </a:t>
+            </a:r>
+          </a:p>
+          <a:p>
+            <a:r>
+              <a:rPr lang="en-US" dirty="0" smtClean="0">
+                <a:latin typeface="Andale Mono" charset="0"/>
+                <a:ea typeface="Andale Mono" charset="0"/>
+                <a:cs typeface="Andale Mono" charset="0"/>
+              </a:rPr>
+              <a:t>}</a:t>
+            </a:r>
+            <a:br>
+              <a:rPr lang="en-US" dirty="0" smtClean="0">
+                <a:latin typeface="Andale Mono" charset="0"/>
+                <a:ea typeface="Andale Mono" charset="0"/>
+                <a:cs typeface="Andale Mono" charset="0"/>
+              </a:rPr>
+            </a:br>
+            <a:r>
+              <a:rPr lang="en-US" dirty="0" smtClean="0">
+                <a:latin typeface="Andale Mono" charset="0"/>
+                <a:ea typeface="Andale Mono" charset="0"/>
+                <a:cs typeface="Andale Mono" charset="0"/>
+              </a:rPr>
+              <a:t>h1{</a:t>
+            </a:r>
+          </a:p>
+          <a:p>
+            <a:r>
+              <a:rPr lang="en-US" dirty="0">
                 <a:latin typeface="Andale Mono" charset="0"/>
                 <a:ea typeface="Andale Mono" charset="0"/>
                 <a:cs typeface="Andale Mono" charset="0"/>
@@ -5451,46 +5252,193 @@
               <a:t>	</a:t>
             </a:r>
             <a:r>
-              <a:rPr lang="nl-BE" b="1" dirty="0">
-                <a:latin typeface="Andale Mono" charset="0"/>
-                <a:ea typeface="Andale Mono" charset="0"/>
-                <a:cs typeface="Andale Mono" charset="0"/>
-              </a:rPr>
-              <a:t>transition: color </a:t>
-            </a:r>
-            <a:r>
-              <a:rPr lang="nl-BE" b="1" dirty="0" smtClean="0">
-                <a:latin typeface="Andale Mono" charset="0"/>
-                <a:ea typeface="Andale Mono" charset="0"/>
-                <a:cs typeface="Andale Mono" charset="0"/>
-              </a:rPr>
-              <a:t>0.7s</a:t>
-            </a:r>
-            <a:r>
-              <a:rPr lang="nl-BE" b="1" dirty="0">
-                <a:latin typeface="Andale Mono" charset="0"/>
-                <a:ea typeface="Andale Mono" charset="0"/>
-                <a:cs typeface="Andale Mono" charset="0"/>
-              </a:rPr>
-              <a:t>;</a:t>
-            </a:r>
-            <a:r>
-              <a:rPr lang="nl-BE" dirty="0">
-                <a:latin typeface="Andale Mono" charset="0"/>
-                <a:ea typeface="Andale Mono" charset="0"/>
-                <a:cs typeface="Andale Mono" charset="0"/>
-              </a:rPr>
-              <a:t/>
+              <a:rPr lang="en-US" dirty="0" smtClean="0">
+                <a:latin typeface="Andale Mono" charset="0"/>
+                <a:ea typeface="Andale Mono" charset="0"/>
+                <a:cs typeface="Andale Mono" charset="0"/>
+              </a:rPr>
+              <a:t>font-size: 2em; </a:t>
+            </a:r>
+            <a:r>
+              <a:rPr lang="en-US" sz="1400" dirty="0" smtClean="0">
+                <a:latin typeface="Andale Mono" charset="0"/>
+                <a:ea typeface="Andale Mono" charset="0"/>
+                <a:cs typeface="Andale Mono" charset="0"/>
+              </a:rPr>
+              <a:t>/* 32px */</a:t>
+            </a:r>
+            <a:endParaRPr lang="en-US" dirty="0" smtClean="0">
+              <a:latin typeface="Andale Mono" charset="0"/>
+              <a:ea typeface="Andale Mono" charset="0"/>
+              <a:cs typeface="Andale Mono" charset="0"/>
+            </a:endParaRPr>
+          </a:p>
+          <a:p>
+            <a:r>
+              <a:rPr lang="en-US" dirty="0" smtClean="0">
+                <a:latin typeface="Andale Mono" charset="0"/>
+                <a:ea typeface="Andale Mono" charset="0"/>
+                <a:cs typeface="Andale Mono" charset="0"/>
+              </a:rPr>
+              <a:t>}</a:t>
             </a:r>
             <a:br>
-              <a:rPr lang="nl-BE" dirty="0">
+              <a:rPr lang="en-US" dirty="0" smtClean="0">
                 <a:latin typeface="Andale Mono" charset="0"/>
                 <a:ea typeface="Andale Mono" charset="0"/>
                 <a:cs typeface="Andale Mono" charset="0"/>
               </a:rPr>
             </a:br>
             <a:r>
-              <a:rPr lang="nl-BE" dirty="0">
+              <a:rPr lang="en-US" dirty="0" smtClean="0">
+                <a:latin typeface="Andale Mono" charset="0"/>
+                <a:ea typeface="Andale Mono" charset="0"/>
+                <a:cs typeface="Andale Mono" charset="0"/>
+              </a:rPr>
+              <a:t>     </a:t>
+            </a:r>
+            <a:br>
+              <a:rPr lang="en-US" dirty="0" smtClean="0">
+                <a:latin typeface="Andale Mono" charset="0"/>
+                <a:ea typeface="Andale Mono" charset="0"/>
+                <a:cs typeface="Andale Mono" charset="0"/>
+              </a:rPr>
+            </a:br>
+            <a:r>
+              <a:rPr lang="en-US" dirty="0" smtClean="0">
+                <a:latin typeface="Andale Mono" charset="0"/>
+                <a:ea typeface="Andale Mono" charset="0"/>
+                <a:cs typeface="Andale Mono" charset="0"/>
+              </a:rPr>
+              <a:t>@media (min-width: 600px) {</a:t>
+            </a:r>
+            <a:br>
+              <a:rPr lang="en-US" dirty="0" smtClean="0">
+                <a:latin typeface="Andale Mono" charset="0"/>
+                <a:ea typeface="Andale Mono" charset="0"/>
+                <a:cs typeface="Andale Mono" charset="0"/>
+              </a:rPr>
+            </a:br>
+            <a:r>
+              <a:rPr lang="en-US" dirty="0" smtClean="0">
+                <a:latin typeface="Andale Mono" charset="0"/>
+                <a:ea typeface="Andale Mono" charset="0"/>
+                <a:cs typeface="Andale Mono" charset="0"/>
+              </a:rPr>
+              <a:t>	body { </a:t>
+            </a:r>
+          </a:p>
+          <a:p>
+            <a:r>
+              <a:rPr lang="en-US" dirty="0">
+                <a:latin typeface="Andale Mono" charset="0"/>
+                <a:ea typeface="Andale Mono" charset="0"/>
+                <a:cs typeface="Andale Mono" charset="0"/>
+              </a:rPr>
+              <a:t>	</a:t>
+            </a:r>
+            <a:r>
+              <a:rPr lang="en-US" dirty="0" smtClean="0">
+                <a:latin typeface="Andale Mono" charset="0"/>
+                <a:ea typeface="Andale Mono" charset="0"/>
+                <a:cs typeface="Andale Mono" charset="0"/>
+              </a:rPr>
+              <a:t>	font: 112.5%; </a:t>
+            </a:r>
+            <a:r>
+              <a:rPr lang="en-US" sz="1400" dirty="0" smtClean="0">
+                <a:latin typeface="Andale Mono" charset="0"/>
+                <a:ea typeface="Andale Mono" charset="0"/>
+                <a:cs typeface="Andale Mono" charset="0"/>
+              </a:rPr>
+              <a:t>/* 18px */ </a:t>
+            </a:r>
+            <a:r>
+              <a:rPr lang="en-US" dirty="0" smtClean="0">
+                <a:latin typeface="Andale Mono" charset="0"/>
+                <a:ea typeface="Andale Mono" charset="0"/>
+                <a:cs typeface="Andale Mono" charset="0"/>
+              </a:rPr>
+              <a:t> </a:t>
+            </a:r>
+          </a:p>
+          <a:p>
+            <a:r>
+              <a:rPr lang="en-US" dirty="0">
+                <a:latin typeface="Andale Mono" charset="0"/>
+                <a:ea typeface="Andale Mono" charset="0"/>
+                <a:cs typeface="Andale Mono" charset="0"/>
+              </a:rPr>
+              <a:t>	</a:t>
+            </a:r>
+            <a:r>
+              <a:rPr lang="en-US" dirty="0" smtClean="0">
+                <a:latin typeface="Andale Mono" charset="0"/>
+                <a:ea typeface="Andale Mono" charset="0"/>
+                <a:cs typeface="Andale Mono" charset="0"/>
+              </a:rPr>
+              <a:t>}</a:t>
+            </a:r>
+            <a:br>
+              <a:rPr lang="en-US" dirty="0" smtClean="0">
+                <a:latin typeface="Andale Mono" charset="0"/>
+                <a:ea typeface="Andale Mono" charset="0"/>
+                <a:cs typeface="Andale Mono" charset="0"/>
+              </a:rPr>
+            </a:br>
+            <a:r>
+              <a:rPr lang="en-US" dirty="0" smtClean="0">
+                <a:latin typeface="Andale Mono" charset="0"/>
+                <a:ea typeface="Andale Mono" charset="0"/>
+                <a:cs typeface="Andale Mono" charset="0"/>
+              </a:rPr>
+              <a:t>	h1 {    </a:t>
+            </a:r>
+          </a:p>
+          <a:p>
+            <a:r>
+              <a:rPr lang="en-US" sz="1400" dirty="0">
+                <a:latin typeface="Andale Mono" charset="0"/>
+                <a:ea typeface="Andale Mono" charset="0"/>
+                <a:cs typeface="Andale Mono" charset="0"/>
+              </a:rPr>
+              <a:t>	</a:t>
+            </a:r>
+            <a:r>
+              <a:rPr lang="en-US" sz="1400" dirty="0" smtClean="0">
+                <a:latin typeface="Andale Mono" charset="0"/>
+                <a:ea typeface="Andale Mono" charset="0"/>
+                <a:cs typeface="Andale Mono" charset="0"/>
+              </a:rPr>
+              <a:t>	/* Do nothing! I'll automatically be 36px */ </a:t>
+            </a:r>
+          </a:p>
+          <a:p>
+            <a:r>
+              <a:rPr lang="en-US" dirty="0">
+                <a:latin typeface="Andale Mono" charset="0"/>
+                <a:ea typeface="Andale Mono" charset="0"/>
+                <a:cs typeface="Andale Mono" charset="0"/>
+              </a:rPr>
+              <a:t>	</a:t>
+            </a:r>
+            <a:r>
+              <a:rPr lang="en-US" dirty="0" smtClean="0">
+                <a:latin typeface="Andale Mono" charset="0"/>
+                <a:ea typeface="Andale Mono" charset="0"/>
+                <a:cs typeface="Andale Mono" charset="0"/>
+              </a:rPr>
+              <a:t>}</a:t>
+            </a:r>
+            <a:br>
+              <a:rPr lang="en-US" dirty="0" smtClean="0">
+                <a:latin typeface="Andale Mono" charset="0"/>
+                <a:ea typeface="Andale Mono" charset="0"/>
+                <a:cs typeface="Andale Mono" charset="0"/>
+              </a:rPr>
+            </a:br>
+            <a:r>
+              <a:rPr lang="en-US" dirty="0" smtClean="0">
                 <a:latin typeface="Andale Mono" charset="0"/>
                 <a:ea typeface="Andale Mono" charset="0"/>
                 <a:cs typeface="Andale Mono" charset="0"/>
@@ -5505,73 +5453,10 @@
           </a:p>
         </p:txBody>
       </p:sp>
-      <p:sp>
-        <p:nvSpPr>
-          <p:cNvPr id="9" name="TextBox 8"/>
-          <p:cNvSpPr txBox="1"/>
-          <p:nvPr/>
-        </p:nvSpPr>
-        <p:spPr>
-          <a:xfrm>
-            <a:off x="612184" y="3994500"/>
-            <a:ext cx="8043620" cy="923330"/>
-          </a:xfrm>
-          <a:prstGeom prst="rect">
-            <a:avLst/>
-          </a:prstGeom>
-          <a:solidFill>
-            <a:schemeClr val="accent1">
-              <a:lumMod val="60000"/>
-              <a:lumOff val="40000"/>
-            </a:schemeClr>
-          </a:solidFill>
-        </p:spPr>
-        <p:txBody>
-          <a:bodyPr wrap="square" rtlCol="0">
-            <a:spAutoFit/>
-          </a:bodyPr>
-          <a:lstStyle/>
-          <a:p>
-            <a:r>
-              <a:rPr lang="nl-BE" dirty="0" smtClean="0">
-                <a:latin typeface="Andale Mono" charset="0"/>
-                <a:ea typeface="Andale Mono" charset="0"/>
-                <a:cs typeface="Andale Mono" charset="0"/>
-              </a:rPr>
-              <a:t>.item.active{</a:t>
-            </a:r>
-          </a:p>
-          <a:p>
-            <a:r>
-              <a:rPr lang="nl-BE" dirty="0" smtClean="0">
-                <a:latin typeface="Andale Mono" charset="0"/>
-                <a:ea typeface="Andale Mono" charset="0"/>
-                <a:cs typeface="Andale Mono" charset="0"/>
-              </a:rPr>
-              <a:t>	color: #F4D82A;</a:t>
-            </a:r>
-          </a:p>
-          <a:p>
-            <a:r>
-              <a:rPr lang="nl-BE" dirty="0" smtClean="0">
-                <a:latin typeface="Andale Mono" charset="0"/>
-                <a:ea typeface="Andale Mono" charset="0"/>
-                <a:cs typeface="Andale Mono" charset="0"/>
-              </a:rPr>
-              <a:t>}</a:t>
-            </a:r>
-            <a:endParaRPr lang="en-US" dirty="0">
-              <a:latin typeface="Andale Mono" charset="0"/>
-              <a:ea typeface="Andale Mono" charset="0"/>
-              <a:cs typeface="Andale Mono" charset="0"/>
-            </a:endParaRPr>
-          </a:p>
-        </p:txBody>
-      </p:sp>
     </p:spTree>
     <p:extLst>
       <p:ext uri="{BB962C8B-B14F-4D97-AF65-F5344CB8AC3E}">
-        <p14:creationId xmlns:p14="http://schemas.microsoft.com/office/powerpoint/2010/main" val="2071560219"/>
+        <p14:creationId xmlns:p14="http://schemas.microsoft.com/office/powerpoint/2010/main" val="1691013514"/>
       </p:ext>
     </p:extLst>
   </p:cSld>
@@ -5622,7 +5507,7 @@
           <a:p>
             <a:r>
               <a:rPr lang="en-US" dirty="0" smtClean="0"/>
-              <a:t>transitions</a:t>
+              <a:t>Media-queries</a:t>
             </a:r>
             <a:endParaRPr lang="en-US" dirty="0"/>
           </a:p>
@@ -5630,33 +5515,14 @@
       </p:sp>
       <p:sp>
         <p:nvSpPr>
-          <p:cNvPr id="2" name="Content Placeholder 1"/>
-          <p:cNvSpPr>
-            <a:spLocks noGrp="1"/>
-          </p:cNvSpPr>
-          <p:nvPr>
-            <p:ph idx="1"/>
-          </p:nvPr>
-        </p:nvSpPr>
-        <p:spPr/>
-        <p:txBody>
-          <a:bodyPr/>
-          <a:lstStyle/>
-          <a:p>
-            <a:endParaRPr lang="en-US" dirty="0"/>
-          </a:p>
-        </p:txBody>
-      </p:sp>
-      <p:sp>
-        <p:nvSpPr>
-          <p:cNvPr id="6" name="TextBox 5"/>
+          <p:cNvPr id="7" name="TextBox 6"/>
           <p:cNvSpPr txBox="1"/>
           <p:nvPr/>
         </p:nvSpPr>
         <p:spPr>
           <a:xfrm>
-            <a:off x="612184" y="2517172"/>
-            <a:ext cx="8043620" cy="1477328"/>
+            <a:off x="681925" y="2394791"/>
+            <a:ext cx="7780149" cy="1200329"/>
           </a:xfrm>
           <a:prstGeom prst="rect">
             <a:avLst/>
@@ -5700,57 +5566,10 @@
                 <a:ea typeface="Andale Mono" charset="0"/>
                 <a:cs typeface="Andale Mono" charset="0"/>
               </a:rPr>
-              <a:t>	color: #000000</a:t>
-            </a:r>
-            <a:r>
-              <a:rPr lang="nl-BE" dirty="0" smtClean="0">
-                <a:latin typeface="Andale Mono" charset="0"/>
-                <a:ea typeface="Andale Mono" charset="0"/>
-                <a:cs typeface="Andale Mono" charset="0"/>
-              </a:rPr>
-              <a:t>;</a:t>
-            </a:r>
-          </a:p>
-          <a:p>
-            <a:r>
-              <a:rPr lang="nl-BE" dirty="0">
-                <a:latin typeface="Andale Mono" charset="0"/>
-                <a:ea typeface="Andale Mono" charset="0"/>
-                <a:cs typeface="Andale Mono" charset="0"/>
-              </a:rPr>
-              <a:t>	transition: </a:t>
-            </a:r>
-            <a:r>
-              <a:rPr lang="nl-BE" b="1" dirty="0" smtClean="0">
-                <a:latin typeface="Andale Mono" charset="0"/>
-                <a:ea typeface="Andale Mono" charset="0"/>
-                <a:cs typeface="Andale Mono" charset="0"/>
-              </a:rPr>
-              <a:t>all</a:t>
-            </a:r>
-            <a:r>
-              <a:rPr lang="nl-BE" dirty="0" smtClean="0">
-                <a:latin typeface="Andale Mono" charset="0"/>
-                <a:ea typeface="Andale Mono" charset="0"/>
-                <a:cs typeface="Andale Mono" charset="0"/>
-              </a:rPr>
-              <a:t> 0.7s</a:t>
-            </a:r>
-            <a:r>
-              <a:rPr lang="nl-BE" dirty="0">
-                <a:latin typeface="Andale Mono" charset="0"/>
-                <a:ea typeface="Andale Mono" charset="0"/>
-                <a:cs typeface="Andale Mono" charset="0"/>
-              </a:rPr>
-              <a:t>;</a:t>
-            </a:r>
-            <a:br>
-              <a:rPr lang="nl-BE" dirty="0">
-                <a:latin typeface="Andale Mono" charset="0"/>
-                <a:ea typeface="Andale Mono" charset="0"/>
-                <a:cs typeface="Andale Mono" charset="0"/>
-              </a:rPr>
-            </a:br>
+              <a:t>	color: #000000;</a:t>
+            </a:r>
+          </a:p>
+          <a:p>
             <a:r>
               <a:rPr lang="nl-BE" dirty="0">
                 <a:latin typeface="Andale Mono" charset="0"/>
@@ -5769,14 +5588,14 @@
       </p:sp>
       <p:sp>
         <p:nvSpPr>
-          <p:cNvPr id="9" name="TextBox 8"/>
+          <p:cNvPr id="8" name="TextBox 7"/>
           <p:cNvSpPr txBox="1"/>
           <p:nvPr/>
         </p:nvSpPr>
         <p:spPr>
           <a:xfrm>
-            <a:off x="612184" y="3994500"/>
-            <a:ext cx="8043620" cy="923330"/>
+            <a:off x="681924" y="3836499"/>
+            <a:ext cx="7780149" cy="1477328"/>
           </a:xfrm>
           <a:prstGeom prst="rect">
             <a:avLst/>
@@ -5795,32 +5614,110 @@
           <a:lstStyle/>
           <a:p>
             <a:r>
+              <a:rPr lang="en-US" dirty="0">
+                <a:latin typeface="Andale Mono" charset="0"/>
+                <a:ea typeface="Andale Mono" charset="0"/>
+                <a:cs typeface="Andale Mono" charset="0"/>
+              </a:rPr>
+              <a:t>@media (min-width: 768px) </a:t>
+            </a:r>
+            <a:r>
+              <a:rPr lang="en-US" dirty="0" smtClean="0">
+                <a:latin typeface="Andale Mono" charset="0"/>
+                <a:ea typeface="Andale Mono" charset="0"/>
+                <a:cs typeface="Andale Mono" charset="0"/>
+              </a:rPr>
+              <a:t>{</a:t>
+            </a:r>
+          </a:p>
+          <a:p>
+            <a:r>
+              <a:rPr lang="en-US" dirty="0">
+                <a:latin typeface="Andale Mono" charset="0"/>
+                <a:ea typeface="Andale Mono" charset="0"/>
+                <a:cs typeface="Andale Mono" charset="0"/>
+              </a:rPr>
+              <a:t>	</a:t>
+            </a:r>
+            <a:r>
               <a:rPr lang="nl-BE" dirty="0" smtClean="0">
                 <a:latin typeface="Andale Mono" charset="0"/>
                 <a:ea typeface="Andale Mono" charset="0"/>
                 <a:cs typeface="Andale Mono" charset="0"/>
               </a:rPr>
-              <a:t>.item.active{</a:t>
-            </a:r>
-          </a:p>
-          <a:p>
+              <a:t>.</a:t>
+            </a:r>
+            <a:r>
+              <a:rPr lang="nl-BE" dirty="0">
+                <a:latin typeface="Andale Mono" charset="0"/>
+                <a:ea typeface="Andale Mono" charset="0"/>
+                <a:cs typeface="Andale Mono" charset="0"/>
+              </a:rPr>
+              <a:t>item{</a:t>
+            </a:r>
+          </a:p>
+          <a:p>
+            <a:pPr lvl="1"/>
+            <a:r>
+              <a:rPr lang="nl-BE" dirty="0">
+                <a:latin typeface="Andale Mono" charset="0"/>
+                <a:ea typeface="Andale Mono" charset="0"/>
+                <a:cs typeface="Andale Mono" charset="0"/>
+              </a:rPr>
+              <a:t>	background-color: </a:t>
+            </a:r>
             <a:r>
               <a:rPr lang="nl-BE" dirty="0" smtClean="0">
                 <a:latin typeface="Andale Mono" charset="0"/>
                 <a:ea typeface="Andale Mono" charset="0"/>
                 <a:cs typeface="Andale Mono" charset="0"/>
               </a:rPr>
-              <a:t>	color: #F4D82A;</a:t>
-            </a:r>
-          </a:p>
-          <a:p>
+              <a:t>#</a:t>
+            </a:r>
+            <a:r>
+              <a:rPr lang="nl-BE" dirty="0">
+                <a:latin typeface="Andale Mono" charset="0"/>
+                <a:ea typeface="Andale Mono" charset="0"/>
+                <a:cs typeface="Andale Mono" charset="0"/>
+              </a:rPr>
+              <a:t>3</a:t>
+            </a:r>
             <a:r>
               <a:rPr lang="nl-BE" dirty="0" smtClean="0">
                 <a:latin typeface="Andale Mono" charset="0"/>
                 <a:ea typeface="Andale Mono" charset="0"/>
                 <a:cs typeface="Andale Mono" charset="0"/>
               </a:rPr>
+              <a:t>FDFDF</a:t>
+            </a:r>
+            <a:r>
+              <a:rPr lang="nl-BE" dirty="0">
+                <a:latin typeface="Andale Mono" charset="0"/>
+                <a:ea typeface="Andale Mono" charset="0"/>
+                <a:cs typeface="Andale Mono" charset="0"/>
+              </a:rPr>
+              <a:t>;</a:t>
+            </a:r>
+          </a:p>
+          <a:p>
+            <a:pPr lvl="1"/>
+            <a:r>
+              <a:rPr lang="nl-BE" dirty="0" smtClean="0">
+                <a:latin typeface="Andale Mono" charset="0"/>
+                <a:ea typeface="Andale Mono" charset="0"/>
+                <a:cs typeface="Andale Mono" charset="0"/>
+              </a:rPr>
               <a:t>}</a:t>
+            </a:r>
+          </a:p>
+          <a:p>
+            <a:r>
+              <a:rPr lang="nl-BE" dirty="0" smtClean="0">
+                <a:latin typeface="Andale Mono" charset="0"/>
+                <a:ea typeface="Andale Mono" charset="0"/>
+                <a:cs typeface="Andale Mono" charset="0"/>
+              </a:rPr>
+              <a:t>}	</a:t>
             </a:r>
             <a:endParaRPr lang="en-US" dirty="0">
               <a:latin typeface="Andale Mono" charset="0"/>
@@ -5833,7 +5730,7 @@
     </p:spTree>
     <p:extLst>
       <p:ext uri="{BB962C8B-B14F-4D97-AF65-F5344CB8AC3E}">
-        <p14:creationId xmlns:p14="http://schemas.microsoft.com/office/powerpoint/2010/main" val="673166019"/>
+        <p14:creationId xmlns:p14="http://schemas.microsoft.com/office/powerpoint/2010/main" val="491472181"/>
       </p:ext>
     </p:extLst>
   </p:cSld>
@@ -5986,7 +5883,7 @@
       </p:grpSpPr>
       <p:sp>
         <p:nvSpPr>
-          <p:cNvPr id="4" name="Title 3"/>
+          <p:cNvPr id="2" name="Title 1"/>
           <p:cNvSpPr>
             <a:spLocks noGrp="1"/>
           </p:cNvSpPr>
@@ -6000,21 +5897,21 @@
           <a:lstStyle/>
           <a:p>
             <a:r>
-              <a:rPr lang="en-US" dirty="0" smtClean="0"/>
+              <a:rPr lang="en-US" b="1" dirty="0" smtClean="0"/>
               <a:t>Animations</a:t>
             </a:r>
-            <a:endParaRPr lang="en-US" dirty="0"/>
-          </a:p>
-        </p:txBody>
-      </p:sp>
-      <p:sp>
-        <p:nvSpPr>
-          <p:cNvPr id="2" name="Content Placeholder 1"/>
+            <a:endParaRPr lang="en-US" b="1" dirty="0"/>
+          </a:p>
+        </p:txBody>
+      </p:sp>
+      <p:sp>
+        <p:nvSpPr>
+          <p:cNvPr id="3" name="Text Placeholder 2"/>
           <p:cNvSpPr>
             <a:spLocks noGrp="1"/>
           </p:cNvSpPr>
           <p:nvPr>
-            <p:ph idx="1"/>
+            <p:ph type="body" idx="1"/>
           </p:nvPr>
         </p:nvSpPr>
         <p:spPr/>
@@ -6022,170 +5919,14 @@
           <a:bodyPr/>
           <a:lstStyle/>
           <a:p>
-            <a:endParaRPr lang="en-US" dirty="0"/>
-          </a:p>
-        </p:txBody>
-      </p:sp>
-      <p:sp>
-        <p:nvSpPr>
-          <p:cNvPr id="9" name="TextBox 8"/>
-          <p:cNvSpPr txBox="1"/>
-          <p:nvPr/>
-        </p:nvSpPr>
-        <p:spPr>
-          <a:xfrm>
-            <a:off x="553112" y="2638045"/>
-            <a:ext cx="8043620" cy="2308324"/>
-          </a:xfrm>
-          <a:prstGeom prst="rect">
-            <a:avLst/>
-          </a:prstGeom>
-          <a:solidFill>
-            <a:schemeClr val="accent1">
-              <a:lumMod val="60000"/>
-              <a:lumOff val="40000"/>
-            </a:schemeClr>
-          </a:solidFill>
-        </p:spPr>
-        <p:txBody>
-          <a:bodyPr wrap="square" rtlCol="0">
-            <a:spAutoFit/>
-          </a:bodyPr>
-          <a:lstStyle/>
-          <a:p>
-            <a:r>
-              <a:rPr lang="nl-BE" dirty="0">
-                <a:latin typeface="Andale Mono" charset="0"/>
-                <a:ea typeface="Andale Mono" charset="0"/>
-                <a:cs typeface="Andale Mono" charset="0"/>
-              </a:rPr>
-              <a:t>.cirkel-holder #doughnut1{</a:t>
-            </a:r>
-            <a:br>
-              <a:rPr lang="nl-BE" dirty="0">
-                <a:latin typeface="Andale Mono" charset="0"/>
-                <a:ea typeface="Andale Mono" charset="0"/>
-                <a:cs typeface="Andale Mono" charset="0"/>
-              </a:rPr>
-            </a:br>
-            <a:r>
-              <a:rPr lang="nl-BE" dirty="0">
-                <a:latin typeface="Andale Mono" charset="0"/>
-                <a:ea typeface="Andale Mono" charset="0"/>
-                <a:cs typeface="Andale Mono" charset="0"/>
-              </a:rPr>
-              <a:t>    -webkit-animation: spin 12s infinite linear</a:t>
-            </a:r>
-            <a:r>
-              <a:rPr lang="nl-BE" dirty="0" smtClean="0">
-                <a:latin typeface="Andale Mono" charset="0"/>
-                <a:ea typeface="Andale Mono" charset="0"/>
-                <a:cs typeface="Andale Mono" charset="0"/>
-              </a:rPr>
-              <a:t>;</a:t>
-            </a:r>
-            <a:r>
-              <a:rPr lang="nl-BE" dirty="0">
-                <a:latin typeface="Andale Mono" charset="0"/>
-                <a:ea typeface="Andale Mono" charset="0"/>
-                <a:cs typeface="Andale Mono" charset="0"/>
-              </a:rPr>
-              <a:t/>
-            </a:r>
-            <a:br>
-              <a:rPr lang="nl-BE" dirty="0">
-                <a:latin typeface="Andale Mono" charset="0"/>
-                <a:ea typeface="Andale Mono" charset="0"/>
-                <a:cs typeface="Andale Mono" charset="0"/>
-              </a:rPr>
-            </a:br>
-            <a:r>
-              <a:rPr lang="nl-BE" dirty="0">
-                <a:latin typeface="Andale Mono" charset="0"/>
-                <a:ea typeface="Andale Mono" charset="0"/>
-                <a:cs typeface="Andale Mono" charset="0"/>
-              </a:rPr>
-              <a:t>}</a:t>
-            </a:r>
-            <a:br>
-              <a:rPr lang="nl-BE" dirty="0">
-                <a:latin typeface="Andale Mono" charset="0"/>
-                <a:ea typeface="Andale Mono" charset="0"/>
-                <a:cs typeface="Andale Mono" charset="0"/>
-              </a:rPr>
-            </a:br>
-            <a:r>
-              <a:rPr lang="nl-BE" dirty="0">
-                <a:latin typeface="Andale Mono" charset="0"/>
-                <a:ea typeface="Andale Mono" charset="0"/>
-                <a:cs typeface="Andale Mono" charset="0"/>
-              </a:rPr>
-              <a:t>@-webkit-keyframes spin {</a:t>
-            </a:r>
-            <a:br>
-              <a:rPr lang="nl-BE" dirty="0">
-                <a:latin typeface="Andale Mono" charset="0"/>
-                <a:ea typeface="Andale Mono" charset="0"/>
-                <a:cs typeface="Andale Mono" charset="0"/>
-              </a:rPr>
-            </a:br>
-            <a:r>
-              <a:rPr lang="nl-BE" dirty="0">
-                <a:latin typeface="Andale Mono" charset="0"/>
-                <a:ea typeface="Andale Mono" charset="0"/>
-                <a:cs typeface="Andale Mono" charset="0"/>
-              </a:rPr>
-              <a:t>    0% { -webkit-transform: rotate(0deg);}</a:t>
-            </a:r>
-            <a:br>
-              <a:rPr lang="nl-BE" dirty="0">
-                <a:latin typeface="Andale Mono" charset="0"/>
-                <a:ea typeface="Andale Mono" charset="0"/>
-                <a:cs typeface="Andale Mono" charset="0"/>
-              </a:rPr>
-            </a:br>
-            <a:r>
-              <a:rPr lang="nl-BE" dirty="0">
-                <a:latin typeface="Andale Mono" charset="0"/>
-                <a:ea typeface="Andale Mono" charset="0"/>
-                <a:cs typeface="Andale Mono" charset="0"/>
-              </a:rPr>
-              <a:t>    100% { -webkit-transform: rotate(360deg);}</a:t>
-            </a:r>
-            <a:br>
-              <a:rPr lang="nl-BE" dirty="0">
-                <a:latin typeface="Andale Mono" charset="0"/>
-                <a:ea typeface="Andale Mono" charset="0"/>
-                <a:cs typeface="Andale Mono" charset="0"/>
-              </a:rPr>
-            </a:br>
-            <a:r>
-              <a:rPr lang="nl-BE" dirty="0">
-                <a:latin typeface="Andale Mono" charset="0"/>
-                <a:ea typeface="Andale Mono" charset="0"/>
-                <a:cs typeface="Andale Mono" charset="0"/>
-              </a:rPr>
-              <a:t>}</a:t>
-            </a:r>
-            <a:br>
-              <a:rPr lang="nl-BE" dirty="0">
-                <a:latin typeface="Andale Mono" charset="0"/>
-                <a:ea typeface="Andale Mono" charset="0"/>
-                <a:cs typeface="Andale Mono" charset="0"/>
-              </a:rPr>
-            </a:br>
-            <a:endParaRPr lang="en-US" dirty="0">
-              <a:latin typeface="Andale Mono" charset="0"/>
-              <a:ea typeface="Andale Mono" charset="0"/>
-              <a:cs typeface="Andale Mono" charset="0"/>
-            </a:endParaRPr>
+            <a:endParaRPr lang="en-US"/>
           </a:p>
         </p:txBody>
       </p:sp>
     </p:spTree>
     <p:extLst>
       <p:ext uri="{BB962C8B-B14F-4D97-AF65-F5344CB8AC3E}">
-        <p14:creationId xmlns:p14="http://schemas.microsoft.com/office/powerpoint/2010/main" val="1946247875"/>
+        <p14:creationId xmlns:p14="http://schemas.microsoft.com/office/powerpoint/2010/main" val="129691150"/>
       </p:ext>
     </p:extLst>
   </p:cSld>
@@ -6221,7 +5962,7 @@
       </p:grpSpPr>
       <p:sp>
         <p:nvSpPr>
-          <p:cNvPr id="2" name="Title 1"/>
+          <p:cNvPr id="4" name="Title 3"/>
           <p:cNvSpPr>
             <a:spLocks noGrp="1"/>
           </p:cNvSpPr>
@@ -6235,21 +5976,21 @@
           <a:lstStyle/>
           <a:p>
             <a:r>
-              <a:rPr lang="en-US" b="1" dirty="0" smtClean="0"/>
-              <a:t>Positioning</a:t>
-            </a:r>
-            <a:endParaRPr lang="en-US" b="1" dirty="0"/>
-          </a:p>
-        </p:txBody>
-      </p:sp>
-      <p:sp>
-        <p:nvSpPr>
-          <p:cNvPr id="3" name="Text Placeholder 2"/>
+              <a:rPr lang="en-US" dirty="0" smtClean="0"/>
+              <a:t>transitions</a:t>
+            </a:r>
+            <a:endParaRPr lang="en-US" dirty="0"/>
+          </a:p>
+        </p:txBody>
+      </p:sp>
+      <p:sp>
+        <p:nvSpPr>
+          <p:cNvPr id="2" name="Content Placeholder 1"/>
           <p:cNvSpPr>
             <a:spLocks noGrp="1"/>
           </p:cNvSpPr>
           <p:nvPr>
-            <p:ph type="body" idx="1"/>
+            <p:ph idx="1"/>
           </p:nvPr>
         </p:nvSpPr>
         <p:spPr/>
@@ -6257,14 +5998,150 @@
           <a:bodyPr/>
           <a:lstStyle/>
           <a:p>
-            <a:endParaRPr lang="en-US"/>
+            <a:endParaRPr lang="en-US" dirty="0"/>
+          </a:p>
+        </p:txBody>
+      </p:sp>
+      <p:sp>
+        <p:nvSpPr>
+          <p:cNvPr id="6" name="TextBox 5"/>
+          <p:cNvSpPr txBox="1"/>
+          <p:nvPr/>
+        </p:nvSpPr>
+        <p:spPr>
+          <a:xfrm>
+            <a:off x="612184" y="2517172"/>
+            <a:ext cx="8043620" cy="1200329"/>
+          </a:xfrm>
+          <a:prstGeom prst="rect">
+            <a:avLst/>
+          </a:prstGeom>
+          <a:solidFill>
+            <a:schemeClr val="accent1">
+              <a:lumMod val="60000"/>
+              <a:lumOff val="40000"/>
+            </a:schemeClr>
+          </a:solidFill>
+        </p:spPr>
+        <p:txBody>
+          <a:bodyPr wrap="square" rtlCol="0">
+            <a:spAutoFit/>
+          </a:bodyPr>
+          <a:lstStyle/>
+          <a:p>
+            <a:r>
+              <a:rPr lang="nl-BE" dirty="0">
+                <a:latin typeface="Andale Mono" charset="0"/>
+                <a:ea typeface="Andale Mono" charset="0"/>
+                <a:cs typeface="Andale Mono" charset="0"/>
+              </a:rPr>
+              <a:t>.item{</a:t>
+            </a:r>
+          </a:p>
+          <a:p>
+            <a:r>
+              <a:rPr lang="nl-BE" dirty="0">
+                <a:latin typeface="Andale Mono" charset="0"/>
+                <a:ea typeface="Andale Mono" charset="0"/>
+                <a:cs typeface="Andale Mono" charset="0"/>
+              </a:rPr>
+              <a:t>	background-color: #FFFFFF;</a:t>
+            </a:r>
+          </a:p>
+          <a:p>
+            <a:r>
+              <a:rPr lang="nl-BE" dirty="0">
+                <a:latin typeface="Andale Mono" charset="0"/>
+                <a:ea typeface="Andale Mono" charset="0"/>
+                <a:cs typeface="Andale Mono" charset="0"/>
+              </a:rPr>
+              <a:t>	color: #000000;</a:t>
+            </a:r>
+          </a:p>
+          <a:p>
+            <a:r>
+              <a:rPr lang="nl-BE" dirty="0">
+                <a:latin typeface="Andale Mono" charset="0"/>
+                <a:ea typeface="Andale Mono" charset="0"/>
+                <a:cs typeface="Andale Mono" charset="0"/>
+              </a:rPr>
+              <a:t>}</a:t>
+            </a:r>
+            <a:endParaRPr lang="en-US" dirty="0">
+              <a:latin typeface="Andale Mono" charset="0"/>
+              <a:ea typeface="Andale Mono" charset="0"/>
+              <a:cs typeface="Andale Mono" charset="0"/>
+            </a:endParaRPr>
+          </a:p>
+        </p:txBody>
+      </p:sp>
+      <p:sp>
+        <p:nvSpPr>
+          <p:cNvPr id="9" name="TextBox 8"/>
+          <p:cNvSpPr txBox="1"/>
+          <p:nvPr/>
+        </p:nvSpPr>
+        <p:spPr>
+          <a:xfrm>
+            <a:off x="612184" y="3690664"/>
+            <a:ext cx="8043620" cy="923330"/>
+          </a:xfrm>
+          <a:prstGeom prst="rect">
+            <a:avLst/>
+          </a:prstGeom>
+          <a:solidFill>
+            <a:schemeClr val="accent1">
+              <a:lumMod val="60000"/>
+              <a:lumOff val="40000"/>
+            </a:schemeClr>
+          </a:solidFill>
+        </p:spPr>
+        <p:txBody>
+          <a:bodyPr wrap="square" rtlCol="0">
+            <a:spAutoFit/>
+          </a:bodyPr>
+          <a:lstStyle/>
+          <a:p>
+            <a:r>
+              <a:rPr lang="nl-BE" dirty="0" smtClean="0">
+                <a:latin typeface="Andale Mono" charset="0"/>
+                <a:ea typeface="Andale Mono" charset="0"/>
+                <a:cs typeface="Andale Mono" charset="0"/>
+              </a:rPr>
+              <a:t>.item.active{</a:t>
+            </a:r>
+          </a:p>
+          <a:p>
+            <a:r>
+              <a:rPr lang="nl-BE" dirty="0" smtClean="0">
+                <a:latin typeface="Andale Mono" charset="0"/>
+                <a:ea typeface="Andale Mono" charset="0"/>
+                <a:cs typeface="Andale Mono" charset="0"/>
+              </a:rPr>
+              <a:t>	color: #F4D82A;</a:t>
+            </a:r>
+          </a:p>
+          <a:p>
+            <a:r>
+              <a:rPr lang="nl-BE" dirty="0" smtClean="0">
+                <a:latin typeface="Andale Mono" charset="0"/>
+                <a:ea typeface="Andale Mono" charset="0"/>
+                <a:cs typeface="Andale Mono" charset="0"/>
+              </a:rPr>
+              <a:t>}</a:t>
+            </a:r>
+            <a:endParaRPr lang="en-US" dirty="0">
+              <a:latin typeface="Andale Mono" charset="0"/>
+              <a:ea typeface="Andale Mono" charset="0"/>
+              <a:cs typeface="Andale Mono" charset="0"/>
+            </a:endParaRPr>
           </a:p>
         </p:txBody>
       </p:sp>
     </p:spTree>
     <p:extLst>
       <p:ext uri="{BB962C8B-B14F-4D97-AF65-F5344CB8AC3E}">
-        <p14:creationId xmlns:p14="http://schemas.microsoft.com/office/powerpoint/2010/main" val="875745637"/>
+        <p14:creationId xmlns:p14="http://schemas.microsoft.com/office/powerpoint/2010/main" val="624093894"/>
       </p:ext>
     </p:extLst>
   </p:cSld>
@@ -6300,7 +6177,7 @@
       </p:grpSpPr>
       <p:sp>
         <p:nvSpPr>
-          <p:cNvPr id="2" name="Title 1"/>
+          <p:cNvPr id="4" name="Title 3"/>
           <p:cNvSpPr>
             <a:spLocks noGrp="1"/>
           </p:cNvSpPr>
@@ -6314,8 +6191,8 @@
           <a:lstStyle/>
           <a:p>
             <a:r>
-              <a:rPr lang="en-US" dirty="0" err="1" smtClean="0"/>
-              <a:t>Postition</a:t>
+              <a:rPr lang="en-US" dirty="0" smtClean="0"/>
+              <a:t>transitions</a:t>
             </a:r>
             <a:endParaRPr lang="en-US" dirty="0"/>
           </a:p>
@@ -6323,7 +6200,7 @@
       </p:sp>
       <p:sp>
         <p:nvSpPr>
-          <p:cNvPr id="6" name="Content Placeholder 5"/>
+          <p:cNvPr id="2" name="Content Placeholder 1"/>
           <p:cNvSpPr>
             <a:spLocks noGrp="1"/>
           </p:cNvSpPr>
@@ -6336,43 +6213,205 @@
           <a:bodyPr/>
           <a:lstStyle/>
           <a:p>
-            <a:r>
-              <a:rPr lang="en-US" dirty="0"/>
-              <a:t>static</a:t>
-            </a:r>
-          </a:p>
-          <a:p>
-            <a:r>
-              <a:rPr lang="en-US" dirty="0"/>
-              <a:t>relative</a:t>
-            </a:r>
-          </a:p>
-          <a:p>
-            <a:r>
-              <a:rPr lang="en-US" dirty="0"/>
-              <a:t>fixed</a:t>
-            </a:r>
-          </a:p>
-          <a:p>
-            <a:r>
-              <a:rPr lang="en-US" dirty="0" smtClean="0"/>
-              <a:t>absolute</a:t>
-            </a:r>
-            <a:r>
-              <a:rPr lang="en-US" dirty="0"/>
+            <a:endParaRPr lang="en-US" dirty="0"/>
+          </a:p>
+        </p:txBody>
+      </p:sp>
+      <p:sp>
+        <p:nvSpPr>
+          <p:cNvPr id="6" name="TextBox 5"/>
+          <p:cNvSpPr txBox="1"/>
+          <p:nvPr/>
+        </p:nvSpPr>
+        <p:spPr>
+          <a:xfrm>
+            <a:off x="612184" y="2517172"/>
+            <a:ext cx="8043620" cy="1477328"/>
+          </a:xfrm>
+          <a:prstGeom prst="rect">
+            <a:avLst/>
+          </a:prstGeom>
+          <a:solidFill>
+            <a:schemeClr val="accent1">
+              <a:lumMod val="60000"/>
+              <a:lumOff val="40000"/>
+            </a:schemeClr>
+          </a:solidFill>
+        </p:spPr>
+        <p:txBody>
+          <a:bodyPr wrap="square" rtlCol="0">
+            <a:spAutoFit/>
+          </a:bodyPr>
+          <a:lstStyle/>
+          <a:p>
+            <a:r>
+              <a:rPr lang="nl-BE" dirty="0">
+                <a:latin typeface="Andale Mono" charset="0"/>
+                <a:ea typeface="Andale Mono" charset="0"/>
+                <a:cs typeface="Andale Mono" charset="0"/>
+              </a:rPr>
+              <a:t>.item{</a:t>
+            </a:r>
+          </a:p>
+          <a:p>
+            <a:r>
+              <a:rPr lang="nl-BE" dirty="0">
+                <a:latin typeface="Andale Mono" charset="0"/>
+                <a:ea typeface="Andale Mono" charset="0"/>
+                <a:cs typeface="Andale Mono" charset="0"/>
+              </a:rPr>
+              <a:t>	background-color: #FFFFFF;</a:t>
+            </a:r>
+          </a:p>
+          <a:p>
+            <a:r>
+              <a:rPr lang="nl-BE" dirty="0">
+                <a:latin typeface="Andale Mono" charset="0"/>
+                <a:ea typeface="Andale Mono" charset="0"/>
+                <a:cs typeface="Andale Mono" charset="0"/>
+              </a:rPr>
+              <a:t>	color: #000000</a:t>
+            </a:r>
+            <a:r>
+              <a:rPr lang="nl-BE" dirty="0" smtClean="0">
+                <a:latin typeface="Andale Mono" charset="0"/>
+                <a:ea typeface="Andale Mono" charset="0"/>
+                <a:cs typeface="Andale Mono" charset="0"/>
+              </a:rPr>
+              <a:t>;</a:t>
+            </a:r>
+          </a:p>
+          <a:p>
+            <a:r>
+              <a:rPr lang="nl-BE" dirty="0">
+                <a:latin typeface="Andale Mono" charset="0"/>
+                <a:ea typeface="Andale Mono" charset="0"/>
+                <a:cs typeface="Andale Mono" charset="0"/>
+              </a:rPr>
+              <a:t>	</a:t>
+            </a:r>
+            <a:r>
+              <a:rPr lang="nl-BE" b="1" dirty="0">
+                <a:latin typeface="Andale Mono" charset="0"/>
+                <a:ea typeface="Andale Mono" charset="0"/>
+                <a:cs typeface="Andale Mono" charset="0"/>
+              </a:rPr>
+              <a:t>transition: color </a:t>
+            </a:r>
+            <a:r>
+              <a:rPr lang="nl-BE" b="1" dirty="0" smtClean="0">
+                <a:latin typeface="Andale Mono" charset="0"/>
+                <a:ea typeface="Andale Mono" charset="0"/>
+                <a:cs typeface="Andale Mono" charset="0"/>
+              </a:rPr>
+              <a:t>0.7s</a:t>
+            </a:r>
+            <a:r>
+              <a:rPr lang="nl-BE" b="1" dirty="0">
+                <a:latin typeface="Andale Mono" charset="0"/>
+                <a:ea typeface="Andale Mono" charset="0"/>
+                <a:cs typeface="Andale Mono" charset="0"/>
+              </a:rPr>
+              <a:t>;</a:t>
+            </a:r>
+            <a:r>
+              <a:rPr lang="nl-BE" dirty="0">
+                <a:latin typeface="Andale Mono" charset="0"/>
+                <a:ea typeface="Andale Mono" charset="0"/>
+                <a:cs typeface="Andale Mono" charset="0"/>
+              </a:rPr>
               <a:t/>
             </a:r>
             <a:br>
-              <a:rPr lang="en-US" dirty="0"/>
+              <a:rPr lang="nl-BE" dirty="0">
+                <a:latin typeface="Andale Mono" charset="0"/>
+                <a:ea typeface="Andale Mono" charset="0"/>
+                <a:cs typeface="Andale Mono" charset="0"/>
+              </a:rPr>
             </a:br>
-            <a:endParaRPr lang="en-US" dirty="0"/>
+            <a:r>
+              <a:rPr lang="nl-BE" dirty="0">
+                <a:latin typeface="Andale Mono" charset="0"/>
+                <a:ea typeface="Andale Mono" charset="0"/>
+                <a:cs typeface="Andale Mono" charset="0"/>
+              </a:rPr>
+              <a:t>}</a:t>
+            </a:r>
+            <a:endParaRPr lang="en-US" dirty="0">
+              <a:latin typeface="Andale Mono" charset="0"/>
+              <a:ea typeface="Andale Mono" charset="0"/>
+              <a:cs typeface="Andale Mono" charset="0"/>
+            </a:endParaRPr>
+          </a:p>
+        </p:txBody>
+      </p:sp>
+      <p:sp>
+        <p:nvSpPr>
+          <p:cNvPr id="9" name="TextBox 8"/>
+          <p:cNvSpPr txBox="1"/>
+          <p:nvPr/>
+        </p:nvSpPr>
+        <p:spPr>
+          <a:xfrm>
+            <a:off x="612184" y="3994500"/>
+            <a:ext cx="8043620" cy="923330"/>
+          </a:xfrm>
+          <a:prstGeom prst="rect">
+            <a:avLst/>
+          </a:prstGeom>
+          <a:solidFill>
+            <a:schemeClr val="accent1">
+              <a:lumMod val="60000"/>
+              <a:lumOff val="40000"/>
+            </a:schemeClr>
+          </a:solidFill>
+        </p:spPr>
+        <p:txBody>
+          <a:bodyPr wrap="square" rtlCol="0">
+            <a:spAutoFit/>
+          </a:bodyPr>
+          <a:lstStyle/>
+          <a:p>
+            <a:r>
+              <a:rPr lang="nl-BE" dirty="0" smtClean="0">
+                <a:latin typeface="Andale Mono" charset="0"/>
+                <a:ea typeface="Andale Mono" charset="0"/>
+                <a:cs typeface="Andale Mono" charset="0"/>
+              </a:rPr>
+              <a:t>.item.active{</a:t>
+            </a:r>
+          </a:p>
+          <a:p>
+            <a:r>
+              <a:rPr lang="nl-BE" dirty="0" smtClean="0">
+                <a:latin typeface="Andale Mono" charset="0"/>
+                <a:ea typeface="Andale Mono" charset="0"/>
+                <a:cs typeface="Andale Mono" charset="0"/>
+              </a:rPr>
+              <a:t>	color: #F4D82A;</a:t>
+            </a:r>
+          </a:p>
+          <a:p>
+            <a:r>
+              <a:rPr lang="nl-BE" dirty="0" smtClean="0">
+                <a:latin typeface="Andale Mono" charset="0"/>
+                <a:ea typeface="Andale Mono" charset="0"/>
+                <a:cs typeface="Andale Mono" charset="0"/>
+              </a:rPr>
+              <a:t>}</a:t>
+            </a:r>
+            <a:endParaRPr lang="en-US" dirty="0">
+              <a:latin typeface="Andale Mono" charset="0"/>
+              <a:ea typeface="Andale Mono" charset="0"/>
+              <a:cs typeface="Andale Mono" charset="0"/>
+            </a:endParaRPr>
           </a:p>
         </p:txBody>
       </p:sp>
     </p:spTree>
     <p:extLst>
       <p:ext uri="{BB962C8B-B14F-4D97-AF65-F5344CB8AC3E}">
-        <p14:creationId xmlns:p14="http://schemas.microsoft.com/office/powerpoint/2010/main" val="1240854226"/>
+        <p14:creationId xmlns:p14="http://schemas.microsoft.com/office/powerpoint/2010/main" val="2071560219"/>
       </p:ext>
     </p:extLst>
   </p:cSld>
@@ -6423,12 +6462,9 @@
           <a:p>
             <a:r>
               <a:rPr lang="en-US" dirty="0" smtClean="0"/>
-              <a:t>Position: </a:t>
-            </a:r>
-            <a:r>
-              <a:rPr lang="en-US" dirty="0"/>
-              <a:t>static</a:t>
-            </a:r>
+              <a:t>transitions</a:t>
+            </a:r>
+            <a:endParaRPr lang="en-US" dirty="0"/>
           </a:p>
         </p:txBody>
       </p:sp>
@@ -6453,20 +6489,20 @@
       </p:sp>
       <p:sp>
         <p:nvSpPr>
-          <p:cNvPr id="3" name="TextBox 2"/>
+          <p:cNvPr id="6" name="TextBox 5"/>
           <p:cNvSpPr txBox="1"/>
           <p:nvPr/>
         </p:nvSpPr>
         <p:spPr>
           <a:xfrm>
-            <a:off x="1606045" y="2638045"/>
-            <a:ext cx="5937755" cy="3101983"/>
+            <a:off x="612184" y="2517172"/>
+            <a:ext cx="8043620" cy="1477328"/>
           </a:xfrm>
           <a:prstGeom prst="rect">
             <a:avLst/>
           </a:prstGeom>
           <a:solidFill>
-            <a:schemeClr val="accent5">
+            <a:schemeClr val="accent1">
               <a:lumMod val="60000"/>
               <a:lumOff val="40000"/>
             </a:schemeClr>
@@ -6478,7 +6514,96 @@
           </a:bodyPr>
           <a:lstStyle/>
           <a:p>
-            <a:endParaRPr lang="en-US" dirty="0"/>
+            <a:r>
+              <a:rPr lang="nl-BE" dirty="0">
+                <a:latin typeface="Andale Mono" charset="0"/>
+                <a:ea typeface="Andale Mono" charset="0"/>
+                <a:cs typeface="Andale Mono" charset="0"/>
+              </a:rPr>
+              <a:t>.item{</a:t>
+            </a:r>
+          </a:p>
+          <a:p>
+            <a:r>
+              <a:rPr lang="nl-BE" dirty="0">
+                <a:latin typeface="Andale Mono" charset="0"/>
+                <a:ea typeface="Andale Mono" charset="0"/>
+                <a:cs typeface="Andale Mono" charset="0"/>
+              </a:rPr>
+              <a:t>	background-color: #FFFFFF;</a:t>
+            </a:r>
+          </a:p>
+          <a:p>
+            <a:r>
+              <a:rPr lang="nl-BE" dirty="0">
+                <a:latin typeface="Andale Mono" charset="0"/>
+                <a:ea typeface="Andale Mono" charset="0"/>
+                <a:cs typeface="Andale Mono" charset="0"/>
+              </a:rPr>
+              <a:t>	color: #000000</a:t>
+            </a:r>
+            <a:r>
+              <a:rPr lang="nl-BE" dirty="0" smtClean="0">
+                <a:latin typeface="Andale Mono" charset="0"/>
+                <a:ea typeface="Andale Mono" charset="0"/>
+                <a:cs typeface="Andale Mono" charset="0"/>
+              </a:rPr>
+              <a:t>;</a:t>
+            </a:r>
+          </a:p>
+          <a:p>
+            <a:r>
+              <a:rPr lang="nl-BE" dirty="0">
+                <a:latin typeface="Andale Mono" charset="0"/>
+                <a:ea typeface="Andale Mono" charset="0"/>
+                <a:cs typeface="Andale Mono" charset="0"/>
+              </a:rPr>
+              <a:t>	transition: </a:t>
+            </a:r>
+            <a:r>
+              <a:rPr lang="nl-BE" b="1" dirty="0" smtClean="0">
+                <a:latin typeface="Andale Mono" charset="0"/>
+                <a:ea typeface="Andale Mono" charset="0"/>
+                <a:cs typeface="Andale Mono" charset="0"/>
+              </a:rPr>
+              <a:t>all</a:t>
+            </a:r>
+            <a:r>
+              <a:rPr lang="nl-BE" dirty="0" smtClean="0">
+                <a:latin typeface="Andale Mono" charset="0"/>
+                <a:ea typeface="Andale Mono" charset="0"/>
+                <a:cs typeface="Andale Mono" charset="0"/>
+              </a:rPr>
+              <a:t> 0.7s</a:t>
+            </a:r>
+            <a:r>
+              <a:rPr lang="nl-BE" dirty="0">
+                <a:latin typeface="Andale Mono" charset="0"/>
+                <a:ea typeface="Andale Mono" charset="0"/>
+                <a:cs typeface="Andale Mono" charset="0"/>
+              </a:rPr>
+              <a:t>;</a:t>
+            </a:r>
+            <a:br>
+              <a:rPr lang="nl-BE" dirty="0">
+                <a:latin typeface="Andale Mono" charset="0"/>
+                <a:ea typeface="Andale Mono" charset="0"/>
+                <a:cs typeface="Andale Mono" charset="0"/>
+              </a:rPr>
+            </a:br>
+            <a:r>
+              <a:rPr lang="nl-BE" dirty="0">
+                <a:latin typeface="Andale Mono" charset="0"/>
+                <a:ea typeface="Andale Mono" charset="0"/>
+                <a:cs typeface="Andale Mono" charset="0"/>
+              </a:rPr>
+              <a:t>}</a:t>
+            </a:r>
+            <a:endParaRPr lang="en-US" dirty="0">
+              <a:latin typeface="Andale Mono" charset="0"/>
+              <a:ea typeface="Andale Mono" charset="0"/>
+              <a:cs typeface="Andale Mono" charset="0"/>
+            </a:endParaRPr>
           </a:p>
         </p:txBody>
       </p:sp>
@@ -6490,22 +6615,18 @@
         </p:nvSpPr>
         <p:spPr>
           <a:xfrm>
-            <a:off x="1606046" y="2638044"/>
-            <a:ext cx="2795474" cy="1484505"/>
+            <a:off x="612184" y="3994500"/>
+            <a:ext cx="8043620" cy="923330"/>
           </a:xfrm>
           <a:prstGeom prst="rect">
             <a:avLst/>
           </a:prstGeom>
           <a:solidFill>
-            <a:schemeClr val="bg1">
-              <a:lumMod val="65000"/>
+            <a:schemeClr val="accent1">
+              <a:lumMod val="60000"/>
+              <a:lumOff val="40000"/>
             </a:schemeClr>
           </a:solidFill>
-          <a:ln>
-            <a:solidFill>
-              <a:schemeClr val="tx1"/>
-            </a:solidFill>
-          </a:ln>
         </p:spPr>
         <p:txBody>
           <a:bodyPr wrap="square" rtlCol="0">
@@ -6513,14 +6634,46 @@
           </a:bodyPr>
           <a:lstStyle/>
           <a:p>
-            <a:endParaRPr lang="en-US" dirty="0"/>
+            <a:r>
+              <a:rPr lang="nl-BE" dirty="0" smtClean="0">
+                <a:latin typeface="Andale Mono" charset="0"/>
+                <a:ea typeface="Andale Mono" charset="0"/>
+                <a:cs typeface="Andale Mono" charset="0"/>
+              </a:rPr>
+              <a:t>.item.active{</a:t>
+            </a:r>
+          </a:p>
+          <a:p>
+            <a:r>
+              <a:rPr lang="nl-BE" dirty="0" smtClean="0">
+                <a:latin typeface="Andale Mono" charset="0"/>
+                <a:ea typeface="Andale Mono" charset="0"/>
+                <a:cs typeface="Andale Mono" charset="0"/>
+              </a:rPr>
+              <a:t>	color: #F4D82A;</a:t>
+            </a:r>
+          </a:p>
+          <a:p>
+            <a:r>
+              <a:rPr lang="nl-BE" dirty="0" smtClean="0">
+                <a:latin typeface="Andale Mono" charset="0"/>
+                <a:ea typeface="Andale Mono" charset="0"/>
+                <a:cs typeface="Andale Mono" charset="0"/>
+              </a:rPr>
+              <a:t>}</a:t>
+            </a:r>
+            <a:endParaRPr lang="en-US" dirty="0">
+              <a:latin typeface="Andale Mono" charset="0"/>
+              <a:ea typeface="Andale Mono" charset="0"/>
+              <a:cs typeface="Andale Mono" charset="0"/>
+            </a:endParaRPr>
           </a:p>
         </p:txBody>
       </p:sp>
     </p:spTree>
     <p:extLst>
       <p:ext uri="{BB962C8B-B14F-4D97-AF65-F5344CB8AC3E}">
-        <p14:creationId xmlns:p14="http://schemas.microsoft.com/office/powerpoint/2010/main" val="675462530"/>
+        <p14:creationId xmlns:p14="http://schemas.microsoft.com/office/powerpoint/2010/main" val="673166019"/>
       </p:ext>
     </p:extLst>
   </p:cSld>
@@ -6571,12 +6724,9 @@
           <a:p>
             <a:r>
               <a:rPr lang="en-US" dirty="0" smtClean="0"/>
-              <a:t>Position: </a:t>
-            </a:r>
-            <a:r>
-              <a:rPr lang="en-US" dirty="0"/>
-              <a:t>static</a:t>
-            </a:r>
+              <a:t>Animations</a:t>
+            </a:r>
+            <a:endParaRPr lang="en-US" dirty="0"/>
           </a:p>
         </p:txBody>
       </p:sp>
@@ -6601,80 +6751,14 @@
       </p:sp>
       <p:sp>
         <p:nvSpPr>
-          <p:cNvPr id="3" name="TextBox 2"/>
-          <p:cNvSpPr txBox="1"/>
-          <p:nvPr/>
-        </p:nvSpPr>
-        <p:spPr>
-          <a:xfrm>
-            <a:off x="1606045" y="2638045"/>
-            <a:ext cx="5937755" cy="3101983"/>
-          </a:xfrm>
-          <a:prstGeom prst="rect">
-            <a:avLst/>
-          </a:prstGeom>
-          <a:solidFill>
-            <a:schemeClr val="accent5">
-              <a:lumMod val="60000"/>
-              <a:lumOff val="40000"/>
-            </a:schemeClr>
-          </a:solidFill>
-        </p:spPr>
-        <p:txBody>
-          <a:bodyPr wrap="square" rtlCol="0">
-            <a:spAutoFit/>
-          </a:bodyPr>
-          <a:lstStyle/>
-          <a:p>
-            <a:endParaRPr lang="en-US" dirty="0"/>
-          </a:p>
-        </p:txBody>
-      </p:sp>
-      <p:sp>
-        <p:nvSpPr>
           <p:cNvPr id="9" name="TextBox 8"/>
           <p:cNvSpPr txBox="1"/>
           <p:nvPr/>
         </p:nvSpPr>
         <p:spPr>
           <a:xfrm>
-            <a:off x="1606046" y="2638044"/>
-            <a:ext cx="2795474" cy="1484505"/>
-          </a:xfrm>
-          <a:prstGeom prst="rect">
-            <a:avLst/>
-          </a:prstGeom>
-          <a:solidFill>
-            <a:schemeClr val="bg1">
-              <a:lumMod val="65000"/>
-            </a:schemeClr>
-          </a:solidFill>
-          <a:ln>
-            <a:solidFill>
-              <a:schemeClr val="tx1"/>
-            </a:solidFill>
-          </a:ln>
-        </p:spPr>
-        <p:txBody>
-          <a:bodyPr wrap="square" rtlCol="0">
-            <a:spAutoFit/>
-          </a:bodyPr>
-          <a:lstStyle/>
-          <a:p>
-            <a:endParaRPr lang="en-US" dirty="0"/>
-          </a:p>
-        </p:txBody>
-      </p:sp>
-      <p:sp>
-        <p:nvSpPr>
-          <p:cNvPr id="10" name="TextBox 9"/>
-          <p:cNvSpPr txBox="1"/>
-          <p:nvPr/>
-        </p:nvSpPr>
-        <p:spPr>
-          <a:xfrm>
-            <a:off x="774914" y="5994768"/>
-            <a:ext cx="7873140" cy="369332"/>
+            <a:off x="553112" y="2638045"/>
+            <a:ext cx="8043620" cy="2308324"/>
           </a:xfrm>
           <a:prstGeom prst="rect">
             <a:avLst/>
@@ -6698,7 +6782,22 @@
                 <a:ea typeface="Andale Mono" charset="0"/>
                 <a:cs typeface="Andale Mono" charset="0"/>
               </a:rPr>
-              <a:t>l</a:t>
+              <a:t>.cirkel-holder #doughnut1{</a:t>
+            </a:r>
+            <a:br>
+              <a:rPr lang="nl-BE" dirty="0">
+                <a:latin typeface="Andale Mono" charset="0"/>
+                <a:ea typeface="Andale Mono" charset="0"/>
+                <a:cs typeface="Andale Mono" charset="0"/>
+              </a:rPr>
+            </a:br>
+            <a:r>
+              <a:rPr lang="nl-BE" dirty="0">
+                <a:latin typeface="Andale Mono" charset="0"/>
+                <a:ea typeface="Andale Mono" charset="0"/>
+                <a:cs typeface="Andale Mono" charset="0"/>
+              </a:rPr>
+              <a:t>    -webkit-animation: spin 12s infinite linear</a:t>
             </a:r>
             <a:r>
               <a:rPr lang="nl-BE" dirty="0" smtClean="0">
@@ -6706,8 +6805,98 @@
                 <a:ea typeface="Andale Mono" charset="0"/>
                 <a:cs typeface="Andale Mono" charset="0"/>
               </a:rPr>
-              <a:t>eft:30px;</a:t>
-            </a:r>
+              <a:t>;</a:t>
+            </a:r>
+            <a:r>
+              <a:rPr lang="nl-BE" dirty="0">
+                <a:latin typeface="Andale Mono" charset="0"/>
+                <a:ea typeface="Andale Mono" charset="0"/>
+                <a:cs typeface="Andale Mono" charset="0"/>
+              </a:rPr>
+              <a:t/>
+            </a:r>
+            <a:br>
+              <a:rPr lang="nl-BE" dirty="0">
+                <a:latin typeface="Andale Mono" charset="0"/>
+                <a:ea typeface="Andale Mono" charset="0"/>
+                <a:cs typeface="Andale Mono" charset="0"/>
+              </a:rPr>
+            </a:br>
+            <a:r>
+              <a:rPr lang="nl-BE" dirty="0">
+                <a:latin typeface="Andale Mono" charset="0"/>
+                <a:ea typeface="Andale Mono" charset="0"/>
+                <a:cs typeface="Andale Mono" charset="0"/>
+              </a:rPr>
+              <a:t>}</a:t>
+            </a:r>
+            <a:br>
+              <a:rPr lang="nl-BE" dirty="0">
+                <a:latin typeface="Andale Mono" charset="0"/>
+                <a:ea typeface="Andale Mono" charset="0"/>
+                <a:cs typeface="Andale Mono" charset="0"/>
+              </a:rPr>
+            </a:br>
+            <a:r>
+              <a:rPr lang="nl-BE" dirty="0">
+                <a:latin typeface="Andale Mono" charset="0"/>
+                <a:ea typeface="Andale Mono" charset="0"/>
+                <a:cs typeface="Andale Mono" charset="0"/>
+              </a:rPr>
+              <a:t>@-webkit-keyframes spin {</a:t>
+            </a:r>
+            <a:br>
+              <a:rPr lang="nl-BE" dirty="0">
+                <a:latin typeface="Andale Mono" charset="0"/>
+                <a:ea typeface="Andale Mono" charset="0"/>
+                <a:cs typeface="Andale Mono" charset="0"/>
+              </a:rPr>
+            </a:br>
+            <a:r>
+              <a:rPr lang="nl-BE" dirty="0">
+                <a:latin typeface="Andale Mono" charset="0"/>
+                <a:ea typeface="Andale Mono" charset="0"/>
+                <a:cs typeface="Andale Mono" charset="0"/>
+              </a:rPr>
+              <a:t>    0% { -webkit-transform: rotate(0deg);}</a:t>
+            </a:r>
+            <a:br>
+              <a:rPr lang="nl-BE" dirty="0">
+                <a:latin typeface="Andale Mono" charset="0"/>
+                <a:ea typeface="Andale Mono" charset="0"/>
+                <a:cs typeface="Andale Mono" charset="0"/>
+              </a:rPr>
+            </a:br>
+            <a:r>
+              <a:rPr lang="nl-BE" dirty="0">
+                <a:latin typeface="Andale Mono" charset="0"/>
+                <a:ea typeface="Andale Mono" charset="0"/>
+                <a:cs typeface="Andale Mono" charset="0"/>
+              </a:rPr>
+              <a:t>    100% { -webkit-transform: rotate(360deg);}</a:t>
+            </a:r>
+            <a:br>
+              <a:rPr lang="nl-BE" dirty="0">
+                <a:latin typeface="Andale Mono" charset="0"/>
+                <a:ea typeface="Andale Mono" charset="0"/>
+                <a:cs typeface="Andale Mono" charset="0"/>
+              </a:rPr>
+            </a:br>
+            <a:r>
+              <a:rPr lang="nl-BE" dirty="0">
+                <a:latin typeface="Andale Mono" charset="0"/>
+                <a:ea typeface="Andale Mono" charset="0"/>
+                <a:cs typeface="Andale Mono" charset="0"/>
+              </a:rPr>
+              <a:t>}</a:t>
+            </a:r>
+            <a:br>
+              <a:rPr lang="nl-BE" dirty="0">
+                <a:latin typeface="Andale Mono" charset="0"/>
+                <a:ea typeface="Andale Mono" charset="0"/>
+                <a:cs typeface="Andale Mono" charset="0"/>
+              </a:rPr>
+            </a:br>
             <a:endParaRPr lang="en-US" dirty="0">
               <a:latin typeface="Andale Mono" charset="0"/>
               <a:ea typeface="Andale Mono" charset="0"/>
@@ -6719,7 +6908,7 @@
     </p:spTree>
     <p:extLst>
       <p:ext uri="{BB962C8B-B14F-4D97-AF65-F5344CB8AC3E}">
-        <p14:creationId xmlns:p14="http://schemas.microsoft.com/office/powerpoint/2010/main" val="1426815398"/>
+        <p14:creationId xmlns:p14="http://schemas.microsoft.com/office/powerpoint/2010/main" val="1946247875"/>
       </p:ext>
     </p:extLst>
   </p:cSld>
@@ -6755,7 +6944,7 @@
       </p:grpSpPr>
       <p:sp>
         <p:nvSpPr>
-          <p:cNvPr id="4" name="Title 3"/>
+          <p:cNvPr id="2" name="Title 1"/>
           <p:cNvSpPr>
             <a:spLocks noGrp="1"/>
           </p:cNvSpPr>
@@ -6769,21 +6958,21 @@
           <a:lstStyle/>
           <a:p>
             <a:r>
-              <a:rPr lang="en-US" dirty="0" smtClean="0"/>
-              <a:t>Position: relative</a:t>
-            </a:r>
-            <a:endParaRPr lang="en-US" dirty="0"/>
-          </a:p>
-        </p:txBody>
-      </p:sp>
-      <p:sp>
-        <p:nvSpPr>
-          <p:cNvPr id="2" name="Content Placeholder 1"/>
+              <a:rPr lang="en-US" b="1" dirty="0" smtClean="0"/>
+              <a:t>Positioning</a:t>
+            </a:r>
+            <a:endParaRPr lang="en-US" b="1" dirty="0"/>
+          </a:p>
+        </p:txBody>
+      </p:sp>
+      <p:sp>
+        <p:nvSpPr>
+          <p:cNvPr id="3" name="Text Placeholder 2"/>
           <p:cNvSpPr>
             <a:spLocks noGrp="1"/>
           </p:cNvSpPr>
           <p:nvPr>
-            <p:ph idx="1"/>
+            <p:ph type="body" idx="1"/>
           </p:nvPr>
         </p:nvSpPr>
         <p:spPr/>
@@ -6791,80 +6980,14 @@
           <a:bodyPr/>
           <a:lstStyle/>
           <a:p>
-            <a:endParaRPr lang="en-US" dirty="0"/>
-          </a:p>
-        </p:txBody>
-      </p:sp>
-      <p:sp>
-        <p:nvSpPr>
-          <p:cNvPr id="3" name="TextBox 2"/>
-          <p:cNvSpPr txBox="1"/>
-          <p:nvPr/>
-        </p:nvSpPr>
-        <p:spPr>
-          <a:xfrm>
-            <a:off x="1606045" y="2638045"/>
-            <a:ext cx="5937755" cy="3101983"/>
-          </a:xfrm>
-          <a:prstGeom prst="rect">
-            <a:avLst/>
-          </a:prstGeom>
-          <a:solidFill>
-            <a:schemeClr val="accent5">
-              <a:lumMod val="60000"/>
-              <a:lumOff val="40000"/>
-            </a:schemeClr>
-          </a:solidFill>
-        </p:spPr>
-        <p:txBody>
-          <a:bodyPr wrap="square" rtlCol="0">
-            <a:spAutoFit/>
-          </a:bodyPr>
-          <a:lstStyle/>
-          <a:p>
-            <a:endParaRPr lang="en-US" dirty="0"/>
-          </a:p>
-        </p:txBody>
-      </p:sp>
-      <p:sp>
-        <p:nvSpPr>
-          <p:cNvPr id="9" name="TextBox 8"/>
-          <p:cNvSpPr txBox="1"/>
-          <p:nvPr/>
-        </p:nvSpPr>
-        <p:spPr>
-          <a:xfrm>
-            <a:off x="1606046" y="2638044"/>
-            <a:ext cx="2795474" cy="1484505"/>
-          </a:xfrm>
-          <a:prstGeom prst="rect">
-            <a:avLst/>
-          </a:prstGeom>
-          <a:solidFill>
-            <a:schemeClr val="bg1">
-              <a:lumMod val="65000"/>
-            </a:schemeClr>
-          </a:solidFill>
-          <a:ln>
-            <a:solidFill>
-              <a:schemeClr val="tx1"/>
-            </a:solidFill>
-          </a:ln>
-        </p:spPr>
-        <p:txBody>
-          <a:bodyPr wrap="square" rtlCol="0">
-            <a:spAutoFit/>
-          </a:bodyPr>
-          <a:lstStyle/>
-          <a:p>
-            <a:endParaRPr lang="en-US" dirty="0"/>
+            <a:endParaRPr lang="en-US"/>
           </a:p>
         </p:txBody>
       </p:sp>
     </p:spTree>
     <p:extLst>
       <p:ext uri="{BB962C8B-B14F-4D97-AF65-F5344CB8AC3E}">
-        <p14:creationId xmlns:p14="http://schemas.microsoft.com/office/powerpoint/2010/main" val="1574505974"/>
+        <p14:creationId xmlns:p14="http://schemas.microsoft.com/office/powerpoint/2010/main" val="875745637"/>
       </p:ext>
     </p:extLst>
   </p:cSld>
@@ -6900,7 +7023,7 @@
       </p:grpSpPr>
       <p:sp>
         <p:nvSpPr>
-          <p:cNvPr id="4" name="Title 3"/>
+          <p:cNvPr id="2" name="Title 1"/>
           <p:cNvSpPr>
             <a:spLocks noGrp="1"/>
           </p:cNvSpPr>
@@ -6914,8 +7037,8 @@
           <a:lstStyle/>
           <a:p>
             <a:r>
-              <a:rPr lang="en-US" dirty="0" smtClean="0"/>
-              <a:t>Position: relative</a:t>
+              <a:rPr lang="en-US" dirty="0" err="1" smtClean="0"/>
+              <a:t>Postition</a:t>
             </a:r>
             <a:endParaRPr lang="en-US" dirty="0"/>
           </a:p>
@@ -6923,7 +7046,7 @@
       </p:sp>
       <p:sp>
         <p:nvSpPr>
-          <p:cNvPr id="2" name="Content Placeholder 1"/>
+          <p:cNvPr id="6" name="Content Placeholder 5"/>
           <p:cNvSpPr>
             <a:spLocks noGrp="1"/>
           </p:cNvSpPr>
@@ -6936,131 +7059,43 @@
           <a:bodyPr/>
           <a:lstStyle/>
           <a:p>
+            <a:r>
+              <a:rPr lang="en-US" dirty="0"/>
+              <a:t>static</a:t>
+            </a:r>
+          </a:p>
+          <a:p>
+            <a:r>
+              <a:rPr lang="en-US" dirty="0"/>
+              <a:t>relative</a:t>
+            </a:r>
+          </a:p>
+          <a:p>
+            <a:r>
+              <a:rPr lang="en-US" dirty="0"/>
+              <a:t>fixed</a:t>
+            </a:r>
+          </a:p>
+          <a:p>
+            <a:r>
+              <a:rPr lang="en-US" dirty="0" smtClean="0"/>
+              <a:t>absolute</a:t>
+            </a:r>
+            <a:r>
+              <a:rPr lang="en-US" dirty="0"/>
+              <a:t/>
+            </a:r>
+            <a:br>
+              <a:rPr lang="en-US" dirty="0"/>
+            </a:br>
             <a:endParaRPr lang="en-US" dirty="0"/>
-          </a:p>
-        </p:txBody>
-      </p:sp>
-      <p:sp>
-        <p:nvSpPr>
-          <p:cNvPr id="3" name="TextBox 2"/>
-          <p:cNvSpPr txBox="1"/>
-          <p:nvPr/>
-        </p:nvSpPr>
-        <p:spPr>
-          <a:xfrm>
-            <a:off x="1606045" y="2638045"/>
-            <a:ext cx="5937755" cy="3101983"/>
-          </a:xfrm>
-          <a:prstGeom prst="rect">
-            <a:avLst/>
-          </a:prstGeom>
-          <a:solidFill>
-            <a:schemeClr val="accent5">
-              <a:lumMod val="60000"/>
-              <a:lumOff val="40000"/>
-            </a:schemeClr>
-          </a:solidFill>
-        </p:spPr>
-        <p:txBody>
-          <a:bodyPr wrap="square" rtlCol="0">
-            <a:spAutoFit/>
-          </a:bodyPr>
-          <a:lstStyle/>
-          <a:p>
-            <a:endParaRPr lang="en-US" dirty="0"/>
-          </a:p>
-        </p:txBody>
-      </p:sp>
-      <p:sp>
-        <p:nvSpPr>
-          <p:cNvPr id="9" name="TextBox 8"/>
-          <p:cNvSpPr txBox="1"/>
-          <p:nvPr/>
-        </p:nvSpPr>
-        <p:spPr>
-          <a:xfrm>
-            <a:off x="1916010" y="2638045"/>
-            <a:ext cx="2795474" cy="1484505"/>
-          </a:xfrm>
-          <a:prstGeom prst="rect">
-            <a:avLst/>
-          </a:prstGeom>
-          <a:solidFill>
-            <a:schemeClr val="bg1">
-              <a:lumMod val="65000"/>
-            </a:schemeClr>
-          </a:solidFill>
-          <a:ln>
-            <a:solidFill>
-              <a:schemeClr val="tx1"/>
-            </a:solidFill>
-          </a:ln>
-        </p:spPr>
-        <p:txBody>
-          <a:bodyPr wrap="square" rtlCol="0">
-            <a:spAutoFit/>
-          </a:bodyPr>
-          <a:lstStyle/>
-          <a:p>
-            <a:endParaRPr lang="en-US" dirty="0"/>
-          </a:p>
-        </p:txBody>
-      </p:sp>
-      <p:sp>
-        <p:nvSpPr>
-          <p:cNvPr id="10" name="TextBox 9"/>
-          <p:cNvSpPr txBox="1"/>
-          <p:nvPr/>
-        </p:nvSpPr>
-        <p:spPr>
-          <a:xfrm>
-            <a:off x="774914" y="5994768"/>
-            <a:ext cx="7873140" cy="369332"/>
-          </a:xfrm>
-          <a:prstGeom prst="rect">
-            <a:avLst/>
-          </a:prstGeom>
-          <a:solidFill>
-            <a:schemeClr val="accent1">
-              <a:lumMod val="60000"/>
-              <a:lumOff val="40000"/>
-            </a:schemeClr>
-          </a:solidFill>
-        </p:spPr>
-        <p:txBody>
-          <a:bodyPr wrap="square" rtlCol="0">
-            <a:spAutoFit/>
-          </a:bodyPr>
-          <a:lstStyle/>
-          <a:p>
-            <a:r>
-              <a:rPr lang="nl-BE" dirty="0">
-                <a:latin typeface="Andale Mono" charset="0"/>
-                <a:ea typeface="Andale Mono" charset="0"/>
-                <a:cs typeface="Andale Mono" charset="0"/>
-              </a:rPr>
-              <a:t>l</a:t>
-            </a:r>
-            <a:r>
-              <a:rPr lang="nl-BE" dirty="0" smtClean="0">
-                <a:latin typeface="Andale Mono" charset="0"/>
-                <a:ea typeface="Andale Mono" charset="0"/>
-                <a:cs typeface="Andale Mono" charset="0"/>
-              </a:rPr>
-              <a:t>eft:30px;</a:t>
-            </a:r>
-            <a:endParaRPr lang="en-US" dirty="0">
-              <a:latin typeface="Andale Mono" charset="0"/>
-              <a:ea typeface="Andale Mono" charset="0"/>
-              <a:cs typeface="Andale Mono" charset="0"/>
-            </a:endParaRPr>
           </a:p>
         </p:txBody>
       </p:sp>
     </p:spTree>
     <p:extLst>
       <p:ext uri="{BB962C8B-B14F-4D97-AF65-F5344CB8AC3E}">
-        <p14:creationId xmlns:p14="http://schemas.microsoft.com/office/powerpoint/2010/main" val="1679921931"/>
+        <p14:creationId xmlns:p14="http://schemas.microsoft.com/office/powerpoint/2010/main" val="1240854226"/>
       </p:ext>
     </p:extLst>
   </p:cSld>
@@ -7111,9 +7146,12 @@
           <a:p>
             <a:r>
               <a:rPr lang="en-US" dirty="0" smtClean="0"/>
-              <a:t>Position: fixed</a:t>
-            </a:r>
-            <a:endParaRPr lang="en-US" dirty="0"/>
+              <a:t>Position: </a:t>
+            </a:r>
+            <a:r>
+              <a:rPr lang="en-US" dirty="0"/>
+              <a:t>static</a:t>
+            </a:r>
           </a:p>
         </p:txBody>
       </p:sp>
@@ -7175,7 +7213,7 @@
         </p:nvSpPr>
         <p:spPr>
           <a:xfrm>
-            <a:off x="0" y="0"/>
+            <a:off x="1606046" y="2638044"/>
             <a:ext cx="2795474" cy="1484505"/>
           </a:xfrm>
           <a:prstGeom prst="rect">
@@ -7205,7 +7243,7 @@
     </p:spTree>
     <p:extLst>
       <p:ext uri="{BB962C8B-B14F-4D97-AF65-F5344CB8AC3E}">
-        <p14:creationId xmlns:p14="http://schemas.microsoft.com/office/powerpoint/2010/main" val="1555941992"/>
+        <p14:creationId xmlns:p14="http://schemas.microsoft.com/office/powerpoint/2010/main" val="675462530"/>
       </p:ext>
     </p:extLst>
   </p:cSld>
@@ -7256,9 +7294,12 @@
           <a:p>
             <a:r>
               <a:rPr lang="en-US" dirty="0" smtClean="0"/>
-              <a:t>Position: absolute</a:t>
-            </a:r>
-            <a:endParaRPr lang="en-US" dirty="0"/>
+              <a:t>Position: </a:t>
+            </a:r>
+            <a:r>
+              <a:rPr lang="en-US" dirty="0"/>
+              <a:t>static</a:t>
+            </a:r>
           </a:p>
         </p:txBody>
       </p:sp>
@@ -7320,7 +7361,7 @@
         </p:nvSpPr>
         <p:spPr>
           <a:xfrm>
-            <a:off x="1606045" y="2638045"/>
+            <a:off x="1606046" y="2638044"/>
             <a:ext cx="2795474" cy="1484505"/>
           </a:xfrm>
           <a:prstGeom prst="rect">
@@ -7347,10 +7388,61 @@
           </a:p>
         </p:txBody>
       </p:sp>
+      <p:sp>
+        <p:nvSpPr>
+          <p:cNvPr id="10" name="TextBox 9"/>
+          <p:cNvSpPr txBox="1"/>
+          <p:nvPr/>
+        </p:nvSpPr>
+        <p:spPr>
+          <a:xfrm>
+            <a:off x="774914" y="5994768"/>
+            <a:ext cx="7873140" cy="369332"/>
+          </a:xfrm>
+          <a:prstGeom prst="rect">
+            <a:avLst/>
+          </a:prstGeom>
+          <a:solidFill>
+            <a:schemeClr val="accent1">
+              <a:lumMod val="60000"/>
+              <a:lumOff val="40000"/>
+            </a:schemeClr>
+          </a:solidFill>
+        </p:spPr>
+        <p:txBody>
+          <a:bodyPr wrap="square" rtlCol="0">
+            <a:spAutoFit/>
+          </a:bodyPr>
+          <a:lstStyle/>
+          <a:p>
+            <a:r>
+              <a:rPr lang="nl-BE" dirty="0">
+                <a:latin typeface="Andale Mono" charset="0"/>
+                <a:ea typeface="Andale Mono" charset="0"/>
+                <a:cs typeface="Andale Mono" charset="0"/>
+              </a:rPr>
+              <a:t>l</a:t>
+            </a:r>
+            <a:r>
+              <a:rPr lang="nl-BE" dirty="0" smtClean="0">
+                <a:latin typeface="Andale Mono" charset="0"/>
+                <a:ea typeface="Andale Mono" charset="0"/>
+                <a:cs typeface="Andale Mono" charset="0"/>
+              </a:rPr>
+              <a:t>eft:30px;</a:t>
+            </a:r>
+            <a:endParaRPr lang="en-US" dirty="0">
+              <a:latin typeface="Andale Mono" charset="0"/>
+              <a:ea typeface="Andale Mono" charset="0"/>
+              <a:cs typeface="Andale Mono" charset="0"/>
+            </a:endParaRPr>
+          </a:p>
+        </p:txBody>
+      </p:sp>
     </p:spTree>
     <p:extLst>
       <p:ext uri="{BB962C8B-B14F-4D97-AF65-F5344CB8AC3E}">
-        <p14:creationId xmlns:p14="http://schemas.microsoft.com/office/powerpoint/2010/main" val="417400436"/>
+        <p14:creationId xmlns:p14="http://schemas.microsoft.com/office/powerpoint/2010/main" val="1426815398"/>
       </p:ext>
     </p:extLst>
   </p:cSld>
@@ -7401,7 +7493,7 @@
           <a:p>
             <a:r>
               <a:rPr lang="en-US" dirty="0" smtClean="0"/>
-              <a:t>Position: absolute</a:t>
+              <a:t>Position: relative</a:t>
             </a:r>
             <a:endParaRPr lang="en-US" dirty="0"/>
           </a:p>
@@ -7465,7 +7557,7 @@
         </p:nvSpPr>
         <p:spPr>
           <a:xfrm>
-            <a:off x="1916010" y="2638045"/>
+            <a:off x="1606046" y="2638044"/>
             <a:ext cx="2795474" cy="1484505"/>
           </a:xfrm>
           <a:prstGeom prst="rect">
@@ -7492,61 +7584,10 @@
           </a:p>
         </p:txBody>
       </p:sp>
-      <p:sp>
-        <p:nvSpPr>
-          <p:cNvPr id="10" name="TextBox 9"/>
-          <p:cNvSpPr txBox="1"/>
-          <p:nvPr/>
-        </p:nvSpPr>
-        <p:spPr>
-          <a:xfrm>
-            <a:off x="774914" y="5994768"/>
-            <a:ext cx="7873140" cy="369332"/>
-          </a:xfrm>
-          <a:prstGeom prst="rect">
-            <a:avLst/>
-          </a:prstGeom>
-          <a:solidFill>
-            <a:schemeClr val="accent1">
-              <a:lumMod val="60000"/>
-              <a:lumOff val="40000"/>
-            </a:schemeClr>
-          </a:solidFill>
-        </p:spPr>
-        <p:txBody>
-          <a:bodyPr wrap="square" rtlCol="0">
-            <a:spAutoFit/>
-          </a:bodyPr>
-          <a:lstStyle/>
-          <a:p>
-            <a:r>
-              <a:rPr lang="nl-BE" dirty="0">
-                <a:latin typeface="Andale Mono" charset="0"/>
-                <a:ea typeface="Andale Mono" charset="0"/>
-                <a:cs typeface="Andale Mono" charset="0"/>
-              </a:rPr>
-              <a:t>l</a:t>
-            </a:r>
-            <a:r>
-              <a:rPr lang="nl-BE" dirty="0" smtClean="0">
-                <a:latin typeface="Andale Mono" charset="0"/>
-                <a:ea typeface="Andale Mono" charset="0"/>
-                <a:cs typeface="Andale Mono" charset="0"/>
-              </a:rPr>
-              <a:t>eft:30px;</a:t>
-            </a:r>
-            <a:endParaRPr lang="en-US" dirty="0">
-              <a:latin typeface="Andale Mono" charset="0"/>
-              <a:ea typeface="Andale Mono" charset="0"/>
-              <a:cs typeface="Andale Mono" charset="0"/>
-            </a:endParaRPr>
-          </a:p>
-        </p:txBody>
-      </p:sp>
     </p:spTree>
     <p:extLst>
       <p:ext uri="{BB962C8B-B14F-4D97-AF65-F5344CB8AC3E}">
-        <p14:creationId xmlns:p14="http://schemas.microsoft.com/office/powerpoint/2010/main" val="685861563"/>
+        <p14:creationId xmlns:p14="http://schemas.microsoft.com/office/powerpoint/2010/main" val="1574505974"/>
       </p:ext>
     </p:extLst>
   </p:cSld>
@@ -7661,7 +7702,7 @@
       </p:grpSpPr>
       <p:sp>
         <p:nvSpPr>
-          <p:cNvPr id="2" name="Title 1"/>
+          <p:cNvPr id="4" name="Title 3"/>
           <p:cNvSpPr>
             <a:spLocks noGrp="1"/>
           </p:cNvSpPr>
@@ -7676,7 +7717,7 @@
           <a:p>
             <a:r>
               <a:rPr lang="en-US" dirty="0" smtClean="0"/>
-              <a:t>Position: absolute</a:t>
+              <a:t>Position: relative</a:t>
             </a:r>
             <a:endParaRPr lang="en-US" dirty="0"/>
           </a:p>
@@ -7684,7 +7725,7 @@
       </p:sp>
       <p:sp>
         <p:nvSpPr>
-          <p:cNvPr id="3" name="Content Placeholder 2"/>
+          <p:cNvPr id="2" name="Content Placeholder 1"/>
           <p:cNvSpPr>
             <a:spLocks noGrp="1"/>
           </p:cNvSpPr>
@@ -7692,36 +7733,136 @@
             <p:ph idx="1"/>
           </p:nvPr>
         </p:nvSpPr>
+        <p:spPr/>
+        <p:txBody>
+          <a:bodyPr/>
+          <a:lstStyle/>
+          <a:p>
+            <a:endParaRPr lang="en-US" dirty="0"/>
+          </a:p>
+        </p:txBody>
+      </p:sp>
+      <p:sp>
+        <p:nvSpPr>
+          <p:cNvPr id="3" name="TextBox 2"/>
+          <p:cNvSpPr txBox="1"/>
+          <p:nvPr/>
+        </p:nvSpPr>
         <p:spPr>
           <a:xfrm>
-            <a:off x="1606045" y="3226980"/>
+            <a:off x="1606045" y="2638045"/>
             <a:ext cx="5937755" cy="3101983"/>
           </a:xfrm>
+          <a:prstGeom prst="rect">
+            <a:avLst/>
+          </a:prstGeom>
+          <a:solidFill>
+            <a:schemeClr val="accent5">
+              <a:lumMod val="60000"/>
+              <a:lumOff val="40000"/>
+            </a:schemeClr>
+          </a:solidFill>
         </p:spPr>
         <p:txBody>
-          <a:bodyPr>
-            <a:normAutofit/>
+          <a:bodyPr wrap="square" rtlCol="0">
+            <a:spAutoFit/>
           </a:bodyPr>
           <a:lstStyle/>
           <a:p>
-            <a:pPr marL="0" indent="0" algn="ctr">
-              <a:buNone/>
-            </a:pPr>
-            <a:r>
-              <a:rPr lang="en-US" sz="3200" dirty="0">
-                <a:latin typeface="Andale Mono" charset="0"/>
-                <a:ea typeface="Andale Mono" charset="0"/>
-                <a:cs typeface="Andale Mono" charset="0"/>
-              </a:rPr>
-              <a:t>is positioned relative to the nearest positioned ancestor</a:t>
-            </a:r>
+            <a:endParaRPr lang="en-US" dirty="0"/>
+          </a:p>
+        </p:txBody>
+      </p:sp>
+      <p:sp>
+        <p:nvSpPr>
+          <p:cNvPr id="9" name="TextBox 8"/>
+          <p:cNvSpPr txBox="1"/>
+          <p:nvPr/>
+        </p:nvSpPr>
+        <p:spPr>
+          <a:xfrm>
+            <a:off x="1916010" y="2638045"/>
+            <a:ext cx="2795474" cy="1484505"/>
+          </a:xfrm>
+          <a:prstGeom prst="rect">
+            <a:avLst/>
+          </a:prstGeom>
+          <a:solidFill>
+            <a:schemeClr val="bg1">
+              <a:lumMod val="65000"/>
+            </a:schemeClr>
+          </a:solidFill>
+          <a:ln>
+            <a:solidFill>
+              <a:schemeClr val="tx1"/>
+            </a:solidFill>
+          </a:ln>
+        </p:spPr>
+        <p:txBody>
+          <a:bodyPr wrap="square" rtlCol="0">
+            <a:spAutoFit/>
+          </a:bodyPr>
+          <a:lstStyle/>
+          <a:p>
+            <a:endParaRPr lang="en-US" dirty="0"/>
+          </a:p>
+        </p:txBody>
+      </p:sp>
+      <p:sp>
+        <p:nvSpPr>
+          <p:cNvPr id="10" name="TextBox 9"/>
+          <p:cNvSpPr txBox="1"/>
+          <p:nvPr/>
+        </p:nvSpPr>
+        <p:spPr>
+          <a:xfrm>
+            <a:off x="774914" y="5994768"/>
+            <a:ext cx="7873140" cy="369332"/>
+          </a:xfrm>
+          <a:prstGeom prst="rect">
+            <a:avLst/>
+          </a:prstGeom>
+          <a:solidFill>
+            <a:schemeClr val="accent1">
+              <a:lumMod val="60000"/>
+              <a:lumOff val="40000"/>
+            </a:schemeClr>
+          </a:solidFill>
+        </p:spPr>
+        <p:txBody>
+          <a:bodyPr wrap="square" rtlCol="0">
+            <a:spAutoFit/>
+          </a:bodyPr>
+          <a:lstStyle/>
+          <a:p>
+            <a:r>
+              <a:rPr lang="nl-BE" dirty="0">
+                <a:latin typeface="Andale Mono" charset="0"/>
+                <a:ea typeface="Andale Mono" charset="0"/>
+                <a:cs typeface="Andale Mono" charset="0"/>
+              </a:rPr>
+              <a:t>l</a:t>
+            </a:r>
+            <a:r>
+              <a:rPr lang="nl-BE" dirty="0" smtClean="0">
+                <a:latin typeface="Andale Mono" charset="0"/>
+                <a:ea typeface="Andale Mono" charset="0"/>
+                <a:cs typeface="Andale Mono" charset="0"/>
+              </a:rPr>
+              <a:t>eft:30px;</a:t>
+            </a:r>
+            <a:endParaRPr lang="en-US" dirty="0">
+              <a:latin typeface="Andale Mono" charset="0"/>
+              <a:ea typeface="Andale Mono" charset="0"/>
+              <a:cs typeface="Andale Mono" charset="0"/>
+            </a:endParaRPr>
           </a:p>
         </p:txBody>
       </p:sp>
     </p:spTree>
     <p:extLst>
       <p:ext uri="{BB962C8B-B14F-4D97-AF65-F5344CB8AC3E}">
-        <p14:creationId xmlns:p14="http://schemas.microsoft.com/office/powerpoint/2010/main" val="1121537895"/>
+        <p14:creationId xmlns:p14="http://schemas.microsoft.com/office/powerpoint/2010/main" val="1679921931"/>
       </p:ext>
     </p:extLst>
   </p:cSld>
@@ -7772,7 +7913,7 @@
           <a:p>
             <a:r>
               <a:rPr lang="en-US" dirty="0" smtClean="0"/>
-              <a:t>float</a:t>
+              <a:t>Position: fixed</a:t>
             </a:r>
             <a:endParaRPr lang="en-US" dirty="0"/>
           </a:p>
@@ -7799,13 +7940,13 @@
       </p:sp>
       <p:sp>
         <p:nvSpPr>
-          <p:cNvPr id="6" name="TextBox 5"/>
+          <p:cNvPr id="3" name="TextBox 2"/>
           <p:cNvSpPr txBox="1"/>
           <p:nvPr/>
         </p:nvSpPr>
         <p:spPr>
           <a:xfrm>
-            <a:off x="1606045" y="2638044"/>
+            <a:off x="1606045" y="2638045"/>
             <a:ext cx="5937755" cy="3101983"/>
           </a:xfrm>
           <a:prstGeom prst="rect">
@@ -7830,13 +7971,13 @@
       </p:sp>
       <p:sp>
         <p:nvSpPr>
-          <p:cNvPr id="10" name="TextBox 9"/>
+          <p:cNvPr id="9" name="TextBox 8"/>
           <p:cNvSpPr txBox="1"/>
           <p:nvPr/>
         </p:nvSpPr>
         <p:spPr>
           <a:xfrm>
-            <a:off x="1606046" y="2638044"/>
+            <a:off x="0" y="0"/>
             <a:ext cx="2795474" cy="1484505"/>
           </a:xfrm>
           <a:prstGeom prst="rect">
@@ -7863,45 +8004,10 @@
           </a:p>
         </p:txBody>
       </p:sp>
-      <p:sp>
-        <p:nvSpPr>
-          <p:cNvPr id="11" name="TextBox 10"/>
-          <p:cNvSpPr txBox="1"/>
-          <p:nvPr/>
-        </p:nvSpPr>
-        <p:spPr>
-          <a:xfrm>
-            <a:off x="1606046" y="4122549"/>
-            <a:ext cx="2795474" cy="1484505"/>
-          </a:xfrm>
-          <a:prstGeom prst="rect">
-            <a:avLst/>
-          </a:prstGeom>
-          <a:solidFill>
-            <a:schemeClr val="bg1">
-              <a:lumMod val="65000"/>
-            </a:schemeClr>
-          </a:solidFill>
-          <a:ln>
-            <a:solidFill>
-              <a:schemeClr val="tx1"/>
-            </a:solidFill>
-          </a:ln>
-        </p:spPr>
-        <p:txBody>
-          <a:bodyPr wrap="square" rtlCol="0">
-            <a:spAutoFit/>
-          </a:bodyPr>
-          <a:lstStyle/>
-          <a:p>
-            <a:endParaRPr lang="en-US" dirty="0"/>
-          </a:p>
-        </p:txBody>
-      </p:sp>
     </p:spTree>
     <p:extLst>
       <p:ext uri="{BB962C8B-B14F-4D97-AF65-F5344CB8AC3E}">
-        <p14:creationId xmlns:p14="http://schemas.microsoft.com/office/powerpoint/2010/main" val="1201786221"/>
+        <p14:creationId xmlns:p14="http://schemas.microsoft.com/office/powerpoint/2010/main" val="1555941992"/>
       </p:ext>
     </p:extLst>
   </p:cSld>
@@ -7952,7 +8058,7 @@
           <a:p>
             <a:r>
               <a:rPr lang="en-US" dirty="0" smtClean="0"/>
-              <a:t>Float</a:t>
+              <a:t>Position: absolute</a:t>
             </a:r>
             <a:endParaRPr lang="en-US" dirty="0"/>
           </a:p>
@@ -7979,13 +8085,13 @@
       </p:sp>
       <p:sp>
         <p:nvSpPr>
-          <p:cNvPr id="6" name="TextBox 5"/>
+          <p:cNvPr id="3" name="TextBox 2"/>
           <p:cNvSpPr txBox="1"/>
           <p:nvPr/>
         </p:nvSpPr>
         <p:spPr>
           <a:xfrm>
-            <a:off x="1606045" y="2638044"/>
+            <a:off x="1606045" y="2638045"/>
             <a:ext cx="5937755" cy="3101983"/>
           </a:xfrm>
           <a:prstGeom prst="rect">
@@ -8010,13 +8116,13 @@
       </p:sp>
       <p:sp>
         <p:nvSpPr>
-          <p:cNvPr id="10" name="TextBox 9"/>
+          <p:cNvPr id="9" name="TextBox 8"/>
           <p:cNvSpPr txBox="1"/>
           <p:nvPr/>
         </p:nvSpPr>
         <p:spPr>
           <a:xfrm>
-            <a:off x="1606046" y="2638044"/>
+            <a:off x="1606045" y="2638045"/>
             <a:ext cx="2795474" cy="1484505"/>
           </a:xfrm>
           <a:prstGeom prst="rect">
@@ -8043,96 +8149,10 @@
           </a:p>
         </p:txBody>
       </p:sp>
-      <p:sp>
-        <p:nvSpPr>
-          <p:cNvPr id="11" name="TextBox 10"/>
-          <p:cNvSpPr txBox="1"/>
-          <p:nvPr/>
-        </p:nvSpPr>
-        <p:spPr>
-          <a:xfrm>
-            <a:off x="4401520" y="2638043"/>
-            <a:ext cx="2795474" cy="1484505"/>
-          </a:xfrm>
-          <a:prstGeom prst="rect">
-            <a:avLst/>
-          </a:prstGeom>
-          <a:solidFill>
-            <a:schemeClr val="bg1">
-              <a:lumMod val="65000"/>
-            </a:schemeClr>
-          </a:solidFill>
-          <a:ln>
-            <a:solidFill>
-              <a:schemeClr val="tx1"/>
-            </a:solidFill>
-          </a:ln>
-        </p:spPr>
-        <p:txBody>
-          <a:bodyPr wrap="square" rtlCol="0">
-            <a:spAutoFit/>
-          </a:bodyPr>
-          <a:lstStyle/>
-          <a:p>
-            <a:endParaRPr lang="en-US" dirty="0"/>
-          </a:p>
-        </p:txBody>
-      </p:sp>
-      <p:sp>
-        <p:nvSpPr>
-          <p:cNvPr id="7" name="TextBox 6"/>
-          <p:cNvSpPr txBox="1"/>
-          <p:nvPr/>
-        </p:nvSpPr>
-        <p:spPr>
-          <a:xfrm>
-            <a:off x="774914" y="5994768"/>
-            <a:ext cx="7873140" cy="369332"/>
-          </a:xfrm>
-          <a:prstGeom prst="rect">
-            <a:avLst/>
-          </a:prstGeom>
-          <a:solidFill>
-            <a:schemeClr val="accent1">
-              <a:lumMod val="60000"/>
-              <a:lumOff val="40000"/>
-            </a:schemeClr>
-          </a:solidFill>
-        </p:spPr>
-        <p:txBody>
-          <a:bodyPr wrap="square" rtlCol="0">
-            <a:spAutoFit/>
-          </a:bodyPr>
-          <a:lstStyle/>
-          <a:p>
-            <a:r>
-              <a:rPr lang="nl-BE" dirty="0">
-                <a:latin typeface="Andale Mono" charset="0"/>
-                <a:ea typeface="Andale Mono" charset="0"/>
-                <a:cs typeface="Andale Mono" charset="0"/>
-              </a:rPr>
-              <a:t>f</a:t>
-            </a:r>
-            <a:r>
-              <a:rPr lang="nl-BE" dirty="0" smtClean="0">
-                <a:latin typeface="Andale Mono" charset="0"/>
-                <a:ea typeface="Andale Mono" charset="0"/>
-                <a:cs typeface="Andale Mono" charset="0"/>
-              </a:rPr>
-              <a:t>loat: left;</a:t>
-            </a:r>
-            <a:endParaRPr lang="en-US" dirty="0">
-              <a:latin typeface="Andale Mono" charset="0"/>
-              <a:ea typeface="Andale Mono" charset="0"/>
-              <a:cs typeface="Andale Mono" charset="0"/>
-            </a:endParaRPr>
-          </a:p>
-        </p:txBody>
-      </p:sp>
     </p:spTree>
     <p:extLst>
       <p:ext uri="{BB962C8B-B14F-4D97-AF65-F5344CB8AC3E}">
-        <p14:creationId xmlns:p14="http://schemas.microsoft.com/office/powerpoint/2010/main" val="1854953997"/>
+        <p14:creationId xmlns:p14="http://schemas.microsoft.com/office/powerpoint/2010/main" val="417400436"/>
       </p:ext>
     </p:extLst>
   </p:cSld>
@@ -8183,7 +8203,7 @@
           <a:p>
             <a:r>
               <a:rPr lang="en-US" dirty="0" smtClean="0"/>
-              <a:t>Float</a:t>
+              <a:t>Position: absolute</a:t>
             </a:r>
             <a:endParaRPr lang="en-US" dirty="0"/>
           </a:p>
@@ -8210,13 +8230,13 @@
       </p:sp>
       <p:sp>
         <p:nvSpPr>
-          <p:cNvPr id="6" name="TextBox 5"/>
+          <p:cNvPr id="3" name="TextBox 2"/>
           <p:cNvSpPr txBox="1"/>
           <p:nvPr/>
         </p:nvSpPr>
         <p:spPr>
           <a:xfrm>
-            <a:off x="1606045" y="2638044"/>
+            <a:off x="1606045" y="2638045"/>
             <a:ext cx="5937755" cy="3101983"/>
           </a:xfrm>
           <a:prstGeom prst="rect">
@@ -8241,13 +8261,13 @@
       </p:sp>
       <p:sp>
         <p:nvSpPr>
-          <p:cNvPr id="10" name="TextBox 9"/>
+          <p:cNvPr id="9" name="TextBox 8"/>
           <p:cNvSpPr txBox="1"/>
           <p:nvPr/>
         </p:nvSpPr>
         <p:spPr>
           <a:xfrm>
-            <a:off x="1952852" y="2638044"/>
+            <a:off x="1916010" y="2638045"/>
             <a:ext cx="2795474" cy="1484505"/>
           </a:xfrm>
           <a:prstGeom prst="rect">
@@ -8276,42 +8296,7 @@
       </p:sp>
       <p:sp>
         <p:nvSpPr>
-          <p:cNvPr id="11" name="TextBox 10"/>
-          <p:cNvSpPr txBox="1"/>
-          <p:nvPr/>
-        </p:nvSpPr>
-        <p:spPr>
-          <a:xfrm>
-            <a:off x="4748326" y="2638043"/>
-            <a:ext cx="2795474" cy="1484505"/>
-          </a:xfrm>
-          <a:prstGeom prst="rect">
-            <a:avLst/>
-          </a:prstGeom>
-          <a:solidFill>
-            <a:schemeClr val="bg1">
-              <a:lumMod val="65000"/>
-            </a:schemeClr>
-          </a:solidFill>
-          <a:ln>
-            <a:solidFill>
-              <a:schemeClr val="tx1"/>
-            </a:solidFill>
-          </a:ln>
-        </p:spPr>
-        <p:txBody>
-          <a:bodyPr wrap="square" rtlCol="0">
-            <a:spAutoFit/>
-          </a:bodyPr>
-          <a:lstStyle/>
-          <a:p>
-            <a:endParaRPr lang="en-US" dirty="0"/>
-          </a:p>
-        </p:txBody>
-      </p:sp>
-      <p:sp>
-        <p:nvSpPr>
-          <p:cNvPr id="7" name="TextBox 6"/>
+          <p:cNvPr id="10" name="TextBox 9"/>
           <p:cNvSpPr txBox="1"/>
           <p:nvPr/>
         </p:nvSpPr>
@@ -8342,7 +8327,7 @@
                 <a:ea typeface="Andale Mono" charset="0"/>
                 <a:cs typeface="Andale Mono" charset="0"/>
               </a:rPr>
-              <a:t>f</a:t>
+              <a:t>l</a:t>
             </a:r>
             <a:r>
               <a:rPr lang="nl-BE" dirty="0" smtClean="0">
@@ -8350,7 +8335,7 @@
                 <a:ea typeface="Andale Mono" charset="0"/>
                 <a:cs typeface="Andale Mono" charset="0"/>
               </a:rPr>
-              <a:t>loat: right;</a:t>
+              <a:t>eft:30px;</a:t>
             </a:r>
             <a:endParaRPr lang="en-US" dirty="0">
               <a:latin typeface="Andale Mono" charset="0"/>
@@ -8363,7 +8348,7 @@
     </p:spTree>
     <p:extLst>
       <p:ext uri="{BB962C8B-B14F-4D97-AF65-F5344CB8AC3E}">
-        <p14:creationId xmlns:p14="http://schemas.microsoft.com/office/powerpoint/2010/main" val="619121415"/>
+        <p14:creationId xmlns:p14="http://schemas.microsoft.com/office/powerpoint/2010/main" val="685861563"/>
       </p:ext>
     </p:extLst>
   </p:cSld>
@@ -8399,7 +8384,7 @@
       </p:grpSpPr>
       <p:sp>
         <p:nvSpPr>
-          <p:cNvPr id="4" name="Title 3"/>
+          <p:cNvPr id="2" name="Title 1"/>
           <p:cNvSpPr>
             <a:spLocks noGrp="1"/>
           </p:cNvSpPr>
@@ -8414,7 +8399,7 @@
           <a:p>
             <a:r>
               <a:rPr lang="en-US" dirty="0" smtClean="0"/>
-              <a:t>Overflow</a:t>
+              <a:t>Position: absolute</a:t>
             </a:r>
             <a:endParaRPr lang="en-US" dirty="0"/>
           </a:p>
@@ -8422,7 +8407,7 @@
       </p:sp>
       <p:sp>
         <p:nvSpPr>
-          <p:cNvPr id="2" name="Content Placeholder 1"/>
+          <p:cNvPr id="3" name="Content Placeholder 2"/>
           <p:cNvSpPr>
             <a:spLocks noGrp="1"/>
           </p:cNvSpPr>
@@ -8430,203 +8415,36 @@
             <p:ph idx="1"/>
           </p:nvPr>
         </p:nvSpPr>
-        <p:spPr/>
-        <p:txBody>
-          <a:bodyPr/>
-          <a:lstStyle/>
-          <a:p>
-            <a:endParaRPr lang="en-US"/>
-          </a:p>
-        </p:txBody>
-      </p:sp>
-      <p:sp>
-        <p:nvSpPr>
-          <p:cNvPr id="6" name="TextBox 5"/>
-          <p:cNvSpPr txBox="1"/>
-          <p:nvPr/>
-        </p:nvSpPr>
         <p:spPr>
           <a:xfrm>
-            <a:off x="1606045" y="2638044"/>
+            <a:off x="1606045" y="3226980"/>
             <a:ext cx="5937755" cy="3101983"/>
           </a:xfrm>
-          <a:prstGeom prst="rect">
-            <a:avLst/>
-          </a:prstGeom>
-          <a:solidFill>
-            <a:schemeClr val="accent5">
-              <a:lumMod val="60000"/>
-              <a:lumOff val="40000"/>
-            </a:schemeClr>
-          </a:solidFill>
         </p:spPr>
         <p:txBody>
-          <a:bodyPr wrap="square" rtlCol="0">
-            <a:spAutoFit/>
+          <a:bodyPr>
+            <a:normAutofit/>
           </a:bodyPr>
           <a:lstStyle/>
           <a:p>
-            <a:endParaRPr lang="en-US" dirty="0"/>
-          </a:p>
-        </p:txBody>
-      </p:sp>
-      <p:sp>
-        <p:nvSpPr>
-          <p:cNvPr id="9" name="TextBox 8"/>
-          <p:cNvSpPr txBox="1"/>
-          <p:nvPr/>
-        </p:nvSpPr>
-        <p:spPr>
-          <a:xfrm>
-            <a:off x="1606045" y="2638043"/>
-            <a:ext cx="2795474" cy="3416320"/>
-          </a:xfrm>
-          <a:prstGeom prst="rect">
-            <a:avLst/>
-          </a:prstGeom>
-          <a:solidFill>
-            <a:schemeClr val="bg1">
-              <a:lumMod val="65000"/>
-            </a:schemeClr>
-          </a:solidFill>
-          <a:ln>
-            <a:solidFill>
-              <a:schemeClr val="tx1"/>
-            </a:solidFill>
-          </a:ln>
-        </p:spPr>
-        <p:txBody>
-          <a:bodyPr wrap="square" rtlCol="0">
-            <a:spAutoFit/>
-          </a:bodyPr>
-          <a:lstStyle/>
-          <a:p>
-            <a:r>
-              <a:rPr lang="en-US" dirty="0"/>
-              <a:t> </a:t>
-            </a:r>
-            <a:endParaRPr lang="en-US" dirty="0" smtClean="0"/>
-          </a:p>
-          <a:p>
-            <a:r>
-              <a:rPr lang="en-US" dirty="0"/>
-              <a:t> </a:t>
-            </a:r>
-            <a:endParaRPr lang="en-US" dirty="0" smtClean="0"/>
-          </a:p>
-          <a:p>
-            <a:r>
-              <a:rPr lang="en-US" dirty="0"/>
-              <a:t> </a:t>
-            </a:r>
-            <a:endParaRPr lang="en-US" dirty="0" smtClean="0"/>
-          </a:p>
-          <a:p>
-            <a:r>
-              <a:rPr lang="en-US" dirty="0"/>
-              <a:t> </a:t>
-            </a:r>
-            <a:endParaRPr lang="en-US" dirty="0" smtClean="0"/>
-          </a:p>
-          <a:p>
-            <a:r>
-              <a:rPr lang="en-US" dirty="0"/>
-              <a:t> </a:t>
-            </a:r>
-            <a:endParaRPr lang="en-US" dirty="0" smtClean="0"/>
-          </a:p>
-          <a:p>
-            <a:r>
-              <a:rPr lang="en-US" dirty="0"/>
-              <a:t> </a:t>
-            </a:r>
-            <a:endParaRPr lang="en-US" dirty="0" smtClean="0"/>
-          </a:p>
-          <a:p>
-            <a:r>
-              <a:rPr lang="en-US" dirty="0"/>
-              <a:t> </a:t>
-            </a:r>
-            <a:endParaRPr lang="en-US" dirty="0" smtClean="0"/>
-          </a:p>
-          <a:p>
-            <a:endParaRPr lang="en-US" dirty="0"/>
-          </a:p>
-          <a:p>
-            <a:r>
-              <a:rPr lang="en-US" dirty="0" smtClean="0"/>
-              <a:t> </a:t>
-            </a:r>
-          </a:p>
-          <a:p>
-            <a:r>
-              <a:rPr lang="en-US" dirty="0"/>
-              <a:t> </a:t>
-            </a:r>
-            <a:endParaRPr lang="en-US" dirty="0" smtClean="0"/>
-          </a:p>
-          <a:p>
-            <a:r>
-              <a:rPr lang="en-US" dirty="0"/>
-              <a:t> </a:t>
-            </a:r>
-            <a:endParaRPr lang="en-US" dirty="0" smtClean="0"/>
-          </a:p>
-          <a:p>
-            <a:r>
-              <a:rPr lang="en-US" dirty="0"/>
-              <a:t> </a:t>
-            </a:r>
-          </a:p>
-        </p:txBody>
-      </p:sp>
-      <p:sp>
-        <p:nvSpPr>
-          <p:cNvPr id="10" name="TextBox 9"/>
-          <p:cNvSpPr txBox="1"/>
-          <p:nvPr/>
-        </p:nvSpPr>
-        <p:spPr>
-          <a:xfrm>
-            <a:off x="774914" y="5994768"/>
-            <a:ext cx="7873140" cy="369332"/>
-          </a:xfrm>
-          <a:prstGeom prst="rect">
-            <a:avLst/>
-          </a:prstGeom>
-          <a:solidFill>
-            <a:schemeClr val="accent1">
-              <a:lumMod val="60000"/>
-              <a:lumOff val="40000"/>
-            </a:schemeClr>
-          </a:solidFill>
-        </p:spPr>
-        <p:txBody>
-          <a:bodyPr wrap="square" rtlCol="0">
-            <a:spAutoFit/>
-          </a:bodyPr>
-          <a:lstStyle/>
-          <a:p>
-            <a:r>
-              <a:rPr lang="nl-BE" dirty="0">
-                <a:latin typeface="Andale Mono" charset="0"/>
-                <a:ea typeface="Andale Mono" charset="0"/>
-                <a:cs typeface="Andale Mono" charset="0"/>
-              </a:rPr>
-              <a:t>overflow: visible;</a:t>
-            </a:r>
-            <a:endParaRPr lang="en-US" dirty="0">
-              <a:latin typeface="Andale Mono" charset="0"/>
-              <a:ea typeface="Andale Mono" charset="0"/>
-              <a:cs typeface="Andale Mono" charset="0"/>
-            </a:endParaRPr>
+            <a:pPr marL="0" indent="0" algn="ctr">
+              <a:buNone/>
+            </a:pPr>
+            <a:r>
+              <a:rPr lang="en-US" sz="3200" dirty="0">
+                <a:latin typeface="Andale Mono" charset="0"/>
+                <a:ea typeface="Andale Mono" charset="0"/>
+                <a:cs typeface="Andale Mono" charset="0"/>
+              </a:rPr>
+              <a:t>is positioned relative to the nearest positioned ancestor</a:t>
+            </a:r>
           </a:p>
         </p:txBody>
       </p:sp>
     </p:spTree>
     <p:extLst>
       <p:ext uri="{BB962C8B-B14F-4D97-AF65-F5344CB8AC3E}">
-        <p14:creationId xmlns:p14="http://schemas.microsoft.com/office/powerpoint/2010/main" val="957348175"/>
+        <p14:creationId xmlns:p14="http://schemas.microsoft.com/office/powerpoint/2010/main" val="1121537895"/>
       </p:ext>
     </p:extLst>
   </p:cSld>
@@ -8677,7 +8495,7 @@
           <a:p>
             <a:r>
               <a:rPr lang="en-US" dirty="0" smtClean="0"/>
-              <a:t>Overflow</a:t>
+              <a:t>float</a:t>
             </a:r>
             <a:endParaRPr lang="en-US" dirty="0"/>
           </a:p>
@@ -8698,7 +8516,7 @@
           <a:bodyPr/>
           <a:lstStyle/>
           <a:p>
-            <a:endParaRPr lang="en-US"/>
+            <a:endParaRPr lang="en-US" dirty="0"/>
           </a:p>
         </p:txBody>
       </p:sp>
@@ -8735,14 +8553,14 @@
       </p:sp>
       <p:sp>
         <p:nvSpPr>
-          <p:cNvPr id="9" name="TextBox 8"/>
+          <p:cNvPr id="10" name="TextBox 9"/>
           <p:cNvSpPr txBox="1"/>
           <p:nvPr/>
         </p:nvSpPr>
         <p:spPr>
           <a:xfrm>
-            <a:off x="1606045" y="2638043"/>
-            <a:ext cx="2795474" cy="3139321"/>
+            <a:off x="1606046" y="2638044"/>
+            <a:ext cx="2795474" cy="1484505"/>
           </a:xfrm>
           <a:prstGeom prst="rect">
             <a:avLst/>
@@ -8764,95 +8582,34 @@
           </a:bodyPr>
           <a:lstStyle/>
           <a:p>
-            <a:r>
-              <a:rPr lang="en-US" dirty="0"/>
-              <a:t> </a:t>
-            </a:r>
-            <a:endParaRPr lang="en-US" dirty="0" smtClean="0"/>
-          </a:p>
-          <a:p>
-            <a:r>
-              <a:rPr lang="en-US" dirty="0"/>
-              <a:t> </a:t>
-            </a:r>
-            <a:endParaRPr lang="en-US" dirty="0" smtClean="0"/>
-          </a:p>
-          <a:p>
-            <a:r>
-              <a:rPr lang="en-US" dirty="0"/>
-              <a:t> </a:t>
-            </a:r>
-            <a:endParaRPr lang="en-US" dirty="0" smtClean="0"/>
-          </a:p>
-          <a:p>
-            <a:r>
-              <a:rPr lang="en-US" dirty="0"/>
-              <a:t> </a:t>
-            </a:r>
-            <a:endParaRPr lang="en-US" dirty="0" smtClean="0"/>
-          </a:p>
-          <a:p>
-            <a:r>
-              <a:rPr lang="en-US" dirty="0"/>
-              <a:t> </a:t>
-            </a:r>
-            <a:endParaRPr lang="en-US" dirty="0" smtClean="0"/>
-          </a:p>
-          <a:p>
-            <a:r>
-              <a:rPr lang="en-US" dirty="0"/>
-              <a:t> </a:t>
-            </a:r>
-            <a:endParaRPr lang="en-US" dirty="0" smtClean="0"/>
-          </a:p>
-          <a:p>
-            <a:r>
-              <a:rPr lang="en-US" dirty="0"/>
-              <a:t> </a:t>
-            </a:r>
-            <a:endParaRPr lang="en-US" dirty="0" smtClean="0"/>
-          </a:p>
-          <a:p>
             <a:endParaRPr lang="en-US" dirty="0"/>
           </a:p>
-          <a:p>
-            <a:r>
-              <a:rPr lang="en-US" dirty="0" smtClean="0"/>
-              <a:t> </a:t>
-            </a:r>
-          </a:p>
-          <a:p>
-            <a:r>
-              <a:rPr lang="en-US" dirty="0"/>
-              <a:t> </a:t>
-            </a:r>
-            <a:endParaRPr lang="en-US" dirty="0" smtClean="0"/>
-          </a:p>
-          <a:p>
-            <a:endParaRPr lang="en-US" dirty="0" smtClean="0"/>
-          </a:p>
-        </p:txBody>
-      </p:sp>
-      <p:sp>
-        <p:nvSpPr>
-          <p:cNvPr id="10" name="TextBox 9"/>
+        </p:txBody>
+      </p:sp>
+      <p:sp>
+        <p:nvSpPr>
+          <p:cNvPr id="11" name="TextBox 10"/>
           <p:cNvSpPr txBox="1"/>
           <p:nvPr/>
         </p:nvSpPr>
         <p:spPr>
           <a:xfrm>
-            <a:off x="774914" y="5994768"/>
-            <a:ext cx="7873140" cy="369332"/>
+            <a:off x="1606046" y="4122549"/>
+            <a:ext cx="2795474" cy="1484505"/>
           </a:xfrm>
           <a:prstGeom prst="rect">
             <a:avLst/>
           </a:prstGeom>
           <a:solidFill>
-            <a:schemeClr val="accent1">
-              <a:lumMod val="60000"/>
-              <a:lumOff val="40000"/>
+            <a:schemeClr val="bg1">
+              <a:lumMod val="65000"/>
             </a:schemeClr>
           </a:solidFill>
+          <a:ln>
+            <a:solidFill>
+              <a:schemeClr val="tx1"/>
+            </a:solidFill>
+          </a:ln>
         </p:spPr>
         <p:txBody>
           <a:bodyPr wrap="square" rtlCol="0">
@@ -8860,80 +8617,14 @@
           </a:bodyPr>
           <a:lstStyle/>
           <a:p>
-            <a:r>
-              <a:rPr lang="nl-BE" dirty="0">
-                <a:latin typeface="Andale Mono" charset="0"/>
-                <a:ea typeface="Andale Mono" charset="0"/>
-                <a:cs typeface="Andale Mono" charset="0"/>
-              </a:rPr>
-              <a:t>overflow: </a:t>
-            </a:r>
-            <a:r>
-              <a:rPr lang="nl-BE" dirty="0" smtClean="0">
-                <a:latin typeface="Andale Mono" charset="0"/>
-                <a:ea typeface="Andale Mono" charset="0"/>
-                <a:cs typeface="Andale Mono" charset="0"/>
-              </a:rPr>
-              <a:t>hidden;</a:t>
-            </a:r>
-            <a:endParaRPr lang="en-US" dirty="0">
-              <a:latin typeface="Andale Mono" charset="0"/>
-              <a:ea typeface="Andale Mono" charset="0"/>
-              <a:cs typeface="Andale Mono" charset="0"/>
-            </a:endParaRPr>
-          </a:p>
-        </p:txBody>
-      </p:sp>
-      <p:sp>
-        <p:nvSpPr>
-          <p:cNvPr id="3" name="Rectangle 2"/>
-          <p:cNvSpPr/>
-          <p:nvPr/>
-        </p:nvSpPr>
-        <p:spPr>
-          <a:xfrm>
-            <a:off x="1472339" y="5746368"/>
-            <a:ext cx="6071461" cy="217404"/>
-          </a:xfrm>
-          <a:prstGeom prst="rect">
-            <a:avLst/>
-          </a:prstGeom>
-          <a:solidFill>
-            <a:srgbClr val="F3F3F3"/>
-          </a:solidFill>
-          <a:ln>
-            <a:noFill/>
-          </a:ln>
-        </p:spPr>
-        <p:style>
-          <a:lnRef idx="2">
-            <a:schemeClr val="accent1">
-              <a:shade val="50000"/>
-            </a:schemeClr>
-          </a:lnRef>
-          <a:fillRef idx="1">
-            <a:schemeClr val="accent1"/>
-          </a:fillRef>
-          <a:effectRef idx="0">
-            <a:schemeClr val="accent1"/>
-          </a:effectRef>
-          <a:fontRef idx="minor">
-            <a:schemeClr val="lt1"/>
-          </a:fontRef>
-        </p:style>
-        <p:txBody>
-          <a:bodyPr rtlCol="0" anchor="ctr"/>
-          <a:lstStyle/>
-          <a:p>
-            <a:pPr algn="ctr"/>
-            <a:endParaRPr lang="en-US"/>
+            <a:endParaRPr lang="en-US" dirty="0"/>
           </a:p>
         </p:txBody>
       </p:sp>
     </p:spTree>
     <p:extLst>
       <p:ext uri="{BB962C8B-B14F-4D97-AF65-F5344CB8AC3E}">
-        <p14:creationId xmlns:p14="http://schemas.microsoft.com/office/powerpoint/2010/main" val="1376806058"/>
+        <p14:creationId xmlns:p14="http://schemas.microsoft.com/office/powerpoint/2010/main" val="1201786221"/>
       </p:ext>
     </p:extLst>
   </p:cSld>
@@ -8984,6 +8675,731 @@
           <a:p>
             <a:r>
               <a:rPr lang="en-US" dirty="0" smtClean="0"/>
+              <a:t>Float</a:t>
+            </a:r>
+            <a:endParaRPr lang="en-US" dirty="0"/>
+          </a:p>
+        </p:txBody>
+      </p:sp>
+      <p:sp>
+        <p:nvSpPr>
+          <p:cNvPr id="2" name="Content Placeholder 1"/>
+          <p:cNvSpPr>
+            <a:spLocks noGrp="1"/>
+          </p:cNvSpPr>
+          <p:nvPr>
+            <p:ph idx="1"/>
+          </p:nvPr>
+        </p:nvSpPr>
+        <p:spPr/>
+        <p:txBody>
+          <a:bodyPr/>
+          <a:lstStyle/>
+          <a:p>
+            <a:endParaRPr lang="en-US" dirty="0"/>
+          </a:p>
+        </p:txBody>
+      </p:sp>
+      <p:sp>
+        <p:nvSpPr>
+          <p:cNvPr id="6" name="TextBox 5"/>
+          <p:cNvSpPr txBox="1"/>
+          <p:nvPr/>
+        </p:nvSpPr>
+        <p:spPr>
+          <a:xfrm>
+            <a:off x="1606045" y="2638044"/>
+            <a:ext cx="5937755" cy="3101983"/>
+          </a:xfrm>
+          <a:prstGeom prst="rect">
+            <a:avLst/>
+          </a:prstGeom>
+          <a:solidFill>
+            <a:schemeClr val="accent5">
+              <a:lumMod val="60000"/>
+              <a:lumOff val="40000"/>
+            </a:schemeClr>
+          </a:solidFill>
+        </p:spPr>
+        <p:txBody>
+          <a:bodyPr wrap="square" rtlCol="0">
+            <a:spAutoFit/>
+          </a:bodyPr>
+          <a:lstStyle/>
+          <a:p>
+            <a:endParaRPr lang="en-US" dirty="0"/>
+          </a:p>
+        </p:txBody>
+      </p:sp>
+      <p:sp>
+        <p:nvSpPr>
+          <p:cNvPr id="10" name="TextBox 9"/>
+          <p:cNvSpPr txBox="1"/>
+          <p:nvPr/>
+        </p:nvSpPr>
+        <p:spPr>
+          <a:xfrm>
+            <a:off x="1606046" y="2638044"/>
+            <a:ext cx="2795474" cy="1484505"/>
+          </a:xfrm>
+          <a:prstGeom prst="rect">
+            <a:avLst/>
+          </a:prstGeom>
+          <a:solidFill>
+            <a:schemeClr val="bg1">
+              <a:lumMod val="65000"/>
+            </a:schemeClr>
+          </a:solidFill>
+          <a:ln>
+            <a:solidFill>
+              <a:schemeClr val="tx1"/>
+            </a:solidFill>
+          </a:ln>
+        </p:spPr>
+        <p:txBody>
+          <a:bodyPr wrap="square" rtlCol="0">
+            <a:spAutoFit/>
+          </a:bodyPr>
+          <a:lstStyle/>
+          <a:p>
+            <a:endParaRPr lang="en-US" dirty="0"/>
+          </a:p>
+        </p:txBody>
+      </p:sp>
+      <p:sp>
+        <p:nvSpPr>
+          <p:cNvPr id="11" name="TextBox 10"/>
+          <p:cNvSpPr txBox="1"/>
+          <p:nvPr/>
+        </p:nvSpPr>
+        <p:spPr>
+          <a:xfrm>
+            <a:off x="4401520" y="2638043"/>
+            <a:ext cx="2795474" cy="1484505"/>
+          </a:xfrm>
+          <a:prstGeom prst="rect">
+            <a:avLst/>
+          </a:prstGeom>
+          <a:solidFill>
+            <a:schemeClr val="bg1">
+              <a:lumMod val="65000"/>
+            </a:schemeClr>
+          </a:solidFill>
+          <a:ln>
+            <a:solidFill>
+              <a:schemeClr val="tx1"/>
+            </a:solidFill>
+          </a:ln>
+        </p:spPr>
+        <p:txBody>
+          <a:bodyPr wrap="square" rtlCol="0">
+            <a:spAutoFit/>
+          </a:bodyPr>
+          <a:lstStyle/>
+          <a:p>
+            <a:endParaRPr lang="en-US" dirty="0"/>
+          </a:p>
+        </p:txBody>
+      </p:sp>
+      <p:sp>
+        <p:nvSpPr>
+          <p:cNvPr id="7" name="TextBox 6"/>
+          <p:cNvSpPr txBox="1"/>
+          <p:nvPr/>
+        </p:nvSpPr>
+        <p:spPr>
+          <a:xfrm>
+            <a:off x="774914" y="5994768"/>
+            <a:ext cx="7873140" cy="369332"/>
+          </a:xfrm>
+          <a:prstGeom prst="rect">
+            <a:avLst/>
+          </a:prstGeom>
+          <a:solidFill>
+            <a:schemeClr val="accent1">
+              <a:lumMod val="60000"/>
+              <a:lumOff val="40000"/>
+            </a:schemeClr>
+          </a:solidFill>
+        </p:spPr>
+        <p:txBody>
+          <a:bodyPr wrap="square" rtlCol="0">
+            <a:spAutoFit/>
+          </a:bodyPr>
+          <a:lstStyle/>
+          <a:p>
+            <a:r>
+              <a:rPr lang="nl-BE" dirty="0">
+                <a:latin typeface="Andale Mono" charset="0"/>
+                <a:ea typeface="Andale Mono" charset="0"/>
+                <a:cs typeface="Andale Mono" charset="0"/>
+              </a:rPr>
+              <a:t>f</a:t>
+            </a:r>
+            <a:r>
+              <a:rPr lang="nl-BE" dirty="0" smtClean="0">
+                <a:latin typeface="Andale Mono" charset="0"/>
+                <a:ea typeface="Andale Mono" charset="0"/>
+                <a:cs typeface="Andale Mono" charset="0"/>
+              </a:rPr>
+              <a:t>loat: left;</a:t>
+            </a:r>
+            <a:endParaRPr lang="en-US" dirty="0">
+              <a:latin typeface="Andale Mono" charset="0"/>
+              <a:ea typeface="Andale Mono" charset="0"/>
+              <a:cs typeface="Andale Mono" charset="0"/>
+            </a:endParaRPr>
+          </a:p>
+        </p:txBody>
+      </p:sp>
+    </p:spTree>
+    <p:extLst>
+      <p:ext uri="{BB962C8B-B14F-4D97-AF65-F5344CB8AC3E}">
+        <p14:creationId xmlns:p14="http://schemas.microsoft.com/office/powerpoint/2010/main" val="1854953997"/>
+      </p:ext>
+    </p:extLst>
+  </p:cSld>
+  <p:clrMapOvr>
+    <a:masterClrMapping/>
+  </p:clrMapOvr>
+  <p:timing>
+    <p:tnLst>
+      <p:par>
+        <p:cTn id="1" dur="indefinite" restart="never" nodeType="tmRoot"/>
+      </p:par>
+    </p:tnLst>
+  </p:timing>
+</p:sld>
+</file>
+
+<file path=ppt/slides/slide37.xml><?xml version="1.0" encoding="utf-8"?>
+<p:sld xmlns:a="http://schemas.openxmlformats.org/drawingml/2006/main" xmlns:r="http://schemas.openxmlformats.org/officeDocument/2006/relationships" xmlns:p="http://schemas.openxmlformats.org/presentationml/2006/main">
+  <p:cSld>
+    <p:spTree>
+      <p:nvGrpSpPr>
+        <p:cNvPr id="1" name=""/>
+        <p:cNvGrpSpPr/>
+        <p:nvPr/>
+      </p:nvGrpSpPr>
+      <p:grpSpPr>
+        <a:xfrm>
+          <a:off x="0" y="0"/>
+          <a:ext cx="0" cy="0"/>
+          <a:chOff x="0" y="0"/>
+          <a:chExt cx="0" cy="0"/>
+        </a:xfrm>
+      </p:grpSpPr>
+      <p:sp>
+        <p:nvSpPr>
+          <p:cNvPr id="4" name="Title 3"/>
+          <p:cNvSpPr>
+            <a:spLocks noGrp="1"/>
+          </p:cNvSpPr>
+          <p:nvPr>
+            <p:ph type="title"/>
+          </p:nvPr>
+        </p:nvSpPr>
+        <p:spPr/>
+        <p:txBody>
+          <a:bodyPr/>
+          <a:lstStyle/>
+          <a:p>
+            <a:r>
+              <a:rPr lang="en-US" dirty="0" smtClean="0"/>
+              <a:t>Float</a:t>
+            </a:r>
+            <a:endParaRPr lang="en-US" dirty="0"/>
+          </a:p>
+        </p:txBody>
+      </p:sp>
+      <p:sp>
+        <p:nvSpPr>
+          <p:cNvPr id="2" name="Content Placeholder 1"/>
+          <p:cNvSpPr>
+            <a:spLocks noGrp="1"/>
+          </p:cNvSpPr>
+          <p:nvPr>
+            <p:ph idx="1"/>
+          </p:nvPr>
+        </p:nvSpPr>
+        <p:spPr/>
+        <p:txBody>
+          <a:bodyPr/>
+          <a:lstStyle/>
+          <a:p>
+            <a:endParaRPr lang="en-US" dirty="0"/>
+          </a:p>
+        </p:txBody>
+      </p:sp>
+      <p:sp>
+        <p:nvSpPr>
+          <p:cNvPr id="6" name="TextBox 5"/>
+          <p:cNvSpPr txBox="1"/>
+          <p:nvPr/>
+        </p:nvSpPr>
+        <p:spPr>
+          <a:xfrm>
+            <a:off x="1606045" y="2638044"/>
+            <a:ext cx="5937755" cy="3101983"/>
+          </a:xfrm>
+          <a:prstGeom prst="rect">
+            <a:avLst/>
+          </a:prstGeom>
+          <a:solidFill>
+            <a:schemeClr val="accent5">
+              <a:lumMod val="60000"/>
+              <a:lumOff val="40000"/>
+            </a:schemeClr>
+          </a:solidFill>
+        </p:spPr>
+        <p:txBody>
+          <a:bodyPr wrap="square" rtlCol="0">
+            <a:spAutoFit/>
+          </a:bodyPr>
+          <a:lstStyle/>
+          <a:p>
+            <a:endParaRPr lang="en-US" dirty="0"/>
+          </a:p>
+        </p:txBody>
+      </p:sp>
+      <p:sp>
+        <p:nvSpPr>
+          <p:cNvPr id="10" name="TextBox 9"/>
+          <p:cNvSpPr txBox="1"/>
+          <p:nvPr/>
+        </p:nvSpPr>
+        <p:spPr>
+          <a:xfrm>
+            <a:off x="1952852" y="2638044"/>
+            <a:ext cx="2795474" cy="1484505"/>
+          </a:xfrm>
+          <a:prstGeom prst="rect">
+            <a:avLst/>
+          </a:prstGeom>
+          <a:solidFill>
+            <a:schemeClr val="bg1">
+              <a:lumMod val="65000"/>
+            </a:schemeClr>
+          </a:solidFill>
+          <a:ln>
+            <a:solidFill>
+              <a:schemeClr val="tx1"/>
+            </a:solidFill>
+          </a:ln>
+        </p:spPr>
+        <p:txBody>
+          <a:bodyPr wrap="square" rtlCol="0">
+            <a:spAutoFit/>
+          </a:bodyPr>
+          <a:lstStyle/>
+          <a:p>
+            <a:endParaRPr lang="en-US" dirty="0"/>
+          </a:p>
+        </p:txBody>
+      </p:sp>
+      <p:sp>
+        <p:nvSpPr>
+          <p:cNvPr id="11" name="TextBox 10"/>
+          <p:cNvSpPr txBox="1"/>
+          <p:nvPr/>
+        </p:nvSpPr>
+        <p:spPr>
+          <a:xfrm>
+            <a:off x="4748326" y="2638043"/>
+            <a:ext cx="2795474" cy="1484505"/>
+          </a:xfrm>
+          <a:prstGeom prst="rect">
+            <a:avLst/>
+          </a:prstGeom>
+          <a:solidFill>
+            <a:schemeClr val="bg1">
+              <a:lumMod val="65000"/>
+            </a:schemeClr>
+          </a:solidFill>
+          <a:ln>
+            <a:solidFill>
+              <a:schemeClr val="tx1"/>
+            </a:solidFill>
+          </a:ln>
+        </p:spPr>
+        <p:txBody>
+          <a:bodyPr wrap="square" rtlCol="0">
+            <a:spAutoFit/>
+          </a:bodyPr>
+          <a:lstStyle/>
+          <a:p>
+            <a:endParaRPr lang="en-US" dirty="0"/>
+          </a:p>
+        </p:txBody>
+      </p:sp>
+      <p:sp>
+        <p:nvSpPr>
+          <p:cNvPr id="7" name="TextBox 6"/>
+          <p:cNvSpPr txBox="1"/>
+          <p:nvPr/>
+        </p:nvSpPr>
+        <p:spPr>
+          <a:xfrm>
+            <a:off x="774914" y="5994768"/>
+            <a:ext cx="7873140" cy="369332"/>
+          </a:xfrm>
+          <a:prstGeom prst="rect">
+            <a:avLst/>
+          </a:prstGeom>
+          <a:solidFill>
+            <a:schemeClr val="accent1">
+              <a:lumMod val="60000"/>
+              <a:lumOff val="40000"/>
+            </a:schemeClr>
+          </a:solidFill>
+        </p:spPr>
+        <p:txBody>
+          <a:bodyPr wrap="square" rtlCol="0">
+            <a:spAutoFit/>
+          </a:bodyPr>
+          <a:lstStyle/>
+          <a:p>
+            <a:r>
+              <a:rPr lang="nl-BE" dirty="0">
+                <a:latin typeface="Andale Mono" charset="0"/>
+                <a:ea typeface="Andale Mono" charset="0"/>
+                <a:cs typeface="Andale Mono" charset="0"/>
+              </a:rPr>
+              <a:t>f</a:t>
+            </a:r>
+            <a:r>
+              <a:rPr lang="nl-BE" dirty="0" smtClean="0">
+                <a:latin typeface="Andale Mono" charset="0"/>
+                <a:ea typeface="Andale Mono" charset="0"/>
+                <a:cs typeface="Andale Mono" charset="0"/>
+              </a:rPr>
+              <a:t>loat: right;</a:t>
+            </a:r>
+            <a:endParaRPr lang="en-US" dirty="0">
+              <a:latin typeface="Andale Mono" charset="0"/>
+              <a:ea typeface="Andale Mono" charset="0"/>
+              <a:cs typeface="Andale Mono" charset="0"/>
+            </a:endParaRPr>
+          </a:p>
+        </p:txBody>
+      </p:sp>
+    </p:spTree>
+    <p:extLst>
+      <p:ext uri="{BB962C8B-B14F-4D97-AF65-F5344CB8AC3E}">
+        <p14:creationId xmlns:p14="http://schemas.microsoft.com/office/powerpoint/2010/main" val="619121415"/>
+      </p:ext>
+    </p:extLst>
+  </p:cSld>
+  <p:clrMapOvr>
+    <a:masterClrMapping/>
+  </p:clrMapOvr>
+  <p:timing>
+    <p:tnLst>
+      <p:par>
+        <p:cTn id="1" dur="indefinite" restart="never" nodeType="tmRoot"/>
+      </p:par>
+    </p:tnLst>
+  </p:timing>
+</p:sld>
+</file>
+
+<file path=ppt/slides/slide38.xml><?xml version="1.0" encoding="utf-8"?>
+<p:sld xmlns:a="http://schemas.openxmlformats.org/drawingml/2006/main" xmlns:r="http://schemas.openxmlformats.org/officeDocument/2006/relationships" xmlns:p="http://schemas.openxmlformats.org/presentationml/2006/main">
+  <p:cSld>
+    <p:spTree>
+      <p:nvGrpSpPr>
+        <p:cNvPr id="1" name=""/>
+        <p:cNvGrpSpPr/>
+        <p:nvPr/>
+      </p:nvGrpSpPr>
+      <p:grpSpPr>
+        <a:xfrm>
+          <a:off x="0" y="0"/>
+          <a:ext cx="0" cy="0"/>
+          <a:chOff x="0" y="0"/>
+          <a:chExt cx="0" cy="0"/>
+        </a:xfrm>
+      </p:grpSpPr>
+      <p:sp>
+        <p:nvSpPr>
+          <p:cNvPr id="4" name="Title 3"/>
+          <p:cNvSpPr>
+            <a:spLocks noGrp="1"/>
+          </p:cNvSpPr>
+          <p:nvPr>
+            <p:ph type="title"/>
+          </p:nvPr>
+        </p:nvSpPr>
+        <p:spPr/>
+        <p:txBody>
+          <a:bodyPr/>
+          <a:lstStyle/>
+          <a:p>
+            <a:r>
+              <a:rPr lang="en-US" dirty="0" smtClean="0"/>
+              <a:t>Overflow</a:t>
+            </a:r>
+            <a:endParaRPr lang="en-US" dirty="0"/>
+          </a:p>
+        </p:txBody>
+      </p:sp>
+      <p:sp>
+        <p:nvSpPr>
+          <p:cNvPr id="2" name="Content Placeholder 1"/>
+          <p:cNvSpPr>
+            <a:spLocks noGrp="1"/>
+          </p:cNvSpPr>
+          <p:nvPr>
+            <p:ph idx="1"/>
+          </p:nvPr>
+        </p:nvSpPr>
+        <p:spPr/>
+        <p:txBody>
+          <a:bodyPr/>
+          <a:lstStyle/>
+          <a:p>
+            <a:endParaRPr lang="en-US"/>
+          </a:p>
+        </p:txBody>
+      </p:sp>
+      <p:sp>
+        <p:nvSpPr>
+          <p:cNvPr id="6" name="TextBox 5"/>
+          <p:cNvSpPr txBox="1"/>
+          <p:nvPr/>
+        </p:nvSpPr>
+        <p:spPr>
+          <a:xfrm>
+            <a:off x="1606045" y="2638044"/>
+            <a:ext cx="5937755" cy="3101983"/>
+          </a:xfrm>
+          <a:prstGeom prst="rect">
+            <a:avLst/>
+          </a:prstGeom>
+          <a:solidFill>
+            <a:schemeClr val="accent5">
+              <a:lumMod val="60000"/>
+              <a:lumOff val="40000"/>
+            </a:schemeClr>
+          </a:solidFill>
+        </p:spPr>
+        <p:txBody>
+          <a:bodyPr wrap="square" rtlCol="0">
+            <a:spAutoFit/>
+          </a:bodyPr>
+          <a:lstStyle/>
+          <a:p>
+            <a:endParaRPr lang="en-US" dirty="0"/>
+          </a:p>
+        </p:txBody>
+      </p:sp>
+      <p:sp>
+        <p:nvSpPr>
+          <p:cNvPr id="9" name="TextBox 8"/>
+          <p:cNvSpPr txBox="1"/>
+          <p:nvPr/>
+        </p:nvSpPr>
+        <p:spPr>
+          <a:xfrm>
+            <a:off x="1606045" y="2638043"/>
+            <a:ext cx="2795474" cy="3416320"/>
+          </a:xfrm>
+          <a:prstGeom prst="rect">
+            <a:avLst/>
+          </a:prstGeom>
+          <a:solidFill>
+            <a:schemeClr val="bg1">
+              <a:lumMod val="65000"/>
+            </a:schemeClr>
+          </a:solidFill>
+          <a:ln>
+            <a:solidFill>
+              <a:schemeClr val="tx1"/>
+            </a:solidFill>
+          </a:ln>
+        </p:spPr>
+        <p:txBody>
+          <a:bodyPr wrap="square" rtlCol="0">
+            <a:spAutoFit/>
+          </a:bodyPr>
+          <a:lstStyle/>
+          <a:p>
+            <a:r>
+              <a:rPr lang="en-US" dirty="0"/>
+              <a:t> </a:t>
+            </a:r>
+            <a:endParaRPr lang="en-US" dirty="0" smtClean="0"/>
+          </a:p>
+          <a:p>
+            <a:r>
+              <a:rPr lang="en-US" dirty="0"/>
+              <a:t> </a:t>
+            </a:r>
+            <a:endParaRPr lang="en-US" dirty="0" smtClean="0"/>
+          </a:p>
+          <a:p>
+            <a:r>
+              <a:rPr lang="en-US" dirty="0"/>
+              <a:t> </a:t>
+            </a:r>
+            <a:endParaRPr lang="en-US" dirty="0" smtClean="0"/>
+          </a:p>
+          <a:p>
+            <a:r>
+              <a:rPr lang="en-US" dirty="0"/>
+              <a:t> </a:t>
+            </a:r>
+            <a:endParaRPr lang="en-US" dirty="0" smtClean="0"/>
+          </a:p>
+          <a:p>
+            <a:r>
+              <a:rPr lang="en-US" dirty="0"/>
+              <a:t> </a:t>
+            </a:r>
+            <a:endParaRPr lang="en-US" dirty="0" smtClean="0"/>
+          </a:p>
+          <a:p>
+            <a:r>
+              <a:rPr lang="en-US" dirty="0"/>
+              <a:t> </a:t>
+            </a:r>
+            <a:endParaRPr lang="en-US" dirty="0" smtClean="0"/>
+          </a:p>
+          <a:p>
+            <a:r>
+              <a:rPr lang="en-US" dirty="0"/>
+              <a:t> </a:t>
+            </a:r>
+            <a:endParaRPr lang="en-US" dirty="0" smtClean="0"/>
+          </a:p>
+          <a:p>
+            <a:endParaRPr lang="en-US" dirty="0"/>
+          </a:p>
+          <a:p>
+            <a:r>
+              <a:rPr lang="en-US" dirty="0" smtClean="0"/>
+              <a:t> </a:t>
+            </a:r>
+          </a:p>
+          <a:p>
+            <a:r>
+              <a:rPr lang="en-US" dirty="0"/>
+              <a:t> </a:t>
+            </a:r>
+            <a:endParaRPr lang="en-US" dirty="0" smtClean="0"/>
+          </a:p>
+          <a:p>
+            <a:r>
+              <a:rPr lang="en-US" dirty="0"/>
+              <a:t> </a:t>
+            </a:r>
+            <a:endParaRPr lang="en-US" dirty="0" smtClean="0"/>
+          </a:p>
+          <a:p>
+            <a:r>
+              <a:rPr lang="en-US" dirty="0"/>
+              <a:t> </a:t>
+            </a:r>
+          </a:p>
+        </p:txBody>
+      </p:sp>
+      <p:sp>
+        <p:nvSpPr>
+          <p:cNvPr id="10" name="TextBox 9"/>
+          <p:cNvSpPr txBox="1"/>
+          <p:nvPr/>
+        </p:nvSpPr>
+        <p:spPr>
+          <a:xfrm>
+            <a:off x="774914" y="5994768"/>
+            <a:ext cx="7873140" cy="369332"/>
+          </a:xfrm>
+          <a:prstGeom prst="rect">
+            <a:avLst/>
+          </a:prstGeom>
+          <a:solidFill>
+            <a:schemeClr val="accent1">
+              <a:lumMod val="60000"/>
+              <a:lumOff val="40000"/>
+            </a:schemeClr>
+          </a:solidFill>
+        </p:spPr>
+        <p:txBody>
+          <a:bodyPr wrap="square" rtlCol="0">
+            <a:spAutoFit/>
+          </a:bodyPr>
+          <a:lstStyle/>
+          <a:p>
+            <a:r>
+              <a:rPr lang="nl-BE" dirty="0">
+                <a:latin typeface="Andale Mono" charset="0"/>
+                <a:ea typeface="Andale Mono" charset="0"/>
+                <a:cs typeface="Andale Mono" charset="0"/>
+              </a:rPr>
+              <a:t>overflow: visible;</a:t>
+            </a:r>
+            <a:endParaRPr lang="en-US" dirty="0">
+              <a:latin typeface="Andale Mono" charset="0"/>
+              <a:ea typeface="Andale Mono" charset="0"/>
+              <a:cs typeface="Andale Mono" charset="0"/>
+            </a:endParaRPr>
+          </a:p>
+        </p:txBody>
+      </p:sp>
+    </p:spTree>
+    <p:extLst>
+      <p:ext uri="{BB962C8B-B14F-4D97-AF65-F5344CB8AC3E}">
+        <p14:creationId xmlns:p14="http://schemas.microsoft.com/office/powerpoint/2010/main" val="957348175"/>
+      </p:ext>
+    </p:extLst>
+  </p:cSld>
+  <p:clrMapOvr>
+    <a:masterClrMapping/>
+  </p:clrMapOvr>
+  <p:timing>
+    <p:tnLst>
+      <p:par>
+        <p:cTn id="1" dur="indefinite" restart="never" nodeType="tmRoot"/>
+      </p:par>
+    </p:tnLst>
+  </p:timing>
+</p:sld>
+</file>
+
+<file path=ppt/slides/slide39.xml><?xml version="1.0" encoding="utf-8"?>
+<p:sld xmlns:a="http://schemas.openxmlformats.org/drawingml/2006/main" xmlns:r="http://schemas.openxmlformats.org/officeDocument/2006/relationships" xmlns:p="http://schemas.openxmlformats.org/presentationml/2006/main">
+  <p:cSld>
+    <p:spTree>
+      <p:nvGrpSpPr>
+        <p:cNvPr id="1" name=""/>
+        <p:cNvGrpSpPr/>
+        <p:nvPr/>
+      </p:nvGrpSpPr>
+      <p:grpSpPr>
+        <a:xfrm>
+          <a:off x="0" y="0"/>
+          <a:ext cx="0" cy="0"/>
+          <a:chOff x="0" y="0"/>
+          <a:chExt cx="0" cy="0"/>
+        </a:xfrm>
+      </p:grpSpPr>
+      <p:sp>
+        <p:nvSpPr>
+          <p:cNvPr id="4" name="Title 3"/>
+          <p:cNvSpPr>
+            <a:spLocks noGrp="1"/>
+          </p:cNvSpPr>
+          <p:nvPr>
+            <p:ph type="title"/>
+          </p:nvPr>
+        </p:nvSpPr>
+        <p:spPr/>
+        <p:txBody>
+          <a:bodyPr/>
+          <a:lstStyle/>
+          <a:p>
+            <a:r>
+              <a:rPr lang="en-US" dirty="0" smtClean="0"/>
               <a:t>Overflow</a:t>
             </a:r>
             <a:endParaRPr lang="en-US" dirty="0"/>
@@ -9173,15 +9589,15 @@
                 <a:ea typeface="Andale Mono" charset="0"/>
                 <a:cs typeface="Andale Mono" charset="0"/>
               </a:rPr>
-              <a:t>overflow</a:t>
-            </a:r>
-            <a:r>
-              <a:rPr lang="nl-BE">
-                <a:latin typeface="Andale Mono" charset="0"/>
-                <a:ea typeface="Andale Mono" charset="0"/>
-                <a:cs typeface="Andale Mono" charset="0"/>
-              </a:rPr>
-              <a:t>: scroll;</a:t>
+              <a:t>overflow: </a:t>
+            </a:r>
+            <a:r>
+              <a:rPr lang="nl-BE" dirty="0" smtClean="0">
+                <a:latin typeface="Andale Mono" charset="0"/>
+                <a:ea typeface="Andale Mono" charset="0"/>
+                <a:cs typeface="Andale Mono" charset="0"/>
+              </a:rPr>
+              <a:t>hidden;</a:t>
             </a:r>
             <a:endParaRPr lang="en-US" dirty="0">
               <a:latin typeface="Andale Mono" charset="0"/>
@@ -9237,6 +9653,626 @@
           </a:p>
         </p:txBody>
       </p:sp>
+    </p:spTree>
+    <p:extLst>
+      <p:ext uri="{BB962C8B-B14F-4D97-AF65-F5344CB8AC3E}">
+        <p14:creationId xmlns:p14="http://schemas.microsoft.com/office/powerpoint/2010/main" val="1376806058"/>
+      </p:ext>
+    </p:extLst>
+  </p:cSld>
+  <p:clrMapOvr>
+    <a:masterClrMapping/>
+  </p:clrMapOvr>
+  <p:timing>
+    <p:tnLst>
+      <p:par>
+        <p:cTn id="1" dur="indefinite" restart="never" nodeType="tmRoot"/>
+      </p:par>
+    </p:tnLst>
+  </p:timing>
+</p:sld>
+</file>
+
+<file path=ppt/slides/slide4.xml><?xml version="1.0" encoding="utf-8"?>
+<p:sld xmlns:a="http://schemas.openxmlformats.org/drawingml/2006/main" xmlns:r="http://schemas.openxmlformats.org/officeDocument/2006/relationships" xmlns:p="http://schemas.openxmlformats.org/presentationml/2006/main">
+  <p:cSld>
+    <p:spTree>
+      <p:nvGrpSpPr>
+        <p:cNvPr id="1" name=""/>
+        <p:cNvGrpSpPr/>
+        <p:nvPr/>
+      </p:nvGrpSpPr>
+      <p:grpSpPr>
+        <a:xfrm>
+          <a:off x="0" y="0"/>
+          <a:ext cx="0" cy="0"/>
+          <a:chOff x="0" y="0"/>
+          <a:chExt cx="0" cy="0"/>
+        </a:xfrm>
+      </p:grpSpPr>
+      <p:sp>
+        <p:nvSpPr>
+          <p:cNvPr id="4" name="Title 3"/>
+          <p:cNvSpPr>
+            <a:spLocks noGrp="1"/>
+          </p:cNvSpPr>
+          <p:nvPr>
+            <p:ph type="title"/>
+          </p:nvPr>
+        </p:nvSpPr>
+        <p:spPr/>
+        <p:txBody>
+          <a:bodyPr/>
+          <a:lstStyle/>
+          <a:p>
+            <a:r>
+              <a:rPr lang="en-US" dirty="0" smtClean="0"/>
+              <a:t>Inclusions</a:t>
+            </a:r>
+            <a:endParaRPr lang="en-US" dirty="0"/>
+          </a:p>
+        </p:txBody>
+      </p:sp>
+      <p:sp>
+        <p:nvSpPr>
+          <p:cNvPr id="7" name="TextBox 6"/>
+          <p:cNvSpPr txBox="1"/>
+          <p:nvPr/>
+        </p:nvSpPr>
+        <p:spPr>
+          <a:xfrm>
+            <a:off x="573437" y="2580772"/>
+            <a:ext cx="8028122" cy="369332"/>
+          </a:xfrm>
+          <a:prstGeom prst="rect">
+            <a:avLst/>
+          </a:prstGeom>
+          <a:solidFill>
+            <a:schemeClr val="accent1">
+              <a:lumMod val="60000"/>
+              <a:lumOff val="40000"/>
+            </a:schemeClr>
+          </a:solidFill>
+        </p:spPr>
+        <p:txBody>
+          <a:bodyPr wrap="square" rtlCol="0">
+            <a:spAutoFit/>
+          </a:bodyPr>
+          <a:lstStyle/>
+          <a:p>
+            <a:r>
+              <a:rPr lang="en-US" dirty="0">
+                <a:latin typeface="Andale Mono" charset="0"/>
+                <a:ea typeface="Andale Mono" charset="0"/>
+                <a:cs typeface="Andale Mono" charset="0"/>
+              </a:rPr>
+              <a:t>&lt;link </a:t>
+            </a:r>
+            <a:r>
+              <a:rPr lang="en-US" dirty="0" err="1">
+                <a:latin typeface="Andale Mono" charset="0"/>
+                <a:ea typeface="Andale Mono" charset="0"/>
+                <a:cs typeface="Andale Mono" charset="0"/>
+              </a:rPr>
+              <a:t>rel</a:t>
+            </a:r>
+            <a:r>
+              <a:rPr lang="en-US" dirty="0">
+                <a:latin typeface="Andale Mono" charset="0"/>
+                <a:ea typeface="Andale Mono" charset="0"/>
+                <a:cs typeface="Andale Mono" charset="0"/>
+              </a:rPr>
+              <a:t>="</a:t>
+            </a:r>
+            <a:r>
+              <a:rPr lang="en-US" dirty="0" err="1">
+                <a:latin typeface="Andale Mono" charset="0"/>
+                <a:ea typeface="Andale Mono" charset="0"/>
+                <a:cs typeface="Andale Mono" charset="0"/>
+              </a:rPr>
+              <a:t>stylesheet</a:t>
+            </a:r>
+            <a:r>
+              <a:rPr lang="en-US" dirty="0">
+                <a:latin typeface="Andale Mono" charset="0"/>
+                <a:ea typeface="Andale Mono" charset="0"/>
+                <a:cs typeface="Andale Mono" charset="0"/>
+              </a:rPr>
+              <a:t>" </a:t>
+            </a:r>
+            <a:r>
+              <a:rPr lang="en-US" dirty="0" err="1">
+                <a:latin typeface="Andale Mono" charset="0"/>
+                <a:ea typeface="Andale Mono" charset="0"/>
+                <a:cs typeface="Andale Mono" charset="0"/>
+              </a:rPr>
+              <a:t>href</a:t>
+            </a:r>
+            <a:r>
+              <a:rPr lang="en-US" dirty="0" smtClean="0">
+                <a:latin typeface="Andale Mono" charset="0"/>
+                <a:ea typeface="Andale Mono" charset="0"/>
+                <a:cs typeface="Andale Mono" charset="0"/>
+              </a:rPr>
+              <a:t>=”style"&gt;</a:t>
+            </a:r>
+            <a:endParaRPr lang="en-US" dirty="0">
+              <a:latin typeface="Andale Mono" charset="0"/>
+              <a:ea typeface="Andale Mono" charset="0"/>
+              <a:cs typeface="Andale Mono" charset="0"/>
+            </a:endParaRPr>
+          </a:p>
+        </p:txBody>
+      </p:sp>
+      <p:sp>
+        <p:nvSpPr>
+          <p:cNvPr id="8" name="TextBox 7"/>
+          <p:cNvSpPr txBox="1"/>
+          <p:nvPr/>
+        </p:nvSpPr>
+        <p:spPr>
+          <a:xfrm>
+            <a:off x="573437" y="3135217"/>
+            <a:ext cx="8028122" cy="1477328"/>
+          </a:xfrm>
+          <a:prstGeom prst="rect">
+            <a:avLst/>
+          </a:prstGeom>
+          <a:solidFill>
+            <a:schemeClr val="accent1">
+              <a:lumMod val="60000"/>
+              <a:lumOff val="40000"/>
+            </a:schemeClr>
+          </a:solidFill>
+        </p:spPr>
+        <p:txBody>
+          <a:bodyPr wrap="square" rtlCol="0">
+            <a:spAutoFit/>
+          </a:bodyPr>
+          <a:lstStyle/>
+          <a:p>
+            <a:r>
+              <a:rPr lang="nl-BE" dirty="0" smtClean="0">
+                <a:latin typeface="Andale Mono" charset="0"/>
+                <a:ea typeface="Andale Mono" charset="0"/>
+                <a:cs typeface="Andale Mono" charset="0"/>
+              </a:rPr>
+              <a:t>&lt;style&gt;</a:t>
+            </a:r>
+          </a:p>
+          <a:p>
+            <a:pPr lvl="1"/>
+            <a:r>
+              <a:rPr lang="nl-BE" dirty="0" smtClean="0">
+                <a:latin typeface="Andale Mono" charset="0"/>
+                <a:ea typeface="Andale Mono" charset="0"/>
+                <a:cs typeface="Andale Mono" charset="0"/>
+              </a:rPr>
+              <a:t>#container{</a:t>
+            </a:r>
+          </a:p>
+          <a:p>
+            <a:pPr lvl="1"/>
+            <a:r>
+              <a:rPr lang="nl-BE" dirty="0">
+                <a:latin typeface="Andale Mono" charset="0"/>
+                <a:ea typeface="Andale Mono" charset="0"/>
+                <a:cs typeface="Andale Mono" charset="0"/>
+              </a:rPr>
+              <a:t>	</a:t>
+            </a:r>
+            <a:r>
+              <a:rPr lang="nl-BE" dirty="0" smtClean="0">
+                <a:latin typeface="Andale Mono" charset="0"/>
+                <a:ea typeface="Andale Mono" charset="0"/>
+                <a:cs typeface="Andale Mono" charset="0"/>
+              </a:rPr>
+              <a:t>color: #FFFFFFF</a:t>
+            </a:r>
+          </a:p>
+          <a:p>
+            <a:pPr lvl="1"/>
+            <a:r>
+              <a:rPr lang="nl-BE" dirty="0" smtClean="0">
+                <a:latin typeface="Andale Mono" charset="0"/>
+                <a:ea typeface="Andale Mono" charset="0"/>
+                <a:cs typeface="Andale Mono" charset="0"/>
+              </a:rPr>
+              <a:t>}</a:t>
+            </a:r>
+            <a:endParaRPr lang="en-US" dirty="0">
+              <a:latin typeface="Andale Mono" charset="0"/>
+              <a:ea typeface="Andale Mono" charset="0"/>
+              <a:cs typeface="Andale Mono" charset="0"/>
+            </a:endParaRPr>
+          </a:p>
+          <a:p>
+            <a:r>
+              <a:rPr lang="en-US" dirty="0" smtClean="0">
+                <a:latin typeface="Andale Mono" charset="0"/>
+                <a:ea typeface="Andale Mono" charset="0"/>
+                <a:cs typeface="Andale Mono" charset="0"/>
+              </a:rPr>
+              <a:t>&lt;/style&gt;</a:t>
+            </a:r>
+            <a:endParaRPr lang="nl-BE" dirty="0" smtClean="0">
+              <a:latin typeface="Andale Mono" charset="0"/>
+              <a:ea typeface="Andale Mono" charset="0"/>
+              <a:cs typeface="Andale Mono" charset="0"/>
+            </a:endParaRPr>
+          </a:p>
+        </p:txBody>
+      </p:sp>
+      <p:sp>
+        <p:nvSpPr>
+          <p:cNvPr id="9" name="TextBox 8"/>
+          <p:cNvSpPr txBox="1"/>
+          <p:nvPr/>
+        </p:nvSpPr>
+        <p:spPr>
+          <a:xfrm>
+            <a:off x="573437" y="4797658"/>
+            <a:ext cx="8028122" cy="923330"/>
+          </a:xfrm>
+          <a:prstGeom prst="rect">
+            <a:avLst/>
+          </a:prstGeom>
+          <a:solidFill>
+            <a:schemeClr val="accent1">
+              <a:lumMod val="60000"/>
+              <a:lumOff val="40000"/>
+            </a:schemeClr>
+          </a:solidFill>
+        </p:spPr>
+        <p:txBody>
+          <a:bodyPr wrap="square" rtlCol="0">
+            <a:spAutoFit/>
+          </a:bodyPr>
+          <a:lstStyle/>
+          <a:p>
+            <a:r>
+              <a:rPr lang="nl-BE" dirty="0" smtClean="0">
+                <a:latin typeface="Andale Mono" charset="0"/>
+                <a:ea typeface="Andale Mono" charset="0"/>
+                <a:cs typeface="Andale Mono" charset="0"/>
+              </a:rPr>
+              <a:t>&lt;div id=“container” style=“color:#FFFFFF”&gt;</a:t>
+            </a:r>
+          </a:p>
+          <a:p>
+            <a:r>
+              <a:rPr lang="nl-BE" dirty="0" smtClean="0">
+                <a:latin typeface="Andale Mono" charset="0"/>
+                <a:ea typeface="Andale Mono" charset="0"/>
+                <a:cs typeface="Andale Mono" charset="0"/>
+              </a:rPr>
+              <a:t>	Here is some content</a:t>
+            </a:r>
+          </a:p>
+          <a:p>
+            <a:r>
+              <a:rPr lang="en-US" dirty="0" smtClean="0">
+                <a:latin typeface="Andale Mono" charset="0"/>
+                <a:ea typeface="Andale Mono" charset="0"/>
+                <a:cs typeface="Andale Mono" charset="0"/>
+              </a:rPr>
+              <a:t>&lt;/div&gt;</a:t>
+            </a:r>
+            <a:endParaRPr lang="nl-BE" dirty="0" smtClean="0">
+              <a:latin typeface="Andale Mono" charset="0"/>
+              <a:ea typeface="Andale Mono" charset="0"/>
+              <a:cs typeface="Andale Mono" charset="0"/>
+            </a:endParaRPr>
+          </a:p>
+        </p:txBody>
+      </p:sp>
+    </p:spTree>
+    <p:extLst>
+      <p:ext uri="{BB962C8B-B14F-4D97-AF65-F5344CB8AC3E}">
+        <p14:creationId xmlns:p14="http://schemas.microsoft.com/office/powerpoint/2010/main" val="556051767"/>
+      </p:ext>
+    </p:extLst>
+  </p:cSld>
+  <p:clrMapOvr>
+    <a:masterClrMapping/>
+  </p:clrMapOvr>
+  <p:timing>
+    <p:tnLst>
+      <p:par>
+        <p:cTn id="1" dur="indefinite" restart="never" nodeType="tmRoot"/>
+      </p:par>
+    </p:tnLst>
+  </p:timing>
+</p:sld>
+</file>
+
+<file path=ppt/slides/slide40.xml><?xml version="1.0" encoding="utf-8"?>
+<p:sld xmlns:a="http://schemas.openxmlformats.org/drawingml/2006/main" xmlns:r="http://schemas.openxmlformats.org/officeDocument/2006/relationships" xmlns:p="http://schemas.openxmlformats.org/presentationml/2006/main">
+  <p:cSld>
+    <p:spTree>
+      <p:nvGrpSpPr>
+        <p:cNvPr id="1" name=""/>
+        <p:cNvGrpSpPr/>
+        <p:nvPr/>
+      </p:nvGrpSpPr>
+      <p:grpSpPr>
+        <a:xfrm>
+          <a:off x="0" y="0"/>
+          <a:ext cx="0" cy="0"/>
+          <a:chOff x="0" y="0"/>
+          <a:chExt cx="0" cy="0"/>
+        </a:xfrm>
+      </p:grpSpPr>
+      <p:sp>
+        <p:nvSpPr>
+          <p:cNvPr id="4" name="Title 3"/>
+          <p:cNvSpPr>
+            <a:spLocks noGrp="1"/>
+          </p:cNvSpPr>
+          <p:nvPr>
+            <p:ph type="title"/>
+          </p:nvPr>
+        </p:nvSpPr>
+        <p:spPr/>
+        <p:txBody>
+          <a:bodyPr/>
+          <a:lstStyle/>
+          <a:p>
+            <a:r>
+              <a:rPr lang="en-US" dirty="0" smtClean="0"/>
+              <a:t>Overflow</a:t>
+            </a:r>
+            <a:endParaRPr lang="en-US" dirty="0"/>
+          </a:p>
+        </p:txBody>
+      </p:sp>
+      <p:sp>
+        <p:nvSpPr>
+          <p:cNvPr id="2" name="Content Placeholder 1"/>
+          <p:cNvSpPr>
+            <a:spLocks noGrp="1"/>
+          </p:cNvSpPr>
+          <p:nvPr>
+            <p:ph idx="1"/>
+          </p:nvPr>
+        </p:nvSpPr>
+        <p:spPr/>
+        <p:txBody>
+          <a:bodyPr/>
+          <a:lstStyle/>
+          <a:p>
+            <a:endParaRPr lang="en-US"/>
+          </a:p>
+        </p:txBody>
+      </p:sp>
+      <p:sp>
+        <p:nvSpPr>
+          <p:cNvPr id="6" name="TextBox 5"/>
+          <p:cNvSpPr txBox="1"/>
+          <p:nvPr/>
+        </p:nvSpPr>
+        <p:spPr>
+          <a:xfrm>
+            <a:off x="1606045" y="2638044"/>
+            <a:ext cx="5937755" cy="3101983"/>
+          </a:xfrm>
+          <a:prstGeom prst="rect">
+            <a:avLst/>
+          </a:prstGeom>
+          <a:solidFill>
+            <a:schemeClr val="accent5">
+              <a:lumMod val="60000"/>
+              <a:lumOff val="40000"/>
+            </a:schemeClr>
+          </a:solidFill>
+        </p:spPr>
+        <p:txBody>
+          <a:bodyPr wrap="square" rtlCol="0">
+            <a:spAutoFit/>
+          </a:bodyPr>
+          <a:lstStyle/>
+          <a:p>
+            <a:endParaRPr lang="en-US" dirty="0"/>
+          </a:p>
+        </p:txBody>
+      </p:sp>
+      <p:sp>
+        <p:nvSpPr>
+          <p:cNvPr id="9" name="TextBox 8"/>
+          <p:cNvSpPr txBox="1"/>
+          <p:nvPr/>
+        </p:nvSpPr>
+        <p:spPr>
+          <a:xfrm>
+            <a:off x="1606045" y="2638043"/>
+            <a:ext cx="2795474" cy="3139321"/>
+          </a:xfrm>
+          <a:prstGeom prst="rect">
+            <a:avLst/>
+          </a:prstGeom>
+          <a:solidFill>
+            <a:schemeClr val="bg1">
+              <a:lumMod val="65000"/>
+            </a:schemeClr>
+          </a:solidFill>
+          <a:ln>
+            <a:solidFill>
+              <a:schemeClr val="tx1"/>
+            </a:solidFill>
+          </a:ln>
+        </p:spPr>
+        <p:txBody>
+          <a:bodyPr wrap="square" rtlCol="0">
+            <a:spAutoFit/>
+          </a:bodyPr>
+          <a:lstStyle/>
+          <a:p>
+            <a:r>
+              <a:rPr lang="en-US" dirty="0"/>
+              <a:t> </a:t>
+            </a:r>
+            <a:endParaRPr lang="en-US" dirty="0" smtClean="0"/>
+          </a:p>
+          <a:p>
+            <a:r>
+              <a:rPr lang="en-US" dirty="0"/>
+              <a:t> </a:t>
+            </a:r>
+            <a:endParaRPr lang="en-US" dirty="0" smtClean="0"/>
+          </a:p>
+          <a:p>
+            <a:r>
+              <a:rPr lang="en-US" dirty="0"/>
+              <a:t> </a:t>
+            </a:r>
+            <a:endParaRPr lang="en-US" dirty="0" smtClean="0"/>
+          </a:p>
+          <a:p>
+            <a:r>
+              <a:rPr lang="en-US" dirty="0"/>
+              <a:t> </a:t>
+            </a:r>
+            <a:endParaRPr lang="en-US" dirty="0" smtClean="0"/>
+          </a:p>
+          <a:p>
+            <a:r>
+              <a:rPr lang="en-US" dirty="0"/>
+              <a:t> </a:t>
+            </a:r>
+            <a:endParaRPr lang="en-US" dirty="0" smtClean="0"/>
+          </a:p>
+          <a:p>
+            <a:r>
+              <a:rPr lang="en-US" dirty="0"/>
+              <a:t> </a:t>
+            </a:r>
+            <a:endParaRPr lang="en-US" dirty="0" smtClean="0"/>
+          </a:p>
+          <a:p>
+            <a:r>
+              <a:rPr lang="en-US" dirty="0"/>
+              <a:t> </a:t>
+            </a:r>
+            <a:endParaRPr lang="en-US" dirty="0" smtClean="0"/>
+          </a:p>
+          <a:p>
+            <a:endParaRPr lang="en-US" dirty="0"/>
+          </a:p>
+          <a:p>
+            <a:r>
+              <a:rPr lang="en-US" dirty="0" smtClean="0"/>
+              <a:t> </a:t>
+            </a:r>
+          </a:p>
+          <a:p>
+            <a:r>
+              <a:rPr lang="en-US" dirty="0"/>
+              <a:t> </a:t>
+            </a:r>
+            <a:endParaRPr lang="en-US" dirty="0" smtClean="0"/>
+          </a:p>
+          <a:p>
+            <a:endParaRPr lang="en-US" dirty="0" smtClean="0"/>
+          </a:p>
+        </p:txBody>
+      </p:sp>
+      <p:sp>
+        <p:nvSpPr>
+          <p:cNvPr id="10" name="TextBox 9"/>
+          <p:cNvSpPr txBox="1"/>
+          <p:nvPr/>
+        </p:nvSpPr>
+        <p:spPr>
+          <a:xfrm>
+            <a:off x="774914" y="5994768"/>
+            <a:ext cx="7873140" cy="369332"/>
+          </a:xfrm>
+          <a:prstGeom prst="rect">
+            <a:avLst/>
+          </a:prstGeom>
+          <a:solidFill>
+            <a:schemeClr val="accent1">
+              <a:lumMod val="60000"/>
+              <a:lumOff val="40000"/>
+            </a:schemeClr>
+          </a:solidFill>
+        </p:spPr>
+        <p:txBody>
+          <a:bodyPr wrap="square" rtlCol="0">
+            <a:spAutoFit/>
+          </a:bodyPr>
+          <a:lstStyle/>
+          <a:p>
+            <a:r>
+              <a:rPr lang="nl-BE" dirty="0">
+                <a:latin typeface="Andale Mono" charset="0"/>
+                <a:ea typeface="Andale Mono" charset="0"/>
+                <a:cs typeface="Andale Mono" charset="0"/>
+              </a:rPr>
+              <a:t>overflow</a:t>
+            </a:r>
+            <a:r>
+              <a:rPr lang="nl-BE">
+                <a:latin typeface="Andale Mono" charset="0"/>
+                <a:ea typeface="Andale Mono" charset="0"/>
+                <a:cs typeface="Andale Mono" charset="0"/>
+              </a:rPr>
+              <a:t>: scroll;</a:t>
+            </a:r>
+            <a:endParaRPr lang="en-US" dirty="0">
+              <a:latin typeface="Andale Mono" charset="0"/>
+              <a:ea typeface="Andale Mono" charset="0"/>
+              <a:cs typeface="Andale Mono" charset="0"/>
+            </a:endParaRPr>
+          </a:p>
+        </p:txBody>
+      </p:sp>
+      <p:sp>
+        <p:nvSpPr>
+          <p:cNvPr id="3" name="Rectangle 2"/>
+          <p:cNvSpPr/>
+          <p:nvPr/>
+        </p:nvSpPr>
+        <p:spPr>
+          <a:xfrm>
+            <a:off x="1472339" y="5746368"/>
+            <a:ext cx="6071461" cy="217404"/>
+          </a:xfrm>
+          <a:prstGeom prst="rect">
+            <a:avLst/>
+          </a:prstGeom>
+          <a:solidFill>
+            <a:srgbClr val="F3F3F3"/>
+          </a:solidFill>
+          <a:ln>
+            <a:noFill/>
+          </a:ln>
+        </p:spPr>
+        <p:style>
+          <a:lnRef idx="2">
+            <a:schemeClr val="accent1">
+              <a:shade val="50000"/>
+            </a:schemeClr>
+          </a:lnRef>
+          <a:fillRef idx="1">
+            <a:schemeClr val="accent1"/>
+          </a:fillRef>
+          <a:effectRef idx="0">
+            <a:schemeClr val="accent1"/>
+          </a:effectRef>
+          <a:fontRef idx="minor">
+            <a:schemeClr val="lt1"/>
+          </a:fontRef>
+        </p:style>
+        <p:txBody>
+          <a:bodyPr rtlCol="0" anchor="ctr"/>
+          <a:lstStyle/>
+          <a:p>
+            <a:pPr algn="ctr"/>
+            <a:endParaRPr lang="en-US"/>
+          </a:p>
+        </p:txBody>
+      </p:sp>
       <p:sp>
         <p:nvSpPr>
           <p:cNvPr id="5" name="Rectangle 4"/>
@@ -9343,7 +10379,7 @@
 </p:sld>
 </file>
 
-<file path=ppt/slides/slide37.xml><?xml version="1.0" encoding="utf-8"?>
+<file path=ppt/slides/slide41.xml><?xml version="1.0" encoding="utf-8"?>
 <p:sld xmlns:a="http://schemas.openxmlformats.org/drawingml/2006/main" xmlns:r="http://schemas.openxmlformats.org/officeDocument/2006/relationships" xmlns:p="http://schemas.openxmlformats.org/presentationml/2006/main">
   <p:cSld>
     <p:spTree>
@@ -9738,986 +10774,6 @@
 </p:sld>
 </file>
 
-<file path=ppt/slides/slide38.xml><?xml version="1.0" encoding="utf-8"?>
-<p:sld xmlns:a="http://schemas.openxmlformats.org/drawingml/2006/main" xmlns:r="http://schemas.openxmlformats.org/officeDocument/2006/relationships" xmlns:p="http://schemas.openxmlformats.org/presentationml/2006/main">
-  <p:cSld>
-    <p:spTree>
-      <p:nvGrpSpPr>
-        <p:cNvPr id="1" name=""/>
-        <p:cNvGrpSpPr/>
-        <p:nvPr/>
-      </p:nvGrpSpPr>
-      <p:grpSpPr>
-        <a:xfrm>
-          <a:off x="0" y="0"/>
-          <a:ext cx="0" cy="0"/>
-          <a:chOff x="0" y="0"/>
-          <a:chExt cx="0" cy="0"/>
-        </a:xfrm>
-      </p:grpSpPr>
-      <p:sp>
-        <p:nvSpPr>
-          <p:cNvPr id="2" name="Title 1"/>
-          <p:cNvSpPr>
-            <a:spLocks noGrp="1"/>
-          </p:cNvSpPr>
-          <p:nvPr>
-            <p:ph type="title"/>
-          </p:nvPr>
-        </p:nvSpPr>
-        <p:spPr/>
-        <p:txBody>
-          <a:bodyPr/>
-          <a:lstStyle/>
-          <a:p>
-            <a:r>
-              <a:rPr lang="en-US" b="1" dirty="0" smtClean="0"/>
-              <a:t>Selections</a:t>
-            </a:r>
-            <a:endParaRPr lang="en-US" b="1" dirty="0"/>
-          </a:p>
-        </p:txBody>
-      </p:sp>
-      <p:sp>
-        <p:nvSpPr>
-          <p:cNvPr id="3" name="Text Placeholder 2"/>
-          <p:cNvSpPr>
-            <a:spLocks noGrp="1"/>
-          </p:cNvSpPr>
-          <p:nvPr>
-            <p:ph type="body" idx="1"/>
-          </p:nvPr>
-        </p:nvSpPr>
-        <p:spPr/>
-        <p:txBody>
-          <a:bodyPr>
-            <a:normAutofit/>
-          </a:bodyPr>
-          <a:lstStyle/>
-          <a:p>
-            <a:r>
-              <a:rPr lang="en-US" sz="2400" dirty="0" smtClean="0"/>
-              <a:t>But more complex</a:t>
-            </a:r>
-            <a:endParaRPr lang="en-US" sz="2400" dirty="0"/>
-          </a:p>
-        </p:txBody>
-      </p:sp>
-    </p:spTree>
-    <p:extLst>
-      <p:ext uri="{BB962C8B-B14F-4D97-AF65-F5344CB8AC3E}">
-        <p14:creationId xmlns:p14="http://schemas.microsoft.com/office/powerpoint/2010/main" val="580634421"/>
-      </p:ext>
-    </p:extLst>
-  </p:cSld>
-  <p:clrMapOvr>
-    <a:masterClrMapping/>
-  </p:clrMapOvr>
-  <p:timing>
-    <p:tnLst>
-      <p:par>
-        <p:cTn id="1" dur="indefinite" restart="never" nodeType="tmRoot"/>
-      </p:par>
-    </p:tnLst>
-  </p:timing>
-</p:sld>
-</file>
-
-<file path=ppt/slides/slide39.xml><?xml version="1.0" encoding="utf-8"?>
-<p:sld xmlns:a="http://schemas.openxmlformats.org/drawingml/2006/main" xmlns:r="http://schemas.openxmlformats.org/officeDocument/2006/relationships" xmlns:p="http://schemas.openxmlformats.org/presentationml/2006/main">
-  <p:cSld>
-    <p:spTree>
-      <p:nvGrpSpPr>
-        <p:cNvPr id="1" name=""/>
-        <p:cNvGrpSpPr/>
-        <p:nvPr/>
-      </p:nvGrpSpPr>
-      <p:grpSpPr>
-        <a:xfrm>
-          <a:off x="0" y="0"/>
-          <a:ext cx="0" cy="0"/>
-          <a:chOff x="0" y="0"/>
-          <a:chExt cx="0" cy="0"/>
-        </a:xfrm>
-      </p:grpSpPr>
-      <p:sp>
-        <p:nvSpPr>
-          <p:cNvPr id="4" name="Title 3"/>
-          <p:cNvSpPr>
-            <a:spLocks noGrp="1"/>
-          </p:cNvSpPr>
-          <p:nvPr>
-            <p:ph type="title"/>
-          </p:nvPr>
-        </p:nvSpPr>
-        <p:spPr/>
-        <p:txBody>
-          <a:bodyPr/>
-          <a:lstStyle/>
-          <a:p>
-            <a:r>
-              <a:rPr lang="en-US" dirty="0" smtClean="0"/>
-              <a:t>SELECTIONS</a:t>
-            </a:r>
-            <a:endParaRPr lang="en-US" dirty="0"/>
-          </a:p>
-        </p:txBody>
-      </p:sp>
-      <p:sp>
-        <p:nvSpPr>
-          <p:cNvPr id="2" name="Content Placeholder 1"/>
-          <p:cNvSpPr>
-            <a:spLocks noGrp="1"/>
-          </p:cNvSpPr>
-          <p:nvPr>
-            <p:ph idx="1"/>
-          </p:nvPr>
-        </p:nvSpPr>
-        <p:spPr>
-          <a:xfrm>
-            <a:off x="553112" y="3843580"/>
-            <a:ext cx="8043619" cy="1896448"/>
-          </a:xfrm>
-        </p:spPr>
-        <p:txBody>
-          <a:bodyPr/>
-          <a:lstStyle/>
-          <a:p>
-            <a:pPr marL="0" indent="0" algn="ctr">
-              <a:buNone/>
-            </a:pPr>
-            <a:r>
-              <a:rPr lang="en-US" dirty="0">
-                <a:latin typeface="Andale Mono" charset="0"/>
-                <a:ea typeface="Andale Mono" charset="0"/>
-                <a:cs typeface="Andale Mono" charset="0"/>
-              </a:rPr>
-              <a:t>Selects all &lt;div&gt; elements and all &lt;p&gt; elements</a:t>
-            </a:r>
-          </a:p>
-        </p:txBody>
-      </p:sp>
-      <p:sp>
-        <p:nvSpPr>
-          <p:cNvPr id="7" name="TextBox 6"/>
-          <p:cNvSpPr txBox="1"/>
-          <p:nvPr/>
-        </p:nvSpPr>
-        <p:spPr>
-          <a:xfrm>
-            <a:off x="553112" y="2638045"/>
-            <a:ext cx="8043620" cy="923330"/>
-          </a:xfrm>
-          <a:prstGeom prst="rect">
-            <a:avLst/>
-          </a:prstGeom>
-          <a:solidFill>
-            <a:schemeClr val="accent1">
-              <a:lumMod val="60000"/>
-              <a:lumOff val="40000"/>
-            </a:schemeClr>
-          </a:solidFill>
-        </p:spPr>
-        <p:txBody>
-          <a:bodyPr wrap="square" rtlCol="0">
-            <a:spAutoFit/>
-          </a:bodyPr>
-          <a:lstStyle/>
-          <a:p>
-            <a:r>
-              <a:rPr lang="nl-BE" dirty="0">
-                <a:latin typeface="Andale Mono" charset="0"/>
-                <a:ea typeface="Andale Mono" charset="0"/>
-                <a:cs typeface="Andale Mono" charset="0"/>
-              </a:rPr>
-              <a:t>div</a:t>
-            </a:r>
-            <a:r>
-              <a:rPr lang="nl-BE" b="1" dirty="0">
-                <a:latin typeface="Andale Mono" charset="0"/>
-                <a:ea typeface="Andale Mono" charset="0"/>
-                <a:cs typeface="Andale Mono" charset="0"/>
-              </a:rPr>
-              <a:t>,</a:t>
-            </a:r>
-            <a:r>
-              <a:rPr lang="nl-BE" dirty="0">
-                <a:latin typeface="Andale Mono" charset="0"/>
-                <a:ea typeface="Andale Mono" charset="0"/>
-                <a:cs typeface="Andale Mono" charset="0"/>
-              </a:rPr>
-              <a:t> </a:t>
-            </a:r>
-            <a:r>
-              <a:rPr lang="nl-BE" dirty="0" smtClean="0">
-                <a:latin typeface="Andale Mono" charset="0"/>
-                <a:ea typeface="Andale Mono" charset="0"/>
-                <a:cs typeface="Andale Mono" charset="0"/>
-              </a:rPr>
-              <a:t>p{</a:t>
-            </a:r>
-          </a:p>
-          <a:p>
-            <a:r>
-              <a:rPr lang="nl-BE" dirty="0">
-                <a:latin typeface="Andale Mono" charset="0"/>
-                <a:ea typeface="Andale Mono" charset="0"/>
-                <a:cs typeface="Andale Mono" charset="0"/>
-              </a:rPr>
-              <a:t>	</a:t>
-            </a:r>
-            <a:r>
-              <a:rPr lang="is-IS" dirty="0" smtClean="0">
-                <a:latin typeface="Andale Mono" charset="0"/>
-                <a:ea typeface="Andale Mono" charset="0"/>
-                <a:cs typeface="Andale Mono" charset="0"/>
-              </a:rPr>
-              <a:t>…</a:t>
-            </a:r>
-            <a:r>
-              <a:rPr lang="nl-BE" dirty="0">
-                <a:latin typeface="Andale Mono" charset="0"/>
-                <a:ea typeface="Andale Mono" charset="0"/>
-                <a:cs typeface="Andale Mono" charset="0"/>
-              </a:rPr>
-              <a:t/>
-            </a:r>
-            <a:br>
-              <a:rPr lang="nl-BE" dirty="0">
-                <a:latin typeface="Andale Mono" charset="0"/>
-                <a:ea typeface="Andale Mono" charset="0"/>
-                <a:cs typeface="Andale Mono" charset="0"/>
-              </a:rPr>
-            </a:br>
-            <a:r>
-              <a:rPr lang="nl-BE" dirty="0">
-                <a:latin typeface="Andale Mono" charset="0"/>
-                <a:ea typeface="Andale Mono" charset="0"/>
-                <a:cs typeface="Andale Mono" charset="0"/>
-              </a:rPr>
-              <a:t>}</a:t>
-            </a:r>
-            <a:endParaRPr lang="en-US" dirty="0">
-              <a:latin typeface="Andale Mono" charset="0"/>
-              <a:ea typeface="Andale Mono" charset="0"/>
-              <a:cs typeface="Andale Mono" charset="0"/>
-            </a:endParaRPr>
-          </a:p>
-        </p:txBody>
-      </p:sp>
-    </p:spTree>
-    <p:extLst>
-      <p:ext uri="{BB962C8B-B14F-4D97-AF65-F5344CB8AC3E}">
-        <p14:creationId xmlns:p14="http://schemas.microsoft.com/office/powerpoint/2010/main" val="1314389597"/>
-      </p:ext>
-    </p:extLst>
-  </p:cSld>
-  <p:clrMapOvr>
-    <a:masterClrMapping/>
-  </p:clrMapOvr>
-  <p:timing>
-    <p:tnLst>
-      <p:par>
-        <p:cTn id="1" dur="indefinite" restart="never" nodeType="tmRoot"/>
-      </p:par>
-    </p:tnLst>
-  </p:timing>
-</p:sld>
-</file>
-
-<file path=ppt/slides/slide4.xml><?xml version="1.0" encoding="utf-8"?>
-<p:sld xmlns:a="http://schemas.openxmlformats.org/drawingml/2006/main" xmlns:r="http://schemas.openxmlformats.org/officeDocument/2006/relationships" xmlns:p="http://schemas.openxmlformats.org/presentationml/2006/main">
-  <p:cSld>
-    <p:spTree>
-      <p:nvGrpSpPr>
-        <p:cNvPr id="1" name=""/>
-        <p:cNvGrpSpPr/>
-        <p:nvPr/>
-      </p:nvGrpSpPr>
-      <p:grpSpPr>
-        <a:xfrm>
-          <a:off x="0" y="0"/>
-          <a:ext cx="0" cy="0"/>
-          <a:chOff x="0" y="0"/>
-          <a:chExt cx="0" cy="0"/>
-        </a:xfrm>
-      </p:grpSpPr>
-      <p:sp>
-        <p:nvSpPr>
-          <p:cNvPr id="4" name="Title 3"/>
-          <p:cNvSpPr>
-            <a:spLocks noGrp="1"/>
-          </p:cNvSpPr>
-          <p:nvPr>
-            <p:ph type="title"/>
-          </p:nvPr>
-        </p:nvSpPr>
-        <p:spPr/>
-        <p:txBody>
-          <a:bodyPr/>
-          <a:lstStyle/>
-          <a:p>
-            <a:r>
-              <a:rPr lang="en-US" dirty="0" smtClean="0"/>
-              <a:t>Inclusions</a:t>
-            </a:r>
-            <a:endParaRPr lang="en-US" dirty="0"/>
-          </a:p>
-        </p:txBody>
-      </p:sp>
-      <p:sp>
-        <p:nvSpPr>
-          <p:cNvPr id="7" name="TextBox 6"/>
-          <p:cNvSpPr txBox="1"/>
-          <p:nvPr/>
-        </p:nvSpPr>
-        <p:spPr>
-          <a:xfrm>
-            <a:off x="573437" y="2580772"/>
-            <a:ext cx="8028122" cy="369332"/>
-          </a:xfrm>
-          <a:prstGeom prst="rect">
-            <a:avLst/>
-          </a:prstGeom>
-          <a:solidFill>
-            <a:schemeClr val="accent1">
-              <a:lumMod val="60000"/>
-              <a:lumOff val="40000"/>
-            </a:schemeClr>
-          </a:solidFill>
-        </p:spPr>
-        <p:txBody>
-          <a:bodyPr wrap="square" rtlCol="0">
-            <a:spAutoFit/>
-          </a:bodyPr>
-          <a:lstStyle/>
-          <a:p>
-            <a:r>
-              <a:rPr lang="en-US" dirty="0">
-                <a:latin typeface="Andale Mono" charset="0"/>
-                <a:ea typeface="Andale Mono" charset="0"/>
-                <a:cs typeface="Andale Mono" charset="0"/>
-              </a:rPr>
-              <a:t>&lt;link </a:t>
-            </a:r>
-            <a:r>
-              <a:rPr lang="en-US" dirty="0" err="1">
-                <a:latin typeface="Andale Mono" charset="0"/>
-                <a:ea typeface="Andale Mono" charset="0"/>
-                <a:cs typeface="Andale Mono" charset="0"/>
-              </a:rPr>
-              <a:t>rel</a:t>
-            </a:r>
-            <a:r>
-              <a:rPr lang="en-US" dirty="0">
-                <a:latin typeface="Andale Mono" charset="0"/>
-                <a:ea typeface="Andale Mono" charset="0"/>
-                <a:cs typeface="Andale Mono" charset="0"/>
-              </a:rPr>
-              <a:t>="</a:t>
-            </a:r>
-            <a:r>
-              <a:rPr lang="en-US" dirty="0" err="1">
-                <a:latin typeface="Andale Mono" charset="0"/>
-                <a:ea typeface="Andale Mono" charset="0"/>
-                <a:cs typeface="Andale Mono" charset="0"/>
-              </a:rPr>
-              <a:t>stylesheet</a:t>
-            </a:r>
-            <a:r>
-              <a:rPr lang="en-US" dirty="0">
-                <a:latin typeface="Andale Mono" charset="0"/>
-                <a:ea typeface="Andale Mono" charset="0"/>
-                <a:cs typeface="Andale Mono" charset="0"/>
-              </a:rPr>
-              <a:t>" </a:t>
-            </a:r>
-            <a:r>
-              <a:rPr lang="en-US" dirty="0" err="1">
-                <a:latin typeface="Andale Mono" charset="0"/>
-                <a:ea typeface="Andale Mono" charset="0"/>
-                <a:cs typeface="Andale Mono" charset="0"/>
-              </a:rPr>
-              <a:t>href</a:t>
-            </a:r>
-            <a:r>
-              <a:rPr lang="en-US" dirty="0" smtClean="0">
-                <a:latin typeface="Andale Mono" charset="0"/>
-                <a:ea typeface="Andale Mono" charset="0"/>
-                <a:cs typeface="Andale Mono" charset="0"/>
-              </a:rPr>
-              <a:t>=”style"&gt;</a:t>
-            </a:r>
-            <a:endParaRPr lang="en-US" dirty="0">
-              <a:latin typeface="Andale Mono" charset="0"/>
-              <a:ea typeface="Andale Mono" charset="0"/>
-              <a:cs typeface="Andale Mono" charset="0"/>
-            </a:endParaRPr>
-          </a:p>
-        </p:txBody>
-      </p:sp>
-      <p:sp>
-        <p:nvSpPr>
-          <p:cNvPr id="8" name="TextBox 7"/>
-          <p:cNvSpPr txBox="1"/>
-          <p:nvPr/>
-        </p:nvSpPr>
-        <p:spPr>
-          <a:xfrm>
-            <a:off x="573437" y="3135217"/>
-            <a:ext cx="8028122" cy="1477328"/>
-          </a:xfrm>
-          <a:prstGeom prst="rect">
-            <a:avLst/>
-          </a:prstGeom>
-          <a:solidFill>
-            <a:schemeClr val="accent1">
-              <a:lumMod val="60000"/>
-              <a:lumOff val="40000"/>
-            </a:schemeClr>
-          </a:solidFill>
-        </p:spPr>
-        <p:txBody>
-          <a:bodyPr wrap="square" rtlCol="0">
-            <a:spAutoFit/>
-          </a:bodyPr>
-          <a:lstStyle/>
-          <a:p>
-            <a:r>
-              <a:rPr lang="nl-BE" dirty="0" smtClean="0">
-                <a:latin typeface="Andale Mono" charset="0"/>
-                <a:ea typeface="Andale Mono" charset="0"/>
-                <a:cs typeface="Andale Mono" charset="0"/>
-              </a:rPr>
-              <a:t>&lt;style&gt;</a:t>
-            </a:r>
-          </a:p>
-          <a:p>
-            <a:pPr lvl="1"/>
-            <a:r>
-              <a:rPr lang="nl-BE" dirty="0" smtClean="0">
-                <a:latin typeface="Andale Mono" charset="0"/>
-                <a:ea typeface="Andale Mono" charset="0"/>
-                <a:cs typeface="Andale Mono" charset="0"/>
-              </a:rPr>
-              <a:t>#container{</a:t>
-            </a:r>
-          </a:p>
-          <a:p>
-            <a:pPr lvl="1"/>
-            <a:r>
-              <a:rPr lang="nl-BE" dirty="0">
-                <a:latin typeface="Andale Mono" charset="0"/>
-                <a:ea typeface="Andale Mono" charset="0"/>
-                <a:cs typeface="Andale Mono" charset="0"/>
-              </a:rPr>
-              <a:t>	</a:t>
-            </a:r>
-            <a:r>
-              <a:rPr lang="nl-BE" dirty="0" smtClean="0">
-                <a:latin typeface="Andale Mono" charset="0"/>
-                <a:ea typeface="Andale Mono" charset="0"/>
-                <a:cs typeface="Andale Mono" charset="0"/>
-              </a:rPr>
-              <a:t>color: #FFFFFFF</a:t>
-            </a:r>
-          </a:p>
-          <a:p>
-            <a:pPr lvl="1"/>
-            <a:r>
-              <a:rPr lang="nl-BE" dirty="0" smtClean="0">
-                <a:latin typeface="Andale Mono" charset="0"/>
-                <a:ea typeface="Andale Mono" charset="0"/>
-                <a:cs typeface="Andale Mono" charset="0"/>
-              </a:rPr>
-              <a:t>}</a:t>
-            </a:r>
-            <a:endParaRPr lang="en-US" dirty="0">
-              <a:latin typeface="Andale Mono" charset="0"/>
-              <a:ea typeface="Andale Mono" charset="0"/>
-              <a:cs typeface="Andale Mono" charset="0"/>
-            </a:endParaRPr>
-          </a:p>
-          <a:p>
-            <a:r>
-              <a:rPr lang="en-US" dirty="0" smtClean="0">
-                <a:latin typeface="Andale Mono" charset="0"/>
-                <a:ea typeface="Andale Mono" charset="0"/>
-                <a:cs typeface="Andale Mono" charset="0"/>
-              </a:rPr>
-              <a:t>&lt;/style&gt;</a:t>
-            </a:r>
-            <a:endParaRPr lang="nl-BE" dirty="0" smtClean="0">
-              <a:latin typeface="Andale Mono" charset="0"/>
-              <a:ea typeface="Andale Mono" charset="0"/>
-              <a:cs typeface="Andale Mono" charset="0"/>
-            </a:endParaRPr>
-          </a:p>
-        </p:txBody>
-      </p:sp>
-      <p:sp>
-        <p:nvSpPr>
-          <p:cNvPr id="9" name="TextBox 8"/>
-          <p:cNvSpPr txBox="1"/>
-          <p:nvPr/>
-        </p:nvSpPr>
-        <p:spPr>
-          <a:xfrm>
-            <a:off x="573437" y="4797658"/>
-            <a:ext cx="8028122" cy="923330"/>
-          </a:xfrm>
-          <a:prstGeom prst="rect">
-            <a:avLst/>
-          </a:prstGeom>
-          <a:solidFill>
-            <a:schemeClr val="accent1">
-              <a:lumMod val="60000"/>
-              <a:lumOff val="40000"/>
-            </a:schemeClr>
-          </a:solidFill>
-        </p:spPr>
-        <p:txBody>
-          <a:bodyPr wrap="square" rtlCol="0">
-            <a:spAutoFit/>
-          </a:bodyPr>
-          <a:lstStyle/>
-          <a:p>
-            <a:r>
-              <a:rPr lang="nl-BE" dirty="0" smtClean="0">
-                <a:latin typeface="Andale Mono" charset="0"/>
-                <a:ea typeface="Andale Mono" charset="0"/>
-                <a:cs typeface="Andale Mono" charset="0"/>
-              </a:rPr>
-              <a:t>&lt;div id=“container” style=“color:#FFFFFF”&gt;</a:t>
-            </a:r>
-          </a:p>
-          <a:p>
-            <a:r>
-              <a:rPr lang="nl-BE" dirty="0" smtClean="0">
-                <a:latin typeface="Andale Mono" charset="0"/>
-                <a:ea typeface="Andale Mono" charset="0"/>
-                <a:cs typeface="Andale Mono" charset="0"/>
-              </a:rPr>
-              <a:t>	Here is some content</a:t>
-            </a:r>
-          </a:p>
-          <a:p>
-            <a:r>
-              <a:rPr lang="en-US" dirty="0" smtClean="0">
-                <a:latin typeface="Andale Mono" charset="0"/>
-                <a:ea typeface="Andale Mono" charset="0"/>
-                <a:cs typeface="Andale Mono" charset="0"/>
-              </a:rPr>
-              <a:t>&lt;/div&gt;</a:t>
-            </a:r>
-            <a:endParaRPr lang="nl-BE" dirty="0" smtClean="0">
-              <a:latin typeface="Andale Mono" charset="0"/>
-              <a:ea typeface="Andale Mono" charset="0"/>
-              <a:cs typeface="Andale Mono" charset="0"/>
-            </a:endParaRPr>
-          </a:p>
-        </p:txBody>
-      </p:sp>
-    </p:spTree>
-    <p:extLst>
-      <p:ext uri="{BB962C8B-B14F-4D97-AF65-F5344CB8AC3E}">
-        <p14:creationId xmlns:p14="http://schemas.microsoft.com/office/powerpoint/2010/main" val="556051767"/>
-      </p:ext>
-    </p:extLst>
-  </p:cSld>
-  <p:clrMapOvr>
-    <a:masterClrMapping/>
-  </p:clrMapOvr>
-  <p:timing>
-    <p:tnLst>
-      <p:par>
-        <p:cTn id="1" dur="indefinite" restart="never" nodeType="tmRoot"/>
-      </p:par>
-    </p:tnLst>
-  </p:timing>
-</p:sld>
-</file>
-
-<file path=ppt/slides/slide40.xml><?xml version="1.0" encoding="utf-8"?>
-<p:sld xmlns:a="http://schemas.openxmlformats.org/drawingml/2006/main" xmlns:r="http://schemas.openxmlformats.org/officeDocument/2006/relationships" xmlns:p="http://schemas.openxmlformats.org/presentationml/2006/main">
-  <p:cSld>
-    <p:spTree>
-      <p:nvGrpSpPr>
-        <p:cNvPr id="1" name=""/>
-        <p:cNvGrpSpPr/>
-        <p:nvPr/>
-      </p:nvGrpSpPr>
-      <p:grpSpPr>
-        <a:xfrm>
-          <a:off x="0" y="0"/>
-          <a:ext cx="0" cy="0"/>
-          <a:chOff x="0" y="0"/>
-          <a:chExt cx="0" cy="0"/>
-        </a:xfrm>
-      </p:grpSpPr>
-      <p:sp>
-        <p:nvSpPr>
-          <p:cNvPr id="4" name="Title 3"/>
-          <p:cNvSpPr>
-            <a:spLocks noGrp="1"/>
-          </p:cNvSpPr>
-          <p:nvPr>
-            <p:ph type="title"/>
-          </p:nvPr>
-        </p:nvSpPr>
-        <p:spPr/>
-        <p:txBody>
-          <a:bodyPr/>
-          <a:lstStyle/>
-          <a:p>
-            <a:r>
-              <a:rPr lang="en-US" dirty="0" smtClean="0"/>
-              <a:t>SELECTIONS</a:t>
-            </a:r>
-            <a:endParaRPr lang="en-US" dirty="0"/>
-          </a:p>
-        </p:txBody>
-      </p:sp>
-      <p:sp>
-        <p:nvSpPr>
-          <p:cNvPr id="2" name="Content Placeholder 1"/>
-          <p:cNvSpPr>
-            <a:spLocks noGrp="1"/>
-          </p:cNvSpPr>
-          <p:nvPr>
-            <p:ph idx="1"/>
-          </p:nvPr>
-        </p:nvSpPr>
-        <p:spPr>
-          <a:xfrm>
-            <a:off x="553112" y="3843580"/>
-            <a:ext cx="8043619" cy="1896448"/>
-          </a:xfrm>
-        </p:spPr>
-        <p:txBody>
-          <a:bodyPr/>
-          <a:lstStyle/>
-          <a:p>
-            <a:pPr marL="0" indent="0" algn="ctr">
-              <a:buNone/>
-            </a:pPr>
-            <a:r>
-              <a:rPr lang="en-US" dirty="0">
-                <a:latin typeface="Andale Mono" charset="0"/>
-                <a:ea typeface="Andale Mono" charset="0"/>
-                <a:cs typeface="Andale Mono" charset="0"/>
-              </a:rPr>
-              <a:t>Selects all &lt;p&gt; elements inside &lt;div&gt; elements</a:t>
-            </a:r>
-          </a:p>
-        </p:txBody>
-      </p:sp>
-      <p:sp>
-        <p:nvSpPr>
-          <p:cNvPr id="7" name="TextBox 6"/>
-          <p:cNvSpPr txBox="1"/>
-          <p:nvPr/>
-        </p:nvSpPr>
-        <p:spPr>
-          <a:xfrm>
-            <a:off x="553112" y="2638045"/>
-            <a:ext cx="8043620" cy="923330"/>
-          </a:xfrm>
-          <a:prstGeom prst="rect">
-            <a:avLst/>
-          </a:prstGeom>
-          <a:solidFill>
-            <a:schemeClr val="accent1">
-              <a:lumMod val="60000"/>
-              <a:lumOff val="40000"/>
-            </a:schemeClr>
-          </a:solidFill>
-        </p:spPr>
-        <p:txBody>
-          <a:bodyPr wrap="square" rtlCol="0">
-            <a:spAutoFit/>
-          </a:bodyPr>
-          <a:lstStyle/>
-          <a:p>
-            <a:r>
-              <a:rPr lang="nl-BE" dirty="0" smtClean="0">
-                <a:latin typeface="Andale Mono" charset="0"/>
-                <a:ea typeface="Andale Mono" charset="0"/>
-                <a:cs typeface="Andale Mono" charset="0"/>
-              </a:rPr>
-              <a:t>div p{</a:t>
-            </a:r>
-          </a:p>
-          <a:p>
-            <a:r>
-              <a:rPr lang="nl-BE" dirty="0">
-                <a:latin typeface="Andale Mono" charset="0"/>
-                <a:ea typeface="Andale Mono" charset="0"/>
-                <a:cs typeface="Andale Mono" charset="0"/>
-              </a:rPr>
-              <a:t>	</a:t>
-            </a:r>
-            <a:r>
-              <a:rPr lang="is-IS" dirty="0" smtClean="0">
-                <a:latin typeface="Andale Mono" charset="0"/>
-                <a:ea typeface="Andale Mono" charset="0"/>
-                <a:cs typeface="Andale Mono" charset="0"/>
-              </a:rPr>
-              <a:t>…</a:t>
-            </a:r>
-            <a:r>
-              <a:rPr lang="nl-BE" dirty="0">
-                <a:latin typeface="Andale Mono" charset="0"/>
-                <a:ea typeface="Andale Mono" charset="0"/>
-                <a:cs typeface="Andale Mono" charset="0"/>
-              </a:rPr>
-              <a:t/>
-            </a:r>
-            <a:br>
-              <a:rPr lang="nl-BE" dirty="0">
-                <a:latin typeface="Andale Mono" charset="0"/>
-                <a:ea typeface="Andale Mono" charset="0"/>
-                <a:cs typeface="Andale Mono" charset="0"/>
-              </a:rPr>
-            </a:br>
-            <a:r>
-              <a:rPr lang="nl-BE" dirty="0">
-                <a:latin typeface="Andale Mono" charset="0"/>
-                <a:ea typeface="Andale Mono" charset="0"/>
-                <a:cs typeface="Andale Mono" charset="0"/>
-              </a:rPr>
-              <a:t>}</a:t>
-            </a:r>
-            <a:endParaRPr lang="en-US" dirty="0">
-              <a:latin typeface="Andale Mono" charset="0"/>
-              <a:ea typeface="Andale Mono" charset="0"/>
-              <a:cs typeface="Andale Mono" charset="0"/>
-            </a:endParaRPr>
-          </a:p>
-        </p:txBody>
-      </p:sp>
-    </p:spTree>
-    <p:extLst>
-      <p:ext uri="{BB962C8B-B14F-4D97-AF65-F5344CB8AC3E}">
-        <p14:creationId xmlns:p14="http://schemas.microsoft.com/office/powerpoint/2010/main" val="1950635853"/>
-      </p:ext>
-    </p:extLst>
-  </p:cSld>
-  <p:clrMapOvr>
-    <a:masterClrMapping/>
-  </p:clrMapOvr>
-  <p:timing>
-    <p:tnLst>
-      <p:par>
-        <p:cTn id="1" dur="indefinite" restart="never" nodeType="tmRoot"/>
-      </p:par>
-    </p:tnLst>
-  </p:timing>
-</p:sld>
-</file>
-
-<file path=ppt/slides/slide41.xml><?xml version="1.0" encoding="utf-8"?>
-<p:sld xmlns:a="http://schemas.openxmlformats.org/drawingml/2006/main" xmlns:r="http://schemas.openxmlformats.org/officeDocument/2006/relationships" xmlns:p="http://schemas.openxmlformats.org/presentationml/2006/main">
-  <p:cSld>
-    <p:spTree>
-      <p:nvGrpSpPr>
-        <p:cNvPr id="1" name=""/>
-        <p:cNvGrpSpPr/>
-        <p:nvPr/>
-      </p:nvGrpSpPr>
-      <p:grpSpPr>
-        <a:xfrm>
-          <a:off x="0" y="0"/>
-          <a:ext cx="0" cy="0"/>
-          <a:chOff x="0" y="0"/>
-          <a:chExt cx="0" cy="0"/>
-        </a:xfrm>
-      </p:grpSpPr>
-      <p:sp>
-        <p:nvSpPr>
-          <p:cNvPr id="4" name="Title 3"/>
-          <p:cNvSpPr>
-            <a:spLocks noGrp="1"/>
-          </p:cNvSpPr>
-          <p:nvPr>
-            <p:ph type="title"/>
-          </p:nvPr>
-        </p:nvSpPr>
-        <p:spPr/>
-        <p:txBody>
-          <a:bodyPr/>
-          <a:lstStyle/>
-          <a:p>
-            <a:r>
-              <a:rPr lang="en-US" dirty="0" smtClean="0"/>
-              <a:t>SELECTIONS</a:t>
-            </a:r>
-            <a:endParaRPr lang="en-US" dirty="0"/>
-          </a:p>
-        </p:txBody>
-      </p:sp>
-      <p:sp>
-        <p:nvSpPr>
-          <p:cNvPr id="2" name="Content Placeholder 1"/>
-          <p:cNvSpPr>
-            <a:spLocks noGrp="1"/>
-          </p:cNvSpPr>
-          <p:nvPr>
-            <p:ph idx="1"/>
-          </p:nvPr>
-        </p:nvSpPr>
-        <p:spPr>
-          <a:xfrm>
-            <a:off x="553112" y="3843580"/>
-            <a:ext cx="8043619" cy="1896448"/>
-          </a:xfrm>
-        </p:spPr>
-        <p:txBody>
-          <a:bodyPr/>
-          <a:lstStyle/>
-          <a:p>
-            <a:pPr marL="0" indent="0" algn="ctr">
-              <a:buNone/>
-            </a:pPr>
-            <a:r>
-              <a:rPr lang="en-US" dirty="0">
-                <a:latin typeface="Andale Mono" charset="0"/>
-                <a:ea typeface="Andale Mono" charset="0"/>
-                <a:cs typeface="Andale Mono" charset="0"/>
-              </a:rPr>
-              <a:t>Selects all &lt;p&gt; elements where the parent is a &lt;div&gt; element</a:t>
-            </a:r>
-          </a:p>
-        </p:txBody>
-      </p:sp>
-      <p:sp>
-        <p:nvSpPr>
-          <p:cNvPr id="7" name="TextBox 6"/>
-          <p:cNvSpPr txBox="1"/>
-          <p:nvPr/>
-        </p:nvSpPr>
-        <p:spPr>
-          <a:xfrm>
-            <a:off x="553112" y="2638045"/>
-            <a:ext cx="8043620" cy="923330"/>
-          </a:xfrm>
-          <a:prstGeom prst="rect">
-            <a:avLst/>
-          </a:prstGeom>
-          <a:solidFill>
-            <a:schemeClr val="accent1">
-              <a:lumMod val="60000"/>
-              <a:lumOff val="40000"/>
-            </a:schemeClr>
-          </a:solidFill>
-        </p:spPr>
-        <p:txBody>
-          <a:bodyPr wrap="square" rtlCol="0">
-            <a:spAutoFit/>
-          </a:bodyPr>
-          <a:lstStyle/>
-          <a:p>
-            <a:r>
-              <a:rPr lang="nl-BE" dirty="0">
-                <a:latin typeface="Andale Mono" charset="0"/>
-                <a:ea typeface="Andale Mono" charset="0"/>
-                <a:cs typeface="Andale Mono" charset="0"/>
-              </a:rPr>
-              <a:t>d</a:t>
-            </a:r>
-            <a:r>
-              <a:rPr lang="nl-BE" dirty="0" smtClean="0">
-                <a:latin typeface="Andale Mono" charset="0"/>
-                <a:ea typeface="Andale Mono" charset="0"/>
-                <a:cs typeface="Andale Mono" charset="0"/>
-              </a:rPr>
-              <a:t>iv </a:t>
-            </a:r>
-            <a:r>
-              <a:rPr lang="nl-BE" b="1" dirty="0" smtClean="0">
-                <a:latin typeface="Andale Mono" charset="0"/>
-                <a:ea typeface="Andale Mono" charset="0"/>
-                <a:cs typeface="Andale Mono" charset="0"/>
-              </a:rPr>
-              <a:t>&gt;</a:t>
-            </a:r>
-            <a:r>
-              <a:rPr lang="nl-BE" dirty="0" smtClean="0">
-                <a:latin typeface="Andale Mono" charset="0"/>
-                <a:ea typeface="Andale Mono" charset="0"/>
-                <a:cs typeface="Andale Mono" charset="0"/>
-              </a:rPr>
-              <a:t> p{</a:t>
-            </a:r>
-          </a:p>
-          <a:p>
-            <a:r>
-              <a:rPr lang="nl-BE" dirty="0">
-                <a:latin typeface="Andale Mono" charset="0"/>
-                <a:ea typeface="Andale Mono" charset="0"/>
-                <a:cs typeface="Andale Mono" charset="0"/>
-              </a:rPr>
-              <a:t>	</a:t>
-            </a:r>
-            <a:r>
-              <a:rPr lang="is-IS" dirty="0" smtClean="0">
-                <a:latin typeface="Andale Mono" charset="0"/>
-                <a:ea typeface="Andale Mono" charset="0"/>
-                <a:cs typeface="Andale Mono" charset="0"/>
-              </a:rPr>
-              <a:t>…</a:t>
-            </a:r>
-            <a:r>
-              <a:rPr lang="nl-BE" dirty="0">
-                <a:latin typeface="Andale Mono" charset="0"/>
-                <a:ea typeface="Andale Mono" charset="0"/>
-                <a:cs typeface="Andale Mono" charset="0"/>
-              </a:rPr>
-              <a:t/>
-            </a:r>
-            <a:br>
-              <a:rPr lang="nl-BE" dirty="0">
-                <a:latin typeface="Andale Mono" charset="0"/>
-                <a:ea typeface="Andale Mono" charset="0"/>
-                <a:cs typeface="Andale Mono" charset="0"/>
-              </a:rPr>
-            </a:br>
-            <a:r>
-              <a:rPr lang="nl-BE" dirty="0">
-                <a:latin typeface="Andale Mono" charset="0"/>
-                <a:ea typeface="Andale Mono" charset="0"/>
-                <a:cs typeface="Andale Mono" charset="0"/>
-              </a:rPr>
-              <a:t>}</a:t>
-            </a:r>
-            <a:endParaRPr lang="en-US" dirty="0">
-              <a:latin typeface="Andale Mono" charset="0"/>
-              <a:ea typeface="Andale Mono" charset="0"/>
-              <a:cs typeface="Andale Mono" charset="0"/>
-            </a:endParaRPr>
-          </a:p>
-        </p:txBody>
-      </p:sp>
-    </p:spTree>
-    <p:extLst>
-      <p:ext uri="{BB962C8B-B14F-4D97-AF65-F5344CB8AC3E}">
-        <p14:creationId xmlns:p14="http://schemas.microsoft.com/office/powerpoint/2010/main" val="168796027"/>
-      </p:ext>
-    </p:extLst>
-  </p:cSld>
-  <p:clrMapOvr>
-    <a:masterClrMapping/>
-  </p:clrMapOvr>
-  <p:timing>
-    <p:tnLst>
-      <p:par>
-        <p:cTn id="1" dur="indefinite" restart="never" nodeType="tmRoot"/>
-      </p:par>
-    </p:tnLst>
-  </p:timing>
-</p:sld>
-</file>
-
 <file path=ppt/slides/slide42.xml><?xml version="1.0" encoding="utf-8"?>
 <p:sld xmlns:a="http://schemas.openxmlformats.org/drawingml/2006/main" xmlns:r="http://schemas.openxmlformats.org/officeDocument/2006/relationships" xmlns:p="http://schemas.openxmlformats.org/presentationml/2006/main">
   <p:cSld>
@@ -10737,7 +10793,7 @@
       </p:grpSpPr>
       <p:sp>
         <p:nvSpPr>
-          <p:cNvPr id="4" name="Title 3"/>
+          <p:cNvPr id="2" name="Title 1"/>
           <p:cNvSpPr>
             <a:spLocks noGrp="1"/>
           </p:cNvSpPr>
@@ -10751,151 +10807,42 @@
           <a:lstStyle/>
           <a:p>
             <a:r>
-              <a:rPr lang="en-US" dirty="0" smtClean="0"/>
-              <a:t>SELECTIONS</a:t>
-            </a:r>
-            <a:endParaRPr lang="en-US" dirty="0"/>
-          </a:p>
-        </p:txBody>
-      </p:sp>
-      <p:sp>
-        <p:nvSpPr>
-          <p:cNvPr id="2" name="Content Placeholder 1"/>
+              <a:rPr lang="en-US" b="1" dirty="0" smtClean="0"/>
+              <a:t>Selections</a:t>
+            </a:r>
+            <a:endParaRPr lang="en-US" b="1" dirty="0"/>
+          </a:p>
+        </p:txBody>
+      </p:sp>
+      <p:sp>
+        <p:nvSpPr>
+          <p:cNvPr id="3" name="Text Placeholder 2"/>
           <p:cNvSpPr>
             <a:spLocks noGrp="1"/>
           </p:cNvSpPr>
           <p:nvPr>
-            <p:ph idx="1"/>
+            <p:ph type="body" idx="1"/>
           </p:nvPr>
         </p:nvSpPr>
-        <p:spPr>
-          <a:xfrm>
-            <a:off x="553112" y="3843580"/>
-            <a:ext cx="8043619" cy="1896448"/>
-          </a:xfrm>
-        </p:spPr>
-        <p:txBody>
-          <a:bodyPr/>
-          <a:lstStyle/>
-          <a:p>
-            <a:pPr marL="0" indent="0" algn="ctr">
-              <a:buNone/>
-            </a:pPr>
-            <a:r>
-              <a:rPr lang="en-US" dirty="0">
-                <a:latin typeface="Andale Mono" charset="0"/>
-                <a:ea typeface="Andale Mono" charset="0"/>
-                <a:cs typeface="Andale Mono" charset="0"/>
-              </a:rPr>
-              <a:t>Selects all &lt;p&gt; elements that are placed immediately after &lt;div&gt; elements</a:t>
-            </a:r>
-          </a:p>
-        </p:txBody>
-      </p:sp>
-      <p:sp>
-        <p:nvSpPr>
-          <p:cNvPr id="7" name="TextBox 6"/>
-          <p:cNvSpPr txBox="1"/>
-          <p:nvPr/>
-        </p:nvSpPr>
-        <p:spPr>
-          <a:xfrm>
-            <a:off x="553112" y="2638045"/>
-            <a:ext cx="8043620" cy="923330"/>
-          </a:xfrm>
-          <a:prstGeom prst="rect">
-            <a:avLst/>
-          </a:prstGeom>
-          <a:solidFill>
-            <a:schemeClr val="accent1">
-              <a:lumMod val="60000"/>
-              <a:lumOff val="40000"/>
-            </a:schemeClr>
-          </a:solidFill>
-        </p:spPr>
-        <p:txBody>
-          <a:bodyPr wrap="square" rtlCol="0">
-            <a:spAutoFit/>
+        <p:spPr/>
+        <p:txBody>
+          <a:bodyPr>
+            <a:normAutofit/>
           </a:bodyPr>
           <a:lstStyle/>
           <a:p>
             <a:r>
-              <a:rPr lang="nl-BE" dirty="0">
-                <a:latin typeface="Andale Mono" charset="0"/>
-                <a:ea typeface="Andale Mono" charset="0"/>
-                <a:cs typeface="Andale Mono" charset="0"/>
-              </a:rPr>
-              <a:t>d</a:t>
-            </a:r>
-            <a:r>
-              <a:rPr lang="nl-BE" dirty="0" smtClean="0">
-                <a:latin typeface="Andale Mono" charset="0"/>
-                <a:ea typeface="Andale Mono" charset="0"/>
-                <a:cs typeface="Andale Mono" charset="0"/>
-              </a:rPr>
-              <a:t>iv </a:t>
-            </a:r>
-            <a:r>
-              <a:rPr lang="nl-BE" b="1" dirty="0">
-                <a:latin typeface="Andale Mono" charset="0"/>
-                <a:ea typeface="Andale Mono" charset="0"/>
-                <a:cs typeface="Andale Mono" charset="0"/>
-              </a:rPr>
-              <a:t>+</a:t>
-            </a:r>
-            <a:r>
-              <a:rPr lang="nl-BE" dirty="0" smtClean="0">
-                <a:latin typeface="Andale Mono" charset="0"/>
-                <a:ea typeface="Andale Mono" charset="0"/>
-                <a:cs typeface="Andale Mono" charset="0"/>
-              </a:rPr>
-              <a:t> p{</a:t>
-            </a:r>
-          </a:p>
-          <a:p>
-            <a:r>
-              <a:rPr lang="nl-BE" dirty="0">
-                <a:latin typeface="Andale Mono" charset="0"/>
-                <a:ea typeface="Andale Mono" charset="0"/>
-                <a:cs typeface="Andale Mono" charset="0"/>
-              </a:rPr>
-              <a:t>	</a:t>
-            </a:r>
-            <a:r>
-              <a:rPr lang="is-IS" dirty="0" smtClean="0">
-                <a:latin typeface="Andale Mono" charset="0"/>
-                <a:ea typeface="Andale Mono" charset="0"/>
-                <a:cs typeface="Andale Mono" charset="0"/>
-              </a:rPr>
-              <a:t>…</a:t>
-            </a:r>
-            <a:r>
-              <a:rPr lang="nl-BE" dirty="0">
-                <a:latin typeface="Andale Mono" charset="0"/>
-                <a:ea typeface="Andale Mono" charset="0"/>
-                <a:cs typeface="Andale Mono" charset="0"/>
-              </a:rPr>
-              <a:t/>
-            </a:r>
-            <a:br>
-              <a:rPr lang="nl-BE" dirty="0">
-                <a:latin typeface="Andale Mono" charset="0"/>
-                <a:ea typeface="Andale Mono" charset="0"/>
-                <a:cs typeface="Andale Mono" charset="0"/>
-              </a:rPr>
-            </a:br>
-            <a:r>
-              <a:rPr lang="nl-BE" dirty="0">
-                <a:latin typeface="Andale Mono" charset="0"/>
-                <a:ea typeface="Andale Mono" charset="0"/>
-                <a:cs typeface="Andale Mono" charset="0"/>
-              </a:rPr>
-              <a:t>}</a:t>
-            </a:r>
-            <a:endParaRPr lang="en-US" dirty="0">
-              <a:latin typeface="Andale Mono" charset="0"/>
-              <a:ea typeface="Andale Mono" charset="0"/>
-              <a:cs typeface="Andale Mono" charset="0"/>
+              <a:rPr lang="en-US" sz="2400" dirty="0" smtClean="0">
+                <a:latin typeface="Copperplate Gothic Light" charset="0"/>
+                <a:ea typeface="Copperplate Gothic Light" charset="0"/>
+                <a:cs typeface="Copperplate Gothic Light" charset="0"/>
+              </a:rPr>
+              <a:t>But more complex</a:t>
+            </a:r>
+            <a:endParaRPr lang="en-US" sz="2400" dirty="0">
+              <a:latin typeface="Copperplate Gothic Light" charset="0"/>
+              <a:ea typeface="Copperplate Gothic Light" charset="0"/>
+              <a:cs typeface="Copperplate Gothic Light" charset="0"/>
             </a:endParaRPr>
           </a:p>
         </p:txBody>
@@ -10903,7 +10850,7 @@
     </p:spTree>
     <p:extLst>
       <p:ext uri="{BB962C8B-B14F-4D97-AF65-F5344CB8AC3E}">
-        <p14:creationId xmlns:p14="http://schemas.microsoft.com/office/powerpoint/2010/main" val="2144149028"/>
+        <p14:creationId xmlns:p14="http://schemas.microsoft.com/office/powerpoint/2010/main" val="580634421"/>
       </p:ext>
     </p:extLst>
   </p:cSld>
@@ -10954,7 +10901,7 @@
           <a:p>
             <a:r>
               <a:rPr lang="en-US" dirty="0" smtClean="0"/>
-              <a:t>hover</a:t>
+              <a:t>SELECTIONS</a:t>
             </a:r>
             <a:endParaRPr lang="en-US" dirty="0"/>
           </a:p>
@@ -10970,12 +10917,27 @@
             <p:ph idx="1"/>
           </p:nvPr>
         </p:nvSpPr>
-        <p:spPr/>
+        <p:spPr>
+          <a:xfrm>
+            <a:off x="553112" y="3843580"/>
+            <a:ext cx="8043619" cy="1896448"/>
+          </a:xfrm>
+        </p:spPr>
         <p:txBody>
           <a:bodyPr/>
           <a:lstStyle/>
           <a:p>
-            <a:endParaRPr lang="en-US"/>
+            <a:pPr marL="0" indent="0" algn="ctr">
+              <a:buNone/>
+            </a:pPr>
+            <a:r>
+              <a:rPr lang="en-US" dirty="0">
+                <a:latin typeface="Andale Mono" charset="0"/>
+                <a:ea typeface="Andale Mono" charset="0"/>
+                <a:cs typeface="Andale Mono" charset="0"/>
+              </a:rPr>
+              <a:t>Selects all &lt;div&gt; elements and all &lt;p&gt; elements</a:t>
+            </a:r>
           </a:p>
         </p:txBody>
       </p:sp>
@@ -11007,12 +10969,36 @@
           <a:lstStyle/>
           <a:p>
             <a:r>
+              <a:rPr lang="nl-BE" dirty="0">
+                <a:latin typeface="Andale Mono" charset="0"/>
+                <a:ea typeface="Andale Mono" charset="0"/>
+                <a:cs typeface="Andale Mono" charset="0"/>
+              </a:rPr>
+              <a:t>div</a:t>
+            </a:r>
+            <a:r>
+              <a:rPr lang="nl-BE" b="1" dirty="0">
+                <a:latin typeface="Andale Mono" charset="0"/>
+                <a:ea typeface="Andale Mono" charset="0"/>
+                <a:cs typeface="Andale Mono" charset="0"/>
+              </a:rPr>
+              <a:t>,</a:t>
+            </a:r>
+            <a:r>
+              <a:rPr lang="nl-BE" dirty="0">
+                <a:latin typeface="Andale Mono" charset="0"/>
+                <a:ea typeface="Andale Mono" charset="0"/>
+                <a:cs typeface="Andale Mono" charset="0"/>
+              </a:rPr>
+              <a:t> </a:t>
+            </a:r>
+            <a:r>
               <a:rPr lang="nl-BE" dirty="0" smtClean="0">
                 <a:latin typeface="Andale Mono" charset="0"/>
                 <a:ea typeface="Andale Mono" charset="0"/>
                 <a:cs typeface="Andale Mono" charset="0"/>
               </a:rPr>
-              <a:t>a:hover{</a:t>
+              <a:t>p{</a:t>
             </a:r>
           </a:p>
           <a:p>
@@ -11025,12 +11011,12 @@
               <a:t>	</a:t>
             </a:r>
             <a:r>
-              <a:rPr lang="nl-BE" dirty="0" smtClean="0">
-                <a:latin typeface="Andale Mono" charset="0"/>
-                <a:ea typeface="Andale Mono" charset="0"/>
-                <a:cs typeface="Andale Mono" charset="0"/>
-              </a:rPr>
-              <a:t>color: #F4E3AA</a:t>
+              <a:rPr lang="is-IS" dirty="0" smtClean="0">
+                <a:latin typeface="Andale Mono" charset="0"/>
+                <a:ea typeface="Andale Mono" charset="0"/>
+                <a:cs typeface="Andale Mono" charset="0"/>
+              </a:rPr>
+              <a:t>…</a:t>
             </a:r>
             <a:r>
               <a:rPr lang="nl-BE" dirty="0">
@@ -11066,7 +11052,7 @@
     </p:spTree>
     <p:extLst>
       <p:ext uri="{BB962C8B-B14F-4D97-AF65-F5344CB8AC3E}">
-        <p14:creationId xmlns:p14="http://schemas.microsoft.com/office/powerpoint/2010/main" val="1870375444"/>
+        <p14:creationId xmlns:p14="http://schemas.microsoft.com/office/powerpoint/2010/main" val="1314389597"/>
       </p:ext>
     </p:extLst>
   </p:cSld>
@@ -11116,8 +11102,8 @@
           <a:lstStyle/>
           <a:p>
             <a:r>
-              <a:rPr lang="en-US" dirty="0" err="1" smtClean="0"/>
-              <a:t>atributes</a:t>
+              <a:rPr lang="en-US" dirty="0" smtClean="0"/>
+              <a:t>SELECTIONS</a:t>
             </a:r>
             <a:endParaRPr lang="en-US" dirty="0"/>
           </a:p>
@@ -11133,12 +11119,27 @@
             <p:ph idx="1"/>
           </p:nvPr>
         </p:nvSpPr>
-        <p:spPr/>
+        <p:spPr>
+          <a:xfrm>
+            <a:off x="553112" y="3843580"/>
+            <a:ext cx="8043619" cy="1896448"/>
+          </a:xfrm>
+        </p:spPr>
         <p:txBody>
           <a:bodyPr/>
           <a:lstStyle/>
           <a:p>
-            <a:endParaRPr lang="en-US"/>
+            <a:pPr marL="0" indent="0" algn="ctr">
+              <a:buNone/>
+            </a:pPr>
+            <a:r>
+              <a:rPr lang="en-US" dirty="0">
+                <a:latin typeface="Andale Mono" charset="0"/>
+                <a:ea typeface="Andale Mono" charset="0"/>
+                <a:cs typeface="Andale Mono" charset="0"/>
+              </a:rPr>
+              <a:t>Selects all &lt;p&gt; elements inside &lt;div&gt; elements</a:t>
+            </a:r>
           </a:p>
         </p:txBody>
       </p:sp>
@@ -11175,7 +11176,7 @@
                 <a:ea typeface="Andale Mono" charset="0"/>
                 <a:cs typeface="Andale Mono" charset="0"/>
               </a:rPr>
-              <a:t>[ng-click]{</a:t>
+              <a:t>div p{</a:t>
             </a:r>
           </a:p>
           <a:p>
@@ -11188,12 +11189,12 @@
               <a:t>	</a:t>
             </a:r>
             <a:r>
-              <a:rPr lang="nl-BE" dirty="0" smtClean="0">
-                <a:latin typeface="Andale Mono" charset="0"/>
-                <a:ea typeface="Andale Mono" charset="0"/>
-                <a:cs typeface="Andale Mono" charset="0"/>
-              </a:rPr>
-              <a:t>text-decoration</a:t>
+              <a:rPr lang="is-IS" dirty="0" smtClean="0">
+                <a:latin typeface="Andale Mono" charset="0"/>
+                <a:ea typeface="Andale Mono" charset="0"/>
+                <a:cs typeface="Andale Mono" charset="0"/>
+              </a:rPr>
+              <a:t>…</a:t>
             </a:r>
             <a:r>
               <a:rPr lang="nl-BE" dirty="0">
@@ -11201,7 +11202,7 @@
                 <a:ea typeface="Andale Mono" charset="0"/>
                 <a:cs typeface="Andale Mono" charset="0"/>
               </a:rPr>
-              <a:t>: underline;</a:t>
+              <a:t/>
             </a:r>
             <a:br>
               <a:rPr lang="nl-BE" dirty="0">
@@ -11226,178 +11227,10 @@
           </a:p>
         </p:txBody>
       </p:sp>
-      <p:sp>
-        <p:nvSpPr>
-          <p:cNvPr id="8" name="TextBox 7"/>
-          <p:cNvSpPr txBox="1"/>
-          <p:nvPr/>
-        </p:nvSpPr>
-        <p:spPr>
-          <a:xfrm>
-            <a:off x="553112" y="3768870"/>
-            <a:ext cx="8043620" cy="923330"/>
-          </a:xfrm>
-          <a:prstGeom prst="rect">
-            <a:avLst/>
-          </a:prstGeom>
-          <a:solidFill>
-            <a:schemeClr val="accent1">
-              <a:lumMod val="60000"/>
-              <a:lumOff val="40000"/>
-            </a:schemeClr>
-          </a:solidFill>
-        </p:spPr>
-        <p:txBody>
-          <a:bodyPr wrap="square" rtlCol="0">
-            <a:spAutoFit/>
-          </a:bodyPr>
-          <a:lstStyle/>
-          <a:p>
-            <a:r>
-              <a:rPr lang="nl-BE" dirty="0" smtClean="0">
-                <a:latin typeface="Andale Mono" charset="0"/>
-                <a:ea typeface="Andale Mono" charset="0"/>
-                <a:cs typeface="Andale Mono" charset="0"/>
-              </a:rPr>
-              <a:t>#menu .item[ng-click]{</a:t>
-            </a:r>
-          </a:p>
-          <a:p>
-            <a:r>
-              <a:rPr lang="nl-BE" dirty="0">
-                <a:latin typeface="Andale Mono" charset="0"/>
-                <a:ea typeface="Andale Mono" charset="0"/>
-                <a:cs typeface="Andale Mono" charset="0"/>
-              </a:rPr>
-              <a:t>	</a:t>
-            </a:r>
-            <a:r>
-              <a:rPr lang="nl-BE" dirty="0" smtClean="0">
-                <a:latin typeface="Andale Mono" charset="0"/>
-                <a:ea typeface="Andale Mono" charset="0"/>
-                <a:cs typeface="Andale Mono" charset="0"/>
-              </a:rPr>
-              <a:t>text-decoration</a:t>
-            </a:r>
-            <a:r>
-              <a:rPr lang="nl-BE" dirty="0">
-                <a:latin typeface="Andale Mono" charset="0"/>
-                <a:ea typeface="Andale Mono" charset="0"/>
-                <a:cs typeface="Andale Mono" charset="0"/>
-              </a:rPr>
-              <a:t>: underline;</a:t>
-            </a:r>
-            <a:br>
-              <a:rPr lang="nl-BE" dirty="0">
-                <a:latin typeface="Andale Mono" charset="0"/>
-                <a:ea typeface="Andale Mono" charset="0"/>
-                <a:cs typeface="Andale Mono" charset="0"/>
-              </a:rPr>
-            </a:br>
-            <a:r>
-              <a:rPr lang="nl-BE" dirty="0">
-                <a:latin typeface="Andale Mono" charset="0"/>
-                <a:ea typeface="Andale Mono" charset="0"/>
-                <a:cs typeface="Andale Mono" charset="0"/>
-              </a:rPr>
-              <a:t>}</a:t>
-            </a:r>
-            <a:endParaRPr lang="en-US" dirty="0">
-              <a:latin typeface="Andale Mono" charset="0"/>
-              <a:ea typeface="Andale Mono" charset="0"/>
-              <a:cs typeface="Andale Mono" charset="0"/>
-            </a:endParaRPr>
-          </a:p>
-        </p:txBody>
-      </p:sp>
-      <p:sp>
-        <p:nvSpPr>
-          <p:cNvPr id="6" name="TextBox 5"/>
-          <p:cNvSpPr txBox="1"/>
-          <p:nvPr/>
-        </p:nvSpPr>
-        <p:spPr>
-          <a:xfrm>
-            <a:off x="553112" y="4899696"/>
-            <a:ext cx="8043620" cy="923330"/>
-          </a:xfrm>
-          <a:prstGeom prst="rect">
-            <a:avLst/>
-          </a:prstGeom>
-          <a:solidFill>
-            <a:schemeClr val="accent1">
-              <a:lumMod val="60000"/>
-              <a:lumOff val="40000"/>
-            </a:schemeClr>
-          </a:solidFill>
-        </p:spPr>
-        <p:txBody>
-          <a:bodyPr wrap="square" rtlCol="0">
-            <a:spAutoFit/>
-          </a:bodyPr>
-          <a:lstStyle/>
-          <a:p>
-            <a:r>
-              <a:rPr lang="nl-BE" dirty="0" smtClean="0">
-                <a:latin typeface="Andale Mono" charset="0"/>
-                <a:ea typeface="Andale Mono" charset="0"/>
-                <a:cs typeface="Andale Mono" charset="0"/>
-              </a:rPr>
-              <a:t>[attribute=”value”]{</a:t>
-            </a:r>
-          </a:p>
-          <a:p>
-            <a:r>
-              <a:rPr lang="nl-BE" dirty="0">
-                <a:latin typeface="Andale Mono" charset="0"/>
-                <a:ea typeface="Andale Mono" charset="0"/>
-                <a:cs typeface="Andale Mono" charset="0"/>
-              </a:rPr>
-              <a:t>	</a:t>
-            </a:r>
-            <a:r>
-              <a:rPr lang="nl-BE" dirty="0" smtClean="0">
-                <a:latin typeface="Andale Mono" charset="0"/>
-                <a:ea typeface="Andale Mono" charset="0"/>
-                <a:cs typeface="Andale Mono" charset="0"/>
-              </a:rPr>
-              <a:t>text-decoration</a:t>
-            </a:r>
-            <a:r>
-              <a:rPr lang="nl-BE" dirty="0">
-                <a:latin typeface="Andale Mono" charset="0"/>
-                <a:ea typeface="Andale Mono" charset="0"/>
-                <a:cs typeface="Andale Mono" charset="0"/>
-              </a:rPr>
-              <a:t>: underline;</a:t>
-            </a:r>
-            <a:br>
-              <a:rPr lang="nl-BE" dirty="0">
-                <a:latin typeface="Andale Mono" charset="0"/>
-                <a:ea typeface="Andale Mono" charset="0"/>
-                <a:cs typeface="Andale Mono" charset="0"/>
-              </a:rPr>
-            </a:br>
-            <a:r>
-              <a:rPr lang="nl-BE" dirty="0">
-                <a:latin typeface="Andale Mono" charset="0"/>
-                <a:ea typeface="Andale Mono" charset="0"/>
-                <a:cs typeface="Andale Mono" charset="0"/>
-              </a:rPr>
-              <a:t>}</a:t>
-            </a:r>
-            <a:endParaRPr lang="en-US" dirty="0">
-              <a:latin typeface="Andale Mono" charset="0"/>
-              <a:ea typeface="Andale Mono" charset="0"/>
-              <a:cs typeface="Andale Mono" charset="0"/>
-            </a:endParaRPr>
-          </a:p>
-        </p:txBody>
-      </p:sp>
     </p:spTree>
     <p:extLst>
       <p:ext uri="{BB962C8B-B14F-4D97-AF65-F5344CB8AC3E}">
-        <p14:creationId xmlns:p14="http://schemas.microsoft.com/office/powerpoint/2010/main" val="683380392"/>
+        <p14:creationId xmlns:p14="http://schemas.microsoft.com/office/powerpoint/2010/main" val="1950635853"/>
       </p:ext>
     </p:extLst>
   </p:cSld>
@@ -11447,9 +11280,10 @@
           <a:lstStyle/>
           <a:p>
             <a:r>
-              <a:rPr lang="en-US" dirty="0"/>
-              <a:t>Pseudo-elements</a:t>
-            </a:r>
+              <a:rPr lang="en-US" dirty="0" smtClean="0"/>
+              <a:t>SELECTIONS</a:t>
+            </a:r>
+            <a:endParaRPr lang="en-US" dirty="0"/>
           </a:p>
         </p:txBody>
       </p:sp>
@@ -11463,25 +11297,40 @@
             <p:ph idx="1"/>
           </p:nvPr>
         </p:nvSpPr>
-        <p:spPr/>
+        <p:spPr>
+          <a:xfrm>
+            <a:off x="553112" y="3843580"/>
+            <a:ext cx="8043619" cy="1896448"/>
+          </a:xfrm>
+        </p:spPr>
         <p:txBody>
           <a:bodyPr/>
           <a:lstStyle/>
           <a:p>
-            <a:endParaRPr lang="en-US"/>
-          </a:p>
-        </p:txBody>
-      </p:sp>
-      <p:sp>
-        <p:nvSpPr>
-          <p:cNvPr id="5" name="TextBox 4"/>
+            <a:pPr marL="0" indent="0" algn="ctr">
+              <a:buNone/>
+            </a:pPr>
+            <a:r>
+              <a:rPr lang="en-US" dirty="0">
+                <a:latin typeface="Andale Mono" charset="0"/>
+                <a:ea typeface="Andale Mono" charset="0"/>
+                <a:cs typeface="Andale Mono" charset="0"/>
+              </a:rPr>
+              <a:t>Selects all &lt;p&gt; elements where the parent is a &lt;div&gt; element</a:t>
+            </a:r>
+          </a:p>
+        </p:txBody>
+      </p:sp>
+      <p:sp>
+        <p:nvSpPr>
+          <p:cNvPr id="7" name="TextBox 6"/>
           <p:cNvSpPr txBox="1"/>
           <p:nvPr/>
         </p:nvSpPr>
         <p:spPr>
           <a:xfrm>
             <a:off x="553112" y="2638045"/>
-            <a:ext cx="8043620" cy="1200329"/>
+            <a:ext cx="8043620" cy="923330"/>
           </a:xfrm>
           <a:prstGeom prst="rect">
             <a:avLst/>
@@ -11500,12 +11349,36 @@
           <a:lstStyle/>
           <a:p>
             <a:r>
+              <a:rPr lang="nl-BE" dirty="0">
+                <a:latin typeface="Andale Mono" charset="0"/>
+                <a:ea typeface="Andale Mono" charset="0"/>
+                <a:cs typeface="Andale Mono" charset="0"/>
+              </a:rPr>
+              <a:t>d</a:t>
+            </a:r>
+            <a:r>
               <a:rPr lang="nl-BE" dirty="0" smtClean="0">
                 <a:latin typeface="Andale Mono" charset="0"/>
                 <a:ea typeface="Andale Mono" charset="0"/>
                 <a:cs typeface="Andale Mono" charset="0"/>
               </a:rPr>
-              <a:t>.item:first-child{</a:t>
+              <a:t>iv </a:t>
+            </a:r>
+            <a:r>
+              <a:rPr lang="nl-BE" b="1" dirty="0" smtClean="0">
+                <a:latin typeface="Andale Mono" charset="0"/>
+                <a:ea typeface="Andale Mono" charset="0"/>
+                <a:cs typeface="Andale Mono" charset="0"/>
+              </a:rPr>
+              <a:t>&gt;</a:t>
+            </a:r>
+            <a:r>
+              <a:rPr lang="nl-BE" dirty="0" smtClean="0">
+                <a:latin typeface="Andale Mono" charset="0"/>
+                <a:ea typeface="Andale Mono" charset="0"/>
+                <a:cs typeface="Andale Mono" charset="0"/>
+              </a:rPr>
+              <a:t> p{</a:t>
             </a:r>
           </a:p>
           <a:p>
@@ -11518,43 +11391,30 @@
               <a:t>	</a:t>
             </a:r>
             <a:r>
-              <a:rPr lang="nl-BE" dirty="0" smtClean="0">
-                <a:latin typeface="Andale Mono" charset="0"/>
-                <a:ea typeface="Andale Mono" charset="0"/>
-                <a:cs typeface="Andale Mono" charset="0"/>
-              </a:rPr>
-              <a:t>border-top-left-radius: 4px;</a:t>
-            </a:r>
-          </a:p>
-          <a:p>
+              <a:rPr lang="is-IS" dirty="0" smtClean="0">
+                <a:latin typeface="Andale Mono" charset="0"/>
+                <a:ea typeface="Andale Mono" charset="0"/>
+                <a:cs typeface="Andale Mono" charset="0"/>
+              </a:rPr>
+              <a:t>…</a:t>
+            </a:r>
             <a:r>
               <a:rPr lang="nl-BE" dirty="0">
                 <a:latin typeface="Andale Mono" charset="0"/>
                 <a:ea typeface="Andale Mono" charset="0"/>
                 <a:cs typeface="Andale Mono" charset="0"/>
               </a:rPr>
-              <a:t>	</a:t>
-            </a:r>
-            <a:r>
-              <a:rPr lang="nl-BE" dirty="0" smtClean="0">
-                <a:latin typeface="Andale Mono" charset="0"/>
-                <a:ea typeface="Andale Mono" charset="0"/>
-                <a:cs typeface="Andale Mono" charset="0"/>
-              </a:rPr>
-              <a:t>border-top-right-radius</a:t>
-            </a:r>
-            <a:r>
+              <a:t/>
+            </a:r>
+            <a:br>
               <a:rPr lang="nl-BE" dirty="0">
                 <a:latin typeface="Andale Mono" charset="0"/>
                 <a:ea typeface="Andale Mono" charset="0"/>
                 <a:cs typeface="Andale Mono" charset="0"/>
               </a:rPr>
-              <a:t>: 4px;</a:t>
-            </a:r>
-          </a:p>
-          <a:p>
-            <a:r>
-              <a:rPr lang="nl-BE" dirty="0" smtClean="0">
+            </a:br>
+            <a:r>
+              <a:rPr lang="nl-BE" dirty="0">
                 <a:latin typeface="Andale Mono" charset="0"/>
                 <a:ea typeface="Andale Mono" charset="0"/>
                 <a:cs typeface="Andale Mono" charset="0"/>
@@ -11569,107 +11429,10 @@
           </a:p>
         </p:txBody>
       </p:sp>
-      <p:sp>
-        <p:nvSpPr>
-          <p:cNvPr id="6" name="TextBox 5"/>
-          <p:cNvSpPr txBox="1"/>
-          <p:nvPr/>
-        </p:nvSpPr>
-        <p:spPr>
-          <a:xfrm>
-            <a:off x="553112" y="4030310"/>
-            <a:ext cx="8043620" cy="1200329"/>
-          </a:xfrm>
-          <a:prstGeom prst="rect">
-            <a:avLst/>
-          </a:prstGeom>
-          <a:solidFill>
-            <a:schemeClr val="accent1">
-              <a:lumMod val="60000"/>
-              <a:lumOff val="40000"/>
-            </a:schemeClr>
-          </a:solidFill>
-        </p:spPr>
-        <p:txBody>
-          <a:bodyPr wrap="square" rtlCol="0">
-            <a:spAutoFit/>
-          </a:bodyPr>
-          <a:lstStyle/>
-          <a:p>
-            <a:r>
-              <a:rPr lang="nl-BE" dirty="0" smtClean="0">
-                <a:latin typeface="Andale Mono" charset="0"/>
-                <a:ea typeface="Andale Mono" charset="0"/>
-                <a:cs typeface="Andale Mono" charset="0"/>
-              </a:rPr>
-              <a:t>.item:last-child{</a:t>
-            </a:r>
-          </a:p>
-          <a:p>
-            <a:r>
-              <a:rPr lang="nl-BE" dirty="0">
-                <a:latin typeface="Andale Mono" charset="0"/>
-                <a:ea typeface="Andale Mono" charset="0"/>
-                <a:cs typeface="Andale Mono" charset="0"/>
-              </a:rPr>
-              <a:t>	</a:t>
-            </a:r>
-            <a:r>
-              <a:rPr lang="nl-BE" dirty="0" smtClean="0">
-                <a:latin typeface="Andale Mono" charset="0"/>
-                <a:ea typeface="Andale Mono" charset="0"/>
-                <a:cs typeface="Andale Mono" charset="0"/>
-              </a:rPr>
-              <a:t>border-bottom-left-radius: 4px;</a:t>
-            </a:r>
-          </a:p>
-          <a:p>
-            <a:r>
-              <a:rPr lang="nl-BE" dirty="0">
-                <a:latin typeface="Andale Mono" charset="0"/>
-                <a:ea typeface="Andale Mono" charset="0"/>
-                <a:cs typeface="Andale Mono" charset="0"/>
-              </a:rPr>
-              <a:t>	</a:t>
-            </a:r>
-            <a:r>
-              <a:rPr lang="nl-BE" dirty="0" smtClean="0">
-                <a:latin typeface="Andale Mono" charset="0"/>
-                <a:ea typeface="Andale Mono" charset="0"/>
-                <a:cs typeface="Andale Mono" charset="0"/>
-              </a:rPr>
-              <a:t>border-bottom-right-radius</a:t>
-            </a:r>
-            <a:r>
-              <a:rPr lang="nl-BE" dirty="0">
-                <a:latin typeface="Andale Mono" charset="0"/>
-                <a:ea typeface="Andale Mono" charset="0"/>
-                <a:cs typeface="Andale Mono" charset="0"/>
-              </a:rPr>
-              <a:t>: 4px;</a:t>
-            </a:r>
-          </a:p>
-          <a:p>
-            <a:r>
-              <a:rPr lang="nl-BE" dirty="0" smtClean="0">
-                <a:latin typeface="Andale Mono" charset="0"/>
-                <a:ea typeface="Andale Mono" charset="0"/>
-                <a:cs typeface="Andale Mono" charset="0"/>
-              </a:rPr>
-              <a:t>}</a:t>
-            </a:r>
-            <a:endParaRPr lang="en-US" dirty="0">
-              <a:latin typeface="Andale Mono" charset="0"/>
-              <a:ea typeface="Andale Mono" charset="0"/>
-              <a:cs typeface="Andale Mono" charset="0"/>
-            </a:endParaRPr>
-          </a:p>
-        </p:txBody>
-      </p:sp>
     </p:spTree>
     <p:extLst>
       <p:ext uri="{BB962C8B-B14F-4D97-AF65-F5344CB8AC3E}">
-        <p14:creationId xmlns:p14="http://schemas.microsoft.com/office/powerpoint/2010/main" val="13094969"/>
+        <p14:creationId xmlns:p14="http://schemas.microsoft.com/office/powerpoint/2010/main" val="168796027"/>
       </p:ext>
     </p:extLst>
   </p:cSld>
@@ -11705,7 +11468,7 @@
       </p:grpSpPr>
       <p:sp>
         <p:nvSpPr>
-          <p:cNvPr id="2" name="Title 1"/>
+          <p:cNvPr id="4" name="Title 3"/>
           <p:cNvSpPr>
             <a:spLocks noGrp="1"/>
           </p:cNvSpPr>
@@ -11719,40 +11482,159 @@
           <a:lstStyle/>
           <a:p>
             <a:r>
-              <a:rPr lang="en-US" b="1" dirty="0" smtClean="0"/>
-              <a:t>FUTURE</a:t>
-            </a:r>
-            <a:endParaRPr lang="en-US" b="1" dirty="0"/>
-          </a:p>
-        </p:txBody>
-      </p:sp>
-      <p:sp>
-        <p:nvSpPr>
-          <p:cNvPr id="3" name="Text Placeholder 2"/>
+              <a:rPr lang="en-US" dirty="0" smtClean="0"/>
+              <a:t>SELECTIONS</a:t>
+            </a:r>
+            <a:endParaRPr lang="en-US" dirty="0"/>
+          </a:p>
+        </p:txBody>
+      </p:sp>
+      <p:sp>
+        <p:nvSpPr>
+          <p:cNvPr id="2" name="Content Placeholder 1"/>
           <p:cNvSpPr>
             <a:spLocks noGrp="1"/>
           </p:cNvSpPr>
           <p:nvPr>
-            <p:ph type="body" idx="1"/>
+            <p:ph idx="1"/>
           </p:nvPr>
         </p:nvSpPr>
-        <p:spPr/>
+        <p:spPr>
+          <a:xfrm>
+            <a:off x="553112" y="3843580"/>
+            <a:ext cx="8043619" cy="1896448"/>
+          </a:xfrm>
+        </p:spPr>
         <p:txBody>
           <a:bodyPr/>
           <a:lstStyle/>
           <a:p>
-            <a:r>
-              <a:rPr lang="en-US" dirty="0" smtClean="0"/>
-              <a:t>Already reality</a:t>
-            </a:r>
-            <a:endParaRPr lang="en-US" dirty="0"/>
+            <a:pPr marL="0" indent="0" algn="ctr">
+              <a:buNone/>
+            </a:pPr>
+            <a:r>
+              <a:rPr lang="en-US" dirty="0">
+                <a:latin typeface="Andale Mono" charset="0"/>
+                <a:ea typeface="Andale Mono" charset="0"/>
+                <a:cs typeface="Andale Mono" charset="0"/>
+              </a:rPr>
+              <a:t>Selects all &lt;p&gt; elements that are placed immediately after &lt;div&gt; elements</a:t>
+            </a:r>
+          </a:p>
+        </p:txBody>
+      </p:sp>
+      <p:sp>
+        <p:nvSpPr>
+          <p:cNvPr id="7" name="TextBox 6"/>
+          <p:cNvSpPr txBox="1"/>
+          <p:nvPr/>
+        </p:nvSpPr>
+        <p:spPr>
+          <a:xfrm>
+            <a:off x="553112" y="2638045"/>
+            <a:ext cx="8043620" cy="923330"/>
+          </a:xfrm>
+          <a:prstGeom prst="rect">
+            <a:avLst/>
+          </a:prstGeom>
+          <a:solidFill>
+            <a:schemeClr val="accent1">
+              <a:lumMod val="60000"/>
+              <a:lumOff val="40000"/>
+            </a:schemeClr>
+          </a:solidFill>
+        </p:spPr>
+        <p:txBody>
+          <a:bodyPr wrap="square" rtlCol="0">
+            <a:spAutoFit/>
+          </a:bodyPr>
+          <a:lstStyle/>
+          <a:p>
+            <a:r>
+              <a:rPr lang="nl-BE" dirty="0">
+                <a:latin typeface="Andale Mono" charset="0"/>
+                <a:ea typeface="Andale Mono" charset="0"/>
+                <a:cs typeface="Andale Mono" charset="0"/>
+              </a:rPr>
+              <a:t>d</a:t>
+            </a:r>
+            <a:r>
+              <a:rPr lang="nl-BE" dirty="0" smtClean="0">
+                <a:latin typeface="Andale Mono" charset="0"/>
+                <a:ea typeface="Andale Mono" charset="0"/>
+                <a:cs typeface="Andale Mono" charset="0"/>
+              </a:rPr>
+              <a:t>iv </a:t>
+            </a:r>
+            <a:r>
+              <a:rPr lang="nl-BE" b="1" dirty="0">
+                <a:latin typeface="Andale Mono" charset="0"/>
+                <a:ea typeface="Andale Mono" charset="0"/>
+                <a:cs typeface="Andale Mono" charset="0"/>
+              </a:rPr>
+              <a:t>+</a:t>
+            </a:r>
+            <a:r>
+              <a:rPr lang="nl-BE" dirty="0" smtClean="0">
+                <a:latin typeface="Andale Mono" charset="0"/>
+                <a:ea typeface="Andale Mono" charset="0"/>
+                <a:cs typeface="Andale Mono" charset="0"/>
+              </a:rPr>
+              <a:t> p{</a:t>
+            </a:r>
+          </a:p>
+          <a:p>
+            <a:r>
+              <a:rPr lang="nl-BE" dirty="0">
+                <a:latin typeface="Andale Mono" charset="0"/>
+                <a:ea typeface="Andale Mono" charset="0"/>
+                <a:cs typeface="Andale Mono" charset="0"/>
+              </a:rPr>
+              <a:t>	</a:t>
+            </a:r>
+            <a:r>
+              <a:rPr lang="is-IS" dirty="0" smtClean="0">
+                <a:latin typeface="Andale Mono" charset="0"/>
+                <a:ea typeface="Andale Mono" charset="0"/>
+                <a:cs typeface="Andale Mono" charset="0"/>
+              </a:rPr>
+              <a:t>…</a:t>
+            </a:r>
+            <a:r>
+              <a:rPr lang="nl-BE" dirty="0">
+                <a:latin typeface="Andale Mono" charset="0"/>
+                <a:ea typeface="Andale Mono" charset="0"/>
+                <a:cs typeface="Andale Mono" charset="0"/>
+              </a:rPr>
+              <a:t/>
+            </a:r>
+            <a:br>
+              <a:rPr lang="nl-BE" dirty="0">
+                <a:latin typeface="Andale Mono" charset="0"/>
+                <a:ea typeface="Andale Mono" charset="0"/>
+                <a:cs typeface="Andale Mono" charset="0"/>
+              </a:rPr>
+            </a:br>
+            <a:r>
+              <a:rPr lang="nl-BE" dirty="0">
+                <a:latin typeface="Andale Mono" charset="0"/>
+                <a:ea typeface="Andale Mono" charset="0"/>
+                <a:cs typeface="Andale Mono" charset="0"/>
+              </a:rPr>
+              <a:t>}</a:t>
+            </a:r>
+            <a:endParaRPr lang="en-US" dirty="0">
+              <a:latin typeface="Andale Mono" charset="0"/>
+              <a:ea typeface="Andale Mono" charset="0"/>
+              <a:cs typeface="Andale Mono" charset="0"/>
+            </a:endParaRPr>
           </a:p>
         </p:txBody>
       </p:sp>
     </p:spTree>
     <p:extLst>
       <p:ext uri="{BB962C8B-B14F-4D97-AF65-F5344CB8AC3E}">
-        <p14:creationId xmlns:p14="http://schemas.microsoft.com/office/powerpoint/2010/main" val="587824010"/>
+        <p14:creationId xmlns:p14="http://schemas.microsoft.com/office/powerpoint/2010/main" val="2144149028"/>
       </p:ext>
     </p:extLst>
   </p:cSld>
@@ -11802,8 +11684,8 @@
           <a:lstStyle/>
           <a:p>
             <a:r>
-              <a:rPr lang="nl-BE" dirty="0" smtClean="0"/>
-              <a:t>Engine prefix</a:t>
+              <a:rPr lang="en-US" dirty="0" smtClean="0"/>
+              <a:t>hover</a:t>
             </a:r>
             <a:endParaRPr lang="en-US" dirty="0"/>
           </a:p>
@@ -11811,14 +11693,33 @@
       </p:sp>
       <p:sp>
         <p:nvSpPr>
-          <p:cNvPr id="8" name="TextBox 7"/>
+          <p:cNvPr id="2" name="Content Placeholder 1"/>
+          <p:cNvSpPr>
+            <a:spLocks noGrp="1"/>
+          </p:cNvSpPr>
+          <p:nvPr>
+            <p:ph idx="1"/>
+          </p:nvPr>
+        </p:nvSpPr>
+        <p:spPr/>
+        <p:txBody>
+          <a:bodyPr/>
+          <a:lstStyle/>
+          <a:p>
+            <a:endParaRPr lang="en-US"/>
+          </a:p>
+        </p:txBody>
+      </p:sp>
+      <p:sp>
+        <p:nvSpPr>
+          <p:cNvPr id="7" name="TextBox 6"/>
           <p:cNvSpPr txBox="1"/>
           <p:nvPr/>
         </p:nvSpPr>
         <p:spPr>
           <a:xfrm>
-            <a:off x="790413" y="2530783"/>
-            <a:ext cx="7718155" cy="1477328"/>
+            <a:off x="553112" y="2638045"/>
+            <a:ext cx="8043620" cy="923330"/>
           </a:xfrm>
           <a:prstGeom prst="rect">
             <a:avLst/>
@@ -11837,12 +11738,38 @@
           <a:lstStyle/>
           <a:p>
             <a:r>
+              <a:rPr lang="nl-BE" dirty="0" smtClean="0">
+                <a:latin typeface="Andale Mono" charset="0"/>
+                <a:ea typeface="Andale Mono" charset="0"/>
+                <a:cs typeface="Andale Mono" charset="0"/>
+              </a:rPr>
+              <a:t>a:hover{</a:t>
+            </a:r>
+          </a:p>
+          <a:p>
+            <a:r>
               <a:rPr lang="nl-BE" dirty="0">
                 <a:latin typeface="Andale Mono" charset="0"/>
                 <a:ea typeface="Andale Mono" charset="0"/>
                 <a:cs typeface="Andale Mono" charset="0"/>
               </a:rPr>
-              <a:t>-webkit-animation: spin 12s infinite linear;</a:t>
+              <a:t>	</a:t>
+            </a:r>
+            <a:r>
+              <a:rPr lang="nl-BE" dirty="0" smtClean="0">
+                <a:latin typeface="Andale Mono" charset="0"/>
+                <a:ea typeface="Andale Mono" charset="0"/>
+                <a:cs typeface="Andale Mono" charset="0"/>
+              </a:rPr>
+              <a:t>color: #F4E3AA</a:t>
+            </a:r>
+            <a:r>
+              <a:rPr lang="nl-BE" dirty="0">
+                <a:latin typeface="Andale Mono" charset="0"/>
+                <a:ea typeface="Andale Mono" charset="0"/>
+                <a:cs typeface="Andale Mono" charset="0"/>
+              </a:rPr>
+              <a:t/>
             </a:r>
             <a:br>
               <a:rPr lang="nl-BE" dirty="0">
@@ -11857,71 +11784,7 @@
                 <a:ea typeface="Andale Mono" charset="0"/>
                 <a:cs typeface="Andale Mono" charset="0"/>
               </a:rPr>
-              <a:t>-moz-animation: spin 12s infinite linear;</a:t>
-            </a:r>
-            <a:br>
-              <a:rPr lang="nl-BE" dirty="0">
-                <a:latin typeface="Andale Mono" charset="0"/>
-                <a:ea typeface="Andale Mono" charset="0"/>
-                <a:cs typeface="Andale Mono" charset="0"/>
-              </a:rPr>
-            </a:br>
-            <a:r>
-              <a:rPr lang="nl-BE" dirty="0">
-                <a:latin typeface="Andale Mono" charset="0"/>
-                <a:ea typeface="Andale Mono" charset="0"/>
-                <a:cs typeface="Andale Mono" charset="0"/>
-              </a:rPr>
-              <a:t>-o-animation: spin 12s infinite linear;</a:t>
-            </a:r>
-            <a:br>
-              <a:rPr lang="nl-BE" dirty="0">
-                <a:latin typeface="Andale Mono" charset="0"/>
-                <a:ea typeface="Andale Mono" charset="0"/>
-                <a:cs typeface="Andale Mono" charset="0"/>
-              </a:rPr>
-            </a:br>
-            <a:r>
-              <a:rPr lang="nl-BE" dirty="0">
-                <a:latin typeface="Andale Mono" charset="0"/>
-                <a:ea typeface="Andale Mono" charset="0"/>
-                <a:cs typeface="Andale Mono" charset="0"/>
-              </a:rPr>
-              <a:t>-ms-animation: spin 12s infinite linear</a:t>
-            </a:r>
-            <a:r>
-              <a:rPr lang="nl-BE" dirty="0" smtClean="0">
-                <a:latin typeface="Andale Mono" charset="0"/>
-                <a:ea typeface="Andale Mono" charset="0"/>
-                <a:cs typeface="Andale Mono" charset="0"/>
-              </a:rPr>
-              <a:t>;</a:t>
-            </a:r>
-          </a:p>
-          <a:p>
-            <a:r>
-              <a:rPr lang="nl-BE" dirty="0" smtClean="0">
-                <a:latin typeface="Andale Mono" charset="0"/>
-                <a:ea typeface="Andale Mono" charset="0"/>
-                <a:cs typeface="Andale Mono" charset="0"/>
-              </a:rPr>
-              <a:t>animation</a:t>
-            </a:r>
-            <a:r>
-              <a:rPr lang="nl-BE" dirty="0">
-                <a:latin typeface="Andale Mono" charset="0"/>
-                <a:ea typeface="Andale Mono" charset="0"/>
-                <a:cs typeface="Andale Mono" charset="0"/>
-              </a:rPr>
-              <a:t>: spin 12s infinite linear</a:t>
-            </a:r>
-            <a:r>
-              <a:rPr lang="nl-BE" dirty="0" smtClean="0">
-                <a:latin typeface="Andale Mono" charset="0"/>
-                <a:ea typeface="Andale Mono" charset="0"/>
-                <a:cs typeface="Andale Mono" charset="0"/>
-              </a:rPr>
-              <a:t>;</a:t>
+              <a:t>}</a:t>
             </a:r>
             <a:endParaRPr lang="en-US" dirty="0">
               <a:latin typeface="Andale Mono" charset="0"/>
@@ -11931,85 +11794,10 @@
           </a:p>
         </p:txBody>
       </p:sp>
-      <p:sp>
-        <p:nvSpPr>
-          <p:cNvPr id="3" name="TextBox 2"/>
-          <p:cNvSpPr txBox="1"/>
-          <p:nvPr/>
-        </p:nvSpPr>
-        <p:spPr>
-          <a:xfrm>
-            <a:off x="790413" y="4387447"/>
-            <a:ext cx="7718155" cy="2308324"/>
-          </a:xfrm>
-          <a:prstGeom prst="rect">
-            <a:avLst/>
-          </a:prstGeom>
-          <a:noFill/>
-        </p:spPr>
-        <p:txBody>
-          <a:bodyPr wrap="square" rtlCol="0">
-            <a:spAutoFit/>
-          </a:bodyPr>
-          <a:lstStyle/>
-          <a:p>
-            <a:r>
-              <a:rPr lang="en-US" dirty="0">
-                <a:latin typeface="Andale Mono" charset="0"/>
-                <a:ea typeface="Andale Mono" charset="0"/>
-                <a:cs typeface="Andale Mono" charset="0"/>
-              </a:rPr>
-              <a:t>These browser prefixes are needed as the browsers experiment and test out their implementations of the newer CSS3 properties. Sometimes all the prefixes are not always needed, but it usually does not hurt to include them, </a:t>
-            </a:r>
-            <a:r>
-              <a:rPr lang="en-US" i="1" dirty="0">
-                <a:latin typeface="Andale Mono" charset="0"/>
-                <a:ea typeface="Andale Mono" charset="0"/>
-                <a:cs typeface="Andale Mono" charset="0"/>
-              </a:rPr>
-              <a:t>as long as you make sure to put the </a:t>
-            </a:r>
-            <a:r>
-              <a:rPr lang="en-US" b="1" i="1" dirty="0">
-                <a:latin typeface="Andale Mono" charset="0"/>
-                <a:ea typeface="Andale Mono" charset="0"/>
-                <a:cs typeface="Andale Mono" charset="0"/>
-              </a:rPr>
-              <a:t>non-prefixed</a:t>
-            </a:r>
-            <a:r>
-              <a:rPr lang="en-US" i="1" dirty="0">
-                <a:latin typeface="Andale Mono" charset="0"/>
-                <a:ea typeface="Andale Mono" charset="0"/>
-                <a:cs typeface="Andale Mono" charset="0"/>
-              </a:rPr>
-              <a:t> version last</a:t>
-            </a:r>
-            <a:r>
-              <a:rPr lang="en-US" dirty="0">
-                <a:latin typeface="Andale Mono" charset="0"/>
-                <a:ea typeface="Andale Mono" charset="0"/>
-                <a:cs typeface="Andale Mono" charset="0"/>
-              </a:rPr>
-              <a:t>.</a:t>
-            </a:r>
-          </a:p>
-          <a:p>
-            <a:r>
-              <a:rPr lang="en-US" dirty="0"/>
-              <a:t/>
-            </a:r>
-            <a:br>
-              <a:rPr lang="en-US" dirty="0"/>
-            </a:br>
-            <a:endParaRPr lang="en-US" dirty="0"/>
-          </a:p>
-        </p:txBody>
-      </p:sp>
     </p:spTree>
     <p:extLst>
       <p:ext uri="{BB962C8B-B14F-4D97-AF65-F5344CB8AC3E}">
-        <p14:creationId xmlns:p14="http://schemas.microsoft.com/office/powerpoint/2010/main" val="1407486524"/>
+        <p14:creationId xmlns:p14="http://schemas.microsoft.com/office/powerpoint/2010/main" val="1870375444"/>
       </p:ext>
     </p:extLst>
   </p:cSld>
@@ -12059,12 +11847,8 @@
           <a:lstStyle/>
           <a:p>
             <a:r>
-              <a:rPr lang="en-US" dirty="0" smtClean="0"/>
-              <a:t>Sass &amp; less &amp; </a:t>
-            </a:r>
-            <a:r>
-              <a:rPr lang="is-IS" dirty="0" smtClean="0"/>
-              <a:t>…</a:t>
+              <a:rPr lang="en-US" dirty="0" err="1" smtClean="0"/>
+              <a:t>atributes</a:t>
             </a:r>
             <a:endParaRPr lang="en-US" dirty="0"/>
           </a:p>
@@ -12072,14 +11856,33 @@
       </p:sp>
       <p:sp>
         <p:nvSpPr>
-          <p:cNvPr id="8" name="TextBox 7"/>
+          <p:cNvPr id="2" name="Content Placeholder 1"/>
+          <p:cNvSpPr>
+            <a:spLocks noGrp="1"/>
+          </p:cNvSpPr>
+          <p:nvPr>
+            <p:ph idx="1"/>
+          </p:nvPr>
+        </p:nvSpPr>
+        <p:spPr/>
+        <p:txBody>
+          <a:bodyPr/>
+          <a:lstStyle/>
+          <a:p>
+            <a:endParaRPr lang="en-US"/>
+          </a:p>
+        </p:txBody>
+      </p:sp>
+      <p:sp>
+        <p:nvSpPr>
+          <p:cNvPr id="7" name="TextBox 6"/>
           <p:cNvSpPr txBox="1"/>
           <p:nvPr/>
         </p:nvSpPr>
         <p:spPr>
           <a:xfrm>
-            <a:off x="790413" y="2530783"/>
-            <a:ext cx="7718155" cy="3139321"/>
+            <a:off x="553112" y="2638045"/>
+            <a:ext cx="8043620" cy="923330"/>
           </a:xfrm>
           <a:prstGeom prst="rect">
             <a:avLst/>
@@ -12103,15 +11906,8 @@
                 <a:ea typeface="Andale Mono" charset="0"/>
                 <a:cs typeface="Andale Mono" charset="0"/>
               </a:rPr>
-              <a:t>#container{</a:t>
-            </a:r>
-          </a:p>
-          <a:p>
-            <a:endParaRPr lang="nl-BE" dirty="0" smtClean="0">
-              <a:latin typeface="Andale Mono" charset="0"/>
-              <a:ea typeface="Andale Mono" charset="0"/>
-              <a:cs typeface="Andale Mono" charset="0"/>
-            </a:endParaRPr>
+              <a:t>[ng-click]{</a:t>
+            </a:r>
           </a:p>
           <a:p>
             <a:r>
@@ -12120,7 +11916,7 @@
                 <a:ea typeface="Andale Mono" charset="0"/>
                 <a:cs typeface="Andale Mono" charset="0"/>
               </a:rPr>
-              <a:t>	background-color: #F4D82A</a:t>
+              <a:t>	</a:t>
             </a:r>
             <a:r>
               <a:rPr lang="nl-BE" dirty="0" smtClean="0">
@@ -12128,165 +11924,30 @@
                 <a:ea typeface="Andale Mono" charset="0"/>
                 <a:cs typeface="Andale Mono" charset="0"/>
               </a:rPr>
-              <a:t>;</a:t>
-            </a:r>
-          </a:p>
-          <a:p>
-            <a:endParaRPr lang="nl-BE" dirty="0" smtClean="0">
-              <a:latin typeface="Andale Mono" charset="0"/>
-              <a:ea typeface="Andale Mono" charset="0"/>
-              <a:cs typeface="Andale Mono" charset="0"/>
-            </a:endParaRPr>
-          </a:p>
-          <a:p>
+              <a:t>text-decoration</a:t>
+            </a:r>
             <a:r>
               <a:rPr lang="nl-BE" dirty="0">
                 <a:latin typeface="Andale Mono" charset="0"/>
                 <a:ea typeface="Andale Mono" charset="0"/>
                 <a:cs typeface="Andale Mono" charset="0"/>
               </a:rPr>
-              <a:t>	</a:t>
-            </a:r>
-            <a:r>
-              <a:rPr lang="nl-BE" dirty="0" smtClean="0">
-                <a:latin typeface="Andale Mono" charset="0"/>
-                <a:ea typeface="Andale Mono" charset="0"/>
-                <a:cs typeface="Andale Mono" charset="0"/>
-              </a:rPr>
-              <a:t>.item{</a:t>
-            </a:r>
-          </a:p>
-          <a:p>
-            <a:r>
-              <a:rPr lang="en-US" dirty="0" smtClean="0">
-                <a:latin typeface="Andale Mono" charset="0"/>
-                <a:ea typeface="Andale Mono" charset="0"/>
-                <a:cs typeface="Andale Mono" charset="0"/>
-              </a:rPr>
-              <a:t>		</a:t>
-            </a:r>
-            <a:r>
-              <a:rPr lang="nl-BE" dirty="0" smtClean="0">
-                <a:latin typeface="Andale Mono" charset="0"/>
-                <a:ea typeface="Andale Mono" charset="0"/>
-                <a:cs typeface="Andale Mono" charset="0"/>
-              </a:rPr>
-              <a:t>background-color</a:t>
-            </a:r>
-            <a:r>
+              <a:t>: underline;</a:t>
+            </a:r>
+            <a:br>
               <a:rPr lang="nl-BE" dirty="0">
                 <a:latin typeface="Andale Mono" charset="0"/>
                 <a:ea typeface="Andale Mono" charset="0"/>
                 <a:cs typeface="Andale Mono" charset="0"/>
               </a:rPr>
-              <a:t>: #FFFFFF;</a:t>
-            </a:r>
-          </a:p>
-          <a:p>
-            <a:pPr lvl="1"/>
+            </a:br>
             <a:r>
               <a:rPr lang="nl-BE" dirty="0">
                 <a:latin typeface="Andale Mono" charset="0"/>
                 <a:ea typeface="Andale Mono" charset="0"/>
                 <a:cs typeface="Andale Mono" charset="0"/>
               </a:rPr>
-              <a:t>	</a:t>
-            </a:r>
-            <a:r>
-              <a:rPr lang="nl-BE" dirty="0" smtClean="0">
-                <a:latin typeface="Andale Mono" charset="0"/>
-                <a:ea typeface="Andale Mono" charset="0"/>
-                <a:cs typeface="Andale Mono" charset="0"/>
-              </a:rPr>
-              <a:t>color</a:t>
-            </a:r>
-            <a:r>
-              <a:rPr lang="nl-BE" dirty="0">
-                <a:latin typeface="Andale Mono" charset="0"/>
-                <a:ea typeface="Andale Mono" charset="0"/>
-                <a:cs typeface="Andale Mono" charset="0"/>
-              </a:rPr>
-              <a:t>: #000000;</a:t>
-            </a:r>
-          </a:p>
-          <a:p>
-            <a:pPr lvl="1"/>
-            <a:r>
-              <a:rPr lang="nl-BE" dirty="0">
-                <a:latin typeface="Andale Mono" charset="0"/>
-                <a:ea typeface="Andale Mono" charset="0"/>
-                <a:cs typeface="Andale Mono" charset="0"/>
-              </a:rPr>
-              <a:t>	</a:t>
-            </a:r>
-            <a:r>
-              <a:rPr lang="nl-BE" dirty="0" smtClean="0">
-                <a:latin typeface="Andale Mono" charset="0"/>
-                <a:ea typeface="Andale Mono" charset="0"/>
-                <a:cs typeface="Andale Mono" charset="0"/>
-              </a:rPr>
-              <a:t>transition</a:t>
-            </a:r>
-            <a:r>
-              <a:rPr lang="nl-BE" dirty="0">
-                <a:latin typeface="Andale Mono" charset="0"/>
-                <a:ea typeface="Andale Mono" charset="0"/>
-                <a:cs typeface="Andale Mono" charset="0"/>
-              </a:rPr>
-              <a:t>: </a:t>
-            </a:r>
-            <a:r>
-              <a:rPr lang="nl-BE" b="1" dirty="0">
-                <a:latin typeface="Andale Mono" charset="0"/>
-                <a:ea typeface="Andale Mono" charset="0"/>
-                <a:cs typeface="Andale Mono" charset="0"/>
-              </a:rPr>
-              <a:t>all</a:t>
-            </a:r>
-            <a:r>
-              <a:rPr lang="nl-BE" dirty="0">
-                <a:latin typeface="Andale Mono" charset="0"/>
-                <a:ea typeface="Andale Mono" charset="0"/>
-                <a:cs typeface="Andale Mono" charset="0"/>
-              </a:rPr>
-              <a:t> 0.7s</a:t>
-            </a:r>
-            <a:r>
-              <a:rPr lang="nl-BE" dirty="0" smtClean="0">
-                <a:latin typeface="Andale Mono" charset="0"/>
-                <a:ea typeface="Andale Mono" charset="0"/>
-                <a:cs typeface="Andale Mono" charset="0"/>
-              </a:rPr>
-              <a:t>;</a:t>
-            </a:r>
-          </a:p>
-          <a:p>
-            <a:pPr lvl="1"/>
-            <a:r>
-              <a:rPr lang="nl-BE" dirty="0" smtClean="0">
-                <a:latin typeface="Andale Mono" charset="0"/>
-                <a:ea typeface="Andale Mono" charset="0"/>
-                <a:cs typeface="Andale Mono" charset="0"/>
-              </a:rPr>
               <a:t>}</a:t>
-            </a:r>
-          </a:p>
-          <a:p>
-            <a:pPr lvl="1"/>
-            <a:endParaRPr lang="nl-BE" dirty="0" smtClean="0">
-              <a:latin typeface="Andale Mono" charset="0"/>
-              <a:ea typeface="Andale Mono" charset="0"/>
-              <a:cs typeface="Andale Mono" charset="0"/>
-            </a:endParaRPr>
-          </a:p>
-          <a:p>
-            <a:r>
-              <a:rPr lang="nl-BE" dirty="0" smtClean="0">
-                <a:latin typeface="Andale Mono" charset="0"/>
-                <a:ea typeface="Andale Mono" charset="0"/>
-                <a:cs typeface="Andale Mono" charset="0"/>
-              </a:rPr>
-              <a:t>}	</a:t>
             </a:r>
             <a:endParaRPr lang="en-US" dirty="0">
               <a:latin typeface="Andale Mono" charset="0"/>
@@ -12296,10 +11957,178 @@
           </a:p>
         </p:txBody>
       </p:sp>
+      <p:sp>
+        <p:nvSpPr>
+          <p:cNvPr id="8" name="TextBox 7"/>
+          <p:cNvSpPr txBox="1"/>
+          <p:nvPr/>
+        </p:nvSpPr>
+        <p:spPr>
+          <a:xfrm>
+            <a:off x="553112" y="3768870"/>
+            <a:ext cx="8043620" cy="923330"/>
+          </a:xfrm>
+          <a:prstGeom prst="rect">
+            <a:avLst/>
+          </a:prstGeom>
+          <a:solidFill>
+            <a:schemeClr val="accent1">
+              <a:lumMod val="60000"/>
+              <a:lumOff val="40000"/>
+            </a:schemeClr>
+          </a:solidFill>
+        </p:spPr>
+        <p:txBody>
+          <a:bodyPr wrap="square" rtlCol="0">
+            <a:spAutoFit/>
+          </a:bodyPr>
+          <a:lstStyle/>
+          <a:p>
+            <a:r>
+              <a:rPr lang="nl-BE" dirty="0" smtClean="0">
+                <a:latin typeface="Andale Mono" charset="0"/>
+                <a:ea typeface="Andale Mono" charset="0"/>
+                <a:cs typeface="Andale Mono" charset="0"/>
+              </a:rPr>
+              <a:t>#menu .item[ng-click]{</a:t>
+            </a:r>
+          </a:p>
+          <a:p>
+            <a:r>
+              <a:rPr lang="nl-BE" dirty="0">
+                <a:latin typeface="Andale Mono" charset="0"/>
+                <a:ea typeface="Andale Mono" charset="0"/>
+                <a:cs typeface="Andale Mono" charset="0"/>
+              </a:rPr>
+              <a:t>	</a:t>
+            </a:r>
+            <a:r>
+              <a:rPr lang="nl-BE" dirty="0" smtClean="0">
+                <a:latin typeface="Andale Mono" charset="0"/>
+                <a:ea typeface="Andale Mono" charset="0"/>
+                <a:cs typeface="Andale Mono" charset="0"/>
+              </a:rPr>
+              <a:t>text-decoration</a:t>
+            </a:r>
+            <a:r>
+              <a:rPr lang="nl-BE" dirty="0">
+                <a:latin typeface="Andale Mono" charset="0"/>
+                <a:ea typeface="Andale Mono" charset="0"/>
+                <a:cs typeface="Andale Mono" charset="0"/>
+              </a:rPr>
+              <a:t>: underline;</a:t>
+            </a:r>
+            <a:br>
+              <a:rPr lang="nl-BE" dirty="0">
+                <a:latin typeface="Andale Mono" charset="0"/>
+                <a:ea typeface="Andale Mono" charset="0"/>
+                <a:cs typeface="Andale Mono" charset="0"/>
+              </a:rPr>
+            </a:br>
+            <a:r>
+              <a:rPr lang="nl-BE" dirty="0">
+                <a:latin typeface="Andale Mono" charset="0"/>
+                <a:ea typeface="Andale Mono" charset="0"/>
+                <a:cs typeface="Andale Mono" charset="0"/>
+              </a:rPr>
+              <a:t>}</a:t>
+            </a:r>
+            <a:endParaRPr lang="en-US" dirty="0">
+              <a:latin typeface="Andale Mono" charset="0"/>
+              <a:ea typeface="Andale Mono" charset="0"/>
+              <a:cs typeface="Andale Mono" charset="0"/>
+            </a:endParaRPr>
+          </a:p>
+        </p:txBody>
+      </p:sp>
+      <p:sp>
+        <p:nvSpPr>
+          <p:cNvPr id="6" name="TextBox 5"/>
+          <p:cNvSpPr txBox="1"/>
+          <p:nvPr/>
+        </p:nvSpPr>
+        <p:spPr>
+          <a:xfrm>
+            <a:off x="553112" y="4899696"/>
+            <a:ext cx="8043620" cy="923330"/>
+          </a:xfrm>
+          <a:prstGeom prst="rect">
+            <a:avLst/>
+          </a:prstGeom>
+          <a:solidFill>
+            <a:schemeClr val="accent1">
+              <a:lumMod val="60000"/>
+              <a:lumOff val="40000"/>
+            </a:schemeClr>
+          </a:solidFill>
+        </p:spPr>
+        <p:txBody>
+          <a:bodyPr wrap="square" rtlCol="0">
+            <a:spAutoFit/>
+          </a:bodyPr>
+          <a:lstStyle/>
+          <a:p>
+            <a:r>
+              <a:rPr lang="nl-BE" dirty="0" smtClean="0">
+                <a:latin typeface="Andale Mono" charset="0"/>
+                <a:ea typeface="Andale Mono" charset="0"/>
+                <a:cs typeface="Andale Mono" charset="0"/>
+              </a:rPr>
+              <a:t>[attribute=”value”]{</a:t>
+            </a:r>
+          </a:p>
+          <a:p>
+            <a:r>
+              <a:rPr lang="nl-BE" dirty="0">
+                <a:latin typeface="Andale Mono" charset="0"/>
+                <a:ea typeface="Andale Mono" charset="0"/>
+                <a:cs typeface="Andale Mono" charset="0"/>
+              </a:rPr>
+              <a:t>	</a:t>
+            </a:r>
+            <a:r>
+              <a:rPr lang="nl-BE" dirty="0" smtClean="0">
+                <a:latin typeface="Andale Mono" charset="0"/>
+                <a:ea typeface="Andale Mono" charset="0"/>
+                <a:cs typeface="Andale Mono" charset="0"/>
+              </a:rPr>
+              <a:t>text-decoration</a:t>
+            </a:r>
+            <a:r>
+              <a:rPr lang="nl-BE" dirty="0">
+                <a:latin typeface="Andale Mono" charset="0"/>
+                <a:ea typeface="Andale Mono" charset="0"/>
+                <a:cs typeface="Andale Mono" charset="0"/>
+              </a:rPr>
+              <a:t>: underline;</a:t>
+            </a:r>
+            <a:br>
+              <a:rPr lang="nl-BE" dirty="0">
+                <a:latin typeface="Andale Mono" charset="0"/>
+                <a:ea typeface="Andale Mono" charset="0"/>
+                <a:cs typeface="Andale Mono" charset="0"/>
+              </a:rPr>
+            </a:br>
+            <a:r>
+              <a:rPr lang="nl-BE" dirty="0">
+                <a:latin typeface="Andale Mono" charset="0"/>
+                <a:ea typeface="Andale Mono" charset="0"/>
+                <a:cs typeface="Andale Mono" charset="0"/>
+              </a:rPr>
+              <a:t>}</a:t>
+            </a:r>
+            <a:endParaRPr lang="en-US" dirty="0">
+              <a:latin typeface="Andale Mono" charset="0"/>
+              <a:ea typeface="Andale Mono" charset="0"/>
+              <a:cs typeface="Andale Mono" charset="0"/>
+            </a:endParaRPr>
+          </a:p>
+        </p:txBody>
+      </p:sp>
     </p:spTree>
     <p:extLst>
       <p:ext uri="{BB962C8B-B14F-4D97-AF65-F5344CB8AC3E}">
-        <p14:creationId xmlns:p14="http://schemas.microsoft.com/office/powerpoint/2010/main" val="1824344636"/>
+        <p14:creationId xmlns:p14="http://schemas.microsoft.com/office/powerpoint/2010/main" val="683380392"/>
       </p:ext>
     </p:extLst>
   </p:cSld>
@@ -12349,23 +12178,41 @@
           <a:lstStyle/>
           <a:p>
             <a:r>
-              <a:rPr lang="en-US" dirty="0" smtClean="0"/>
-              <a:t>Sass</a:t>
-            </a:r>
-            <a:endParaRPr lang="en-US" dirty="0"/>
-          </a:p>
-        </p:txBody>
-      </p:sp>
-      <p:sp>
-        <p:nvSpPr>
-          <p:cNvPr id="8" name="TextBox 7"/>
+              <a:rPr lang="en-US" dirty="0"/>
+              <a:t>Pseudo-elements</a:t>
+            </a:r>
+          </a:p>
+        </p:txBody>
+      </p:sp>
+      <p:sp>
+        <p:nvSpPr>
+          <p:cNvPr id="2" name="Content Placeholder 1"/>
+          <p:cNvSpPr>
+            <a:spLocks noGrp="1"/>
+          </p:cNvSpPr>
+          <p:nvPr>
+            <p:ph idx="1"/>
+          </p:nvPr>
+        </p:nvSpPr>
+        <p:spPr/>
+        <p:txBody>
+          <a:bodyPr/>
+          <a:lstStyle/>
+          <a:p>
+            <a:endParaRPr lang="en-US"/>
+          </a:p>
+        </p:txBody>
+      </p:sp>
+      <p:sp>
+        <p:nvSpPr>
+          <p:cNvPr id="5" name="TextBox 4"/>
           <p:cNvSpPr txBox="1"/>
           <p:nvPr/>
         </p:nvSpPr>
         <p:spPr>
           <a:xfrm>
-            <a:off x="790413" y="2530783"/>
-            <a:ext cx="7718155" cy="3693319"/>
+            <a:off x="553112" y="2638045"/>
+            <a:ext cx="8043620" cy="1200329"/>
           </a:xfrm>
           <a:prstGeom prst="rect">
             <a:avLst/>
@@ -12384,74 +12231,13 @@
           <a:lstStyle/>
           <a:p>
             <a:r>
-              <a:rPr lang="nl-BE" b="1" dirty="0">
-                <a:latin typeface="Andale Mono" charset="0"/>
-                <a:ea typeface="Andale Mono" charset="0"/>
-                <a:cs typeface="Andale Mono" charset="0"/>
-              </a:rPr>
-              <a:t>$primary-color: </a:t>
-            </a:r>
-            <a:r>
-              <a:rPr lang="nl-BE" b="1" dirty="0" smtClean="0">
-                <a:latin typeface="Andale Mono" charset="0"/>
-                <a:ea typeface="Andale Mono" charset="0"/>
-                <a:cs typeface="Andale Mono" charset="0"/>
-              </a:rPr>
-              <a:t>#</a:t>
-            </a:r>
-            <a:r>
-              <a:rPr lang="nl-BE" b="1" dirty="0">
-                <a:latin typeface="Andale Mono" charset="0"/>
-                <a:ea typeface="Andale Mono" charset="0"/>
-                <a:cs typeface="Andale Mono" charset="0"/>
-              </a:rPr>
-              <a:t> F4D82A</a:t>
-            </a:r>
-            <a:r>
-              <a:rPr lang="nl-BE" b="1" dirty="0" smtClean="0">
-                <a:latin typeface="Andale Mono" charset="0"/>
-                <a:ea typeface="Andale Mono" charset="0"/>
-                <a:cs typeface="Andale Mono" charset="0"/>
-              </a:rPr>
-              <a:t>; </a:t>
-            </a:r>
-            <a:r>
-              <a:rPr lang="nl-BE" b="1" dirty="0">
-                <a:latin typeface="Andale Mono" charset="0"/>
-                <a:ea typeface="Andale Mono" charset="0"/>
-                <a:cs typeface="Andale Mono" charset="0"/>
-              </a:rPr>
-              <a:t/>
-            </a:r>
-            <a:br>
-              <a:rPr lang="nl-BE" b="1" dirty="0">
-                <a:latin typeface="Andale Mono" charset="0"/>
-                <a:ea typeface="Andale Mono" charset="0"/>
-                <a:cs typeface="Andale Mono" charset="0"/>
-              </a:rPr>
-            </a:br>
-            <a:endParaRPr lang="nl-BE" b="1" dirty="0">
-              <a:latin typeface="Andale Mono" charset="0"/>
-              <a:ea typeface="Andale Mono" charset="0"/>
-              <a:cs typeface="Andale Mono" charset="0"/>
-            </a:endParaRPr>
-          </a:p>
-          <a:p>
-            <a:r>
               <a:rPr lang="nl-BE" dirty="0" smtClean="0">
                 <a:latin typeface="Andale Mono" charset="0"/>
                 <a:ea typeface="Andale Mono" charset="0"/>
                 <a:cs typeface="Andale Mono" charset="0"/>
               </a:rPr>
-              <a:t>#container{</a:t>
-            </a:r>
-          </a:p>
-          <a:p>
-            <a:endParaRPr lang="nl-BE" dirty="0" smtClean="0">
-              <a:latin typeface="Andale Mono" charset="0"/>
-              <a:ea typeface="Andale Mono" charset="0"/>
-              <a:cs typeface="Andale Mono" charset="0"/>
-            </a:endParaRPr>
+              <a:t>.item:first-child{</a:t>
+            </a:r>
           </a:p>
           <a:p>
             <a:r>
@@ -12460,15 +12246,7 @@
                 <a:ea typeface="Andale Mono" charset="0"/>
                 <a:cs typeface="Andale Mono" charset="0"/>
               </a:rPr>
-              <a:t>	background-color: </a:t>
-            </a:r>
-            <a:r>
-              <a:rPr lang="nl-BE" b="1" dirty="0">
-                <a:latin typeface="Andale Mono" charset="0"/>
-                <a:ea typeface="Andale Mono" charset="0"/>
-                <a:cs typeface="Andale Mono" charset="0"/>
-              </a:rPr>
-              <a:t>$primary-color</a:t>
+              <a:t>	</a:t>
             </a:r>
             <a:r>
               <a:rPr lang="nl-BE" dirty="0" smtClean="0">
@@ -12476,15 +12254,8 @@
                 <a:ea typeface="Andale Mono" charset="0"/>
                 <a:cs typeface="Andale Mono" charset="0"/>
               </a:rPr>
-              <a:t>;</a:t>
-            </a:r>
-          </a:p>
-          <a:p>
-            <a:endParaRPr lang="nl-BE" dirty="0" smtClean="0">
-              <a:latin typeface="Andale Mono" charset="0"/>
-              <a:ea typeface="Andale Mono" charset="0"/>
-              <a:cs typeface="Andale Mono" charset="0"/>
-            </a:endParaRPr>
+              <a:t>border-top-left-radius: 4px;</a:t>
+            </a:r>
           </a:p>
           <a:p>
             <a:r>
@@ -12501,140 +12272,25 @@
                 <a:ea typeface="Andale Mono" charset="0"/>
                 <a:cs typeface="Andale Mono" charset="0"/>
               </a:rPr>
-              <a:t>.item{</a:t>
-            </a:r>
-          </a:p>
-          <a:p>
-            <a:r>
-              <a:rPr lang="en-US" dirty="0" smtClean="0">
-                <a:latin typeface="Andale Mono" charset="0"/>
-                <a:ea typeface="Andale Mono" charset="0"/>
-                <a:cs typeface="Andale Mono" charset="0"/>
-              </a:rPr>
-              <a:t>		</a:t>
-            </a:r>
+              <a:t>border-top-right-radius</a:t>
+            </a:r>
+            <a:r>
+              <a:rPr lang="nl-BE" dirty="0">
+                <a:latin typeface="Andale Mono" charset="0"/>
+                <a:ea typeface="Andale Mono" charset="0"/>
+                <a:cs typeface="Andale Mono" charset="0"/>
+              </a:rPr>
+              <a:t>: 4px;</a:t>
+            </a:r>
+          </a:p>
+          <a:p>
             <a:r>
               <a:rPr lang="nl-BE" dirty="0" smtClean="0">
                 <a:latin typeface="Andale Mono" charset="0"/>
                 <a:ea typeface="Andale Mono" charset="0"/>
                 <a:cs typeface="Andale Mono" charset="0"/>
               </a:rPr>
-              <a:t>background-color</a:t>
-            </a:r>
-            <a:r>
-              <a:rPr lang="nl-BE" dirty="0">
-                <a:latin typeface="Andale Mono" charset="0"/>
-                <a:ea typeface="Andale Mono" charset="0"/>
-                <a:cs typeface="Andale Mono" charset="0"/>
-              </a:rPr>
-              <a:t>: #FFFFFF;</a:t>
-            </a:r>
-          </a:p>
-          <a:p>
-            <a:pPr lvl="1"/>
-            <a:r>
-              <a:rPr lang="nl-BE" dirty="0">
-                <a:latin typeface="Andale Mono" charset="0"/>
-                <a:ea typeface="Andale Mono" charset="0"/>
-                <a:cs typeface="Andale Mono" charset="0"/>
-              </a:rPr>
-              <a:t>	</a:t>
-            </a:r>
-            <a:r>
-              <a:rPr lang="nl-BE" dirty="0" smtClean="0">
-                <a:latin typeface="Andale Mono" charset="0"/>
-                <a:ea typeface="Andale Mono" charset="0"/>
-                <a:cs typeface="Andale Mono" charset="0"/>
-              </a:rPr>
-              <a:t>color</a:t>
-            </a:r>
-            <a:r>
-              <a:rPr lang="nl-BE" dirty="0">
-                <a:latin typeface="Andale Mono" charset="0"/>
-                <a:ea typeface="Andale Mono" charset="0"/>
-                <a:cs typeface="Andale Mono" charset="0"/>
-              </a:rPr>
-              <a:t>: #000000;</a:t>
-            </a:r>
-          </a:p>
-          <a:p>
-            <a:pPr lvl="1"/>
-            <a:r>
-              <a:rPr lang="nl-BE" dirty="0">
-                <a:latin typeface="Andale Mono" charset="0"/>
-                <a:ea typeface="Andale Mono" charset="0"/>
-                <a:cs typeface="Andale Mono" charset="0"/>
-              </a:rPr>
-              <a:t>	</a:t>
-            </a:r>
-            <a:r>
-              <a:rPr lang="nl-BE" dirty="0" smtClean="0">
-                <a:latin typeface="Andale Mono" charset="0"/>
-                <a:ea typeface="Andale Mono" charset="0"/>
-                <a:cs typeface="Andale Mono" charset="0"/>
-              </a:rPr>
-              <a:t>transition</a:t>
-            </a:r>
-            <a:r>
-              <a:rPr lang="nl-BE" dirty="0">
-                <a:latin typeface="Andale Mono" charset="0"/>
-                <a:ea typeface="Andale Mono" charset="0"/>
-                <a:cs typeface="Andale Mono" charset="0"/>
-              </a:rPr>
-              <a:t>: </a:t>
-            </a:r>
-            <a:r>
-              <a:rPr lang="nl-BE" b="1" dirty="0">
-                <a:latin typeface="Andale Mono" charset="0"/>
-                <a:ea typeface="Andale Mono" charset="0"/>
-                <a:cs typeface="Andale Mono" charset="0"/>
-              </a:rPr>
-              <a:t>all</a:t>
-            </a:r>
-            <a:r>
-              <a:rPr lang="nl-BE" dirty="0">
-                <a:latin typeface="Andale Mono" charset="0"/>
-                <a:ea typeface="Andale Mono" charset="0"/>
-                <a:cs typeface="Andale Mono" charset="0"/>
-              </a:rPr>
-              <a:t> 0.7s</a:t>
-            </a:r>
-            <a:r>
-              <a:rPr lang="nl-BE" dirty="0" smtClean="0">
-                <a:latin typeface="Andale Mono" charset="0"/>
-                <a:ea typeface="Andale Mono" charset="0"/>
-                <a:cs typeface="Andale Mono" charset="0"/>
-              </a:rPr>
-              <a:t>;</a:t>
-            </a:r>
-          </a:p>
-          <a:p>
-            <a:pPr lvl="1"/>
-            <a:r>
-              <a:rPr lang="nl-BE" dirty="0" smtClean="0">
-                <a:latin typeface="Andale Mono" charset="0"/>
-                <a:ea typeface="Andale Mono" charset="0"/>
-                <a:cs typeface="Andale Mono" charset="0"/>
-              </a:rPr>
               <a:t>}</a:t>
-            </a:r>
-          </a:p>
-          <a:p>
-            <a:pPr lvl="1"/>
-            <a:endParaRPr lang="nl-BE" dirty="0" smtClean="0">
-              <a:latin typeface="Andale Mono" charset="0"/>
-              <a:ea typeface="Andale Mono" charset="0"/>
-              <a:cs typeface="Andale Mono" charset="0"/>
-            </a:endParaRPr>
-          </a:p>
-          <a:p>
-            <a:r>
-              <a:rPr lang="nl-BE" dirty="0" smtClean="0">
-                <a:latin typeface="Andale Mono" charset="0"/>
-                <a:ea typeface="Andale Mono" charset="0"/>
-                <a:cs typeface="Andale Mono" charset="0"/>
-              </a:rPr>
-              <a:t>}	</a:t>
             </a:r>
             <a:endParaRPr lang="en-US" dirty="0">
               <a:latin typeface="Andale Mono" charset="0"/>
@@ -12644,10 +12300,107 @@
           </a:p>
         </p:txBody>
       </p:sp>
+      <p:sp>
+        <p:nvSpPr>
+          <p:cNvPr id="6" name="TextBox 5"/>
+          <p:cNvSpPr txBox="1"/>
+          <p:nvPr/>
+        </p:nvSpPr>
+        <p:spPr>
+          <a:xfrm>
+            <a:off x="553112" y="4030310"/>
+            <a:ext cx="8043620" cy="1200329"/>
+          </a:xfrm>
+          <a:prstGeom prst="rect">
+            <a:avLst/>
+          </a:prstGeom>
+          <a:solidFill>
+            <a:schemeClr val="accent1">
+              <a:lumMod val="60000"/>
+              <a:lumOff val="40000"/>
+            </a:schemeClr>
+          </a:solidFill>
+        </p:spPr>
+        <p:txBody>
+          <a:bodyPr wrap="square" rtlCol="0">
+            <a:spAutoFit/>
+          </a:bodyPr>
+          <a:lstStyle/>
+          <a:p>
+            <a:r>
+              <a:rPr lang="nl-BE" dirty="0" smtClean="0">
+                <a:latin typeface="Andale Mono" charset="0"/>
+                <a:ea typeface="Andale Mono" charset="0"/>
+                <a:cs typeface="Andale Mono" charset="0"/>
+              </a:rPr>
+              <a:t>.item:last-child{</a:t>
+            </a:r>
+          </a:p>
+          <a:p>
+            <a:r>
+              <a:rPr lang="nl-BE" dirty="0">
+                <a:latin typeface="Andale Mono" charset="0"/>
+                <a:ea typeface="Andale Mono" charset="0"/>
+                <a:cs typeface="Andale Mono" charset="0"/>
+              </a:rPr>
+              <a:t>	</a:t>
+            </a:r>
+            <a:r>
+              <a:rPr lang="nl-BE" dirty="0" smtClean="0">
+                <a:latin typeface="Andale Mono" charset="0"/>
+                <a:ea typeface="Andale Mono" charset="0"/>
+                <a:cs typeface="Andale Mono" charset="0"/>
+              </a:rPr>
+              <a:t>border-bottom-left-radius: 4px;</a:t>
+            </a:r>
+          </a:p>
+          <a:p>
+            <a:r>
+              <a:rPr lang="nl-BE" dirty="0">
+                <a:latin typeface="Andale Mono" charset="0"/>
+                <a:ea typeface="Andale Mono" charset="0"/>
+                <a:cs typeface="Andale Mono" charset="0"/>
+              </a:rPr>
+              <a:t>	</a:t>
+            </a:r>
+            <a:r>
+              <a:rPr lang="nl-BE" dirty="0" smtClean="0">
+                <a:latin typeface="Andale Mono" charset="0"/>
+                <a:ea typeface="Andale Mono" charset="0"/>
+                <a:cs typeface="Andale Mono" charset="0"/>
+              </a:rPr>
+              <a:t>border-bottom-right-radius</a:t>
+            </a:r>
+            <a:r>
+              <a:rPr lang="nl-BE" dirty="0">
+                <a:latin typeface="Andale Mono" charset="0"/>
+                <a:ea typeface="Andale Mono" charset="0"/>
+                <a:cs typeface="Andale Mono" charset="0"/>
+              </a:rPr>
+              <a:t>: 4px;</a:t>
+            </a:r>
+          </a:p>
+          <a:p>
+            <a:r>
+              <a:rPr lang="nl-BE" dirty="0" smtClean="0">
+                <a:latin typeface="Andale Mono" charset="0"/>
+                <a:ea typeface="Andale Mono" charset="0"/>
+                <a:cs typeface="Andale Mono" charset="0"/>
+              </a:rPr>
+              <a:t>}</a:t>
+            </a:r>
+            <a:endParaRPr lang="en-US" dirty="0">
+              <a:latin typeface="Andale Mono" charset="0"/>
+              <a:ea typeface="Andale Mono" charset="0"/>
+              <a:cs typeface="Andale Mono" charset="0"/>
+            </a:endParaRPr>
+          </a:p>
+        </p:txBody>
+      </p:sp>
     </p:spTree>
     <p:extLst>
       <p:ext uri="{BB962C8B-B14F-4D97-AF65-F5344CB8AC3E}">
-        <p14:creationId xmlns:p14="http://schemas.microsoft.com/office/powerpoint/2010/main" val="1528801"/>
+        <p14:creationId xmlns:p14="http://schemas.microsoft.com/office/powerpoint/2010/main" val="13094969"/>
       </p:ext>
     </p:extLst>
   </p:cSld>
@@ -13003,6 +12756,992 @@
           <a:p>
             <a:r>
               <a:rPr lang="en-US" b="1" dirty="0" smtClean="0"/>
+              <a:t>Going complex</a:t>
+            </a:r>
+            <a:endParaRPr lang="en-US" b="1" dirty="0"/>
+          </a:p>
+        </p:txBody>
+      </p:sp>
+      <p:sp>
+        <p:nvSpPr>
+          <p:cNvPr id="3" name="Text Placeholder 2"/>
+          <p:cNvSpPr>
+            <a:spLocks noGrp="1"/>
+          </p:cNvSpPr>
+          <p:nvPr>
+            <p:ph type="body" idx="1"/>
+          </p:nvPr>
+        </p:nvSpPr>
+        <p:spPr/>
+        <p:txBody>
+          <a:bodyPr/>
+          <a:lstStyle/>
+          <a:p>
+            <a:r>
+              <a:rPr lang="en-US" dirty="0" smtClean="0">
+                <a:latin typeface="Copperplate Gothic Light" charset="0"/>
+                <a:ea typeface="Copperplate Gothic Light" charset="0"/>
+                <a:cs typeface="Copperplate Gothic Light" charset="0"/>
+              </a:rPr>
+              <a:t>Making things easier</a:t>
+            </a:r>
+            <a:endParaRPr lang="en-US" dirty="0">
+              <a:latin typeface="Copperplate Gothic Light" charset="0"/>
+              <a:ea typeface="Copperplate Gothic Light" charset="0"/>
+              <a:cs typeface="Copperplate Gothic Light" charset="0"/>
+            </a:endParaRPr>
+          </a:p>
+        </p:txBody>
+      </p:sp>
+    </p:spTree>
+    <p:extLst>
+      <p:ext uri="{BB962C8B-B14F-4D97-AF65-F5344CB8AC3E}">
+        <p14:creationId xmlns:p14="http://schemas.microsoft.com/office/powerpoint/2010/main" val="587824010"/>
+      </p:ext>
+    </p:extLst>
+  </p:cSld>
+  <p:clrMapOvr>
+    <a:masterClrMapping/>
+  </p:clrMapOvr>
+  <p:timing>
+    <p:tnLst>
+      <p:par>
+        <p:cTn id="1" dur="indefinite" restart="never" nodeType="tmRoot"/>
+      </p:par>
+    </p:tnLst>
+  </p:timing>
+</p:sld>
+</file>
+
+<file path=ppt/slides/slide51.xml><?xml version="1.0" encoding="utf-8"?>
+<p:sld xmlns:a="http://schemas.openxmlformats.org/drawingml/2006/main" xmlns:r="http://schemas.openxmlformats.org/officeDocument/2006/relationships" xmlns:p="http://schemas.openxmlformats.org/presentationml/2006/main">
+  <p:cSld>
+    <p:spTree>
+      <p:nvGrpSpPr>
+        <p:cNvPr id="1" name=""/>
+        <p:cNvGrpSpPr/>
+        <p:nvPr/>
+      </p:nvGrpSpPr>
+      <p:grpSpPr>
+        <a:xfrm>
+          <a:off x="0" y="0"/>
+          <a:ext cx="0" cy="0"/>
+          <a:chOff x="0" y="0"/>
+          <a:chExt cx="0" cy="0"/>
+        </a:xfrm>
+      </p:grpSpPr>
+      <p:sp>
+        <p:nvSpPr>
+          <p:cNvPr id="4" name="Title 3"/>
+          <p:cNvSpPr>
+            <a:spLocks noGrp="1"/>
+          </p:cNvSpPr>
+          <p:nvPr>
+            <p:ph type="title"/>
+          </p:nvPr>
+        </p:nvSpPr>
+        <p:spPr/>
+        <p:txBody>
+          <a:bodyPr/>
+          <a:lstStyle/>
+          <a:p>
+            <a:r>
+              <a:rPr lang="nl-BE" dirty="0" smtClean="0"/>
+              <a:t>Engine prefix</a:t>
+            </a:r>
+            <a:endParaRPr lang="en-US" dirty="0"/>
+          </a:p>
+        </p:txBody>
+      </p:sp>
+      <p:sp>
+        <p:nvSpPr>
+          <p:cNvPr id="8" name="TextBox 7"/>
+          <p:cNvSpPr txBox="1"/>
+          <p:nvPr/>
+        </p:nvSpPr>
+        <p:spPr>
+          <a:xfrm>
+            <a:off x="790413" y="2530783"/>
+            <a:ext cx="7718155" cy="1477328"/>
+          </a:xfrm>
+          <a:prstGeom prst="rect">
+            <a:avLst/>
+          </a:prstGeom>
+          <a:solidFill>
+            <a:schemeClr val="accent1">
+              <a:lumMod val="60000"/>
+              <a:lumOff val="40000"/>
+            </a:schemeClr>
+          </a:solidFill>
+        </p:spPr>
+        <p:txBody>
+          <a:bodyPr wrap="square" rtlCol="0">
+            <a:spAutoFit/>
+          </a:bodyPr>
+          <a:lstStyle/>
+          <a:p>
+            <a:r>
+              <a:rPr lang="nl-BE" dirty="0">
+                <a:latin typeface="Andale Mono" charset="0"/>
+                <a:ea typeface="Andale Mono" charset="0"/>
+                <a:cs typeface="Andale Mono" charset="0"/>
+              </a:rPr>
+              <a:t>-webkit-animation: spin 12s infinite linear;</a:t>
+            </a:r>
+            <a:br>
+              <a:rPr lang="nl-BE" dirty="0">
+                <a:latin typeface="Andale Mono" charset="0"/>
+                <a:ea typeface="Andale Mono" charset="0"/>
+                <a:cs typeface="Andale Mono" charset="0"/>
+              </a:rPr>
+            </a:br>
+            <a:r>
+              <a:rPr lang="nl-BE" dirty="0">
+                <a:latin typeface="Andale Mono" charset="0"/>
+                <a:ea typeface="Andale Mono" charset="0"/>
+                <a:cs typeface="Andale Mono" charset="0"/>
+              </a:rPr>
+              <a:t>-moz-animation: spin 12s infinite linear;</a:t>
+            </a:r>
+            <a:br>
+              <a:rPr lang="nl-BE" dirty="0">
+                <a:latin typeface="Andale Mono" charset="0"/>
+                <a:ea typeface="Andale Mono" charset="0"/>
+                <a:cs typeface="Andale Mono" charset="0"/>
+              </a:rPr>
+            </a:br>
+            <a:r>
+              <a:rPr lang="nl-BE" dirty="0">
+                <a:latin typeface="Andale Mono" charset="0"/>
+                <a:ea typeface="Andale Mono" charset="0"/>
+                <a:cs typeface="Andale Mono" charset="0"/>
+              </a:rPr>
+              <a:t>-o-animation: spin 12s infinite linear;</a:t>
+            </a:r>
+            <a:br>
+              <a:rPr lang="nl-BE" dirty="0">
+                <a:latin typeface="Andale Mono" charset="0"/>
+                <a:ea typeface="Andale Mono" charset="0"/>
+                <a:cs typeface="Andale Mono" charset="0"/>
+              </a:rPr>
+            </a:br>
+            <a:r>
+              <a:rPr lang="nl-BE" dirty="0">
+                <a:latin typeface="Andale Mono" charset="0"/>
+                <a:ea typeface="Andale Mono" charset="0"/>
+                <a:cs typeface="Andale Mono" charset="0"/>
+              </a:rPr>
+              <a:t>-ms-animation: spin 12s infinite linear</a:t>
+            </a:r>
+            <a:r>
+              <a:rPr lang="nl-BE" dirty="0" smtClean="0">
+                <a:latin typeface="Andale Mono" charset="0"/>
+                <a:ea typeface="Andale Mono" charset="0"/>
+                <a:cs typeface="Andale Mono" charset="0"/>
+              </a:rPr>
+              <a:t>;</a:t>
+            </a:r>
+          </a:p>
+          <a:p>
+            <a:r>
+              <a:rPr lang="nl-BE" dirty="0" smtClean="0">
+                <a:latin typeface="Andale Mono" charset="0"/>
+                <a:ea typeface="Andale Mono" charset="0"/>
+                <a:cs typeface="Andale Mono" charset="0"/>
+              </a:rPr>
+              <a:t>animation</a:t>
+            </a:r>
+            <a:r>
+              <a:rPr lang="nl-BE" dirty="0">
+                <a:latin typeface="Andale Mono" charset="0"/>
+                <a:ea typeface="Andale Mono" charset="0"/>
+                <a:cs typeface="Andale Mono" charset="0"/>
+              </a:rPr>
+              <a:t>: spin 12s infinite linear</a:t>
+            </a:r>
+            <a:r>
+              <a:rPr lang="nl-BE" dirty="0" smtClean="0">
+                <a:latin typeface="Andale Mono" charset="0"/>
+                <a:ea typeface="Andale Mono" charset="0"/>
+                <a:cs typeface="Andale Mono" charset="0"/>
+              </a:rPr>
+              <a:t>;</a:t>
+            </a:r>
+            <a:endParaRPr lang="en-US" dirty="0">
+              <a:latin typeface="Andale Mono" charset="0"/>
+              <a:ea typeface="Andale Mono" charset="0"/>
+              <a:cs typeface="Andale Mono" charset="0"/>
+            </a:endParaRPr>
+          </a:p>
+        </p:txBody>
+      </p:sp>
+      <p:sp>
+        <p:nvSpPr>
+          <p:cNvPr id="3" name="TextBox 2"/>
+          <p:cNvSpPr txBox="1"/>
+          <p:nvPr/>
+        </p:nvSpPr>
+        <p:spPr>
+          <a:xfrm>
+            <a:off x="790413" y="4387447"/>
+            <a:ext cx="7718155" cy="2308324"/>
+          </a:xfrm>
+          <a:prstGeom prst="rect">
+            <a:avLst/>
+          </a:prstGeom>
+          <a:noFill/>
+        </p:spPr>
+        <p:txBody>
+          <a:bodyPr wrap="square" rtlCol="0">
+            <a:spAutoFit/>
+          </a:bodyPr>
+          <a:lstStyle/>
+          <a:p>
+            <a:r>
+              <a:rPr lang="en-US" dirty="0">
+                <a:latin typeface="Andale Mono" charset="0"/>
+                <a:ea typeface="Andale Mono" charset="0"/>
+                <a:cs typeface="Andale Mono" charset="0"/>
+              </a:rPr>
+              <a:t>These browser prefixes are needed as the browsers experiment and test out their implementations of the newer CSS3 properties. Sometimes all the prefixes are not always needed, but it usually does not hurt to include them, </a:t>
+            </a:r>
+            <a:r>
+              <a:rPr lang="en-US" i="1" dirty="0">
+                <a:latin typeface="Andale Mono" charset="0"/>
+                <a:ea typeface="Andale Mono" charset="0"/>
+                <a:cs typeface="Andale Mono" charset="0"/>
+              </a:rPr>
+              <a:t>as long as you make sure to put the </a:t>
+            </a:r>
+            <a:r>
+              <a:rPr lang="en-US" b="1" i="1" dirty="0">
+                <a:latin typeface="Andale Mono" charset="0"/>
+                <a:ea typeface="Andale Mono" charset="0"/>
+                <a:cs typeface="Andale Mono" charset="0"/>
+              </a:rPr>
+              <a:t>non-prefixed</a:t>
+            </a:r>
+            <a:r>
+              <a:rPr lang="en-US" i="1" dirty="0">
+                <a:latin typeface="Andale Mono" charset="0"/>
+                <a:ea typeface="Andale Mono" charset="0"/>
+                <a:cs typeface="Andale Mono" charset="0"/>
+              </a:rPr>
+              <a:t> version last</a:t>
+            </a:r>
+            <a:r>
+              <a:rPr lang="en-US" dirty="0">
+                <a:latin typeface="Andale Mono" charset="0"/>
+                <a:ea typeface="Andale Mono" charset="0"/>
+                <a:cs typeface="Andale Mono" charset="0"/>
+              </a:rPr>
+              <a:t>.</a:t>
+            </a:r>
+          </a:p>
+          <a:p>
+            <a:r>
+              <a:rPr lang="en-US" dirty="0"/>
+              <a:t/>
+            </a:r>
+            <a:br>
+              <a:rPr lang="en-US" dirty="0"/>
+            </a:br>
+            <a:endParaRPr lang="en-US" dirty="0"/>
+          </a:p>
+        </p:txBody>
+      </p:sp>
+    </p:spTree>
+    <p:extLst>
+      <p:ext uri="{BB962C8B-B14F-4D97-AF65-F5344CB8AC3E}">
+        <p14:creationId xmlns:p14="http://schemas.microsoft.com/office/powerpoint/2010/main" val="1407486524"/>
+      </p:ext>
+    </p:extLst>
+  </p:cSld>
+  <p:clrMapOvr>
+    <a:masterClrMapping/>
+  </p:clrMapOvr>
+  <p:timing>
+    <p:tnLst>
+      <p:par>
+        <p:cTn id="1" dur="indefinite" restart="never" nodeType="tmRoot"/>
+      </p:par>
+    </p:tnLst>
+  </p:timing>
+</p:sld>
+</file>
+
+<file path=ppt/slides/slide52.xml><?xml version="1.0" encoding="utf-8"?>
+<p:sld xmlns:a="http://schemas.openxmlformats.org/drawingml/2006/main" xmlns:r="http://schemas.openxmlformats.org/officeDocument/2006/relationships" xmlns:p="http://schemas.openxmlformats.org/presentationml/2006/main">
+  <p:cSld>
+    <p:spTree>
+      <p:nvGrpSpPr>
+        <p:cNvPr id="1" name=""/>
+        <p:cNvGrpSpPr/>
+        <p:nvPr/>
+      </p:nvGrpSpPr>
+      <p:grpSpPr>
+        <a:xfrm>
+          <a:off x="0" y="0"/>
+          <a:ext cx="0" cy="0"/>
+          <a:chOff x="0" y="0"/>
+          <a:chExt cx="0" cy="0"/>
+        </a:xfrm>
+      </p:grpSpPr>
+      <p:sp>
+        <p:nvSpPr>
+          <p:cNvPr id="4" name="Title 3"/>
+          <p:cNvSpPr>
+            <a:spLocks noGrp="1"/>
+          </p:cNvSpPr>
+          <p:nvPr>
+            <p:ph type="title"/>
+          </p:nvPr>
+        </p:nvSpPr>
+        <p:spPr/>
+        <p:txBody>
+          <a:bodyPr/>
+          <a:lstStyle/>
+          <a:p>
+            <a:r>
+              <a:rPr lang="en-US" dirty="0" smtClean="0"/>
+              <a:t>Sass &amp; less &amp; </a:t>
+            </a:r>
+            <a:r>
+              <a:rPr lang="is-IS" dirty="0" smtClean="0"/>
+              <a:t>…</a:t>
+            </a:r>
+            <a:endParaRPr lang="en-US" dirty="0"/>
+          </a:p>
+        </p:txBody>
+      </p:sp>
+      <p:sp>
+        <p:nvSpPr>
+          <p:cNvPr id="8" name="TextBox 7"/>
+          <p:cNvSpPr txBox="1"/>
+          <p:nvPr/>
+        </p:nvSpPr>
+        <p:spPr>
+          <a:xfrm>
+            <a:off x="790413" y="2530783"/>
+            <a:ext cx="7718155" cy="3139321"/>
+          </a:xfrm>
+          <a:prstGeom prst="rect">
+            <a:avLst/>
+          </a:prstGeom>
+          <a:solidFill>
+            <a:schemeClr val="accent1">
+              <a:lumMod val="60000"/>
+              <a:lumOff val="40000"/>
+            </a:schemeClr>
+          </a:solidFill>
+        </p:spPr>
+        <p:txBody>
+          <a:bodyPr wrap="square" rtlCol="0">
+            <a:spAutoFit/>
+          </a:bodyPr>
+          <a:lstStyle/>
+          <a:p>
+            <a:r>
+              <a:rPr lang="nl-BE" dirty="0" smtClean="0">
+                <a:latin typeface="Andale Mono" charset="0"/>
+                <a:ea typeface="Andale Mono" charset="0"/>
+                <a:cs typeface="Andale Mono" charset="0"/>
+              </a:rPr>
+              <a:t>#container{</a:t>
+            </a:r>
+          </a:p>
+          <a:p>
+            <a:endParaRPr lang="nl-BE" dirty="0" smtClean="0">
+              <a:latin typeface="Andale Mono" charset="0"/>
+              <a:ea typeface="Andale Mono" charset="0"/>
+              <a:cs typeface="Andale Mono" charset="0"/>
+            </a:endParaRPr>
+          </a:p>
+          <a:p>
+            <a:r>
+              <a:rPr lang="nl-BE" dirty="0">
+                <a:latin typeface="Andale Mono" charset="0"/>
+                <a:ea typeface="Andale Mono" charset="0"/>
+                <a:cs typeface="Andale Mono" charset="0"/>
+              </a:rPr>
+              <a:t>	background-color: #F4D82A</a:t>
+            </a:r>
+            <a:r>
+              <a:rPr lang="nl-BE" dirty="0" smtClean="0">
+                <a:latin typeface="Andale Mono" charset="0"/>
+                <a:ea typeface="Andale Mono" charset="0"/>
+                <a:cs typeface="Andale Mono" charset="0"/>
+              </a:rPr>
+              <a:t>;</a:t>
+            </a:r>
+          </a:p>
+          <a:p>
+            <a:endParaRPr lang="nl-BE" dirty="0" smtClean="0">
+              <a:latin typeface="Andale Mono" charset="0"/>
+              <a:ea typeface="Andale Mono" charset="0"/>
+              <a:cs typeface="Andale Mono" charset="0"/>
+            </a:endParaRPr>
+          </a:p>
+          <a:p>
+            <a:r>
+              <a:rPr lang="nl-BE" dirty="0">
+                <a:latin typeface="Andale Mono" charset="0"/>
+                <a:ea typeface="Andale Mono" charset="0"/>
+                <a:cs typeface="Andale Mono" charset="0"/>
+              </a:rPr>
+              <a:t>	</a:t>
+            </a:r>
+            <a:r>
+              <a:rPr lang="nl-BE" dirty="0" smtClean="0">
+                <a:latin typeface="Andale Mono" charset="0"/>
+                <a:ea typeface="Andale Mono" charset="0"/>
+                <a:cs typeface="Andale Mono" charset="0"/>
+              </a:rPr>
+              <a:t>.item{</a:t>
+            </a:r>
+          </a:p>
+          <a:p>
+            <a:r>
+              <a:rPr lang="en-US" dirty="0" smtClean="0">
+                <a:latin typeface="Andale Mono" charset="0"/>
+                <a:ea typeface="Andale Mono" charset="0"/>
+                <a:cs typeface="Andale Mono" charset="0"/>
+              </a:rPr>
+              <a:t>		</a:t>
+            </a:r>
+            <a:r>
+              <a:rPr lang="nl-BE" dirty="0" smtClean="0">
+                <a:latin typeface="Andale Mono" charset="0"/>
+                <a:ea typeface="Andale Mono" charset="0"/>
+                <a:cs typeface="Andale Mono" charset="0"/>
+              </a:rPr>
+              <a:t>background-color</a:t>
+            </a:r>
+            <a:r>
+              <a:rPr lang="nl-BE" dirty="0">
+                <a:latin typeface="Andale Mono" charset="0"/>
+                <a:ea typeface="Andale Mono" charset="0"/>
+                <a:cs typeface="Andale Mono" charset="0"/>
+              </a:rPr>
+              <a:t>: #FFFFFF;</a:t>
+            </a:r>
+          </a:p>
+          <a:p>
+            <a:pPr lvl="1"/>
+            <a:r>
+              <a:rPr lang="nl-BE" dirty="0">
+                <a:latin typeface="Andale Mono" charset="0"/>
+                <a:ea typeface="Andale Mono" charset="0"/>
+                <a:cs typeface="Andale Mono" charset="0"/>
+              </a:rPr>
+              <a:t>	</a:t>
+            </a:r>
+            <a:r>
+              <a:rPr lang="nl-BE" dirty="0" smtClean="0">
+                <a:latin typeface="Andale Mono" charset="0"/>
+                <a:ea typeface="Andale Mono" charset="0"/>
+                <a:cs typeface="Andale Mono" charset="0"/>
+              </a:rPr>
+              <a:t>color</a:t>
+            </a:r>
+            <a:r>
+              <a:rPr lang="nl-BE" dirty="0">
+                <a:latin typeface="Andale Mono" charset="0"/>
+                <a:ea typeface="Andale Mono" charset="0"/>
+                <a:cs typeface="Andale Mono" charset="0"/>
+              </a:rPr>
+              <a:t>: #000000;</a:t>
+            </a:r>
+          </a:p>
+          <a:p>
+            <a:pPr lvl="1"/>
+            <a:r>
+              <a:rPr lang="nl-BE" dirty="0">
+                <a:latin typeface="Andale Mono" charset="0"/>
+                <a:ea typeface="Andale Mono" charset="0"/>
+                <a:cs typeface="Andale Mono" charset="0"/>
+              </a:rPr>
+              <a:t>	</a:t>
+            </a:r>
+            <a:r>
+              <a:rPr lang="nl-BE" dirty="0" smtClean="0">
+                <a:latin typeface="Andale Mono" charset="0"/>
+                <a:ea typeface="Andale Mono" charset="0"/>
+                <a:cs typeface="Andale Mono" charset="0"/>
+              </a:rPr>
+              <a:t>transition</a:t>
+            </a:r>
+            <a:r>
+              <a:rPr lang="nl-BE" dirty="0">
+                <a:latin typeface="Andale Mono" charset="0"/>
+                <a:ea typeface="Andale Mono" charset="0"/>
+                <a:cs typeface="Andale Mono" charset="0"/>
+              </a:rPr>
+              <a:t>: </a:t>
+            </a:r>
+            <a:r>
+              <a:rPr lang="nl-BE" b="1" dirty="0">
+                <a:latin typeface="Andale Mono" charset="0"/>
+                <a:ea typeface="Andale Mono" charset="0"/>
+                <a:cs typeface="Andale Mono" charset="0"/>
+              </a:rPr>
+              <a:t>all</a:t>
+            </a:r>
+            <a:r>
+              <a:rPr lang="nl-BE" dirty="0">
+                <a:latin typeface="Andale Mono" charset="0"/>
+                <a:ea typeface="Andale Mono" charset="0"/>
+                <a:cs typeface="Andale Mono" charset="0"/>
+              </a:rPr>
+              <a:t> 0.7s</a:t>
+            </a:r>
+            <a:r>
+              <a:rPr lang="nl-BE" dirty="0" smtClean="0">
+                <a:latin typeface="Andale Mono" charset="0"/>
+                <a:ea typeface="Andale Mono" charset="0"/>
+                <a:cs typeface="Andale Mono" charset="0"/>
+              </a:rPr>
+              <a:t>;</a:t>
+            </a:r>
+          </a:p>
+          <a:p>
+            <a:pPr lvl="1"/>
+            <a:r>
+              <a:rPr lang="nl-BE" dirty="0" smtClean="0">
+                <a:latin typeface="Andale Mono" charset="0"/>
+                <a:ea typeface="Andale Mono" charset="0"/>
+                <a:cs typeface="Andale Mono" charset="0"/>
+              </a:rPr>
+              <a:t>}</a:t>
+            </a:r>
+          </a:p>
+          <a:p>
+            <a:pPr lvl="1"/>
+            <a:endParaRPr lang="nl-BE" dirty="0" smtClean="0">
+              <a:latin typeface="Andale Mono" charset="0"/>
+              <a:ea typeface="Andale Mono" charset="0"/>
+              <a:cs typeface="Andale Mono" charset="0"/>
+            </a:endParaRPr>
+          </a:p>
+          <a:p>
+            <a:r>
+              <a:rPr lang="nl-BE" dirty="0" smtClean="0">
+                <a:latin typeface="Andale Mono" charset="0"/>
+                <a:ea typeface="Andale Mono" charset="0"/>
+                <a:cs typeface="Andale Mono" charset="0"/>
+              </a:rPr>
+              <a:t>}	</a:t>
+            </a:r>
+            <a:endParaRPr lang="en-US" dirty="0">
+              <a:latin typeface="Andale Mono" charset="0"/>
+              <a:ea typeface="Andale Mono" charset="0"/>
+              <a:cs typeface="Andale Mono" charset="0"/>
+            </a:endParaRPr>
+          </a:p>
+        </p:txBody>
+      </p:sp>
+    </p:spTree>
+    <p:extLst>
+      <p:ext uri="{BB962C8B-B14F-4D97-AF65-F5344CB8AC3E}">
+        <p14:creationId xmlns:p14="http://schemas.microsoft.com/office/powerpoint/2010/main" val="1824344636"/>
+      </p:ext>
+    </p:extLst>
+  </p:cSld>
+  <p:clrMapOvr>
+    <a:masterClrMapping/>
+  </p:clrMapOvr>
+  <p:timing>
+    <p:tnLst>
+      <p:par>
+        <p:cTn id="1" dur="indefinite" restart="never" nodeType="tmRoot"/>
+      </p:par>
+    </p:tnLst>
+  </p:timing>
+</p:sld>
+</file>
+
+<file path=ppt/slides/slide53.xml><?xml version="1.0" encoding="utf-8"?>
+<p:sld xmlns:a="http://schemas.openxmlformats.org/drawingml/2006/main" xmlns:r="http://schemas.openxmlformats.org/officeDocument/2006/relationships" xmlns:p="http://schemas.openxmlformats.org/presentationml/2006/main">
+  <p:cSld>
+    <p:spTree>
+      <p:nvGrpSpPr>
+        <p:cNvPr id="1" name=""/>
+        <p:cNvGrpSpPr/>
+        <p:nvPr/>
+      </p:nvGrpSpPr>
+      <p:grpSpPr>
+        <a:xfrm>
+          <a:off x="0" y="0"/>
+          <a:ext cx="0" cy="0"/>
+          <a:chOff x="0" y="0"/>
+          <a:chExt cx="0" cy="0"/>
+        </a:xfrm>
+      </p:grpSpPr>
+      <p:sp>
+        <p:nvSpPr>
+          <p:cNvPr id="4" name="Title 3"/>
+          <p:cNvSpPr>
+            <a:spLocks noGrp="1"/>
+          </p:cNvSpPr>
+          <p:nvPr>
+            <p:ph type="title"/>
+          </p:nvPr>
+        </p:nvSpPr>
+        <p:spPr/>
+        <p:txBody>
+          <a:bodyPr/>
+          <a:lstStyle/>
+          <a:p>
+            <a:r>
+              <a:rPr lang="en-US" dirty="0" smtClean="0"/>
+              <a:t>Sass</a:t>
+            </a:r>
+            <a:endParaRPr lang="en-US" dirty="0"/>
+          </a:p>
+        </p:txBody>
+      </p:sp>
+      <p:sp>
+        <p:nvSpPr>
+          <p:cNvPr id="8" name="TextBox 7"/>
+          <p:cNvSpPr txBox="1"/>
+          <p:nvPr/>
+        </p:nvSpPr>
+        <p:spPr>
+          <a:xfrm>
+            <a:off x="790413" y="2530783"/>
+            <a:ext cx="7718155" cy="3693319"/>
+          </a:xfrm>
+          <a:prstGeom prst="rect">
+            <a:avLst/>
+          </a:prstGeom>
+          <a:solidFill>
+            <a:schemeClr val="accent1">
+              <a:lumMod val="60000"/>
+              <a:lumOff val="40000"/>
+            </a:schemeClr>
+          </a:solidFill>
+        </p:spPr>
+        <p:txBody>
+          <a:bodyPr wrap="square" rtlCol="0">
+            <a:spAutoFit/>
+          </a:bodyPr>
+          <a:lstStyle/>
+          <a:p>
+            <a:r>
+              <a:rPr lang="nl-BE" b="1" dirty="0">
+                <a:latin typeface="Andale Mono" charset="0"/>
+                <a:ea typeface="Andale Mono" charset="0"/>
+                <a:cs typeface="Andale Mono" charset="0"/>
+              </a:rPr>
+              <a:t>$primary-color: </a:t>
+            </a:r>
+            <a:r>
+              <a:rPr lang="nl-BE" b="1" dirty="0" smtClean="0">
+                <a:latin typeface="Andale Mono" charset="0"/>
+                <a:ea typeface="Andale Mono" charset="0"/>
+                <a:cs typeface="Andale Mono" charset="0"/>
+              </a:rPr>
+              <a:t>#</a:t>
+            </a:r>
+            <a:r>
+              <a:rPr lang="nl-BE" b="1" dirty="0">
+                <a:latin typeface="Andale Mono" charset="0"/>
+                <a:ea typeface="Andale Mono" charset="0"/>
+                <a:cs typeface="Andale Mono" charset="0"/>
+              </a:rPr>
+              <a:t> F4D82A</a:t>
+            </a:r>
+            <a:r>
+              <a:rPr lang="nl-BE" b="1" dirty="0" smtClean="0">
+                <a:latin typeface="Andale Mono" charset="0"/>
+                <a:ea typeface="Andale Mono" charset="0"/>
+                <a:cs typeface="Andale Mono" charset="0"/>
+              </a:rPr>
+              <a:t>; </a:t>
+            </a:r>
+            <a:r>
+              <a:rPr lang="nl-BE" b="1" dirty="0">
+                <a:latin typeface="Andale Mono" charset="0"/>
+                <a:ea typeface="Andale Mono" charset="0"/>
+                <a:cs typeface="Andale Mono" charset="0"/>
+              </a:rPr>
+              <a:t/>
+            </a:r>
+            <a:br>
+              <a:rPr lang="nl-BE" b="1" dirty="0">
+                <a:latin typeface="Andale Mono" charset="0"/>
+                <a:ea typeface="Andale Mono" charset="0"/>
+                <a:cs typeface="Andale Mono" charset="0"/>
+              </a:rPr>
+            </a:br>
+            <a:endParaRPr lang="nl-BE" b="1" dirty="0">
+              <a:latin typeface="Andale Mono" charset="0"/>
+              <a:ea typeface="Andale Mono" charset="0"/>
+              <a:cs typeface="Andale Mono" charset="0"/>
+            </a:endParaRPr>
+          </a:p>
+          <a:p>
+            <a:r>
+              <a:rPr lang="nl-BE" dirty="0" smtClean="0">
+                <a:latin typeface="Andale Mono" charset="0"/>
+                <a:ea typeface="Andale Mono" charset="0"/>
+                <a:cs typeface="Andale Mono" charset="0"/>
+              </a:rPr>
+              <a:t>#container{</a:t>
+            </a:r>
+          </a:p>
+          <a:p>
+            <a:endParaRPr lang="nl-BE" dirty="0" smtClean="0">
+              <a:latin typeface="Andale Mono" charset="0"/>
+              <a:ea typeface="Andale Mono" charset="0"/>
+              <a:cs typeface="Andale Mono" charset="0"/>
+            </a:endParaRPr>
+          </a:p>
+          <a:p>
+            <a:r>
+              <a:rPr lang="nl-BE" dirty="0">
+                <a:latin typeface="Andale Mono" charset="0"/>
+                <a:ea typeface="Andale Mono" charset="0"/>
+                <a:cs typeface="Andale Mono" charset="0"/>
+              </a:rPr>
+              <a:t>	background-color: </a:t>
+            </a:r>
+            <a:r>
+              <a:rPr lang="nl-BE" b="1" dirty="0">
+                <a:latin typeface="Andale Mono" charset="0"/>
+                <a:ea typeface="Andale Mono" charset="0"/>
+                <a:cs typeface="Andale Mono" charset="0"/>
+              </a:rPr>
+              <a:t>$primary-color</a:t>
+            </a:r>
+            <a:r>
+              <a:rPr lang="nl-BE" dirty="0" smtClean="0">
+                <a:latin typeface="Andale Mono" charset="0"/>
+                <a:ea typeface="Andale Mono" charset="0"/>
+                <a:cs typeface="Andale Mono" charset="0"/>
+              </a:rPr>
+              <a:t>;</a:t>
+            </a:r>
+          </a:p>
+          <a:p>
+            <a:endParaRPr lang="nl-BE" dirty="0" smtClean="0">
+              <a:latin typeface="Andale Mono" charset="0"/>
+              <a:ea typeface="Andale Mono" charset="0"/>
+              <a:cs typeface="Andale Mono" charset="0"/>
+            </a:endParaRPr>
+          </a:p>
+          <a:p>
+            <a:r>
+              <a:rPr lang="nl-BE" dirty="0">
+                <a:latin typeface="Andale Mono" charset="0"/>
+                <a:ea typeface="Andale Mono" charset="0"/>
+                <a:cs typeface="Andale Mono" charset="0"/>
+              </a:rPr>
+              <a:t>	</a:t>
+            </a:r>
+            <a:r>
+              <a:rPr lang="nl-BE" dirty="0" smtClean="0">
+                <a:latin typeface="Andale Mono" charset="0"/>
+                <a:ea typeface="Andale Mono" charset="0"/>
+                <a:cs typeface="Andale Mono" charset="0"/>
+              </a:rPr>
+              <a:t>.item{</a:t>
+            </a:r>
+          </a:p>
+          <a:p>
+            <a:r>
+              <a:rPr lang="en-US" dirty="0" smtClean="0">
+                <a:latin typeface="Andale Mono" charset="0"/>
+                <a:ea typeface="Andale Mono" charset="0"/>
+                <a:cs typeface="Andale Mono" charset="0"/>
+              </a:rPr>
+              <a:t>		</a:t>
+            </a:r>
+            <a:r>
+              <a:rPr lang="nl-BE" dirty="0" smtClean="0">
+                <a:latin typeface="Andale Mono" charset="0"/>
+                <a:ea typeface="Andale Mono" charset="0"/>
+                <a:cs typeface="Andale Mono" charset="0"/>
+              </a:rPr>
+              <a:t>background-color</a:t>
+            </a:r>
+            <a:r>
+              <a:rPr lang="nl-BE" dirty="0">
+                <a:latin typeface="Andale Mono" charset="0"/>
+                <a:ea typeface="Andale Mono" charset="0"/>
+                <a:cs typeface="Andale Mono" charset="0"/>
+              </a:rPr>
+              <a:t>: #FFFFFF;</a:t>
+            </a:r>
+          </a:p>
+          <a:p>
+            <a:pPr lvl="1"/>
+            <a:r>
+              <a:rPr lang="nl-BE" dirty="0">
+                <a:latin typeface="Andale Mono" charset="0"/>
+                <a:ea typeface="Andale Mono" charset="0"/>
+                <a:cs typeface="Andale Mono" charset="0"/>
+              </a:rPr>
+              <a:t>	</a:t>
+            </a:r>
+            <a:r>
+              <a:rPr lang="nl-BE" dirty="0" smtClean="0">
+                <a:latin typeface="Andale Mono" charset="0"/>
+                <a:ea typeface="Andale Mono" charset="0"/>
+                <a:cs typeface="Andale Mono" charset="0"/>
+              </a:rPr>
+              <a:t>color</a:t>
+            </a:r>
+            <a:r>
+              <a:rPr lang="nl-BE" dirty="0">
+                <a:latin typeface="Andale Mono" charset="0"/>
+                <a:ea typeface="Andale Mono" charset="0"/>
+                <a:cs typeface="Andale Mono" charset="0"/>
+              </a:rPr>
+              <a:t>: #000000;</a:t>
+            </a:r>
+          </a:p>
+          <a:p>
+            <a:pPr lvl="1"/>
+            <a:r>
+              <a:rPr lang="nl-BE" dirty="0">
+                <a:latin typeface="Andale Mono" charset="0"/>
+                <a:ea typeface="Andale Mono" charset="0"/>
+                <a:cs typeface="Andale Mono" charset="0"/>
+              </a:rPr>
+              <a:t>	</a:t>
+            </a:r>
+            <a:r>
+              <a:rPr lang="nl-BE" dirty="0" smtClean="0">
+                <a:latin typeface="Andale Mono" charset="0"/>
+                <a:ea typeface="Andale Mono" charset="0"/>
+                <a:cs typeface="Andale Mono" charset="0"/>
+              </a:rPr>
+              <a:t>transition</a:t>
+            </a:r>
+            <a:r>
+              <a:rPr lang="nl-BE" dirty="0">
+                <a:latin typeface="Andale Mono" charset="0"/>
+                <a:ea typeface="Andale Mono" charset="0"/>
+                <a:cs typeface="Andale Mono" charset="0"/>
+              </a:rPr>
+              <a:t>: </a:t>
+            </a:r>
+            <a:r>
+              <a:rPr lang="nl-BE" b="1" dirty="0">
+                <a:latin typeface="Andale Mono" charset="0"/>
+                <a:ea typeface="Andale Mono" charset="0"/>
+                <a:cs typeface="Andale Mono" charset="0"/>
+              </a:rPr>
+              <a:t>all</a:t>
+            </a:r>
+            <a:r>
+              <a:rPr lang="nl-BE" dirty="0">
+                <a:latin typeface="Andale Mono" charset="0"/>
+                <a:ea typeface="Andale Mono" charset="0"/>
+                <a:cs typeface="Andale Mono" charset="0"/>
+              </a:rPr>
+              <a:t> 0.7s</a:t>
+            </a:r>
+            <a:r>
+              <a:rPr lang="nl-BE" dirty="0" smtClean="0">
+                <a:latin typeface="Andale Mono" charset="0"/>
+                <a:ea typeface="Andale Mono" charset="0"/>
+                <a:cs typeface="Andale Mono" charset="0"/>
+              </a:rPr>
+              <a:t>;</a:t>
+            </a:r>
+          </a:p>
+          <a:p>
+            <a:pPr lvl="1"/>
+            <a:r>
+              <a:rPr lang="nl-BE" dirty="0" smtClean="0">
+                <a:latin typeface="Andale Mono" charset="0"/>
+                <a:ea typeface="Andale Mono" charset="0"/>
+                <a:cs typeface="Andale Mono" charset="0"/>
+              </a:rPr>
+              <a:t>}</a:t>
+            </a:r>
+          </a:p>
+          <a:p>
+            <a:pPr lvl="1"/>
+            <a:endParaRPr lang="nl-BE" dirty="0" smtClean="0">
+              <a:latin typeface="Andale Mono" charset="0"/>
+              <a:ea typeface="Andale Mono" charset="0"/>
+              <a:cs typeface="Andale Mono" charset="0"/>
+            </a:endParaRPr>
+          </a:p>
+          <a:p>
+            <a:r>
+              <a:rPr lang="nl-BE" dirty="0" smtClean="0">
+                <a:latin typeface="Andale Mono" charset="0"/>
+                <a:ea typeface="Andale Mono" charset="0"/>
+                <a:cs typeface="Andale Mono" charset="0"/>
+              </a:rPr>
+              <a:t>}	</a:t>
+            </a:r>
+            <a:endParaRPr lang="en-US" dirty="0">
+              <a:latin typeface="Andale Mono" charset="0"/>
+              <a:ea typeface="Andale Mono" charset="0"/>
+              <a:cs typeface="Andale Mono" charset="0"/>
+            </a:endParaRPr>
+          </a:p>
+        </p:txBody>
+      </p:sp>
+    </p:spTree>
+    <p:extLst>
+      <p:ext uri="{BB962C8B-B14F-4D97-AF65-F5344CB8AC3E}">
+        <p14:creationId xmlns:p14="http://schemas.microsoft.com/office/powerpoint/2010/main" val="1528801"/>
+      </p:ext>
+    </p:extLst>
+  </p:cSld>
+  <p:clrMapOvr>
+    <a:masterClrMapping/>
+  </p:clrMapOvr>
+  <p:timing>
+    <p:tnLst>
+      <p:par>
+        <p:cTn id="1" dur="indefinite" restart="never" nodeType="tmRoot"/>
+      </p:par>
+    </p:tnLst>
+  </p:timing>
+</p:sld>
+</file>
+
+<file path=ppt/slides/slide54.xml><?xml version="1.0" encoding="utf-8"?>
+<p:sld xmlns:a="http://schemas.openxmlformats.org/drawingml/2006/main" xmlns:r="http://schemas.openxmlformats.org/officeDocument/2006/relationships" xmlns:p="http://schemas.openxmlformats.org/presentationml/2006/main">
+  <p:cSld>
+    <p:spTree>
+      <p:nvGrpSpPr>
+        <p:cNvPr id="1" name=""/>
+        <p:cNvGrpSpPr/>
+        <p:nvPr/>
+      </p:nvGrpSpPr>
+      <p:grpSpPr>
+        <a:xfrm>
+          <a:off x="0" y="0"/>
+          <a:ext cx="0" cy="0"/>
+          <a:chOff x="0" y="0"/>
+          <a:chExt cx="0" cy="0"/>
+        </a:xfrm>
+      </p:grpSpPr>
+      <p:sp>
+        <p:nvSpPr>
+          <p:cNvPr id="2" name="Title 1"/>
+          <p:cNvSpPr>
+            <a:spLocks noGrp="1"/>
+          </p:cNvSpPr>
+          <p:nvPr>
+            <p:ph type="title"/>
+          </p:nvPr>
+        </p:nvSpPr>
+        <p:spPr/>
+        <p:txBody>
+          <a:bodyPr/>
+          <a:lstStyle/>
+          <a:p>
+            <a:r>
+              <a:rPr lang="en-US" b="1" dirty="0" smtClean="0"/>
               <a:t>Playtime</a:t>
             </a:r>
             <a:endParaRPr lang="en-US" b="1" dirty="0"/>
@@ -13048,7 +13787,7 @@
 </p:sld>
 </file>
 
-<file path=ppt/slides/slide51.xml><?xml version="1.0" encoding="utf-8"?>
+<file path=ppt/slides/slide55.xml><?xml version="1.0" encoding="utf-8"?>
 <p:sld xmlns:a="http://schemas.openxmlformats.org/drawingml/2006/main" xmlns:r="http://schemas.openxmlformats.org/officeDocument/2006/relationships" xmlns:p="http://schemas.openxmlformats.org/presentationml/2006/main">
   <p:cSld>
     <p:spTree>
@@ -13393,7 +14132,7 @@
 </p:sld>
 </file>
 
-<file path=ppt/slides/slide52.xml><?xml version="1.0" encoding="utf-8"?>
+<file path=ppt/slides/slide56.xml><?xml version="1.0" encoding="utf-8"?>
 <p:sld xmlns:a="http://schemas.openxmlformats.org/drawingml/2006/main" xmlns:r="http://schemas.openxmlformats.org/officeDocument/2006/relationships" xmlns:p="http://schemas.openxmlformats.org/presentationml/2006/main">
   <p:cSld>
     <p:spTree>
@@ -13574,7 +14313,7 @@
 </p:sld>
 </file>
 
-<file path=ppt/slides/slide53.xml><?xml version="1.0" encoding="utf-8"?>
+<file path=ppt/slides/slide57.xml><?xml version="1.0" encoding="utf-8"?>
 <p:sld xmlns:a="http://schemas.openxmlformats.org/drawingml/2006/main" xmlns:r="http://schemas.openxmlformats.org/officeDocument/2006/relationships" xmlns:p="http://schemas.openxmlformats.org/presentationml/2006/main">
   <p:cSld>
     <p:spTree>
@@ -13634,9 +14373,9 @@
             <a:pPr algn="ctr"/>
             <a:r>
               <a:rPr lang="en-US" sz="2400" dirty="0" smtClean="0">
-                <a:latin typeface="Andale Mono" charset="0"/>
-                <a:ea typeface="Andale Mono" charset="0"/>
-                <a:cs typeface="Andale Mono" charset="0"/>
+                <a:latin typeface="Copperplate Gothic Light" charset="0"/>
+                <a:ea typeface="Copperplate Gothic Light" charset="0"/>
+                <a:cs typeface="Copperplate Gothic Light" charset="0"/>
               </a:rPr>
               <a:t>guntherclaes@lemonade.be</a:t>
             </a:r>
@@ -13645,32 +14384,32 @@
             <a:pPr algn="ctr"/>
             <a:r>
               <a:rPr lang="en-US" sz="2400" dirty="0" smtClean="0">
-                <a:latin typeface="Andale Mono" charset="0"/>
-                <a:ea typeface="Andale Mono" charset="0"/>
-                <a:cs typeface="Andale Mono" charset="0"/>
+                <a:latin typeface="Copperplate Gothic Light" charset="0"/>
+                <a:ea typeface="Copperplate Gothic Light" charset="0"/>
+                <a:cs typeface="Copperplate Gothic Light" charset="0"/>
               </a:rPr>
               <a:t>@</a:t>
             </a:r>
             <a:r>
               <a:rPr lang="en-US" sz="2400" dirty="0" err="1" smtClean="0">
-                <a:latin typeface="Andale Mono" charset="0"/>
-                <a:ea typeface="Andale Mono" charset="0"/>
-                <a:cs typeface="Andale Mono" charset="0"/>
+                <a:latin typeface="Copperplate Gothic Light" charset="0"/>
+                <a:ea typeface="Copperplate Gothic Light" charset="0"/>
+                <a:cs typeface="Copperplate Gothic Light" charset="0"/>
               </a:rPr>
               <a:t>guntherclaes</a:t>
             </a:r>
             <a:r>
               <a:rPr lang="en-US" sz="2400" dirty="0" smtClean="0">
-                <a:latin typeface="Andale Mono" charset="0"/>
-                <a:ea typeface="Andale Mono" charset="0"/>
-                <a:cs typeface="Andale Mono" charset="0"/>
+                <a:latin typeface="Copperplate Gothic Light" charset="0"/>
+                <a:ea typeface="Copperplate Gothic Light" charset="0"/>
+                <a:cs typeface="Copperplate Gothic Light" charset="0"/>
               </a:rPr>
               <a:t> on slack</a:t>
             </a:r>
             <a:endParaRPr lang="en-US" sz="2400" dirty="0">
-              <a:latin typeface="Andale Mono" charset="0"/>
-              <a:ea typeface="Andale Mono" charset="0"/>
-              <a:cs typeface="Andale Mono" charset="0"/>
+              <a:latin typeface="Copperplate Gothic Light" charset="0"/>
+              <a:ea typeface="Copperplate Gothic Light" charset="0"/>
+              <a:cs typeface="Copperplate Gothic Light" charset="0"/>
             </a:endParaRPr>
           </a:p>
         </p:txBody>
